--- a/projects/05-segmentTreeRangeUpdates/slides/presentation_segTreeRangeUpdates.pptx
+++ b/projects/05-segmentTreeRangeUpdates/slides/presentation_segTreeRangeUpdates.pptx
@@ -18,49 +18,55 @@
     <p:sldId id="263" r:id="rId13"/>
     <p:sldId id="264" r:id="rId14"/>
     <p:sldId id="265" r:id="rId15"/>
+    <p:sldId id="266" r:id="rId16"/>
+    <p:sldId id="267" r:id="rId17"/>
+    <p:sldId id="268" r:id="rId18"/>
+    <p:sldId id="269" r:id="rId19"/>
+    <p:sldId id="270" r:id="rId20"/>
+    <p:sldId id="271" r:id="rId21"/>
   </p:sldIdLst>
   <p:sldSz cy="5143500" cx="9144000"/>
   <p:notesSz cx="6858000" cy="9144000"/>
   <p:embeddedFontLst>
     <p:embeddedFont>
       <p:font typeface="Roboto Mono SemiBold"/>
-      <p:regular r:id="rId16"/>
-      <p:bold r:id="rId17"/>
-      <p:italic r:id="rId18"/>
-      <p:boldItalic r:id="rId19"/>
+      <p:regular r:id="rId22"/>
+      <p:bold r:id="rId23"/>
+      <p:italic r:id="rId24"/>
+      <p:boldItalic r:id="rId25"/>
     </p:embeddedFont>
     <p:embeddedFont>
       <p:font typeface="Roboto"/>
-      <p:regular r:id="rId20"/>
-      <p:bold r:id="rId21"/>
-      <p:italic r:id="rId22"/>
-      <p:boldItalic r:id="rId23"/>
-    </p:embeddedFont>
-    <p:embeddedFont>
-      <p:font typeface="Abril Fatface"/>
-      <p:regular r:id="rId24"/>
-    </p:embeddedFont>
-    <p:embeddedFont>
-      <p:font typeface="Griffy"/>
-      <p:regular r:id="rId25"/>
-    </p:embeddedFont>
-    <p:embeddedFont>
-      <p:font typeface="Poppins"/>
       <p:regular r:id="rId26"/>
       <p:bold r:id="rId27"/>
       <p:italic r:id="rId28"/>
       <p:boldItalic r:id="rId29"/>
     </p:embeddedFont>
     <p:embeddedFont>
+      <p:font typeface="Abril Fatface"/>
+      <p:regular r:id="rId30"/>
+    </p:embeddedFont>
+    <p:embeddedFont>
+      <p:font typeface="Griffy"/>
+      <p:regular r:id="rId31"/>
+    </p:embeddedFont>
+    <p:embeddedFont>
+      <p:font typeface="Poppins"/>
+      <p:regular r:id="rId32"/>
+      <p:bold r:id="rId33"/>
+      <p:italic r:id="rId34"/>
+      <p:boldItalic r:id="rId35"/>
+    </p:embeddedFont>
+    <p:embeddedFont>
       <p:font typeface="Roboto Mono"/>
-      <p:regular r:id="rId30"/>
-      <p:bold r:id="rId31"/>
-      <p:italic r:id="rId32"/>
-      <p:boldItalic r:id="rId33"/>
+      <p:regular r:id="rId36"/>
+      <p:bold r:id="rId37"/>
+      <p:italic r:id="rId38"/>
+      <p:boldItalic r:id="rId39"/>
     </p:embeddedFont>
     <p:embeddedFont>
       <p:font typeface="Homemade Apple"/>
-      <p:regular r:id="rId34"/>
+      <p:regular r:id="rId40"/>
     </p:embeddedFont>
   </p:embeddedFontLst>
   <p:defaultTextStyle>
@@ -841,7 +847,7 @@
   <p:cSld>
     <p:spTree>
       <p:nvGrpSpPr>
-        <p:cNvPr id="455" name="Shape 455"/>
+        <p:cNvPr id="470" name="Shape 470"/>
         <p:cNvGrpSpPr/>
         <p:nvPr/>
       </p:nvGrpSpPr>
@@ -855,7 +861,7 @@
       </p:grpSpPr>
       <p:sp>
         <p:nvSpPr>
-          <p:cNvPr id="456" name="Google Shape;456;g34db9fc036a_10_128:notes"/>
+          <p:cNvPr id="471" name="Google Shape;471;g34dc205fa63_0_47:notes"/>
           <p:cNvSpPr/>
           <p:nvPr>
             <p:ph idx="2" type="sldImg"/>
@@ -890,7 +896,601 @@
       </p:sp>
       <p:sp>
         <p:nvSpPr>
-          <p:cNvPr id="457" name="Google Shape;457;g34db9fc036a_10_128:notes"/>
+          <p:cNvPr id="472" name="Google Shape;472;g34dc205fa63_0_47:notes"/>
+          <p:cNvSpPr txBox="1"/>
+          <p:nvPr>
+            <p:ph idx="1" type="body"/>
+          </p:nvPr>
+        </p:nvSpPr>
+        <p:spPr>
+          <a:xfrm>
+            <a:off x="685800" y="4343400"/>
+            <a:ext cx="5486400" cy="4114800"/>
+          </a:xfrm>
+          <a:prstGeom prst="rect">
+            <a:avLst/>
+          </a:prstGeom>
+        </p:spPr>
+        <p:txBody>
+          <a:bodyPr anchorCtr="0" anchor="t" bIns="91425" lIns="91425" spcFirstLastPara="1" rIns="91425" wrap="square" tIns="91425">
+            <a:noAutofit/>
+          </a:bodyPr>
+          <a:lstStyle/>
+          <a:p>
+            <a:pPr indent="0" lvl="0" marL="0" rtl="0" algn="l">
+              <a:spcBef>
+                <a:spcPts val="0"/>
+              </a:spcBef>
+              <a:spcAft>
+                <a:spcPts val="0"/>
+              </a:spcAft>
+              <a:buNone/>
+            </a:pPr>
+            <a:r>
+              <a:t/>
+            </a:r>
+            <a:endParaRPr/>
+          </a:p>
+        </p:txBody>
+      </p:sp>
+    </p:spTree>
+  </p:cSld>
+  <p:clrMapOvr>
+    <a:masterClrMapping/>
+  </p:clrMapOvr>
+</p:notes>
+</file>
+
+<file path=ppt/notesSlides/notesSlide11.xml><?xml version="1.0" encoding="utf-8"?>
+<p:notes xmlns:a="http://schemas.openxmlformats.org/drawingml/2006/main" xmlns:r="http://schemas.openxmlformats.org/officeDocument/2006/relationships" xmlns:mc="http://schemas.openxmlformats.org/markup-compatibility/2006" xmlns:mv="urn:schemas-microsoft-com:mac:vml" xmlns:p="http://schemas.openxmlformats.org/presentationml/2006/main" xmlns:c="http://schemas.openxmlformats.org/drawingml/2006/chart" xmlns:dgm="http://schemas.openxmlformats.org/drawingml/2006/diagram" xmlns:o="urn:schemas-microsoft-com:office:office" xmlns:v="urn:schemas-microsoft-com:vml" xmlns:pvml="urn:schemas-microsoft-com:office:powerpoint" xmlns:com="http://schemas.openxmlformats.org/drawingml/2006/compatibility" xmlns:p14="http://schemas.microsoft.com/office/powerpoint/2010/main" xmlns:p15="http://schemas.microsoft.com/office/powerpoint/2012/main" xmlns:ahyp="http://schemas.microsoft.com/office/drawing/2018/hyperlinkcolor" showMasterPhAnim="0" showMasterSp="0">
+  <p:cSld>
+    <p:spTree>
+      <p:nvGrpSpPr>
+        <p:cNvPr id="483" name="Shape 483"/>
+        <p:cNvGrpSpPr/>
+        <p:nvPr/>
+      </p:nvGrpSpPr>
+      <p:grpSpPr>
+        <a:xfrm>
+          <a:off x="0" y="0"/>
+          <a:ext cx="0" cy="0"/>
+          <a:chOff x="0" y="0"/>
+          <a:chExt cx="0" cy="0"/>
+        </a:xfrm>
+      </p:grpSpPr>
+      <p:sp>
+        <p:nvSpPr>
+          <p:cNvPr id="484" name="Google Shape;484;g34dc205fa63_0_56:notes"/>
+          <p:cNvSpPr/>
+          <p:nvPr>
+            <p:ph idx="2" type="sldImg"/>
+          </p:nvPr>
+        </p:nvSpPr>
+        <p:spPr>
+          <a:xfrm>
+            <a:off x="381300" y="685800"/>
+            <a:ext cx="6096000" cy="3429000"/>
+          </a:xfrm>
+          <a:custGeom>
+            <a:rect b="b" l="l" r="r" t="t"/>
+            <a:pathLst>
+              <a:path extrusionOk="0" h="120000" w="120000">
+                <a:moveTo>
+                  <a:pt x="0" y="0"/>
+                </a:moveTo>
+                <a:lnTo>
+                  <a:pt x="120000" y="0"/>
+                </a:lnTo>
+                <a:lnTo>
+                  <a:pt x="120000" y="120000"/>
+                </a:lnTo>
+                <a:lnTo>
+                  <a:pt x="0" y="120000"/>
+                </a:lnTo>
+                <a:close/>
+              </a:path>
+            </a:pathLst>
+          </a:custGeom>
+        </p:spPr>
+      </p:sp>
+      <p:sp>
+        <p:nvSpPr>
+          <p:cNvPr id="485" name="Google Shape;485;g34dc205fa63_0_56:notes"/>
+          <p:cNvSpPr txBox="1"/>
+          <p:nvPr>
+            <p:ph idx="1" type="body"/>
+          </p:nvPr>
+        </p:nvSpPr>
+        <p:spPr>
+          <a:xfrm>
+            <a:off x="685800" y="4343400"/>
+            <a:ext cx="5486400" cy="4114800"/>
+          </a:xfrm>
+          <a:prstGeom prst="rect">
+            <a:avLst/>
+          </a:prstGeom>
+        </p:spPr>
+        <p:txBody>
+          <a:bodyPr anchorCtr="0" anchor="t" bIns="91425" lIns="91425" spcFirstLastPara="1" rIns="91425" wrap="square" tIns="91425">
+            <a:noAutofit/>
+          </a:bodyPr>
+          <a:lstStyle/>
+          <a:p>
+            <a:pPr indent="0" lvl="0" marL="0" rtl="0" algn="l">
+              <a:spcBef>
+                <a:spcPts val="0"/>
+              </a:spcBef>
+              <a:spcAft>
+                <a:spcPts val="0"/>
+              </a:spcAft>
+              <a:buNone/>
+            </a:pPr>
+            <a:r>
+              <a:t/>
+            </a:r>
+            <a:endParaRPr/>
+          </a:p>
+        </p:txBody>
+      </p:sp>
+    </p:spTree>
+  </p:cSld>
+  <p:clrMapOvr>
+    <a:masterClrMapping/>
+  </p:clrMapOvr>
+</p:notes>
+</file>
+
+<file path=ppt/notesSlides/notesSlide12.xml><?xml version="1.0" encoding="utf-8"?>
+<p:notes xmlns:a="http://schemas.openxmlformats.org/drawingml/2006/main" xmlns:r="http://schemas.openxmlformats.org/officeDocument/2006/relationships" xmlns:mc="http://schemas.openxmlformats.org/markup-compatibility/2006" xmlns:mv="urn:schemas-microsoft-com:mac:vml" xmlns:p="http://schemas.openxmlformats.org/presentationml/2006/main" xmlns:c="http://schemas.openxmlformats.org/drawingml/2006/chart" xmlns:dgm="http://schemas.openxmlformats.org/drawingml/2006/diagram" xmlns:o="urn:schemas-microsoft-com:office:office" xmlns:v="urn:schemas-microsoft-com:vml" xmlns:pvml="urn:schemas-microsoft-com:office:powerpoint" xmlns:com="http://schemas.openxmlformats.org/drawingml/2006/compatibility" xmlns:p14="http://schemas.microsoft.com/office/powerpoint/2010/main" xmlns:p15="http://schemas.microsoft.com/office/powerpoint/2012/main" xmlns:ahyp="http://schemas.microsoft.com/office/drawing/2018/hyperlinkcolor" showMasterPhAnim="0" showMasterSp="0">
+  <p:cSld>
+    <p:spTree>
+      <p:nvGrpSpPr>
+        <p:cNvPr id="493" name="Shape 493"/>
+        <p:cNvGrpSpPr/>
+        <p:nvPr/>
+      </p:nvGrpSpPr>
+      <p:grpSpPr>
+        <a:xfrm>
+          <a:off x="0" y="0"/>
+          <a:ext cx="0" cy="0"/>
+          <a:chOff x="0" y="0"/>
+          <a:chExt cx="0" cy="0"/>
+        </a:xfrm>
+      </p:grpSpPr>
+      <p:sp>
+        <p:nvSpPr>
+          <p:cNvPr id="494" name="Google Shape;494;g34db9fc036a_10_56:notes"/>
+          <p:cNvSpPr/>
+          <p:nvPr>
+            <p:ph idx="2" type="sldImg"/>
+          </p:nvPr>
+        </p:nvSpPr>
+        <p:spPr>
+          <a:xfrm>
+            <a:off x="381300" y="685800"/>
+            <a:ext cx="6096000" cy="3429000"/>
+          </a:xfrm>
+          <a:custGeom>
+            <a:rect b="b" l="l" r="r" t="t"/>
+            <a:pathLst>
+              <a:path extrusionOk="0" h="120000" w="120000">
+                <a:moveTo>
+                  <a:pt x="0" y="0"/>
+                </a:moveTo>
+                <a:lnTo>
+                  <a:pt x="120000" y="0"/>
+                </a:lnTo>
+                <a:lnTo>
+                  <a:pt x="120000" y="120000"/>
+                </a:lnTo>
+                <a:lnTo>
+                  <a:pt x="0" y="120000"/>
+                </a:lnTo>
+                <a:close/>
+              </a:path>
+            </a:pathLst>
+          </a:custGeom>
+        </p:spPr>
+      </p:sp>
+      <p:sp>
+        <p:nvSpPr>
+          <p:cNvPr id="495" name="Google Shape;495;g34db9fc036a_10_56:notes"/>
+          <p:cNvSpPr txBox="1"/>
+          <p:nvPr>
+            <p:ph idx="1" type="body"/>
+          </p:nvPr>
+        </p:nvSpPr>
+        <p:spPr>
+          <a:xfrm>
+            <a:off x="685800" y="4343400"/>
+            <a:ext cx="5486400" cy="4114800"/>
+          </a:xfrm>
+          <a:prstGeom prst="rect">
+            <a:avLst/>
+          </a:prstGeom>
+        </p:spPr>
+        <p:txBody>
+          <a:bodyPr anchorCtr="0" anchor="t" bIns="91425" lIns="91425" spcFirstLastPara="1" rIns="91425" wrap="square" tIns="91425">
+            <a:noAutofit/>
+          </a:bodyPr>
+          <a:lstStyle/>
+          <a:p>
+            <a:pPr indent="0" lvl="0" marL="0" rtl="0" algn="l">
+              <a:spcBef>
+                <a:spcPts val="0"/>
+              </a:spcBef>
+              <a:spcAft>
+                <a:spcPts val="0"/>
+              </a:spcAft>
+              <a:buNone/>
+            </a:pPr>
+            <a:r>
+              <a:t/>
+            </a:r>
+            <a:endParaRPr/>
+          </a:p>
+        </p:txBody>
+      </p:sp>
+    </p:spTree>
+  </p:cSld>
+  <p:clrMapOvr>
+    <a:masterClrMapping/>
+  </p:clrMapOvr>
+</p:notes>
+</file>
+
+<file path=ppt/notesSlides/notesSlide13.xml><?xml version="1.0" encoding="utf-8"?>
+<p:notes xmlns:a="http://schemas.openxmlformats.org/drawingml/2006/main" xmlns:r="http://schemas.openxmlformats.org/officeDocument/2006/relationships" xmlns:mc="http://schemas.openxmlformats.org/markup-compatibility/2006" xmlns:mv="urn:schemas-microsoft-com:mac:vml" xmlns:p="http://schemas.openxmlformats.org/presentationml/2006/main" xmlns:c="http://schemas.openxmlformats.org/drawingml/2006/chart" xmlns:dgm="http://schemas.openxmlformats.org/drawingml/2006/diagram" xmlns:o="urn:schemas-microsoft-com:office:office" xmlns:v="urn:schemas-microsoft-com:vml" xmlns:pvml="urn:schemas-microsoft-com:office:powerpoint" xmlns:com="http://schemas.openxmlformats.org/drawingml/2006/compatibility" xmlns:p14="http://schemas.microsoft.com/office/powerpoint/2010/main" xmlns:p15="http://schemas.microsoft.com/office/powerpoint/2012/main" xmlns:ahyp="http://schemas.microsoft.com/office/drawing/2018/hyperlinkcolor" showMasterPhAnim="0" showMasterSp="0">
+  <p:cSld>
+    <p:spTree>
+      <p:nvGrpSpPr>
+        <p:cNvPr id="501" name="Shape 501"/>
+        <p:cNvGrpSpPr/>
+        <p:nvPr/>
+      </p:nvGrpSpPr>
+      <p:grpSpPr>
+        <a:xfrm>
+          <a:off x="0" y="0"/>
+          <a:ext cx="0" cy="0"/>
+          <a:chOff x="0" y="0"/>
+          <a:chExt cx="0" cy="0"/>
+        </a:xfrm>
+      </p:grpSpPr>
+      <p:sp>
+        <p:nvSpPr>
+          <p:cNvPr id="502" name="Google Shape;502;g34db9fc036a_10_68:notes"/>
+          <p:cNvSpPr/>
+          <p:nvPr>
+            <p:ph idx="2" type="sldImg"/>
+          </p:nvPr>
+        </p:nvSpPr>
+        <p:spPr>
+          <a:xfrm>
+            <a:off x="381300" y="685800"/>
+            <a:ext cx="6096000" cy="3429000"/>
+          </a:xfrm>
+          <a:custGeom>
+            <a:rect b="b" l="l" r="r" t="t"/>
+            <a:pathLst>
+              <a:path extrusionOk="0" h="120000" w="120000">
+                <a:moveTo>
+                  <a:pt x="0" y="0"/>
+                </a:moveTo>
+                <a:lnTo>
+                  <a:pt x="120000" y="0"/>
+                </a:lnTo>
+                <a:lnTo>
+                  <a:pt x="120000" y="120000"/>
+                </a:lnTo>
+                <a:lnTo>
+                  <a:pt x="0" y="120000"/>
+                </a:lnTo>
+                <a:close/>
+              </a:path>
+            </a:pathLst>
+          </a:custGeom>
+        </p:spPr>
+      </p:sp>
+      <p:sp>
+        <p:nvSpPr>
+          <p:cNvPr id="503" name="Google Shape;503;g34db9fc036a_10_68:notes"/>
+          <p:cNvSpPr txBox="1"/>
+          <p:nvPr>
+            <p:ph idx="1" type="body"/>
+          </p:nvPr>
+        </p:nvSpPr>
+        <p:spPr>
+          <a:xfrm>
+            <a:off x="685800" y="4343400"/>
+            <a:ext cx="5486400" cy="4114800"/>
+          </a:xfrm>
+          <a:prstGeom prst="rect">
+            <a:avLst/>
+          </a:prstGeom>
+        </p:spPr>
+        <p:txBody>
+          <a:bodyPr anchorCtr="0" anchor="t" bIns="91425" lIns="91425" spcFirstLastPara="1" rIns="91425" wrap="square" tIns="91425">
+            <a:noAutofit/>
+          </a:bodyPr>
+          <a:lstStyle/>
+          <a:p>
+            <a:pPr indent="0" lvl="0" marL="0" rtl="0" algn="l">
+              <a:spcBef>
+                <a:spcPts val="0"/>
+              </a:spcBef>
+              <a:spcAft>
+                <a:spcPts val="0"/>
+              </a:spcAft>
+              <a:buNone/>
+            </a:pPr>
+            <a:r>
+              <a:t/>
+            </a:r>
+            <a:endParaRPr/>
+          </a:p>
+        </p:txBody>
+      </p:sp>
+    </p:spTree>
+  </p:cSld>
+  <p:clrMapOvr>
+    <a:masterClrMapping/>
+  </p:clrMapOvr>
+</p:notes>
+</file>
+
+<file path=ppt/notesSlides/notesSlide14.xml><?xml version="1.0" encoding="utf-8"?>
+<p:notes xmlns:a="http://schemas.openxmlformats.org/drawingml/2006/main" xmlns:r="http://schemas.openxmlformats.org/officeDocument/2006/relationships" xmlns:mc="http://schemas.openxmlformats.org/markup-compatibility/2006" xmlns:mv="urn:schemas-microsoft-com:mac:vml" xmlns:p="http://schemas.openxmlformats.org/presentationml/2006/main" xmlns:c="http://schemas.openxmlformats.org/drawingml/2006/chart" xmlns:dgm="http://schemas.openxmlformats.org/drawingml/2006/diagram" xmlns:o="urn:schemas-microsoft-com:office:office" xmlns:v="urn:schemas-microsoft-com:vml" xmlns:pvml="urn:schemas-microsoft-com:office:powerpoint" xmlns:com="http://schemas.openxmlformats.org/drawingml/2006/compatibility" xmlns:p14="http://schemas.microsoft.com/office/powerpoint/2010/main" xmlns:p15="http://schemas.microsoft.com/office/powerpoint/2012/main" xmlns:ahyp="http://schemas.microsoft.com/office/drawing/2018/hyperlinkcolor" showMasterPhAnim="0" showMasterSp="0">
+  <p:cSld>
+    <p:spTree>
+      <p:nvGrpSpPr>
+        <p:cNvPr id="510" name="Shape 510"/>
+        <p:cNvGrpSpPr/>
+        <p:nvPr/>
+      </p:nvGrpSpPr>
+      <p:grpSpPr>
+        <a:xfrm>
+          <a:off x="0" y="0"/>
+          <a:ext cx="0" cy="0"/>
+          <a:chOff x="0" y="0"/>
+          <a:chExt cx="0" cy="0"/>
+        </a:xfrm>
+      </p:grpSpPr>
+      <p:sp>
+        <p:nvSpPr>
+          <p:cNvPr id="511" name="Google Shape;511;g34db9fc036a_10_74:notes"/>
+          <p:cNvSpPr/>
+          <p:nvPr>
+            <p:ph idx="2" type="sldImg"/>
+          </p:nvPr>
+        </p:nvSpPr>
+        <p:spPr>
+          <a:xfrm>
+            <a:off x="381300" y="685800"/>
+            <a:ext cx="6096000" cy="3429000"/>
+          </a:xfrm>
+          <a:custGeom>
+            <a:rect b="b" l="l" r="r" t="t"/>
+            <a:pathLst>
+              <a:path extrusionOk="0" h="120000" w="120000">
+                <a:moveTo>
+                  <a:pt x="0" y="0"/>
+                </a:moveTo>
+                <a:lnTo>
+                  <a:pt x="120000" y="0"/>
+                </a:lnTo>
+                <a:lnTo>
+                  <a:pt x="120000" y="120000"/>
+                </a:lnTo>
+                <a:lnTo>
+                  <a:pt x="0" y="120000"/>
+                </a:lnTo>
+                <a:close/>
+              </a:path>
+            </a:pathLst>
+          </a:custGeom>
+        </p:spPr>
+      </p:sp>
+      <p:sp>
+        <p:nvSpPr>
+          <p:cNvPr id="512" name="Google Shape;512;g34db9fc036a_10_74:notes"/>
+          <p:cNvSpPr txBox="1"/>
+          <p:nvPr>
+            <p:ph idx="1" type="body"/>
+          </p:nvPr>
+        </p:nvSpPr>
+        <p:spPr>
+          <a:xfrm>
+            <a:off x="685800" y="4343400"/>
+            <a:ext cx="5486400" cy="4114800"/>
+          </a:xfrm>
+          <a:prstGeom prst="rect">
+            <a:avLst/>
+          </a:prstGeom>
+        </p:spPr>
+        <p:txBody>
+          <a:bodyPr anchorCtr="0" anchor="t" bIns="91425" lIns="91425" spcFirstLastPara="1" rIns="91425" wrap="square" tIns="91425">
+            <a:noAutofit/>
+          </a:bodyPr>
+          <a:lstStyle/>
+          <a:p>
+            <a:pPr indent="0" lvl="0" marL="0" rtl="0" algn="l">
+              <a:spcBef>
+                <a:spcPts val="0"/>
+              </a:spcBef>
+              <a:spcAft>
+                <a:spcPts val="0"/>
+              </a:spcAft>
+              <a:buNone/>
+            </a:pPr>
+            <a:r>
+              <a:t/>
+            </a:r>
+            <a:endParaRPr/>
+          </a:p>
+        </p:txBody>
+      </p:sp>
+    </p:spTree>
+  </p:cSld>
+  <p:clrMapOvr>
+    <a:masterClrMapping/>
+  </p:clrMapOvr>
+</p:notes>
+</file>
+
+<file path=ppt/notesSlides/notesSlide15.xml><?xml version="1.0" encoding="utf-8"?>
+<p:notes xmlns:a="http://schemas.openxmlformats.org/drawingml/2006/main" xmlns:r="http://schemas.openxmlformats.org/officeDocument/2006/relationships" xmlns:mc="http://schemas.openxmlformats.org/markup-compatibility/2006" xmlns:mv="urn:schemas-microsoft-com:mac:vml" xmlns:p="http://schemas.openxmlformats.org/presentationml/2006/main" xmlns:c="http://schemas.openxmlformats.org/drawingml/2006/chart" xmlns:dgm="http://schemas.openxmlformats.org/drawingml/2006/diagram" xmlns:o="urn:schemas-microsoft-com:office:office" xmlns:v="urn:schemas-microsoft-com:vml" xmlns:pvml="urn:schemas-microsoft-com:office:powerpoint" xmlns:com="http://schemas.openxmlformats.org/drawingml/2006/compatibility" xmlns:p14="http://schemas.microsoft.com/office/powerpoint/2010/main" xmlns:p15="http://schemas.microsoft.com/office/powerpoint/2012/main" xmlns:ahyp="http://schemas.microsoft.com/office/drawing/2018/hyperlinkcolor" showMasterPhAnim="0" showMasterSp="0">
+  <p:cSld>
+    <p:spTree>
+      <p:nvGrpSpPr>
+        <p:cNvPr id="519" name="Shape 519"/>
+        <p:cNvGrpSpPr/>
+        <p:nvPr/>
+      </p:nvGrpSpPr>
+      <p:grpSpPr>
+        <a:xfrm>
+          <a:off x="0" y="0"/>
+          <a:ext cx="0" cy="0"/>
+          <a:chOff x="0" y="0"/>
+          <a:chExt cx="0" cy="0"/>
+        </a:xfrm>
+      </p:grpSpPr>
+      <p:sp>
+        <p:nvSpPr>
+          <p:cNvPr id="520" name="Google Shape;520;g34db9fc036a_10_80:notes"/>
+          <p:cNvSpPr/>
+          <p:nvPr>
+            <p:ph idx="2" type="sldImg"/>
+          </p:nvPr>
+        </p:nvSpPr>
+        <p:spPr>
+          <a:xfrm>
+            <a:off x="381300" y="685800"/>
+            <a:ext cx="6096000" cy="3429000"/>
+          </a:xfrm>
+          <a:custGeom>
+            <a:rect b="b" l="l" r="r" t="t"/>
+            <a:pathLst>
+              <a:path extrusionOk="0" h="120000" w="120000">
+                <a:moveTo>
+                  <a:pt x="0" y="0"/>
+                </a:moveTo>
+                <a:lnTo>
+                  <a:pt x="120000" y="0"/>
+                </a:lnTo>
+                <a:lnTo>
+                  <a:pt x="120000" y="120000"/>
+                </a:lnTo>
+                <a:lnTo>
+                  <a:pt x="0" y="120000"/>
+                </a:lnTo>
+                <a:close/>
+              </a:path>
+            </a:pathLst>
+          </a:custGeom>
+        </p:spPr>
+      </p:sp>
+      <p:sp>
+        <p:nvSpPr>
+          <p:cNvPr id="521" name="Google Shape;521;g34db9fc036a_10_80:notes"/>
+          <p:cNvSpPr txBox="1"/>
+          <p:nvPr>
+            <p:ph idx="1" type="body"/>
+          </p:nvPr>
+        </p:nvSpPr>
+        <p:spPr>
+          <a:xfrm>
+            <a:off x="685800" y="4343400"/>
+            <a:ext cx="5486400" cy="4114800"/>
+          </a:xfrm>
+          <a:prstGeom prst="rect">
+            <a:avLst/>
+          </a:prstGeom>
+        </p:spPr>
+        <p:txBody>
+          <a:bodyPr anchorCtr="0" anchor="t" bIns="91425" lIns="91425" spcFirstLastPara="1" rIns="91425" wrap="square" tIns="91425">
+            <a:noAutofit/>
+          </a:bodyPr>
+          <a:lstStyle/>
+          <a:p>
+            <a:pPr indent="0" lvl="0" marL="0" rtl="0" algn="l">
+              <a:spcBef>
+                <a:spcPts val="0"/>
+              </a:spcBef>
+              <a:spcAft>
+                <a:spcPts val="0"/>
+              </a:spcAft>
+              <a:buNone/>
+            </a:pPr>
+            <a:r>
+              <a:t/>
+            </a:r>
+            <a:endParaRPr/>
+          </a:p>
+        </p:txBody>
+      </p:sp>
+    </p:spTree>
+  </p:cSld>
+  <p:clrMapOvr>
+    <a:masterClrMapping/>
+  </p:clrMapOvr>
+</p:notes>
+</file>
+
+<file path=ppt/notesSlides/notesSlide16.xml><?xml version="1.0" encoding="utf-8"?>
+<p:notes xmlns:a="http://schemas.openxmlformats.org/drawingml/2006/main" xmlns:r="http://schemas.openxmlformats.org/officeDocument/2006/relationships" xmlns:mc="http://schemas.openxmlformats.org/markup-compatibility/2006" xmlns:mv="urn:schemas-microsoft-com:mac:vml" xmlns:p="http://schemas.openxmlformats.org/presentationml/2006/main" xmlns:c="http://schemas.openxmlformats.org/drawingml/2006/chart" xmlns:dgm="http://schemas.openxmlformats.org/drawingml/2006/diagram" xmlns:o="urn:schemas-microsoft-com:office:office" xmlns:v="urn:schemas-microsoft-com:vml" xmlns:pvml="urn:schemas-microsoft-com:office:powerpoint" xmlns:com="http://schemas.openxmlformats.org/drawingml/2006/compatibility" xmlns:p14="http://schemas.microsoft.com/office/powerpoint/2010/main" xmlns:p15="http://schemas.microsoft.com/office/powerpoint/2012/main" xmlns:ahyp="http://schemas.microsoft.com/office/drawing/2018/hyperlinkcolor" showMasterPhAnim="0" showMasterSp="0">
+  <p:cSld>
+    <p:spTree>
+      <p:nvGrpSpPr>
+        <p:cNvPr id="528" name="Shape 528"/>
+        <p:cNvGrpSpPr/>
+        <p:nvPr/>
+      </p:nvGrpSpPr>
+      <p:grpSpPr>
+        <a:xfrm>
+          <a:off x="0" y="0"/>
+          <a:ext cx="0" cy="0"/>
+          <a:chOff x="0" y="0"/>
+          <a:chExt cx="0" cy="0"/>
+        </a:xfrm>
+      </p:grpSpPr>
+      <p:sp>
+        <p:nvSpPr>
+          <p:cNvPr id="529" name="Google Shape;529;g34db9fc036a_10_128:notes"/>
+          <p:cNvSpPr/>
+          <p:nvPr>
+            <p:ph idx="2" type="sldImg"/>
+          </p:nvPr>
+        </p:nvSpPr>
+        <p:spPr>
+          <a:xfrm>
+            <a:off x="381300" y="685800"/>
+            <a:ext cx="6096000" cy="3429000"/>
+          </a:xfrm>
+          <a:custGeom>
+            <a:rect b="b" l="l" r="r" t="t"/>
+            <a:pathLst>
+              <a:path extrusionOk="0" h="120000" w="120000">
+                <a:moveTo>
+                  <a:pt x="0" y="0"/>
+                </a:moveTo>
+                <a:lnTo>
+                  <a:pt x="120000" y="0"/>
+                </a:lnTo>
+                <a:lnTo>
+                  <a:pt x="120000" y="120000"/>
+                </a:lnTo>
+                <a:lnTo>
+                  <a:pt x="0" y="120000"/>
+                </a:lnTo>
+                <a:close/>
+              </a:path>
+            </a:pathLst>
+          </a:custGeom>
+        </p:spPr>
+      </p:sp>
+      <p:sp>
+        <p:nvSpPr>
+          <p:cNvPr id="530" name="Google Shape;530;g34db9fc036a_10_128:notes"/>
           <p:cNvSpPr txBox="1"/>
           <p:nvPr>
             <p:ph idx="1" type="body"/>
@@ -1053,7 +1653,7 @@
       </p:grpSpPr>
       <p:sp>
         <p:nvSpPr>
-          <p:cNvPr id="399" name="Google Shape;399;g34db9fc036a_10_56:notes"/>
+          <p:cNvPr id="399" name="Google Shape;399;g34db9fc036a_10_62:notes"/>
           <p:cNvSpPr/>
           <p:nvPr>
             <p:ph idx="2" type="sldImg"/>
@@ -1088,7 +1688,7 @@
       </p:sp>
       <p:sp>
         <p:nvSpPr>
-          <p:cNvPr id="400" name="Google Shape;400;g34db9fc036a_10_56:notes"/>
+          <p:cNvPr id="400" name="Google Shape;400;g34db9fc036a_10_62:notes"/>
           <p:cNvSpPr txBox="1"/>
           <p:nvPr>
             <p:ph idx="1" type="body"/>
@@ -1152,7 +1752,7 @@
       </p:grpSpPr>
       <p:sp>
         <p:nvSpPr>
-          <p:cNvPr id="406" name="Google Shape;406;g34db9fc036a_10_62:notes"/>
+          <p:cNvPr id="406" name="Google Shape;406;g34db9fc036a_0_375:notes"/>
           <p:cNvSpPr/>
           <p:nvPr>
             <p:ph idx="2" type="sldImg"/>
@@ -1187,7 +1787,7 @@
       </p:sp>
       <p:sp>
         <p:nvSpPr>
-          <p:cNvPr id="407" name="Google Shape;407;g34db9fc036a_10_62:notes"/>
+          <p:cNvPr id="407" name="Google Shape;407;g34db9fc036a_0_375:notes"/>
           <p:cNvSpPr txBox="1"/>
           <p:nvPr>
             <p:ph idx="1" type="body"/>
@@ -1237,7 +1837,7 @@
   <p:cSld>
     <p:spTree>
       <p:nvGrpSpPr>
-        <p:cNvPr id="413" name="Shape 413"/>
+        <p:cNvPr id="416" name="Shape 416"/>
         <p:cNvGrpSpPr/>
         <p:nvPr/>
       </p:nvGrpSpPr>
@@ -1251,7 +1851,7 @@
       </p:grpSpPr>
       <p:sp>
         <p:nvSpPr>
-          <p:cNvPr id="414" name="Google Shape;414;g34db9fc036a_10_68:notes"/>
+          <p:cNvPr id="417" name="Google Shape;417;g34db9fc036a_12_15:notes"/>
           <p:cNvSpPr/>
           <p:nvPr>
             <p:ph idx="2" type="sldImg"/>
@@ -1286,7 +1886,7 @@
       </p:sp>
       <p:sp>
         <p:nvSpPr>
-          <p:cNvPr id="415" name="Google Shape;415;g34db9fc036a_10_68:notes"/>
+          <p:cNvPr id="418" name="Google Shape;418;g34db9fc036a_12_15:notes"/>
           <p:cNvSpPr txBox="1"/>
           <p:nvPr>
             <p:ph idx="1" type="body"/>
@@ -1336,7 +1936,7 @@
   <p:cSld>
     <p:spTree>
       <p:nvGrpSpPr>
-        <p:cNvPr id="422" name="Shape 422"/>
+        <p:cNvPr id="425" name="Shape 425"/>
         <p:cNvGrpSpPr/>
         <p:nvPr/>
       </p:nvGrpSpPr>
@@ -1350,7 +1950,7 @@
       </p:grpSpPr>
       <p:sp>
         <p:nvSpPr>
-          <p:cNvPr id="423" name="Google Shape;423;g34db9fc036a_10_74:notes"/>
+          <p:cNvPr id="426" name="Google Shape;426;g34dc205fa63_0_6:notes"/>
           <p:cNvSpPr/>
           <p:nvPr>
             <p:ph idx="2" type="sldImg"/>
@@ -1385,7 +1985,7 @@
       </p:sp>
       <p:sp>
         <p:nvSpPr>
-          <p:cNvPr id="424" name="Google Shape;424;g34db9fc036a_10_74:notes"/>
+          <p:cNvPr id="427" name="Google Shape;427;g34dc205fa63_0_6:notes"/>
           <p:cNvSpPr txBox="1"/>
           <p:nvPr>
             <p:ph idx="1" type="body"/>
@@ -1435,7 +2035,7 @@
   <p:cSld>
     <p:spTree>
       <p:nvGrpSpPr>
-        <p:cNvPr id="431" name="Shape 431"/>
+        <p:cNvPr id="435" name="Shape 435"/>
         <p:cNvGrpSpPr/>
         <p:nvPr/>
       </p:nvGrpSpPr>
@@ -1449,7 +2049,7 @@
       </p:grpSpPr>
       <p:sp>
         <p:nvSpPr>
-          <p:cNvPr id="432" name="Google Shape;432;g34db9fc036a_10_80:notes"/>
+          <p:cNvPr id="436" name="Google Shape;436;g34dc205fa63_0_25:notes"/>
           <p:cNvSpPr/>
           <p:nvPr>
             <p:ph idx="2" type="sldImg"/>
@@ -1484,7 +2084,7 @@
       </p:sp>
       <p:sp>
         <p:nvSpPr>
-          <p:cNvPr id="433" name="Google Shape;433;g34db9fc036a_10_80:notes"/>
+          <p:cNvPr id="437" name="Google Shape;437;g34dc205fa63_0_25:notes"/>
           <p:cNvSpPr txBox="1"/>
           <p:nvPr>
             <p:ph idx="1" type="body"/>
@@ -1534,7 +2134,7 @@
   <p:cSld>
     <p:spTree>
       <p:nvGrpSpPr>
-        <p:cNvPr id="440" name="Shape 440"/>
+        <p:cNvPr id="447" name="Shape 447"/>
         <p:cNvGrpSpPr/>
         <p:nvPr/>
       </p:nvGrpSpPr>
@@ -1548,7 +2148,7 @@
       </p:grpSpPr>
       <p:sp>
         <p:nvSpPr>
-          <p:cNvPr id="441" name="Google Shape;441;g34db9fc036a_12_15:notes"/>
+          <p:cNvPr id="448" name="Google Shape;448;g34db9fc036a_12_33:notes"/>
           <p:cNvSpPr/>
           <p:nvPr>
             <p:ph idx="2" type="sldImg"/>
@@ -1583,7 +2183,7 @@
       </p:sp>
       <p:sp>
         <p:nvSpPr>
-          <p:cNvPr id="442" name="Google Shape;442;g34db9fc036a_12_15:notes"/>
+          <p:cNvPr id="449" name="Google Shape;449;g34db9fc036a_12_33:notes"/>
           <p:cNvSpPr txBox="1"/>
           <p:nvPr>
             <p:ph idx="1" type="body"/>
@@ -1633,7 +2233,7 @@
   <p:cSld>
     <p:spTree>
       <p:nvGrpSpPr>
-        <p:cNvPr id="448" name="Shape 448"/>
+        <p:cNvPr id="454" name="Shape 454"/>
         <p:cNvGrpSpPr/>
         <p:nvPr/>
       </p:nvGrpSpPr>
@@ -1647,7 +2247,7 @@
       </p:grpSpPr>
       <p:sp>
         <p:nvSpPr>
-          <p:cNvPr id="449" name="Google Shape;449;g34db9fc036a_12_33:notes"/>
+          <p:cNvPr id="455" name="Google Shape;455;g34dc205fa63_3_2:notes"/>
           <p:cNvSpPr/>
           <p:nvPr>
             <p:ph idx="2" type="sldImg"/>
@@ -1682,7 +2282,7 @@
       </p:sp>
       <p:sp>
         <p:nvSpPr>
-          <p:cNvPr id="450" name="Google Shape;450;g34db9fc036a_12_33:notes"/>
+          <p:cNvPr id="456" name="Google Shape;456;g34dc205fa63_3_2:notes"/>
           <p:cNvSpPr txBox="1"/>
           <p:nvPr>
             <p:ph idx="1" type="body"/>
@@ -34802,7 +35402,7 @@
   <p:cSld>
     <p:spTree>
       <p:nvGrpSpPr>
-        <p:cNvPr id="458" name="Shape 458"/>
+        <p:cNvPr id="473" name="Shape 473"/>
         <p:cNvGrpSpPr/>
         <p:nvPr/>
       </p:nvGrpSpPr>
@@ -34816,7 +35416,2024 @@
       </p:grpSpPr>
       <p:sp>
         <p:nvSpPr>
-          <p:cNvPr id="459" name="Google Shape;459;p32"/>
+          <p:cNvPr id="474" name="Google Shape;474;p32"/>
+          <p:cNvSpPr txBox="1"/>
+          <p:nvPr>
+            <p:ph idx="4294967295" type="title"/>
+          </p:nvPr>
+        </p:nvSpPr>
+        <p:spPr>
+          <a:xfrm>
+            <a:off x="559725" y="472650"/>
+            <a:ext cx="6388500" cy="518700"/>
+          </a:xfrm>
+          <a:prstGeom prst="rect">
+            <a:avLst/>
+          </a:prstGeom>
+        </p:spPr>
+        <p:txBody>
+          <a:bodyPr anchorCtr="0" anchor="t" bIns="91425" lIns="91425" spcFirstLastPara="1" rIns="91425" wrap="square" tIns="91425">
+            <a:noAutofit/>
+          </a:bodyPr>
+          <a:lstStyle/>
+          <a:p>
+            <a:pPr indent="0" lvl="0" marL="0" rtl="0" algn="l">
+              <a:spcBef>
+                <a:spcPts val="0"/>
+              </a:spcBef>
+              <a:spcAft>
+                <a:spcPts val="0"/>
+              </a:spcAft>
+              <a:buNone/>
+            </a:pPr>
+            <a:r>
+              <a:rPr lang="en" sz="2500"/>
+              <a:t>Variant 2: Update</a:t>
+            </a:r>
+            <a:endParaRPr sz="2500"/>
+          </a:p>
+        </p:txBody>
+      </p:sp>
+      <p:sp>
+        <p:nvSpPr>
+          <p:cNvPr id="475" name="Google Shape;475;p32"/>
+          <p:cNvSpPr txBox="1"/>
+          <p:nvPr/>
+        </p:nvSpPr>
+        <p:spPr>
+          <a:xfrm>
+            <a:off x="6085025" y="1551750"/>
+            <a:ext cx="2763600" cy="1477500"/>
+          </a:xfrm>
+          <a:prstGeom prst="rect">
+            <a:avLst/>
+          </a:prstGeom>
+          <a:noFill/>
+          <a:ln>
+            <a:noFill/>
+          </a:ln>
+        </p:spPr>
+        <p:txBody>
+          <a:bodyPr anchorCtr="0" anchor="t" bIns="91425" lIns="91425" spcFirstLastPara="1" rIns="91425" wrap="square" tIns="91425">
+            <a:spAutoFit/>
+          </a:bodyPr>
+          <a:lstStyle/>
+          <a:p>
+            <a:pPr indent="-317500" lvl="0" marL="457200" rtl="0" algn="l">
+              <a:spcBef>
+                <a:spcPts val="0"/>
+              </a:spcBef>
+              <a:spcAft>
+                <a:spcPts val="0"/>
+              </a:spcAft>
+              <a:buClr>
+                <a:schemeClr val="dk2"/>
+              </a:buClr>
+              <a:buSzPts val="1400"/>
+              <a:buFont typeface="Roboto Mono"/>
+              <a:buChar char="-"/>
+            </a:pPr>
+            <a:r>
+              <a:rPr lang="en">
+                <a:solidFill>
+                  <a:schemeClr val="dk2"/>
+                </a:solidFill>
+                <a:latin typeface="Roboto Mono"/>
+                <a:ea typeface="Roboto Mono"/>
+                <a:cs typeface="Roboto Mono"/>
+                <a:sym typeface="Roboto Mono"/>
+              </a:rPr>
+              <a:t>Store value to be inserted in highest segments within range</a:t>
+            </a:r>
+            <a:endParaRPr>
+              <a:solidFill>
+                <a:schemeClr val="dk2"/>
+              </a:solidFill>
+              <a:latin typeface="Roboto Mono"/>
+              <a:ea typeface="Roboto Mono"/>
+              <a:cs typeface="Roboto Mono"/>
+              <a:sym typeface="Roboto Mono"/>
+            </a:endParaRPr>
+          </a:p>
+          <a:p>
+            <a:pPr indent="-317500" lvl="0" marL="457200" rtl="0" algn="l">
+              <a:spcBef>
+                <a:spcPts val="0"/>
+              </a:spcBef>
+              <a:spcAft>
+                <a:spcPts val="0"/>
+              </a:spcAft>
+              <a:buClr>
+                <a:schemeClr val="dk2"/>
+              </a:buClr>
+              <a:buSzPts val="1400"/>
+              <a:buFont typeface="Roboto Mono"/>
+              <a:buChar char="-"/>
+            </a:pPr>
+            <a:r>
+              <a:rPr lang="en">
+                <a:solidFill>
+                  <a:schemeClr val="dk2"/>
+                </a:solidFill>
+                <a:latin typeface="Roboto Mono"/>
+                <a:ea typeface="Roboto Mono"/>
+                <a:cs typeface="Roboto Mono"/>
+                <a:sym typeface="Roboto Mono"/>
+              </a:rPr>
+              <a:t>Mark that children share its value</a:t>
+            </a:r>
+            <a:endParaRPr>
+              <a:solidFill>
+                <a:schemeClr val="dk2"/>
+              </a:solidFill>
+              <a:latin typeface="Roboto Mono"/>
+              <a:ea typeface="Roboto Mono"/>
+              <a:cs typeface="Roboto Mono"/>
+              <a:sym typeface="Roboto Mono"/>
+            </a:endParaRPr>
+          </a:p>
+        </p:txBody>
+      </p:sp>
+      <p:pic>
+        <p:nvPicPr>
+          <p:cNvPr id="476" name="Google Shape;476;p32"/>
+          <p:cNvPicPr preferRelativeResize="0"/>
+          <p:nvPr/>
+        </p:nvPicPr>
+        <p:blipFill>
+          <a:blip r:embed="rId3">
+            <a:alphaModFix/>
+          </a:blip>
+          <a:stretch>
+            <a:fillRect/>
+          </a:stretch>
+        </p:blipFill>
+        <p:spPr>
+          <a:xfrm>
+            <a:off x="230875" y="1298778"/>
+            <a:ext cx="5778925" cy="3121150"/>
+          </a:xfrm>
+          <a:prstGeom prst="rect">
+            <a:avLst/>
+          </a:prstGeom>
+          <a:noFill/>
+          <a:ln>
+            <a:noFill/>
+          </a:ln>
+        </p:spPr>
+      </p:pic>
+      <p:sp>
+        <p:nvSpPr>
+          <p:cNvPr id="477" name="Google Shape;477;p32"/>
+          <p:cNvSpPr txBox="1"/>
+          <p:nvPr/>
+        </p:nvSpPr>
+        <p:spPr>
+          <a:xfrm>
+            <a:off x="2184775" y="1471975"/>
+            <a:ext cx="2429400" cy="400200"/>
+          </a:xfrm>
+          <a:prstGeom prst="rect">
+            <a:avLst/>
+          </a:prstGeom>
+          <a:noFill/>
+          <a:ln>
+            <a:noFill/>
+          </a:ln>
+        </p:spPr>
+        <p:txBody>
+          <a:bodyPr anchorCtr="0" anchor="t" bIns="91425" lIns="91425" spcFirstLastPara="1" rIns="91425" wrap="square" tIns="91425">
+            <a:spAutoFit/>
+          </a:bodyPr>
+          <a:lstStyle/>
+          <a:p>
+            <a:pPr indent="0" lvl="0" marL="0" rtl="0" algn="l">
+              <a:spcBef>
+                <a:spcPts val="0"/>
+              </a:spcBef>
+              <a:spcAft>
+                <a:spcPts val="0"/>
+              </a:spcAft>
+              <a:buNone/>
+            </a:pPr>
+            <a:r>
+              <a:t/>
+            </a:r>
+            <a:endParaRPr>
+              <a:solidFill>
+                <a:schemeClr val="dk2"/>
+              </a:solidFill>
+              <a:latin typeface="Roboto Mono"/>
+              <a:ea typeface="Roboto Mono"/>
+              <a:cs typeface="Roboto Mono"/>
+              <a:sym typeface="Roboto Mono"/>
+            </a:endParaRPr>
+          </a:p>
+        </p:txBody>
+      </p:sp>
+      <p:cxnSp>
+        <p:nvCxnSpPr>
+          <p:cNvPr id="478" name="Google Shape;478;p32"/>
+          <p:cNvCxnSpPr>
+            <a:endCxn id="479" idx="3"/>
+          </p:cNvCxnSpPr>
+          <p:nvPr/>
+        </p:nvCxnSpPr>
+        <p:spPr>
+          <a:xfrm flipH="1">
+            <a:off x="3277850" y="2268000"/>
+            <a:ext cx="2807100" cy="241800"/>
+          </a:xfrm>
+          <a:prstGeom prst="straightConnector1">
+            <a:avLst/>
+          </a:prstGeom>
+          <a:noFill/>
+          <a:ln cap="flat" cmpd="sng" w="38100">
+            <a:solidFill>
+              <a:srgbClr val="FF0000"/>
+            </a:solidFill>
+            <a:prstDash val="solid"/>
+            <a:round/>
+            <a:headEnd len="med" w="med" type="none"/>
+            <a:tailEnd len="med" w="med" type="triangle"/>
+          </a:ln>
+        </p:spPr>
+      </p:cxnSp>
+      <p:sp>
+        <p:nvSpPr>
+          <p:cNvPr id="479" name="Google Shape;479;p32"/>
+          <p:cNvSpPr/>
+          <p:nvPr/>
+        </p:nvSpPr>
+        <p:spPr>
+          <a:xfrm>
+            <a:off x="417950" y="2090400"/>
+            <a:ext cx="2859900" cy="838800"/>
+          </a:xfrm>
+          <a:prstGeom prst="rect">
+            <a:avLst/>
+          </a:prstGeom>
+          <a:noFill/>
+          <a:ln cap="flat" cmpd="sng" w="38100">
+            <a:solidFill>
+              <a:srgbClr val="FF0000"/>
+            </a:solidFill>
+            <a:prstDash val="solid"/>
+            <a:round/>
+            <a:headEnd len="sm" w="sm" type="none"/>
+            <a:tailEnd len="sm" w="sm" type="none"/>
+          </a:ln>
+        </p:spPr>
+        <p:txBody>
+          <a:bodyPr anchorCtr="0" anchor="ctr" bIns="91425" lIns="91425" spcFirstLastPara="1" rIns="91425" wrap="square" tIns="91425">
+            <a:noAutofit/>
+          </a:bodyPr>
+          <a:lstStyle/>
+          <a:p>
+            <a:pPr indent="0" lvl="0" marL="0" rtl="0" algn="ctr">
+              <a:spcBef>
+                <a:spcPts val="0"/>
+              </a:spcBef>
+              <a:spcAft>
+                <a:spcPts val="0"/>
+              </a:spcAft>
+              <a:buNone/>
+            </a:pPr>
+            <a:r>
+              <a:t/>
+            </a:r>
+            <a:endParaRPr>
+              <a:latin typeface="Roboto Mono"/>
+              <a:ea typeface="Roboto Mono"/>
+              <a:cs typeface="Roboto Mono"/>
+              <a:sym typeface="Roboto Mono"/>
+            </a:endParaRPr>
+          </a:p>
+        </p:txBody>
+      </p:sp>
+      <p:sp>
+        <p:nvSpPr>
+          <p:cNvPr id="480" name="Google Shape;480;p32"/>
+          <p:cNvSpPr/>
+          <p:nvPr/>
+        </p:nvSpPr>
+        <p:spPr>
+          <a:xfrm>
+            <a:off x="792825" y="3147425"/>
+            <a:ext cx="1392000" cy="348300"/>
+          </a:xfrm>
+          <a:prstGeom prst="rect">
+            <a:avLst/>
+          </a:prstGeom>
+          <a:noFill/>
+          <a:ln cap="flat" cmpd="sng" w="38100">
+            <a:solidFill>
+              <a:srgbClr val="FF0000"/>
+            </a:solidFill>
+            <a:prstDash val="solid"/>
+            <a:round/>
+            <a:headEnd len="sm" w="sm" type="none"/>
+            <a:tailEnd len="sm" w="sm" type="none"/>
+          </a:ln>
+        </p:spPr>
+        <p:txBody>
+          <a:bodyPr anchorCtr="0" anchor="ctr" bIns="91425" lIns="91425" spcFirstLastPara="1" rIns="91425" wrap="square" tIns="91425">
+            <a:noAutofit/>
+          </a:bodyPr>
+          <a:lstStyle/>
+          <a:p>
+            <a:pPr indent="0" lvl="0" marL="0" rtl="0" algn="ctr">
+              <a:spcBef>
+                <a:spcPts val="0"/>
+              </a:spcBef>
+              <a:spcAft>
+                <a:spcPts val="0"/>
+              </a:spcAft>
+              <a:buNone/>
+            </a:pPr>
+            <a:r>
+              <a:t/>
+            </a:r>
+            <a:endParaRPr>
+              <a:latin typeface="Roboto Mono"/>
+              <a:ea typeface="Roboto Mono"/>
+              <a:cs typeface="Roboto Mono"/>
+              <a:sym typeface="Roboto Mono"/>
+            </a:endParaRPr>
+          </a:p>
+        </p:txBody>
+      </p:sp>
+      <p:cxnSp>
+        <p:nvCxnSpPr>
+          <p:cNvPr id="481" name="Google Shape;481;p32"/>
+          <p:cNvCxnSpPr/>
+          <p:nvPr/>
+        </p:nvCxnSpPr>
+        <p:spPr>
+          <a:xfrm rot="10800000">
+            <a:off x="2141250" y="3094950"/>
+            <a:ext cx="4344900" cy="592800"/>
+          </a:xfrm>
+          <a:prstGeom prst="straightConnector1">
+            <a:avLst/>
+          </a:prstGeom>
+          <a:noFill/>
+          <a:ln cap="flat" cmpd="sng" w="38100">
+            <a:solidFill>
+              <a:srgbClr val="FF0000"/>
+            </a:solidFill>
+            <a:prstDash val="solid"/>
+            <a:round/>
+            <a:headEnd len="med" w="med" type="none"/>
+            <a:tailEnd len="med" w="med" type="triangle"/>
+          </a:ln>
+        </p:spPr>
+      </p:cxnSp>
+      <p:sp>
+        <p:nvSpPr>
+          <p:cNvPr id="482" name="Google Shape;482;p32"/>
+          <p:cNvSpPr txBox="1"/>
+          <p:nvPr/>
+        </p:nvSpPr>
+        <p:spPr>
+          <a:xfrm>
+            <a:off x="6486150" y="3399925"/>
+            <a:ext cx="2554200" cy="615600"/>
+          </a:xfrm>
+          <a:prstGeom prst="rect">
+            <a:avLst/>
+          </a:prstGeom>
+          <a:noFill/>
+          <a:ln>
+            <a:noFill/>
+          </a:ln>
+        </p:spPr>
+        <p:txBody>
+          <a:bodyPr anchorCtr="0" anchor="t" bIns="91425" lIns="91425" spcFirstLastPara="1" rIns="91425" wrap="square" tIns="91425">
+            <a:spAutoFit/>
+          </a:bodyPr>
+          <a:lstStyle/>
+          <a:p>
+            <a:pPr indent="0" lvl="0" marL="0" rtl="0" algn="l">
+              <a:spcBef>
+                <a:spcPts val="0"/>
+              </a:spcBef>
+              <a:spcAft>
+                <a:spcPts val="0"/>
+              </a:spcAft>
+              <a:buNone/>
+            </a:pPr>
+            <a:r>
+              <a:rPr lang="en">
+                <a:solidFill>
+                  <a:schemeClr val="dk2"/>
+                </a:solidFill>
+                <a:latin typeface="Roboto Mono"/>
+                <a:ea typeface="Roboto Mono"/>
+                <a:cs typeface="Roboto Mono"/>
+                <a:sym typeface="Roboto Mono"/>
+              </a:rPr>
+              <a:t>Propagate changes while traversing tree</a:t>
+            </a:r>
+            <a:endParaRPr>
+              <a:solidFill>
+                <a:schemeClr val="dk2"/>
+              </a:solidFill>
+              <a:latin typeface="Roboto Mono"/>
+              <a:ea typeface="Roboto Mono"/>
+              <a:cs typeface="Roboto Mono"/>
+              <a:sym typeface="Roboto Mono"/>
+            </a:endParaRPr>
+          </a:p>
+        </p:txBody>
+      </p:sp>
+    </p:spTree>
+  </p:cSld>
+  <p:clrMapOvr>
+    <a:masterClrMapping/>
+  </p:clrMapOvr>
+</p:sld>
+</file>
+
+<file path=ppt/slides/slide11.xml><?xml version="1.0" encoding="utf-8"?>
+<p:sld xmlns:a="http://schemas.openxmlformats.org/drawingml/2006/main" xmlns:r="http://schemas.openxmlformats.org/officeDocument/2006/relationships" xmlns:mc="http://schemas.openxmlformats.org/markup-compatibility/2006" xmlns:mv="urn:schemas-microsoft-com:mac:vml" xmlns:p="http://schemas.openxmlformats.org/presentationml/2006/main" xmlns:c="http://schemas.openxmlformats.org/drawingml/2006/chart" xmlns:dgm="http://schemas.openxmlformats.org/drawingml/2006/diagram" xmlns:o="urn:schemas-microsoft-com:office:office" xmlns:v="urn:schemas-microsoft-com:vml" xmlns:pvml="urn:schemas-microsoft-com:office:powerpoint" xmlns:com="http://schemas.openxmlformats.org/drawingml/2006/compatibility" xmlns:p14="http://schemas.microsoft.com/office/powerpoint/2010/main" xmlns:p15="http://schemas.microsoft.com/office/powerpoint/2012/main" xmlns:ahyp="http://schemas.microsoft.com/office/drawing/2018/hyperlinkcolor">
+  <p:cSld>
+    <p:spTree>
+      <p:nvGrpSpPr>
+        <p:cNvPr id="486" name="Shape 486"/>
+        <p:cNvGrpSpPr/>
+        <p:nvPr/>
+      </p:nvGrpSpPr>
+      <p:grpSpPr>
+        <a:xfrm>
+          <a:off x="0" y="0"/>
+          <a:ext cx="0" cy="0"/>
+          <a:chOff x="0" y="0"/>
+          <a:chExt cx="0" cy="0"/>
+        </a:xfrm>
+      </p:grpSpPr>
+      <p:sp>
+        <p:nvSpPr>
+          <p:cNvPr id="487" name="Google Shape;487;p33"/>
+          <p:cNvSpPr txBox="1"/>
+          <p:nvPr>
+            <p:ph idx="4294967295" type="title"/>
+          </p:nvPr>
+        </p:nvSpPr>
+        <p:spPr>
+          <a:xfrm>
+            <a:off x="559725" y="472650"/>
+            <a:ext cx="6388500" cy="518700"/>
+          </a:xfrm>
+          <a:prstGeom prst="rect">
+            <a:avLst/>
+          </a:prstGeom>
+        </p:spPr>
+        <p:txBody>
+          <a:bodyPr anchorCtr="0" anchor="t" bIns="91425" lIns="91425" spcFirstLastPara="1" rIns="91425" wrap="square" tIns="91425">
+            <a:noAutofit/>
+          </a:bodyPr>
+          <a:lstStyle/>
+          <a:p>
+            <a:pPr indent="0" lvl="0" marL="0" rtl="0" algn="l">
+              <a:spcBef>
+                <a:spcPts val="0"/>
+              </a:spcBef>
+              <a:spcAft>
+                <a:spcPts val="0"/>
+              </a:spcAft>
+              <a:buNone/>
+            </a:pPr>
+            <a:r>
+              <a:rPr lang="en" sz="2500"/>
+              <a:t>Variant 2: Get</a:t>
+            </a:r>
+            <a:endParaRPr sz="2500"/>
+          </a:p>
+        </p:txBody>
+      </p:sp>
+      <p:sp>
+        <p:nvSpPr>
+          <p:cNvPr id="488" name="Google Shape;488;p33"/>
+          <p:cNvSpPr txBox="1"/>
+          <p:nvPr/>
+        </p:nvSpPr>
+        <p:spPr>
+          <a:xfrm>
+            <a:off x="2184775" y="1471975"/>
+            <a:ext cx="2429400" cy="400200"/>
+          </a:xfrm>
+          <a:prstGeom prst="rect">
+            <a:avLst/>
+          </a:prstGeom>
+          <a:noFill/>
+          <a:ln>
+            <a:noFill/>
+          </a:ln>
+        </p:spPr>
+        <p:txBody>
+          <a:bodyPr anchorCtr="0" anchor="t" bIns="91425" lIns="91425" spcFirstLastPara="1" rIns="91425" wrap="square" tIns="91425">
+            <a:spAutoFit/>
+          </a:bodyPr>
+          <a:lstStyle/>
+          <a:p>
+            <a:pPr indent="0" lvl="0" marL="0" rtl="0" algn="l">
+              <a:spcBef>
+                <a:spcPts val="0"/>
+              </a:spcBef>
+              <a:spcAft>
+                <a:spcPts val="0"/>
+              </a:spcAft>
+              <a:buNone/>
+            </a:pPr>
+            <a:r>
+              <a:t/>
+            </a:r>
+            <a:endParaRPr>
+              <a:solidFill>
+                <a:schemeClr val="dk2"/>
+              </a:solidFill>
+              <a:latin typeface="Roboto Mono"/>
+              <a:ea typeface="Roboto Mono"/>
+              <a:cs typeface="Roboto Mono"/>
+              <a:sym typeface="Roboto Mono"/>
+            </a:endParaRPr>
+          </a:p>
+        </p:txBody>
+      </p:sp>
+      <p:pic>
+        <p:nvPicPr>
+          <p:cNvPr id="489" name="Google Shape;489;p33"/>
+          <p:cNvPicPr preferRelativeResize="0"/>
+          <p:nvPr/>
+        </p:nvPicPr>
+        <p:blipFill>
+          <a:blip r:embed="rId3">
+            <a:alphaModFix/>
+          </a:blip>
+          <a:stretch>
+            <a:fillRect/>
+          </a:stretch>
+        </p:blipFill>
+        <p:spPr>
+          <a:xfrm>
+            <a:off x="379075" y="1107175"/>
+            <a:ext cx="5387550" cy="3073175"/>
+          </a:xfrm>
+          <a:prstGeom prst="rect">
+            <a:avLst/>
+          </a:prstGeom>
+          <a:noFill/>
+          <a:ln>
+            <a:noFill/>
+          </a:ln>
+        </p:spPr>
+      </p:pic>
+      <p:cxnSp>
+        <p:nvCxnSpPr>
+          <p:cNvPr id="490" name="Google Shape;490;p33"/>
+          <p:cNvCxnSpPr/>
+          <p:nvPr/>
+        </p:nvCxnSpPr>
+        <p:spPr>
+          <a:xfrm rot="10800000">
+            <a:off x="2601550" y="2481250"/>
+            <a:ext cx="3840900" cy="142800"/>
+          </a:xfrm>
+          <a:prstGeom prst="straightConnector1">
+            <a:avLst/>
+          </a:prstGeom>
+          <a:noFill/>
+          <a:ln cap="flat" cmpd="sng" w="38100">
+            <a:solidFill>
+              <a:srgbClr val="FF0000"/>
+            </a:solidFill>
+            <a:prstDash val="solid"/>
+            <a:round/>
+            <a:headEnd len="med" w="med" type="none"/>
+            <a:tailEnd len="med" w="med" type="triangle"/>
+          </a:ln>
+        </p:spPr>
+      </p:cxnSp>
+      <p:sp>
+        <p:nvSpPr>
+          <p:cNvPr id="491" name="Google Shape;491;p33"/>
+          <p:cNvSpPr/>
+          <p:nvPr/>
+        </p:nvSpPr>
+        <p:spPr>
+          <a:xfrm>
+            <a:off x="901625" y="2258725"/>
+            <a:ext cx="1774800" cy="400200"/>
+          </a:xfrm>
+          <a:prstGeom prst="rect">
+            <a:avLst/>
+          </a:prstGeom>
+          <a:noFill/>
+          <a:ln cap="flat" cmpd="sng" w="38100">
+            <a:solidFill>
+              <a:srgbClr val="FF0000"/>
+            </a:solidFill>
+            <a:prstDash val="solid"/>
+            <a:round/>
+            <a:headEnd len="sm" w="sm" type="none"/>
+            <a:tailEnd len="sm" w="sm" type="none"/>
+          </a:ln>
+        </p:spPr>
+        <p:txBody>
+          <a:bodyPr anchorCtr="0" anchor="ctr" bIns="91425" lIns="91425" spcFirstLastPara="1" rIns="91425" wrap="square" tIns="91425">
+            <a:noAutofit/>
+          </a:bodyPr>
+          <a:lstStyle/>
+          <a:p>
+            <a:pPr indent="0" lvl="0" marL="0" rtl="0" algn="ctr">
+              <a:spcBef>
+                <a:spcPts val="0"/>
+              </a:spcBef>
+              <a:spcAft>
+                <a:spcPts val="0"/>
+              </a:spcAft>
+              <a:buNone/>
+            </a:pPr>
+            <a:r>
+              <a:t/>
+            </a:r>
+            <a:endParaRPr>
+              <a:latin typeface="Roboto Mono"/>
+              <a:ea typeface="Roboto Mono"/>
+              <a:cs typeface="Roboto Mono"/>
+              <a:sym typeface="Roboto Mono"/>
+            </a:endParaRPr>
+          </a:p>
+        </p:txBody>
+      </p:sp>
+      <p:sp>
+        <p:nvSpPr>
+          <p:cNvPr id="492" name="Google Shape;492;p33"/>
+          <p:cNvSpPr txBox="1"/>
+          <p:nvPr/>
+        </p:nvSpPr>
+        <p:spPr>
+          <a:xfrm>
+            <a:off x="6442450" y="2062500"/>
+            <a:ext cx="2092200" cy="1046700"/>
+          </a:xfrm>
+          <a:prstGeom prst="rect">
+            <a:avLst/>
+          </a:prstGeom>
+          <a:noFill/>
+          <a:ln>
+            <a:noFill/>
+          </a:ln>
+        </p:spPr>
+        <p:txBody>
+          <a:bodyPr anchorCtr="0" anchor="t" bIns="91425" lIns="91425" spcFirstLastPara="1" rIns="91425" wrap="square" tIns="91425">
+            <a:spAutoFit/>
+          </a:bodyPr>
+          <a:lstStyle/>
+          <a:p>
+            <a:pPr indent="0" lvl="0" marL="0" rtl="0" algn="l">
+              <a:spcBef>
+                <a:spcPts val="0"/>
+              </a:spcBef>
+              <a:spcAft>
+                <a:spcPts val="0"/>
+              </a:spcAft>
+              <a:buNone/>
+            </a:pPr>
+            <a:r>
+              <a:rPr lang="en">
+                <a:solidFill>
+                  <a:schemeClr val="dk2"/>
+                </a:solidFill>
+                <a:latin typeface="Roboto Mono"/>
+                <a:ea typeface="Roboto Mono"/>
+                <a:cs typeface="Roboto Mono"/>
+                <a:sym typeface="Roboto Mono"/>
+              </a:rPr>
+              <a:t>Propagate changes while traversing tree down to leaf node</a:t>
+            </a:r>
+            <a:endParaRPr>
+              <a:solidFill>
+                <a:schemeClr val="dk2"/>
+              </a:solidFill>
+              <a:latin typeface="Roboto Mono"/>
+              <a:ea typeface="Roboto Mono"/>
+              <a:cs typeface="Roboto Mono"/>
+              <a:sym typeface="Roboto Mono"/>
+            </a:endParaRPr>
+          </a:p>
+        </p:txBody>
+      </p:sp>
+    </p:spTree>
+  </p:cSld>
+  <p:clrMapOvr>
+    <a:masterClrMapping/>
+  </p:clrMapOvr>
+</p:sld>
+</file>
+
+<file path=ppt/slides/slide12.xml><?xml version="1.0" encoding="utf-8"?>
+<p:sld xmlns:a="http://schemas.openxmlformats.org/drawingml/2006/main" xmlns:r="http://schemas.openxmlformats.org/officeDocument/2006/relationships" xmlns:mc="http://schemas.openxmlformats.org/markup-compatibility/2006" xmlns:mv="urn:schemas-microsoft-com:mac:vml" xmlns:p="http://schemas.openxmlformats.org/presentationml/2006/main" xmlns:c="http://schemas.openxmlformats.org/drawingml/2006/chart" xmlns:dgm="http://schemas.openxmlformats.org/drawingml/2006/diagram" xmlns:o="urn:schemas-microsoft-com:office:office" xmlns:v="urn:schemas-microsoft-com:vml" xmlns:pvml="urn:schemas-microsoft-com:office:powerpoint" xmlns:com="http://schemas.openxmlformats.org/drawingml/2006/compatibility" xmlns:p14="http://schemas.microsoft.com/office/powerpoint/2010/main" xmlns:p15="http://schemas.microsoft.com/office/powerpoint/2012/main" xmlns:ahyp="http://schemas.microsoft.com/office/drawing/2018/hyperlinkcolor">
+  <p:cSld>
+    <p:spTree>
+      <p:nvGrpSpPr>
+        <p:cNvPr id="496" name="Shape 496"/>
+        <p:cNvGrpSpPr/>
+        <p:nvPr/>
+      </p:nvGrpSpPr>
+      <p:grpSpPr>
+        <a:xfrm>
+          <a:off x="0" y="0"/>
+          <a:ext cx="0" cy="0"/>
+          <a:chOff x="0" y="0"/>
+          <a:chExt cx="0" cy="0"/>
+        </a:xfrm>
+      </p:grpSpPr>
+      <p:sp>
+        <p:nvSpPr>
+          <p:cNvPr id="497" name="Google Shape;497;p34"/>
+          <p:cNvSpPr txBox="1"/>
+          <p:nvPr>
+            <p:ph idx="4294967295" type="title"/>
+          </p:nvPr>
+        </p:nvSpPr>
+        <p:spPr>
+          <a:xfrm>
+            <a:off x="559725" y="472650"/>
+            <a:ext cx="3885600" cy="518700"/>
+          </a:xfrm>
+          <a:prstGeom prst="rect">
+            <a:avLst/>
+          </a:prstGeom>
+        </p:spPr>
+        <p:txBody>
+          <a:bodyPr anchorCtr="0" anchor="t" bIns="91425" lIns="91425" spcFirstLastPara="1" rIns="91425" wrap="square" tIns="91425">
+            <a:noAutofit/>
+          </a:bodyPr>
+          <a:lstStyle/>
+          <a:p>
+            <a:pPr indent="0" lvl="0" marL="0" rtl="0" algn="l">
+              <a:spcBef>
+                <a:spcPts val="0"/>
+              </a:spcBef>
+              <a:spcAft>
+                <a:spcPts val="0"/>
+              </a:spcAft>
+              <a:buNone/>
+            </a:pPr>
+            <a:r>
+              <a:rPr lang="en" sz="2500"/>
+              <a:t>Variant 3:</a:t>
+            </a:r>
+            <a:endParaRPr sz="2500">
+              <a:highlight>
+                <a:srgbClr val="3C78D8"/>
+              </a:highlight>
+            </a:endParaRPr>
+          </a:p>
+        </p:txBody>
+      </p:sp>
+      <p:sp>
+        <p:nvSpPr>
+          <p:cNvPr id="498" name="Google Shape;498;p34"/>
+          <p:cNvSpPr txBox="1"/>
+          <p:nvPr/>
+        </p:nvSpPr>
+        <p:spPr>
+          <a:xfrm>
+            <a:off x="2184775" y="1471975"/>
+            <a:ext cx="2429400" cy="400200"/>
+          </a:xfrm>
+          <a:prstGeom prst="rect">
+            <a:avLst/>
+          </a:prstGeom>
+          <a:noFill/>
+          <a:ln>
+            <a:noFill/>
+          </a:ln>
+        </p:spPr>
+        <p:txBody>
+          <a:bodyPr anchorCtr="0" anchor="t" bIns="91425" lIns="91425" spcFirstLastPara="1" rIns="91425" wrap="square" tIns="91425">
+            <a:spAutoFit/>
+          </a:bodyPr>
+          <a:lstStyle/>
+          <a:p>
+            <a:pPr indent="0" lvl="0" marL="0" rtl="0" algn="l">
+              <a:spcBef>
+                <a:spcPts val="0"/>
+              </a:spcBef>
+              <a:spcAft>
+                <a:spcPts val="0"/>
+              </a:spcAft>
+              <a:buNone/>
+            </a:pPr>
+            <a:r>
+              <a:t/>
+            </a:r>
+            <a:endParaRPr>
+              <a:solidFill>
+                <a:schemeClr val="dk2"/>
+              </a:solidFill>
+              <a:latin typeface="Roboto Mono"/>
+              <a:ea typeface="Roboto Mono"/>
+              <a:cs typeface="Roboto Mono"/>
+              <a:sym typeface="Roboto Mono"/>
+            </a:endParaRPr>
+          </a:p>
+        </p:txBody>
+      </p:sp>
+      <p:sp>
+        <p:nvSpPr>
+          <p:cNvPr id="499" name="Google Shape;499;p34"/>
+          <p:cNvSpPr txBox="1"/>
+          <p:nvPr>
+            <p:ph idx="4294967295" type="body"/>
+          </p:nvPr>
+        </p:nvSpPr>
+        <p:spPr>
+          <a:xfrm>
+            <a:off x="720650" y="1186950"/>
+            <a:ext cx="7020000" cy="3376200"/>
+          </a:xfrm>
+          <a:prstGeom prst="rect">
+            <a:avLst/>
+          </a:prstGeom>
+        </p:spPr>
+        <p:txBody>
+          <a:bodyPr anchorCtr="0" anchor="t" bIns="91425" lIns="91425" spcFirstLastPara="1" rIns="91425" wrap="square" tIns="91425">
+            <a:noAutofit/>
+          </a:bodyPr>
+          <a:lstStyle/>
+          <a:p>
+            <a:pPr indent="0" lvl="0" marL="0" rtl="0" algn="l">
+              <a:spcBef>
+                <a:spcPts val="0"/>
+              </a:spcBef>
+              <a:spcAft>
+                <a:spcPts val="0"/>
+              </a:spcAft>
+              <a:buNone/>
+            </a:pPr>
+            <a:r>
+              <a:rPr lang="en"/>
+              <a:t>Supports the following queries:</a:t>
+            </a:r>
+            <a:endParaRPr/>
+          </a:p>
+          <a:p>
+            <a:pPr indent="-317500" lvl="0" marL="457200" rtl="0" algn="l">
+              <a:spcBef>
+                <a:spcPts val="1600"/>
+              </a:spcBef>
+              <a:spcAft>
+                <a:spcPts val="0"/>
+              </a:spcAft>
+              <a:buSzPts val="1400"/>
+              <a:buChar char="●"/>
+            </a:pPr>
+            <a:r>
+              <a:rPr i="1" lang="en"/>
+              <a:t>update(l,r,δ)</a:t>
+            </a:r>
+            <a:r>
+              <a:rPr lang="en"/>
+              <a:t> – add δ to each value in the range A[l...r]</a:t>
+            </a:r>
+            <a:endParaRPr/>
+          </a:p>
+          <a:p>
+            <a:pPr indent="-317500" lvl="0" marL="457200" rtl="0" algn="l">
+              <a:spcBef>
+                <a:spcPts val="0"/>
+              </a:spcBef>
+              <a:spcAft>
+                <a:spcPts val="0"/>
+              </a:spcAft>
+              <a:buSzPts val="1400"/>
+              <a:buChar char="●"/>
+            </a:pPr>
+            <a:r>
+              <a:rPr i="1" lang="en"/>
+              <a:t>max(l,r)</a:t>
+            </a:r>
+            <a:r>
+              <a:rPr lang="en"/>
+              <a:t> – return the maximum value in the range A[l...r]</a:t>
+            </a:r>
+            <a:endParaRPr/>
+          </a:p>
+          <a:p>
+            <a:pPr indent="0" lvl="0" marL="0" rtl="0" algn="l">
+              <a:spcBef>
+                <a:spcPts val="1600"/>
+              </a:spcBef>
+              <a:spcAft>
+                <a:spcPts val="0"/>
+              </a:spcAft>
+              <a:buNone/>
+            </a:pPr>
+            <a:r>
+              <a:rPr lang="en"/>
+              <a:t>While keeping the original O(log n) runtime.</a:t>
+            </a:r>
+            <a:endParaRPr/>
+          </a:p>
+          <a:p>
+            <a:pPr indent="0" lvl="0" marL="0" rtl="0" algn="l">
+              <a:spcBef>
+                <a:spcPts val="1600"/>
+              </a:spcBef>
+              <a:spcAft>
+                <a:spcPts val="1600"/>
+              </a:spcAft>
+              <a:buNone/>
+            </a:pPr>
+            <a:r>
+              <a:rPr lang="en"/>
+              <a:t>Each node will store the maximum over its range as its value, but will have a new field, </a:t>
+            </a:r>
+            <a:r>
+              <a:rPr b="1" lang="en"/>
+              <a:t>lazy</a:t>
+            </a:r>
+            <a:r>
+              <a:rPr lang="en"/>
+              <a:t>, that stores the additions that need to be </a:t>
+            </a:r>
+            <a:r>
+              <a:rPr lang="en"/>
+              <a:t>propagated</a:t>
+            </a:r>
+            <a:r>
+              <a:rPr lang="en"/>
+              <a:t>.</a:t>
+            </a:r>
+            <a:endParaRPr/>
+          </a:p>
+        </p:txBody>
+      </p:sp>
+      <p:pic>
+        <p:nvPicPr>
+          <p:cNvPr id="500" name="Google Shape;500;p34" title="Screenshot 2025-04-21 at 3.44.09 AM.png"/>
+          <p:cNvPicPr preferRelativeResize="0"/>
+          <p:nvPr/>
+        </p:nvPicPr>
+        <p:blipFill>
+          <a:blip r:embed="rId3">
+            <a:alphaModFix/>
+          </a:blip>
+          <a:stretch>
+            <a:fillRect/>
+          </a:stretch>
+        </p:blipFill>
+        <p:spPr>
+          <a:xfrm>
+            <a:off x="5515025" y="3432875"/>
+            <a:ext cx="1674350" cy="1511000"/>
+          </a:xfrm>
+          <a:prstGeom prst="rect">
+            <a:avLst/>
+          </a:prstGeom>
+          <a:noFill/>
+          <a:ln>
+            <a:noFill/>
+          </a:ln>
+        </p:spPr>
+      </p:pic>
+    </p:spTree>
+  </p:cSld>
+  <p:clrMapOvr>
+    <a:masterClrMapping/>
+  </p:clrMapOvr>
+</p:sld>
+</file>
+
+<file path=ppt/slides/slide13.xml><?xml version="1.0" encoding="utf-8"?>
+<p:sld xmlns:a="http://schemas.openxmlformats.org/drawingml/2006/main" xmlns:r="http://schemas.openxmlformats.org/officeDocument/2006/relationships" xmlns:mc="http://schemas.openxmlformats.org/markup-compatibility/2006" xmlns:mv="urn:schemas-microsoft-com:mac:vml" xmlns:p="http://schemas.openxmlformats.org/presentationml/2006/main" xmlns:c="http://schemas.openxmlformats.org/drawingml/2006/chart" xmlns:dgm="http://schemas.openxmlformats.org/drawingml/2006/diagram" xmlns:o="urn:schemas-microsoft-com:office:office" xmlns:v="urn:schemas-microsoft-com:vml" xmlns:pvml="urn:schemas-microsoft-com:office:powerpoint" xmlns:com="http://schemas.openxmlformats.org/drawingml/2006/compatibility" xmlns:p14="http://schemas.microsoft.com/office/powerpoint/2010/main" xmlns:p15="http://schemas.microsoft.com/office/powerpoint/2012/main" xmlns:ahyp="http://schemas.microsoft.com/office/drawing/2018/hyperlinkcolor">
+  <p:cSld>
+    <p:spTree>
+      <p:nvGrpSpPr>
+        <p:cNvPr id="504" name="Shape 504"/>
+        <p:cNvGrpSpPr/>
+        <p:nvPr/>
+      </p:nvGrpSpPr>
+      <p:grpSpPr>
+        <a:xfrm>
+          <a:off x="0" y="0"/>
+          <a:ext cx="0" cy="0"/>
+          <a:chOff x="0" y="0"/>
+          <a:chExt cx="0" cy="0"/>
+        </a:xfrm>
+      </p:grpSpPr>
+      <p:sp>
+        <p:nvSpPr>
+          <p:cNvPr id="505" name="Google Shape;505;p35"/>
+          <p:cNvSpPr txBox="1"/>
+          <p:nvPr>
+            <p:ph idx="4294967295" type="title"/>
+          </p:nvPr>
+        </p:nvSpPr>
+        <p:spPr>
+          <a:xfrm>
+            <a:off x="559725" y="472650"/>
+            <a:ext cx="5808300" cy="518700"/>
+          </a:xfrm>
+          <a:prstGeom prst="rect">
+            <a:avLst/>
+          </a:prstGeom>
+        </p:spPr>
+        <p:txBody>
+          <a:bodyPr anchorCtr="0" anchor="t" bIns="91425" lIns="91425" spcFirstLastPara="1" rIns="91425" wrap="square" tIns="91425">
+            <a:noAutofit/>
+          </a:bodyPr>
+          <a:lstStyle/>
+          <a:p>
+            <a:pPr indent="0" lvl="0" marL="0" rtl="0" algn="l">
+              <a:spcBef>
+                <a:spcPts val="0"/>
+              </a:spcBef>
+              <a:spcAft>
+                <a:spcPts val="0"/>
+              </a:spcAft>
+              <a:buNone/>
+            </a:pPr>
+            <a:r>
+              <a:rPr lang="en" sz="2500"/>
+              <a:t>Push for variant 3</a:t>
+            </a:r>
+            <a:endParaRPr sz="2500">
+              <a:highlight>
+                <a:srgbClr val="3C78D8"/>
+              </a:highlight>
+            </a:endParaRPr>
+          </a:p>
+        </p:txBody>
+      </p:sp>
+      <p:sp>
+        <p:nvSpPr>
+          <p:cNvPr id="506" name="Google Shape;506;p35"/>
+          <p:cNvSpPr txBox="1"/>
+          <p:nvPr/>
+        </p:nvSpPr>
+        <p:spPr>
+          <a:xfrm>
+            <a:off x="2184775" y="1471975"/>
+            <a:ext cx="2429400" cy="400200"/>
+          </a:xfrm>
+          <a:prstGeom prst="rect">
+            <a:avLst/>
+          </a:prstGeom>
+          <a:noFill/>
+          <a:ln>
+            <a:noFill/>
+          </a:ln>
+        </p:spPr>
+        <p:txBody>
+          <a:bodyPr anchorCtr="0" anchor="t" bIns="91425" lIns="91425" spcFirstLastPara="1" rIns="91425" wrap="square" tIns="91425">
+            <a:spAutoFit/>
+          </a:bodyPr>
+          <a:lstStyle/>
+          <a:p>
+            <a:pPr indent="0" lvl="0" marL="0" rtl="0" algn="l">
+              <a:spcBef>
+                <a:spcPts val="0"/>
+              </a:spcBef>
+              <a:spcAft>
+                <a:spcPts val="0"/>
+              </a:spcAft>
+              <a:buNone/>
+            </a:pPr>
+            <a:r>
+              <a:t/>
+            </a:r>
+            <a:endParaRPr>
+              <a:solidFill>
+                <a:schemeClr val="dk2"/>
+              </a:solidFill>
+              <a:latin typeface="Roboto Mono"/>
+              <a:ea typeface="Roboto Mono"/>
+              <a:cs typeface="Roboto Mono"/>
+              <a:sym typeface="Roboto Mono"/>
+            </a:endParaRPr>
+          </a:p>
+        </p:txBody>
+      </p:sp>
+      <p:sp>
+        <p:nvSpPr>
+          <p:cNvPr id="507" name="Google Shape;507;p35"/>
+          <p:cNvSpPr txBox="1"/>
+          <p:nvPr>
+            <p:ph idx="4294967295" type="body"/>
+          </p:nvPr>
+        </p:nvSpPr>
+        <p:spPr>
+          <a:xfrm>
+            <a:off x="720650" y="1186950"/>
+            <a:ext cx="4139100" cy="3003300"/>
+          </a:xfrm>
+          <a:prstGeom prst="rect">
+            <a:avLst/>
+          </a:prstGeom>
+        </p:spPr>
+        <p:txBody>
+          <a:bodyPr anchorCtr="0" anchor="t" bIns="91425" lIns="91425" spcFirstLastPara="1" rIns="91425" wrap="square" tIns="91425">
+            <a:noAutofit/>
+          </a:bodyPr>
+          <a:lstStyle/>
+          <a:p>
+            <a:pPr indent="0" lvl="0" marL="0" rtl="0" algn="l">
+              <a:spcBef>
+                <a:spcPts val="0"/>
+              </a:spcBef>
+              <a:spcAft>
+                <a:spcPts val="0"/>
+              </a:spcAft>
+              <a:buNone/>
+            </a:pPr>
+            <a:r>
+              <a:rPr lang="en"/>
+              <a:t>The push method for this variant is similar to the previous</a:t>
+            </a:r>
+            <a:endParaRPr/>
+          </a:p>
+          <a:p>
+            <a:pPr indent="0" lvl="0" marL="0" rtl="0" algn="l">
+              <a:spcBef>
+                <a:spcPts val="1600"/>
+              </a:spcBef>
+              <a:spcAft>
+                <a:spcPts val="0"/>
+              </a:spcAft>
+              <a:buNone/>
+            </a:pPr>
+            <a:r>
+              <a:rPr lang="en">
+                <a:solidFill>
+                  <a:schemeClr val="dk1"/>
+                </a:solidFill>
+              </a:rPr>
+              <a:t>When called on a node, push simply passes down the node’s lazy addition to its children</a:t>
+            </a:r>
+            <a:endParaRPr/>
+          </a:p>
+          <a:p>
+            <a:pPr indent="0" lvl="0" marL="0" rtl="0" algn="l">
+              <a:spcBef>
+                <a:spcPts val="1600"/>
+              </a:spcBef>
+              <a:spcAft>
+                <a:spcPts val="0"/>
+              </a:spcAft>
+              <a:buNone/>
+            </a:pPr>
+            <a:r>
+              <a:t/>
+            </a:r>
+            <a:endParaRPr/>
+          </a:p>
+          <a:p>
+            <a:pPr indent="0" lvl="0" marL="0" rtl="0" algn="l">
+              <a:spcBef>
+                <a:spcPts val="1600"/>
+              </a:spcBef>
+              <a:spcAft>
+                <a:spcPts val="1600"/>
+              </a:spcAft>
+              <a:buNone/>
+            </a:pPr>
+            <a:r>
+              <a:rPr b="1" lang="en">
+                <a:solidFill>
+                  <a:schemeClr val="dk1"/>
+                </a:solidFill>
+                <a:highlight>
+                  <a:srgbClr val="3C78D8"/>
+                </a:highlight>
+              </a:rPr>
+              <a:t>Note:</a:t>
+            </a:r>
+            <a:r>
+              <a:rPr b="1" lang="en"/>
+              <a:t> </a:t>
+            </a:r>
+            <a:r>
+              <a:rPr lang="en"/>
+              <a:t>Along with the children’s values, we also need to update </a:t>
+            </a:r>
+            <a:r>
+              <a:rPr i="1" lang="en"/>
+              <a:t>their own </a:t>
+            </a:r>
+            <a:r>
+              <a:rPr lang="en"/>
+              <a:t>lazy fields for future lazy propagation</a:t>
+            </a:r>
+            <a:endParaRPr/>
+          </a:p>
+        </p:txBody>
+      </p:sp>
+      <p:pic>
+        <p:nvPicPr>
+          <p:cNvPr id="508" name="Google Shape;508;p35" title="Screenshot 2025-04-21 at 1.53.18 AM.png"/>
+          <p:cNvPicPr preferRelativeResize="0"/>
+          <p:nvPr/>
+        </p:nvPicPr>
+        <p:blipFill>
+          <a:blip r:embed="rId3">
+            <a:alphaModFix/>
+          </a:blip>
+          <a:stretch>
+            <a:fillRect/>
+          </a:stretch>
+        </p:blipFill>
+        <p:spPr>
+          <a:xfrm>
+            <a:off x="4906250" y="372675"/>
+            <a:ext cx="3796174" cy="1499500"/>
+          </a:xfrm>
+          <a:prstGeom prst="rect">
+            <a:avLst/>
+          </a:prstGeom>
+          <a:noFill/>
+          <a:ln>
+            <a:noFill/>
+          </a:ln>
+        </p:spPr>
+      </p:pic>
+      <p:pic>
+        <p:nvPicPr>
+          <p:cNvPr id="509" name="Google Shape;509;p35" title="Screenshot 2025-04-21 at 1.52.56 AM.png"/>
+          <p:cNvPicPr preferRelativeResize="0"/>
+          <p:nvPr/>
+        </p:nvPicPr>
+        <p:blipFill>
+          <a:blip r:embed="rId4">
+            <a:alphaModFix/>
+          </a:blip>
+          <a:stretch>
+            <a:fillRect/>
+          </a:stretch>
+        </p:blipFill>
+        <p:spPr>
+          <a:xfrm>
+            <a:off x="5215525" y="3106600"/>
+            <a:ext cx="3253876" cy="1687875"/>
+          </a:xfrm>
+          <a:prstGeom prst="rect">
+            <a:avLst/>
+          </a:prstGeom>
+          <a:noFill/>
+          <a:ln>
+            <a:noFill/>
+          </a:ln>
+        </p:spPr>
+      </p:pic>
+    </p:spTree>
+  </p:cSld>
+  <p:clrMapOvr>
+    <a:masterClrMapping/>
+  </p:clrMapOvr>
+</p:sld>
+</file>
+
+<file path=ppt/slides/slide14.xml><?xml version="1.0" encoding="utf-8"?>
+<p:sld xmlns:a="http://schemas.openxmlformats.org/drawingml/2006/main" xmlns:r="http://schemas.openxmlformats.org/officeDocument/2006/relationships" xmlns:mc="http://schemas.openxmlformats.org/markup-compatibility/2006" xmlns:mv="urn:schemas-microsoft-com:mac:vml" xmlns:p="http://schemas.openxmlformats.org/presentationml/2006/main" xmlns:c="http://schemas.openxmlformats.org/drawingml/2006/chart" xmlns:dgm="http://schemas.openxmlformats.org/drawingml/2006/diagram" xmlns:o="urn:schemas-microsoft-com:office:office" xmlns:v="urn:schemas-microsoft-com:vml" xmlns:pvml="urn:schemas-microsoft-com:office:powerpoint" xmlns:com="http://schemas.openxmlformats.org/drawingml/2006/compatibility" xmlns:p14="http://schemas.microsoft.com/office/powerpoint/2010/main" xmlns:p15="http://schemas.microsoft.com/office/powerpoint/2012/main" xmlns:ahyp="http://schemas.microsoft.com/office/drawing/2018/hyperlinkcolor">
+  <p:cSld>
+    <p:spTree>
+      <p:nvGrpSpPr>
+        <p:cNvPr id="513" name="Shape 513"/>
+        <p:cNvGrpSpPr/>
+        <p:nvPr/>
+      </p:nvGrpSpPr>
+      <p:grpSpPr>
+        <a:xfrm>
+          <a:off x="0" y="0"/>
+          <a:ext cx="0" cy="0"/>
+          <a:chOff x="0" y="0"/>
+          <a:chExt cx="0" cy="0"/>
+        </a:xfrm>
+      </p:grpSpPr>
+      <p:sp>
+        <p:nvSpPr>
+          <p:cNvPr id="514" name="Google Shape;514;p36"/>
+          <p:cNvSpPr txBox="1"/>
+          <p:nvPr>
+            <p:ph idx="4294967295" type="title"/>
+          </p:nvPr>
+        </p:nvSpPr>
+        <p:spPr>
+          <a:xfrm>
+            <a:off x="559725" y="472650"/>
+            <a:ext cx="5808300" cy="518700"/>
+          </a:xfrm>
+          <a:prstGeom prst="rect">
+            <a:avLst/>
+          </a:prstGeom>
+        </p:spPr>
+        <p:txBody>
+          <a:bodyPr anchorCtr="0" anchor="t" bIns="91425" lIns="91425" spcFirstLastPara="1" rIns="91425" wrap="square" tIns="91425">
+            <a:noAutofit/>
+          </a:bodyPr>
+          <a:lstStyle/>
+          <a:p>
+            <a:pPr indent="0" lvl="0" marL="0" rtl="0" algn="l">
+              <a:spcBef>
+                <a:spcPts val="0"/>
+              </a:spcBef>
+              <a:spcAft>
+                <a:spcPts val="0"/>
+              </a:spcAft>
+              <a:buNone/>
+            </a:pPr>
+            <a:r>
+              <a:rPr lang="en" sz="2500"/>
+              <a:t>Update</a:t>
+            </a:r>
+            <a:endParaRPr sz="2500">
+              <a:highlight>
+                <a:srgbClr val="3C78D8"/>
+              </a:highlight>
+            </a:endParaRPr>
+          </a:p>
+        </p:txBody>
+      </p:sp>
+      <p:sp>
+        <p:nvSpPr>
+          <p:cNvPr id="515" name="Google Shape;515;p36"/>
+          <p:cNvSpPr txBox="1"/>
+          <p:nvPr/>
+        </p:nvSpPr>
+        <p:spPr>
+          <a:xfrm>
+            <a:off x="2184775" y="1471975"/>
+            <a:ext cx="2429400" cy="400200"/>
+          </a:xfrm>
+          <a:prstGeom prst="rect">
+            <a:avLst/>
+          </a:prstGeom>
+          <a:noFill/>
+          <a:ln>
+            <a:noFill/>
+          </a:ln>
+        </p:spPr>
+        <p:txBody>
+          <a:bodyPr anchorCtr="0" anchor="t" bIns="91425" lIns="91425" spcFirstLastPara="1" rIns="91425" wrap="square" tIns="91425">
+            <a:spAutoFit/>
+          </a:bodyPr>
+          <a:lstStyle/>
+          <a:p>
+            <a:pPr indent="0" lvl="0" marL="0" rtl="0" algn="l">
+              <a:spcBef>
+                <a:spcPts val="0"/>
+              </a:spcBef>
+              <a:spcAft>
+                <a:spcPts val="0"/>
+              </a:spcAft>
+              <a:buNone/>
+            </a:pPr>
+            <a:r>
+              <a:t/>
+            </a:r>
+            <a:endParaRPr>
+              <a:solidFill>
+                <a:schemeClr val="dk2"/>
+              </a:solidFill>
+              <a:latin typeface="Roboto Mono"/>
+              <a:ea typeface="Roboto Mono"/>
+              <a:cs typeface="Roboto Mono"/>
+              <a:sym typeface="Roboto Mono"/>
+            </a:endParaRPr>
+          </a:p>
+        </p:txBody>
+      </p:sp>
+      <p:sp>
+        <p:nvSpPr>
+          <p:cNvPr id="516" name="Google Shape;516;p36"/>
+          <p:cNvSpPr txBox="1"/>
+          <p:nvPr>
+            <p:ph idx="4294967295" type="body"/>
+          </p:nvPr>
+        </p:nvSpPr>
+        <p:spPr>
+          <a:xfrm>
+            <a:off x="720650" y="1186950"/>
+            <a:ext cx="3732300" cy="1817100"/>
+          </a:xfrm>
+          <a:prstGeom prst="rect">
+            <a:avLst/>
+          </a:prstGeom>
+        </p:spPr>
+        <p:txBody>
+          <a:bodyPr anchorCtr="0" anchor="t" bIns="91425" lIns="91425" spcFirstLastPara="1" rIns="91425" wrap="square" tIns="91425">
+            <a:noAutofit/>
+          </a:bodyPr>
+          <a:lstStyle/>
+          <a:p>
+            <a:pPr indent="0" lvl="0" marL="0" rtl="0" algn="l">
+              <a:spcBef>
+                <a:spcPts val="0"/>
+              </a:spcBef>
+              <a:spcAft>
+                <a:spcPts val="0"/>
+              </a:spcAft>
+              <a:buNone/>
+            </a:pPr>
+            <a:r>
+              <a:rPr lang="en"/>
+              <a:t>With the new push method, our update method is relatively standard</a:t>
+            </a:r>
+            <a:endParaRPr/>
+          </a:p>
+          <a:p>
+            <a:pPr indent="0" lvl="0" marL="0" rtl="0" algn="l">
+              <a:spcBef>
+                <a:spcPts val="1600"/>
+              </a:spcBef>
+              <a:spcAft>
+                <a:spcPts val="0"/>
+              </a:spcAft>
+              <a:buNone/>
+            </a:pPr>
+            <a:r>
+              <a:rPr lang="en"/>
+              <a:t>If the query range matches the node’s, add </a:t>
+            </a:r>
+            <a:r>
+              <a:rPr lang="en">
+                <a:solidFill>
+                  <a:schemeClr val="dk1"/>
+                </a:solidFill>
+              </a:rPr>
+              <a:t>δ to its value </a:t>
+            </a:r>
+            <a:r>
+              <a:rPr b="1" lang="en">
+                <a:solidFill>
+                  <a:schemeClr val="dk1"/>
+                </a:solidFill>
+              </a:rPr>
+              <a:t>as well as its lazy value</a:t>
+            </a:r>
+            <a:endParaRPr>
+              <a:solidFill>
+                <a:schemeClr val="dk1"/>
+              </a:solidFill>
+            </a:endParaRPr>
+          </a:p>
+          <a:p>
+            <a:pPr indent="0" lvl="0" marL="0" rtl="0" algn="l">
+              <a:spcBef>
+                <a:spcPts val="1600"/>
+              </a:spcBef>
+              <a:spcAft>
+                <a:spcPts val="0"/>
+              </a:spcAft>
+              <a:buNone/>
+            </a:pPr>
+            <a:r>
+              <a:t/>
+            </a:r>
+            <a:endParaRPr>
+              <a:solidFill>
+                <a:schemeClr val="dk1"/>
+              </a:solidFill>
+            </a:endParaRPr>
+          </a:p>
+          <a:p>
+            <a:pPr indent="0" lvl="0" marL="0" rtl="0" algn="l">
+              <a:lnSpc>
+                <a:spcPct val="100000"/>
+              </a:lnSpc>
+              <a:spcBef>
+                <a:spcPts val="1600"/>
+              </a:spcBef>
+              <a:spcAft>
+                <a:spcPts val="0"/>
+              </a:spcAft>
+              <a:buNone/>
+            </a:pPr>
+            <a:r>
+              <a:t/>
+            </a:r>
+            <a:endParaRPr>
+              <a:solidFill>
+                <a:schemeClr val="dk1"/>
+              </a:solidFill>
+              <a:latin typeface="Arial"/>
+              <a:ea typeface="Arial"/>
+              <a:cs typeface="Arial"/>
+              <a:sym typeface="Arial"/>
+            </a:endParaRPr>
+          </a:p>
+          <a:p>
+            <a:pPr indent="0" lvl="0" marL="457200" rtl="0" algn="l">
+              <a:lnSpc>
+                <a:spcPct val="100000"/>
+              </a:lnSpc>
+              <a:spcBef>
+                <a:spcPts val="0"/>
+              </a:spcBef>
+              <a:spcAft>
+                <a:spcPts val="0"/>
+              </a:spcAft>
+              <a:buNone/>
+            </a:pPr>
+            <a:r>
+              <a:t/>
+            </a:r>
+            <a:endParaRPr>
+              <a:solidFill>
+                <a:srgbClr val="000000"/>
+              </a:solidFill>
+              <a:latin typeface="Arial"/>
+              <a:ea typeface="Arial"/>
+              <a:cs typeface="Arial"/>
+              <a:sym typeface="Arial"/>
+            </a:endParaRPr>
+          </a:p>
+          <a:p>
+            <a:pPr indent="0" lvl="0" marL="457200" rtl="0" algn="l">
+              <a:spcBef>
+                <a:spcPts val="0"/>
+              </a:spcBef>
+              <a:spcAft>
+                <a:spcPts val="1600"/>
+              </a:spcAft>
+              <a:buNone/>
+            </a:pPr>
+            <a:r>
+              <a:t/>
+            </a:r>
+            <a:endParaRPr/>
+          </a:p>
+        </p:txBody>
+      </p:sp>
+      <p:pic>
+        <p:nvPicPr>
+          <p:cNvPr id="517" name="Google Shape;517;p36" title="Screenshot 2025-04-21 at 1.53.25 AM.png"/>
+          <p:cNvPicPr preferRelativeResize="0"/>
+          <p:nvPr/>
+        </p:nvPicPr>
+        <p:blipFill>
+          <a:blip r:embed="rId3">
+            <a:alphaModFix/>
+          </a:blip>
+          <a:stretch>
+            <a:fillRect/>
+          </a:stretch>
+        </p:blipFill>
+        <p:spPr>
+          <a:xfrm>
+            <a:off x="4483026" y="584695"/>
+            <a:ext cx="4278600" cy="2224301"/>
+          </a:xfrm>
+          <a:prstGeom prst="rect">
+            <a:avLst/>
+          </a:prstGeom>
+          <a:noFill/>
+          <a:ln>
+            <a:noFill/>
+          </a:ln>
+        </p:spPr>
+      </p:pic>
+      <p:sp>
+        <p:nvSpPr>
+          <p:cNvPr id="518" name="Google Shape;518;p36"/>
+          <p:cNvSpPr txBox="1"/>
+          <p:nvPr>
+            <p:ph idx="4294967295" type="body"/>
+          </p:nvPr>
+        </p:nvSpPr>
+        <p:spPr>
+          <a:xfrm>
+            <a:off x="720650" y="3105725"/>
+            <a:ext cx="7545000" cy="1423200"/>
+          </a:xfrm>
+          <a:prstGeom prst="rect">
+            <a:avLst/>
+          </a:prstGeom>
+        </p:spPr>
+        <p:txBody>
+          <a:bodyPr anchorCtr="0" anchor="t" bIns="91425" lIns="91425" spcFirstLastPara="1" rIns="91425" wrap="square" tIns="91425">
+            <a:noAutofit/>
+          </a:bodyPr>
+          <a:lstStyle/>
+          <a:p>
+            <a:pPr indent="0" lvl="0" marL="0" rtl="0" algn="l">
+              <a:spcBef>
+                <a:spcPts val="0"/>
+              </a:spcBef>
+              <a:spcAft>
+                <a:spcPts val="0"/>
+              </a:spcAft>
+              <a:buNone/>
+            </a:pPr>
+            <a:r>
+              <a:rPr lang="en"/>
+              <a:t>Otherwise, call push on the current node to </a:t>
+            </a:r>
+            <a:r>
+              <a:rPr lang="en"/>
+              <a:t>propagate</a:t>
+            </a:r>
+            <a:r>
+              <a:rPr lang="en"/>
+              <a:t> any updates, recursively update our children, then </a:t>
+            </a:r>
+            <a:r>
+              <a:rPr lang="en"/>
+              <a:t>update</a:t>
+            </a:r>
+            <a:r>
+              <a:rPr lang="en"/>
+              <a:t> our own value by merging our children’s </a:t>
+            </a:r>
+            <a:endParaRPr/>
+          </a:p>
+          <a:p>
+            <a:pPr indent="0" lvl="0" marL="0" rtl="0" algn="l">
+              <a:spcBef>
+                <a:spcPts val="1600"/>
+              </a:spcBef>
+              <a:spcAft>
+                <a:spcPts val="0"/>
+              </a:spcAft>
+              <a:buNone/>
+            </a:pPr>
+            <a:r>
+              <a:t/>
+            </a:r>
+            <a:endParaRPr/>
+          </a:p>
+          <a:p>
+            <a:pPr indent="0" lvl="0" marL="0" rtl="0" algn="l">
+              <a:lnSpc>
+                <a:spcPct val="100000"/>
+              </a:lnSpc>
+              <a:spcBef>
+                <a:spcPts val="1600"/>
+              </a:spcBef>
+              <a:spcAft>
+                <a:spcPts val="0"/>
+              </a:spcAft>
+              <a:buNone/>
+            </a:pPr>
+            <a:r>
+              <a:t/>
+            </a:r>
+            <a:endParaRPr>
+              <a:solidFill>
+                <a:schemeClr val="dk1"/>
+              </a:solidFill>
+              <a:latin typeface="Arial"/>
+              <a:ea typeface="Arial"/>
+              <a:cs typeface="Arial"/>
+              <a:sym typeface="Arial"/>
+            </a:endParaRPr>
+          </a:p>
+          <a:p>
+            <a:pPr indent="0" lvl="0" marL="457200" rtl="0" algn="l">
+              <a:lnSpc>
+                <a:spcPct val="100000"/>
+              </a:lnSpc>
+              <a:spcBef>
+                <a:spcPts val="0"/>
+              </a:spcBef>
+              <a:spcAft>
+                <a:spcPts val="0"/>
+              </a:spcAft>
+              <a:buNone/>
+            </a:pPr>
+            <a:r>
+              <a:t/>
+            </a:r>
+            <a:endParaRPr>
+              <a:solidFill>
+                <a:srgbClr val="000000"/>
+              </a:solidFill>
+              <a:latin typeface="Arial"/>
+              <a:ea typeface="Arial"/>
+              <a:cs typeface="Arial"/>
+              <a:sym typeface="Arial"/>
+            </a:endParaRPr>
+          </a:p>
+          <a:p>
+            <a:pPr indent="0" lvl="0" marL="457200" rtl="0" algn="l">
+              <a:spcBef>
+                <a:spcPts val="0"/>
+              </a:spcBef>
+              <a:spcAft>
+                <a:spcPts val="1600"/>
+              </a:spcAft>
+              <a:buNone/>
+            </a:pPr>
+            <a:r>
+              <a:t/>
+            </a:r>
+            <a:endParaRPr/>
+          </a:p>
+        </p:txBody>
+      </p:sp>
+    </p:spTree>
+  </p:cSld>
+  <p:clrMapOvr>
+    <a:masterClrMapping/>
+  </p:clrMapOvr>
+</p:sld>
+</file>
+
+<file path=ppt/slides/slide15.xml><?xml version="1.0" encoding="utf-8"?>
+<p:sld xmlns:a="http://schemas.openxmlformats.org/drawingml/2006/main" xmlns:r="http://schemas.openxmlformats.org/officeDocument/2006/relationships" xmlns:mc="http://schemas.openxmlformats.org/markup-compatibility/2006" xmlns:mv="urn:schemas-microsoft-com:mac:vml" xmlns:p="http://schemas.openxmlformats.org/presentationml/2006/main" xmlns:c="http://schemas.openxmlformats.org/drawingml/2006/chart" xmlns:dgm="http://schemas.openxmlformats.org/drawingml/2006/diagram" xmlns:o="urn:schemas-microsoft-com:office:office" xmlns:v="urn:schemas-microsoft-com:vml" xmlns:pvml="urn:schemas-microsoft-com:office:powerpoint" xmlns:com="http://schemas.openxmlformats.org/drawingml/2006/compatibility" xmlns:p14="http://schemas.microsoft.com/office/powerpoint/2010/main" xmlns:p15="http://schemas.microsoft.com/office/powerpoint/2012/main" xmlns:ahyp="http://schemas.microsoft.com/office/drawing/2018/hyperlinkcolor">
+  <p:cSld>
+    <p:spTree>
+      <p:nvGrpSpPr>
+        <p:cNvPr id="522" name="Shape 522"/>
+        <p:cNvGrpSpPr/>
+        <p:nvPr/>
+      </p:nvGrpSpPr>
+      <p:grpSpPr>
+        <a:xfrm>
+          <a:off x="0" y="0"/>
+          <a:ext cx="0" cy="0"/>
+          <a:chOff x="0" y="0"/>
+          <a:chExt cx="0" cy="0"/>
+        </a:xfrm>
+      </p:grpSpPr>
+      <p:sp>
+        <p:nvSpPr>
+          <p:cNvPr id="523" name="Google Shape;523;p37"/>
+          <p:cNvSpPr txBox="1"/>
+          <p:nvPr>
+            <p:ph idx="4294967295" type="title"/>
+          </p:nvPr>
+        </p:nvSpPr>
+        <p:spPr>
+          <a:xfrm>
+            <a:off x="559725" y="472650"/>
+            <a:ext cx="5808300" cy="518700"/>
+          </a:xfrm>
+          <a:prstGeom prst="rect">
+            <a:avLst/>
+          </a:prstGeom>
+        </p:spPr>
+        <p:txBody>
+          <a:bodyPr anchorCtr="0" anchor="t" bIns="91425" lIns="91425" spcFirstLastPara="1" rIns="91425" wrap="square" tIns="91425">
+            <a:noAutofit/>
+          </a:bodyPr>
+          <a:lstStyle/>
+          <a:p>
+            <a:pPr indent="0" lvl="0" marL="0" rtl="0" algn="l">
+              <a:spcBef>
+                <a:spcPts val="0"/>
+              </a:spcBef>
+              <a:spcAft>
+                <a:spcPts val="0"/>
+              </a:spcAft>
+              <a:buNone/>
+            </a:pPr>
+            <a:r>
+              <a:rPr lang="en" sz="2500"/>
+              <a:t>Query</a:t>
+            </a:r>
+            <a:endParaRPr sz="2500">
+              <a:highlight>
+                <a:srgbClr val="3C78D8"/>
+              </a:highlight>
+            </a:endParaRPr>
+          </a:p>
+        </p:txBody>
+      </p:sp>
+      <p:sp>
+        <p:nvSpPr>
+          <p:cNvPr id="524" name="Google Shape;524;p37"/>
+          <p:cNvSpPr txBox="1"/>
+          <p:nvPr/>
+        </p:nvSpPr>
+        <p:spPr>
+          <a:xfrm>
+            <a:off x="2184775" y="1471975"/>
+            <a:ext cx="2429400" cy="400200"/>
+          </a:xfrm>
+          <a:prstGeom prst="rect">
+            <a:avLst/>
+          </a:prstGeom>
+          <a:noFill/>
+          <a:ln>
+            <a:noFill/>
+          </a:ln>
+        </p:spPr>
+        <p:txBody>
+          <a:bodyPr anchorCtr="0" anchor="t" bIns="91425" lIns="91425" spcFirstLastPara="1" rIns="91425" wrap="square" tIns="91425">
+            <a:spAutoFit/>
+          </a:bodyPr>
+          <a:lstStyle/>
+          <a:p>
+            <a:pPr indent="0" lvl="0" marL="0" rtl="0" algn="l">
+              <a:spcBef>
+                <a:spcPts val="0"/>
+              </a:spcBef>
+              <a:spcAft>
+                <a:spcPts val="0"/>
+              </a:spcAft>
+              <a:buNone/>
+            </a:pPr>
+            <a:r>
+              <a:t/>
+            </a:r>
+            <a:endParaRPr>
+              <a:solidFill>
+                <a:schemeClr val="dk2"/>
+              </a:solidFill>
+              <a:latin typeface="Roboto Mono"/>
+              <a:ea typeface="Roboto Mono"/>
+              <a:cs typeface="Roboto Mono"/>
+              <a:sym typeface="Roboto Mono"/>
+            </a:endParaRPr>
+          </a:p>
+        </p:txBody>
+      </p:sp>
+      <p:sp>
+        <p:nvSpPr>
+          <p:cNvPr id="525" name="Google Shape;525;p37"/>
+          <p:cNvSpPr txBox="1"/>
+          <p:nvPr>
+            <p:ph idx="4294967295" type="body"/>
+          </p:nvPr>
+        </p:nvSpPr>
+        <p:spPr>
+          <a:xfrm>
+            <a:off x="720650" y="1186950"/>
+            <a:ext cx="3893400" cy="1846800"/>
+          </a:xfrm>
+          <a:prstGeom prst="rect">
+            <a:avLst/>
+          </a:prstGeom>
+        </p:spPr>
+        <p:txBody>
+          <a:bodyPr anchorCtr="0" anchor="t" bIns="91425" lIns="91425" spcFirstLastPara="1" rIns="91425" wrap="square" tIns="91425">
+            <a:noAutofit/>
+          </a:bodyPr>
+          <a:lstStyle/>
+          <a:p>
+            <a:pPr indent="0" lvl="0" marL="0" rtl="0" algn="l">
+              <a:spcBef>
+                <a:spcPts val="0"/>
+              </a:spcBef>
+              <a:spcAft>
+                <a:spcPts val="0"/>
+              </a:spcAft>
+              <a:buNone/>
+            </a:pPr>
+            <a:r>
+              <a:rPr lang="en"/>
+              <a:t>Get the max of the highest-level segments that fall within a range</a:t>
+            </a:r>
+            <a:endParaRPr/>
+          </a:p>
+          <a:p>
+            <a:pPr indent="-317500" lvl="0" marL="457200" rtl="0" algn="l">
+              <a:spcBef>
+                <a:spcPts val="1600"/>
+              </a:spcBef>
+              <a:spcAft>
+                <a:spcPts val="0"/>
+              </a:spcAft>
+              <a:buSzPts val="1400"/>
+              <a:buChar char="-"/>
+            </a:pPr>
+            <a:r>
+              <a:rPr lang="en"/>
+              <a:t>When reaching a segment that falls within a range, return the stored max value</a:t>
+            </a:r>
+            <a:endParaRPr/>
+          </a:p>
+          <a:p>
+            <a:pPr indent="0" lvl="0" marL="0" rtl="0" algn="l">
+              <a:spcBef>
+                <a:spcPts val="1600"/>
+              </a:spcBef>
+              <a:spcAft>
+                <a:spcPts val="1600"/>
+              </a:spcAft>
+              <a:buNone/>
+            </a:pPr>
+            <a:r>
+              <a:t/>
+            </a:r>
+            <a:endParaRPr/>
+          </a:p>
+        </p:txBody>
+      </p:sp>
+      <p:pic>
+        <p:nvPicPr>
+          <p:cNvPr id="526" name="Google Shape;526;p37" title="Screenshot 2025-04-21 at 1.53.31 AM.png"/>
+          <p:cNvPicPr preferRelativeResize="0"/>
+          <p:nvPr/>
+        </p:nvPicPr>
+        <p:blipFill>
+          <a:blip r:embed="rId3">
+            <a:alphaModFix/>
+          </a:blip>
+          <a:stretch>
+            <a:fillRect/>
+          </a:stretch>
+        </p:blipFill>
+        <p:spPr>
+          <a:xfrm>
+            <a:off x="4787925" y="272375"/>
+            <a:ext cx="4215700" cy="2155325"/>
+          </a:xfrm>
+          <a:prstGeom prst="rect">
+            <a:avLst/>
+          </a:prstGeom>
+          <a:noFill/>
+          <a:ln>
+            <a:noFill/>
+          </a:ln>
+        </p:spPr>
+      </p:pic>
+      <p:sp>
+        <p:nvSpPr>
+          <p:cNvPr id="527" name="Google Shape;527;p37"/>
+          <p:cNvSpPr txBox="1"/>
+          <p:nvPr/>
+        </p:nvSpPr>
+        <p:spPr>
+          <a:xfrm>
+            <a:off x="720650" y="3033750"/>
+            <a:ext cx="7386900" cy="648000"/>
+          </a:xfrm>
+          <a:prstGeom prst="rect">
+            <a:avLst/>
+          </a:prstGeom>
+          <a:noFill/>
+          <a:ln>
+            <a:noFill/>
+          </a:ln>
+        </p:spPr>
+        <p:txBody>
+          <a:bodyPr anchorCtr="0" anchor="t" bIns="91425" lIns="91425" spcFirstLastPara="1" rIns="91425" wrap="square" tIns="91425">
+            <a:spAutoFit/>
+          </a:bodyPr>
+          <a:lstStyle/>
+          <a:p>
+            <a:pPr indent="0" lvl="0" marL="0" rtl="0" algn="l">
+              <a:lnSpc>
+                <a:spcPct val="115000"/>
+              </a:lnSpc>
+              <a:spcBef>
+                <a:spcPts val="0"/>
+              </a:spcBef>
+              <a:spcAft>
+                <a:spcPts val="1600"/>
+              </a:spcAft>
+              <a:buNone/>
+            </a:pPr>
+            <a:r>
+              <a:rPr lang="en">
+                <a:solidFill>
+                  <a:schemeClr val="dk1"/>
+                </a:solidFill>
+                <a:latin typeface="Roboto Mono"/>
+                <a:ea typeface="Roboto Mono"/>
+                <a:cs typeface="Roboto Mono"/>
+                <a:sym typeface="Roboto Mono"/>
+              </a:rPr>
+              <a:t>Otherwise, push the pending changes down to the two children and continue to traverse the tree</a:t>
+            </a:r>
+            <a:endParaRPr/>
+          </a:p>
+        </p:txBody>
+      </p:sp>
+    </p:spTree>
+  </p:cSld>
+  <p:clrMapOvr>
+    <a:masterClrMapping/>
+  </p:clrMapOvr>
+</p:sld>
+</file>
+
+<file path=ppt/slides/slide16.xml><?xml version="1.0" encoding="utf-8"?>
+<p:sld xmlns:a="http://schemas.openxmlformats.org/drawingml/2006/main" xmlns:r="http://schemas.openxmlformats.org/officeDocument/2006/relationships" xmlns:mc="http://schemas.openxmlformats.org/markup-compatibility/2006" xmlns:mv="urn:schemas-microsoft-com:mac:vml" xmlns:p="http://schemas.openxmlformats.org/presentationml/2006/main" xmlns:c="http://schemas.openxmlformats.org/drawingml/2006/chart" xmlns:dgm="http://schemas.openxmlformats.org/drawingml/2006/diagram" xmlns:o="urn:schemas-microsoft-com:office:office" xmlns:v="urn:schemas-microsoft-com:vml" xmlns:pvml="urn:schemas-microsoft-com:office:powerpoint" xmlns:com="http://schemas.openxmlformats.org/drawingml/2006/compatibility" xmlns:p14="http://schemas.microsoft.com/office/powerpoint/2010/main" xmlns:p15="http://schemas.microsoft.com/office/powerpoint/2012/main" xmlns:ahyp="http://schemas.microsoft.com/office/drawing/2018/hyperlinkcolor">
+  <p:cSld>
+    <p:spTree>
+      <p:nvGrpSpPr>
+        <p:cNvPr id="531" name="Shape 531"/>
+        <p:cNvGrpSpPr/>
+        <p:nvPr/>
+      </p:nvGrpSpPr>
+      <p:grpSpPr>
+        <a:xfrm>
+          <a:off x="0" y="0"/>
+          <a:ext cx="0" cy="0"/>
+          <a:chOff x="0" y="0"/>
+          <a:chExt cx="0" cy="0"/>
+        </a:xfrm>
+      </p:grpSpPr>
+      <p:sp>
+        <p:nvSpPr>
+          <p:cNvPr id="532" name="Google Shape;532;p38"/>
           <p:cNvSpPr txBox="1"/>
           <p:nvPr>
             <p:ph idx="4294967295" type="title"/>
@@ -34856,7 +37473,7 @@
       </p:sp>
       <p:sp>
         <p:nvSpPr>
-          <p:cNvPr id="460" name="Google Shape;460;p32"/>
+          <p:cNvPr id="533" name="Google Shape;533;p38"/>
           <p:cNvSpPr txBox="1"/>
           <p:nvPr/>
         </p:nvSpPr>
@@ -35405,7 +38022,7 @@
         <p:spPr>
           <a:xfrm>
             <a:off x="559725" y="472650"/>
-            <a:ext cx="3885600" cy="518700"/>
+            <a:ext cx="5808300" cy="518700"/>
           </a:xfrm>
           <a:prstGeom prst="rect">
             <a:avLst/>
@@ -35428,7 +38045,7 @@
             </a:pPr>
             <a:r>
               <a:rPr lang="en" sz="2500"/>
-              <a:t>Range updates</a:t>
+              <a:t>Solution: “lazy propagation” </a:t>
             </a:r>
             <a:endParaRPr sz="2500">
               <a:highlight>
@@ -35497,8 +38114,8 @@
         </p:nvSpPr>
         <p:spPr>
           <a:xfrm>
-            <a:off x="720650" y="1186950"/>
-            <a:ext cx="7020000" cy="3376200"/>
+            <a:off x="311725" y="991350"/>
+            <a:ext cx="5808300" cy="3376200"/>
           </a:xfrm>
           <a:prstGeom prst="rect">
             <a:avLst/>
@@ -35511,6 +38128,9 @@
           <a:lstStyle/>
           <a:p>
             <a:pPr indent="0" lvl="0" marL="0" rtl="0" algn="l">
+              <a:lnSpc>
+                <a:spcPct val="100000"/>
+              </a:lnSpc>
               <a:spcBef>
                 <a:spcPts val="0"/>
               </a:spcBef>
@@ -35528,116 +38148,7 @@
                   <a:srgbClr val="3C78D8"/>
                 </a:highlight>
               </a:rPr>
-              <a:t>New Goal:</a:t>
-            </a:r>
-            <a:r>
-              <a:rPr lang="en"/>
-              <a:t> Create a segment tree variant that supports the following queries:</a:t>
-            </a:r>
-            <a:endParaRPr/>
-          </a:p>
-          <a:p>
-            <a:pPr indent="-317500" lvl="0" marL="457200" rtl="0" algn="l">
-              <a:spcBef>
-                <a:spcPts val="1600"/>
-              </a:spcBef>
-              <a:spcAft>
-                <a:spcPts val="0"/>
-              </a:spcAft>
-              <a:buSzPts val="1400"/>
-              <a:buChar char="●"/>
-            </a:pPr>
-            <a:r>
-              <a:rPr i="1" lang="en"/>
-              <a:t>update(l,r,δ)</a:t>
-            </a:r>
-            <a:r>
-              <a:rPr lang="en"/>
-              <a:t> – add δ to each value in the range A[l...r]</a:t>
-            </a:r>
-            <a:endParaRPr/>
-          </a:p>
-          <a:p>
-            <a:pPr indent="-317500" lvl="0" marL="457200" rtl="0" algn="l">
-              <a:spcBef>
-                <a:spcPts val="0"/>
-              </a:spcBef>
-              <a:spcAft>
-                <a:spcPts val="0"/>
-              </a:spcAft>
-              <a:buSzPts val="1400"/>
-              <a:buChar char="●"/>
-            </a:pPr>
-            <a:r>
-              <a:rPr i="1" lang="en"/>
-              <a:t>max(l,r)</a:t>
-            </a:r>
-            <a:r>
-              <a:rPr lang="en"/>
-              <a:t> – return the maximum value in the range A[l...r]</a:t>
-            </a:r>
-            <a:endParaRPr/>
-          </a:p>
-          <a:p>
-            <a:pPr indent="0" lvl="0" marL="0" rtl="0" algn="l">
-              <a:spcBef>
-                <a:spcPts val="1600"/>
-              </a:spcBef>
-              <a:spcAft>
-                <a:spcPts val="0"/>
-              </a:spcAft>
-              <a:buNone/>
-            </a:pPr>
-            <a:r>
-              <a:rPr lang="en"/>
-              <a:t>While keeping the original O(log n) runtime.</a:t>
-            </a:r>
-            <a:endParaRPr/>
-          </a:p>
-          <a:p>
-            <a:pPr indent="0" lvl="0" marL="0" rtl="0" algn="l">
-              <a:spcBef>
-                <a:spcPts val="1600"/>
-              </a:spcBef>
-              <a:spcAft>
-                <a:spcPts val="0"/>
-              </a:spcAft>
-              <a:buNone/>
-            </a:pPr>
-            <a:r>
-              <a:rPr lang="en"/>
-              <a:t>Our overall </a:t>
-            </a:r>
-            <a:r>
-              <a:rPr lang="en"/>
-              <a:t>structure</a:t>
-            </a:r>
-            <a:r>
-              <a:rPr lang="en"/>
-              <a:t> is still the same – each node will store the maximum over its range, as usual</a:t>
-            </a:r>
-            <a:endParaRPr/>
-          </a:p>
-          <a:p>
-            <a:pPr indent="0" lvl="0" marL="0" rtl="0" algn="l">
-              <a:spcBef>
-                <a:spcPts val="1600"/>
-              </a:spcBef>
-              <a:spcAft>
-                <a:spcPts val="1600"/>
-              </a:spcAft>
-              <a:buNone/>
-            </a:pPr>
-            <a:r>
-              <a:rPr b="1" lang="en">
-                <a:solidFill>
-                  <a:schemeClr val="dk1"/>
-                </a:solidFill>
-                <a:highlight>
-                  <a:srgbClr val="3C78D8"/>
-                </a:highlight>
-              </a:rPr>
-              <a:t>Challenge</a:t>
+              <a:t>Key Idea</a:t>
             </a:r>
             <a:r>
               <a:rPr b="1" lang="en">
@@ -35654,9 +38165,114 @@
               <a:rPr b="1" lang="en"/>
               <a:t> </a:t>
             </a:r>
+            <a:endParaRPr b="1"/>
+          </a:p>
+          <a:p>
+            <a:pPr indent="-317500" lvl="0" marL="457200" rtl="0" algn="l">
+              <a:spcBef>
+                <a:spcPts val="1600"/>
+              </a:spcBef>
+              <a:spcAft>
+                <a:spcPts val="0"/>
+              </a:spcAft>
+              <a:buSzPts val="1400"/>
+              <a:buChar char="-"/>
+            </a:pPr>
             <a:r>
               <a:rPr lang="en"/>
-              <a:t>manually updating each seg-tree node that falls within the query range takes O(n log n) time!</a:t>
+              <a:t>Don’t update every node, update only the topmost segments</a:t>
+            </a:r>
+            <a:endParaRPr/>
+          </a:p>
+          <a:p>
+            <a:pPr indent="-317500" lvl="0" marL="457200" rtl="0" algn="l">
+              <a:spcBef>
+                <a:spcPts val="0"/>
+              </a:spcBef>
+              <a:spcAft>
+                <a:spcPts val="0"/>
+              </a:spcAft>
+              <a:buSzPts val="1400"/>
+              <a:buChar char="-"/>
+            </a:pPr>
+            <a:r>
+              <a:rPr lang="en"/>
+              <a:t>Defer updates to their children until needed (lazily)</a:t>
+            </a:r>
+            <a:endParaRPr/>
+          </a:p>
+          <a:p>
+            <a:pPr indent="0" lvl="0" marL="457200" rtl="0" algn="l">
+              <a:spcBef>
+                <a:spcPts val="1600"/>
+              </a:spcBef>
+              <a:spcAft>
+                <a:spcPts val="0"/>
+              </a:spcAft>
+              <a:buNone/>
+            </a:pPr>
+            <a:r>
+              <a:t/>
+            </a:r>
+            <a:endParaRPr/>
+          </a:p>
+          <a:p>
+            <a:pPr indent="0" lvl="0" marL="0" rtl="0" algn="l">
+              <a:spcBef>
+                <a:spcPts val="1600"/>
+              </a:spcBef>
+              <a:spcAft>
+                <a:spcPts val="0"/>
+              </a:spcAft>
+              <a:buNone/>
+            </a:pPr>
+            <a:r>
+              <a:t/>
+            </a:r>
+            <a:endParaRPr/>
+          </a:p>
+          <a:p>
+            <a:pPr indent="0" lvl="0" marL="0" rtl="0" algn="l">
+              <a:spcBef>
+                <a:spcPts val="1600"/>
+              </a:spcBef>
+              <a:spcAft>
+                <a:spcPts val="0"/>
+              </a:spcAft>
+              <a:buNone/>
+            </a:pPr>
+            <a:r>
+              <a:t/>
+            </a:r>
+            <a:endParaRPr/>
+          </a:p>
+          <a:p>
+            <a:pPr indent="0" lvl="0" marL="0" rtl="0" algn="l">
+              <a:spcBef>
+                <a:spcPts val="1600"/>
+              </a:spcBef>
+              <a:spcAft>
+                <a:spcPts val="0"/>
+              </a:spcAft>
+              <a:buNone/>
+            </a:pPr>
+            <a:r>
+              <a:t/>
+            </a:r>
+            <a:endParaRPr/>
+          </a:p>
+          <a:p>
+            <a:pPr indent="0" lvl="0" marL="0" rtl="0" algn="l">
+              <a:spcBef>
+                <a:spcPts val="1600"/>
+              </a:spcBef>
+              <a:spcAft>
+                <a:spcPts val="1600"/>
+              </a:spcAft>
+              <a:buNone/>
+            </a:pPr>
+            <a:r>
+              <a:t/>
             </a:r>
             <a:endParaRPr/>
           </a:p>
@@ -35692,13 +38308,330 @@
           <p:cNvPr id="409" name="Google Shape;409;p26"/>
           <p:cNvSpPr txBox="1"/>
           <p:nvPr>
+            <p:ph type="title"/>
+          </p:nvPr>
+        </p:nvSpPr>
+        <p:spPr>
+          <a:xfrm>
+            <a:off x="536269" y="2191763"/>
+            <a:ext cx="2211300" cy="891600"/>
+          </a:xfrm>
+          <a:prstGeom prst="rect">
+            <a:avLst/>
+          </a:prstGeom>
+        </p:spPr>
+        <p:txBody>
+          <a:bodyPr anchorCtr="0" anchor="b" bIns="91425" lIns="91425" spcFirstLastPara="1" rIns="91425" wrap="square" tIns="91425">
+            <a:noAutofit/>
+          </a:bodyPr>
+          <a:lstStyle/>
+          <a:p>
+            <a:pPr indent="0" lvl="0" marL="0" rtl="0" algn="ctr">
+              <a:spcBef>
+                <a:spcPts val="0"/>
+              </a:spcBef>
+              <a:spcAft>
+                <a:spcPts val="0"/>
+              </a:spcAft>
+              <a:buNone/>
+            </a:pPr>
+            <a:r>
+              <a:rPr lang="en" sz="2800"/>
+              <a:t>Addition</a:t>
+            </a:r>
+            <a:endParaRPr sz="2800"/>
+          </a:p>
+        </p:txBody>
+      </p:sp>
+      <p:sp>
+        <p:nvSpPr>
+          <p:cNvPr id="410" name="Google Shape;410;p26"/>
+          <p:cNvSpPr txBox="1"/>
+          <p:nvPr>
+            <p:ph idx="6" type="body"/>
+          </p:nvPr>
+        </p:nvSpPr>
+        <p:spPr>
+          <a:xfrm>
+            <a:off x="536269" y="3114581"/>
+            <a:ext cx="2211300" cy="693900"/>
+          </a:xfrm>
+          <a:prstGeom prst="rect">
+            <a:avLst/>
+          </a:prstGeom>
+        </p:spPr>
+        <p:txBody>
+          <a:bodyPr anchorCtr="0" anchor="t" bIns="91425" lIns="91425" spcFirstLastPara="1" rIns="91425" wrap="square" tIns="91425">
+            <a:noAutofit/>
+          </a:bodyPr>
+          <a:lstStyle/>
+          <a:p>
+            <a:pPr indent="0" lvl="0" marL="0" rtl="0" algn="ctr">
+              <a:spcBef>
+                <a:spcPts val="0"/>
+              </a:spcBef>
+              <a:spcAft>
+                <a:spcPts val="0"/>
+              </a:spcAft>
+              <a:buNone/>
+            </a:pPr>
+            <a:r>
+              <a:rPr lang="en"/>
+              <a:t>R</a:t>
+            </a:r>
+            <a:r>
+              <a:rPr lang="en"/>
+              <a:t>anged Addition Updates with Point Queries</a:t>
+            </a:r>
+            <a:endParaRPr/>
+          </a:p>
+        </p:txBody>
+      </p:sp>
+      <p:sp>
+        <p:nvSpPr>
+          <p:cNvPr id="411" name="Google Shape;411;p26"/>
+          <p:cNvSpPr txBox="1"/>
+          <p:nvPr>
+            <p:ph idx="2" type="title"/>
+          </p:nvPr>
+        </p:nvSpPr>
+        <p:spPr>
+          <a:xfrm>
+            <a:off x="536269" y="273581"/>
+            <a:ext cx="8036100" cy="572700"/>
+          </a:xfrm>
+          <a:prstGeom prst="rect">
+            <a:avLst/>
+          </a:prstGeom>
+        </p:spPr>
+        <p:txBody>
+          <a:bodyPr anchorCtr="0" anchor="t" bIns="91425" lIns="91425" spcFirstLastPara="1" rIns="91425" wrap="square" tIns="91425">
+            <a:noAutofit/>
+          </a:bodyPr>
+          <a:lstStyle/>
+          <a:p>
+            <a:pPr indent="0" lvl="0" marL="0" rtl="0" algn="ctr">
+              <a:spcBef>
+                <a:spcPts val="0"/>
+              </a:spcBef>
+              <a:spcAft>
+                <a:spcPts val="0"/>
+              </a:spcAft>
+              <a:buNone/>
+            </a:pPr>
+            <a:r>
+              <a:rPr lang="en"/>
+              <a:t>Three Variants</a:t>
+            </a:r>
+            <a:endParaRPr/>
+          </a:p>
+        </p:txBody>
+      </p:sp>
+      <p:sp>
+        <p:nvSpPr>
+          <p:cNvPr id="412" name="Google Shape;412;p26"/>
+          <p:cNvSpPr txBox="1"/>
+          <p:nvPr>
+            <p:ph idx="3" type="title"/>
+          </p:nvPr>
+        </p:nvSpPr>
+        <p:spPr>
+          <a:xfrm>
+            <a:off x="3392699" y="1880075"/>
+            <a:ext cx="2358600" cy="891600"/>
+          </a:xfrm>
+          <a:prstGeom prst="rect">
+            <a:avLst/>
+          </a:prstGeom>
+        </p:spPr>
+        <p:txBody>
+          <a:bodyPr anchorCtr="0" anchor="b" bIns="91425" lIns="91425" spcFirstLastPara="1" rIns="91425" wrap="square" tIns="91425">
+            <a:noAutofit/>
+          </a:bodyPr>
+          <a:lstStyle/>
+          <a:p>
+            <a:pPr indent="0" lvl="0" marL="0" rtl="0" algn="ctr">
+              <a:spcBef>
+                <a:spcPts val="0"/>
+              </a:spcBef>
+              <a:spcAft>
+                <a:spcPts val="0"/>
+              </a:spcAft>
+              <a:buNone/>
+            </a:pPr>
+            <a:r>
+              <a:rPr lang="en" sz="2800"/>
+              <a:t>Assignment</a:t>
+            </a:r>
+            <a:endParaRPr sz="2800"/>
+          </a:p>
+        </p:txBody>
+      </p:sp>
+      <p:sp>
+        <p:nvSpPr>
+          <p:cNvPr id="413" name="Google Shape;413;p26"/>
+          <p:cNvSpPr txBox="1"/>
+          <p:nvPr>
+            <p:ph idx="4" type="title"/>
+          </p:nvPr>
+        </p:nvSpPr>
+        <p:spPr>
+          <a:xfrm>
+            <a:off x="6361090" y="2191763"/>
+            <a:ext cx="2211300" cy="891600"/>
+          </a:xfrm>
+          <a:prstGeom prst="rect">
+            <a:avLst/>
+          </a:prstGeom>
+        </p:spPr>
+        <p:txBody>
+          <a:bodyPr anchorCtr="0" anchor="b" bIns="91425" lIns="91425" spcFirstLastPara="1" rIns="91425" wrap="square" tIns="91425">
+            <a:noAutofit/>
+          </a:bodyPr>
+          <a:lstStyle/>
+          <a:p>
+            <a:pPr indent="0" lvl="0" marL="0" rtl="0" algn="ctr">
+              <a:spcBef>
+                <a:spcPts val="0"/>
+              </a:spcBef>
+              <a:spcAft>
+                <a:spcPts val="0"/>
+              </a:spcAft>
+              <a:buNone/>
+            </a:pPr>
+            <a:r>
+              <a:rPr lang="en" sz="2800"/>
+              <a:t>Max</a:t>
+            </a:r>
+            <a:endParaRPr sz="2800"/>
+          </a:p>
+        </p:txBody>
+      </p:sp>
+      <p:sp>
+        <p:nvSpPr>
+          <p:cNvPr id="414" name="Google Shape;414;p26"/>
+          <p:cNvSpPr txBox="1"/>
+          <p:nvPr>
+            <p:ph idx="1" type="body"/>
+          </p:nvPr>
+        </p:nvSpPr>
+        <p:spPr>
+          <a:xfrm>
+            <a:off x="6361085" y="3122944"/>
+            <a:ext cx="2211300" cy="693900"/>
+          </a:xfrm>
+          <a:prstGeom prst="rect">
+            <a:avLst/>
+          </a:prstGeom>
+        </p:spPr>
+        <p:txBody>
+          <a:bodyPr anchorCtr="0" anchor="t" bIns="91425" lIns="91425" spcFirstLastPara="1" rIns="91425" wrap="square" tIns="91425">
+            <a:noAutofit/>
+          </a:bodyPr>
+          <a:lstStyle/>
+          <a:p>
+            <a:pPr indent="0" lvl="0" marL="0" rtl="0" algn="ctr">
+              <a:spcBef>
+                <a:spcPts val="0"/>
+              </a:spcBef>
+              <a:spcAft>
+                <a:spcPts val="0"/>
+              </a:spcAft>
+              <a:buNone/>
+            </a:pPr>
+            <a:r>
+              <a:rPr lang="en"/>
+              <a:t>R</a:t>
+            </a:r>
+            <a:r>
+              <a:rPr lang="en"/>
+              <a:t>anged Addition Updates with Ranged Max Queries</a:t>
+            </a:r>
+            <a:endParaRPr/>
+          </a:p>
+        </p:txBody>
+      </p:sp>
+      <p:sp>
+        <p:nvSpPr>
+          <p:cNvPr id="415" name="Google Shape;415;p26"/>
+          <p:cNvSpPr txBox="1"/>
+          <p:nvPr>
+            <p:ph idx="5" type="body"/>
+          </p:nvPr>
+        </p:nvSpPr>
+        <p:spPr>
+          <a:xfrm>
+            <a:off x="3448677" y="2771681"/>
+            <a:ext cx="2211300" cy="693900"/>
+          </a:xfrm>
+          <a:prstGeom prst="rect">
+            <a:avLst/>
+          </a:prstGeom>
+        </p:spPr>
+        <p:txBody>
+          <a:bodyPr anchorCtr="0" anchor="t" bIns="91425" lIns="91425" spcFirstLastPara="1" rIns="91425" wrap="square" tIns="91425">
+            <a:noAutofit/>
+          </a:bodyPr>
+          <a:lstStyle/>
+          <a:p>
+            <a:pPr indent="0" lvl="0" marL="0" rtl="0" algn="ctr">
+              <a:spcBef>
+                <a:spcPts val="0"/>
+              </a:spcBef>
+              <a:spcAft>
+                <a:spcPts val="0"/>
+              </a:spcAft>
+              <a:buNone/>
+            </a:pPr>
+            <a:r>
+              <a:rPr lang="en"/>
+              <a:t>R</a:t>
+            </a:r>
+            <a:r>
+              <a:rPr lang="en"/>
+              <a:t>anged Assignment Updates with Point Queries</a:t>
+            </a:r>
+            <a:endParaRPr/>
+          </a:p>
+        </p:txBody>
+      </p:sp>
+    </p:spTree>
+  </p:cSld>
+  <p:clrMapOvr>
+    <a:masterClrMapping/>
+  </p:clrMapOvr>
+</p:sld>
+</file>
+
+<file path=ppt/slides/slide5.xml><?xml version="1.0" encoding="utf-8"?>
+<p:sld xmlns:a="http://schemas.openxmlformats.org/drawingml/2006/main" xmlns:r="http://schemas.openxmlformats.org/officeDocument/2006/relationships" xmlns:mc="http://schemas.openxmlformats.org/markup-compatibility/2006" xmlns:mv="urn:schemas-microsoft-com:mac:vml" xmlns:p="http://schemas.openxmlformats.org/presentationml/2006/main" xmlns:c="http://schemas.openxmlformats.org/drawingml/2006/chart" xmlns:dgm="http://schemas.openxmlformats.org/drawingml/2006/diagram" xmlns:o="urn:schemas-microsoft-com:office:office" xmlns:v="urn:schemas-microsoft-com:vml" xmlns:pvml="urn:schemas-microsoft-com:office:powerpoint" xmlns:com="http://schemas.openxmlformats.org/drawingml/2006/compatibility" xmlns:p14="http://schemas.microsoft.com/office/powerpoint/2010/main" xmlns:p15="http://schemas.microsoft.com/office/powerpoint/2012/main" xmlns:ahyp="http://schemas.microsoft.com/office/drawing/2018/hyperlinkcolor">
+  <p:cSld>
+    <p:spTree>
+      <p:nvGrpSpPr>
+        <p:cNvPr id="419" name="Shape 419"/>
+        <p:cNvGrpSpPr/>
+        <p:nvPr/>
+      </p:nvGrpSpPr>
+      <p:grpSpPr>
+        <a:xfrm>
+          <a:off x="0" y="0"/>
+          <a:ext cx="0" cy="0"/>
+          <a:chOff x="0" y="0"/>
+          <a:chExt cx="0" cy="0"/>
+        </a:xfrm>
+      </p:grpSpPr>
+      <p:sp>
+        <p:nvSpPr>
+          <p:cNvPr id="420" name="Google Shape;420;p27"/>
+          <p:cNvSpPr txBox="1"/>
+          <p:nvPr>
             <p:ph idx="4294967295" type="title"/>
           </p:nvPr>
         </p:nvSpPr>
         <p:spPr>
           <a:xfrm>
             <a:off x="559725" y="472650"/>
-            <a:ext cx="5808300" cy="518700"/>
+            <a:ext cx="7687200" cy="518700"/>
           </a:xfrm>
           <a:prstGeom prst="rect">
             <a:avLst/>
@@ -35721,19 +38654,15 @@
             </a:pPr>
             <a:r>
               <a:rPr lang="en" sz="2500"/>
-              <a:t>Solution: “lazy propagation” </a:t>
+              <a:t>Variant 1: Adding to a range, getting a specific index </a:t>
             </a:r>
-            <a:endParaRPr sz="2500">
-              <a:highlight>
-                <a:srgbClr val="3C78D8"/>
-              </a:highlight>
-            </a:endParaRPr>
+            <a:endParaRPr sz="2500"/>
           </a:p>
         </p:txBody>
       </p:sp>
       <p:sp>
         <p:nvSpPr>
-          <p:cNvPr id="410" name="Google Shape;410;p26"/>
+          <p:cNvPr id="421" name="Google Shape;421;p27"/>
           <p:cNvSpPr txBox="1"/>
           <p:nvPr/>
         </p:nvSpPr>
@@ -35782,1370 +38711,7 @@
       </p:sp>
       <p:sp>
         <p:nvSpPr>
-          <p:cNvPr id="411" name="Google Shape;411;p26"/>
-          <p:cNvSpPr txBox="1"/>
-          <p:nvPr>
-            <p:ph idx="4294967295" type="body"/>
-          </p:nvPr>
-        </p:nvSpPr>
-        <p:spPr>
-          <a:xfrm>
-            <a:off x="311725" y="991350"/>
-            <a:ext cx="5808300" cy="3376200"/>
-          </a:xfrm>
-          <a:prstGeom prst="rect">
-            <a:avLst/>
-          </a:prstGeom>
-        </p:spPr>
-        <p:txBody>
-          <a:bodyPr anchorCtr="0" anchor="t" bIns="91425" lIns="91425" spcFirstLastPara="1" rIns="91425" wrap="square" tIns="91425">
-            <a:noAutofit/>
-          </a:bodyPr>
-          <a:lstStyle/>
-          <a:p>
-            <a:pPr indent="0" lvl="0" marL="0" rtl="0" algn="l">
-              <a:lnSpc>
-                <a:spcPct val="100000"/>
-              </a:lnSpc>
-              <a:spcBef>
-                <a:spcPts val="0"/>
-              </a:spcBef>
-              <a:spcAft>
-                <a:spcPts val="0"/>
-              </a:spcAft>
-              <a:buNone/>
-            </a:pPr>
-            <a:r>
-              <a:rPr b="1" lang="en">
-                <a:solidFill>
-                  <a:schemeClr val="dk1"/>
-                </a:solidFill>
-                <a:highlight>
-                  <a:srgbClr val="3C78D8"/>
-                </a:highlight>
-              </a:rPr>
-              <a:t>Key Idea</a:t>
-            </a:r>
-            <a:r>
-              <a:rPr b="1" lang="en">
-                <a:solidFill>
-                  <a:schemeClr val="dk1"/>
-                </a:solidFill>
-                <a:highlight>
-                  <a:srgbClr val="3C78D8"/>
-                </a:highlight>
-              </a:rPr>
-              <a:t>:</a:t>
-            </a:r>
-            <a:r>
-              <a:rPr b="1" lang="en"/>
-              <a:t> </a:t>
-            </a:r>
-            <a:endParaRPr b="1"/>
-          </a:p>
-          <a:p>
-            <a:pPr indent="-317500" lvl="0" marL="457200" rtl="0" algn="l">
-              <a:spcBef>
-                <a:spcPts val="1600"/>
-              </a:spcBef>
-              <a:spcAft>
-                <a:spcPts val="0"/>
-              </a:spcAft>
-              <a:buSzPts val="1400"/>
-              <a:buChar char="-"/>
-            </a:pPr>
-            <a:r>
-              <a:rPr lang="en"/>
-              <a:t>Don’t update every node, update only the topmost segments</a:t>
-            </a:r>
-            <a:endParaRPr/>
-          </a:p>
-          <a:p>
-            <a:pPr indent="-317500" lvl="0" marL="457200" rtl="0" algn="l">
-              <a:spcBef>
-                <a:spcPts val="0"/>
-              </a:spcBef>
-              <a:spcAft>
-                <a:spcPts val="0"/>
-              </a:spcAft>
-              <a:buSzPts val="1400"/>
-              <a:buChar char="-"/>
-            </a:pPr>
-            <a:r>
-              <a:rPr lang="en"/>
-              <a:t>Defer updates to their children until needed (lazily)</a:t>
-            </a:r>
-            <a:endParaRPr/>
-          </a:p>
-          <a:p>
-            <a:pPr indent="0" lvl="0" marL="0" rtl="0" algn="l">
-              <a:spcBef>
-                <a:spcPts val="1600"/>
-              </a:spcBef>
-              <a:spcAft>
-                <a:spcPts val="0"/>
-              </a:spcAft>
-              <a:buNone/>
-            </a:pPr>
-            <a:r>
-              <a:rPr lang="en"/>
-              <a:t>Add a new </a:t>
-            </a:r>
-            <a:r>
-              <a:rPr b="1" lang="en"/>
-              <a:t>lazy</a:t>
-            </a:r>
-            <a:r>
-              <a:rPr lang="en"/>
-              <a:t> field to our nodes that stores pending additions that need to be applied to the range</a:t>
-            </a:r>
-            <a:endParaRPr/>
-          </a:p>
-          <a:p>
-            <a:pPr indent="0" lvl="0" marL="0" rtl="0" algn="l">
-              <a:spcBef>
-                <a:spcPts val="1600"/>
-              </a:spcBef>
-              <a:spcAft>
-                <a:spcPts val="0"/>
-              </a:spcAft>
-              <a:buNone/>
-            </a:pPr>
-            <a:r>
-              <a:rPr lang="en"/>
-              <a:t>Updates occur when traversing down the tree and encountering pending changes</a:t>
-            </a:r>
-            <a:endParaRPr/>
-          </a:p>
-          <a:p>
-            <a:pPr indent="-317500" lvl="0" marL="457200" rtl="0" algn="l">
-              <a:spcBef>
-                <a:spcPts val="1600"/>
-              </a:spcBef>
-              <a:spcAft>
-                <a:spcPts val="0"/>
-              </a:spcAft>
-              <a:buSzPts val="1400"/>
-              <a:buChar char="-"/>
-            </a:pPr>
-            <a:r>
-              <a:rPr lang="en"/>
-              <a:t>Only immediate children are updated through “push mechanism”</a:t>
-            </a:r>
-            <a:endParaRPr/>
-          </a:p>
-          <a:p>
-            <a:pPr indent="0" lvl="0" marL="0" rtl="0" algn="l">
-              <a:spcBef>
-                <a:spcPts val="1600"/>
-              </a:spcBef>
-              <a:spcAft>
-                <a:spcPts val="0"/>
-              </a:spcAft>
-              <a:buNone/>
-            </a:pPr>
-            <a:r>
-              <a:t/>
-            </a:r>
-            <a:endParaRPr/>
-          </a:p>
-          <a:p>
-            <a:pPr indent="0" lvl="0" marL="0" rtl="0" algn="l">
-              <a:spcBef>
-                <a:spcPts val="1600"/>
-              </a:spcBef>
-              <a:spcAft>
-                <a:spcPts val="0"/>
-              </a:spcAft>
-              <a:buNone/>
-            </a:pPr>
-            <a:r>
-              <a:t/>
-            </a:r>
-            <a:endParaRPr/>
-          </a:p>
-          <a:p>
-            <a:pPr indent="0" lvl="0" marL="0" rtl="0" algn="l">
-              <a:spcBef>
-                <a:spcPts val="1600"/>
-              </a:spcBef>
-              <a:spcAft>
-                <a:spcPts val="0"/>
-              </a:spcAft>
-              <a:buNone/>
-            </a:pPr>
-            <a:r>
-              <a:t/>
-            </a:r>
-            <a:endParaRPr/>
-          </a:p>
-          <a:p>
-            <a:pPr indent="0" lvl="0" marL="0" rtl="0" algn="l">
-              <a:spcBef>
-                <a:spcPts val="1600"/>
-              </a:spcBef>
-              <a:spcAft>
-                <a:spcPts val="1600"/>
-              </a:spcAft>
-              <a:buNone/>
-            </a:pPr>
-            <a:r>
-              <a:t/>
-            </a:r>
-            <a:endParaRPr/>
-          </a:p>
-        </p:txBody>
-      </p:sp>
-      <p:pic>
-        <p:nvPicPr>
-          <p:cNvPr id="412" name="Google Shape;412;p26" title="Screenshot 2025-04-21 at 2.16.27 AM.png"/>
-          <p:cNvPicPr preferRelativeResize="0"/>
-          <p:nvPr/>
-        </p:nvPicPr>
-        <p:blipFill>
-          <a:blip r:embed="rId3">
-            <a:alphaModFix/>
-          </a:blip>
-          <a:stretch>
-            <a:fillRect/>
-          </a:stretch>
-        </p:blipFill>
-        <p:spPr>
-          <a:xfrm>
-            <a:off x="6245296" y="1421125"/>
-            <a:ext cx="2266751" cy="1858149"/>
-          </a:xfrm>
-          <a:prstGeom prst="rect">
-            <a:avLst/>
-          </a:prstGeom>
-          <a:noFill/>
-          <a:ln>
-            <a:noFill/>
-          </a:ln>
-        </p:spPr>
-      </p:pic>
-    </p:spTree>
-  </p:cSld>
-  <p:clrMapOvr>
-    <a:masterClrMapping/>
-  </p:clrMapOvr>
-</p:sld>
-</file>
-
-<file path=ppt/slides/slide5.xml><?xml version="1.0" encoding="utf-8"?>
-<p:sld xmlns:a="http://schemas.openxmlformats.org/drawingml/2006/main" xmlns:r="http://schemas.openxmlformats.org/officeDocument/2006/relationships" xmlns:mc="http://schemas.openxmlformats.org/markup-compatibility/2006" xmlns:mv="urn:schemas-microsoft-com:mac:vml" xmlns:p="http://schemas.openxmlformats.org/presentationml/2006/main" xmlns:c="http://schemas.openxmlformats.org/drawingml/2006/chart" xmlns:dgm="http://schemas.openxmlformats.org/drawingml/2006/diagram" xmlns:o="urn:schemas-microsoft-com:office:office" xmlns:v="urn:schemas-microsoft-com:vml" xmlns:pvml="urn:schemas-microsoft-com:office:powerpoint" xmlns:com="http://schemas.openxmlformats.org/drawingml/2006/compatibility" xmlns:p14="http://schemas.microsoft.com/office/powerpoint/2010/main" xmlns:p15="http://schemas.microsoft.com/office/powerpoint/2012/main" xmlns:ahyp="http://schemas.microsoft.com/office/drawing/2018/hyperlinkcolor">
-  <p:cSld>
-    <p:spTree>
-      <p:nvGrpSpPr>
-        <p:cNvPr id="416" name="Shape 416"/>
-        <p:cNvGrpSpPr/>
-        <p:nvPr/>
-      </p:nvGrpSpPr>
-      <p:grpSpPr>
-        <a:xfrm>
-          <a:off x="0" y="0"/>
-          <a:ext cx="0" cy="0"/>
-          <a:chOff x="0" y="0"/>
-          <a:chExt cx="0" cy="0"/>
-        </a:xfrm>
-      </p:grpSpPr>
-      <p:sp>
-        <p:nvSpPr>
-          <p:cNvPr id="417" name="Google Shape;417;p27"/>
-          <p:cNvSpPr txBox="1"/>
-          <p:nvPr>
-            <p:ph idx="4294967295" type="title"/>
-          </p:nvPr>
-        </p:nvSpPr>
-        <p:spPr>
-          <a:xfrm>
-            <a:off x="559725" y="472650"/>
-            <a:ext cx="5808300" cy="518700"/>
-          </a:xfrm>
-          <a:prstGeom prst="rect">
-            <a:avLst/>
-          </a:prstGeom>
-        </p:spPr>
-        <p:txBody>
-          <a:bodyPr anchorCtr="0" anchor="t" bIns="91425" lIns="91425" spcFirstLastPara="1" rIns="91425" wrap="square" tIns="91425">
-            <a:noAutofit/>
-          </a:bodyPr>
-          <a:lstStyle/>
-          <a:p>
-            <a:pPr indent="0" lvl="0" marL="0" rtl="0" algn="l">
-              <a:spcBef>
-                <a:spcPts val="0"/>
-              </a:spcBef>
-              <a:spcAft>
-                <a:spcPts val="0"/>
-              </a:spcAft>
-              <a:buNone/>
-            </a:pPr>
-            <a:r>
-              <a:rPr lang="en" sz="2500"/>
-              <a:t>Key new method: push</a:t>
-            </a:r>
-            <a:endParaRPr sz="2500">
-              <a:highlight>
-                <a:srgbClr val="3C78D8"/>
-              </a:highlight>
-            </a:endParaRPr>
-          </a:p>
-        </p:txBody>
-      </p:sp>
-      <p:sp>
-        <p:nvSpPr>
-          <p:cNvPr id="418" name="Google Shape;418;p27"/>
-          <p:cNvSpPr txBox="1"/>
-          <p:nvPr/>
-        </p:nvSpPr>
-        <p:spPr>
-          <a:xfrm>
-            <a:off x="2184775" y="1471975"/>
-            <a:ext cx="2429400" cy="400200"/>
-          </a:xfrm>
-          <a:prstGeom prst="rect">
-            <a:avLst/>
-          </a:prstGeom>
-          <a:noFill/>
-          <a:ln>
-            <a:noFill/>
-          </a:ln>
-        </p:spPr>
-        <p:txBody>
-          <a:bodyPr anchorCtr="0" anchor="t" bIns="91425" lIns="91425" spcFirstLastPara="1" rIns="91425" wrap="square" tIns="91425">
-            <a:spAutoFit/>
-          </a:bodyPr>
-          <a:lstStyle/>
-          <a:p>
-            <a:pPr indent="0" lvl="0" marL="0" rtl="0" algn="l">
-              <a:spcBef>
-                <a:spcPts val="0"/>
-              </a:spcBef>
-              <a:spcAft>
-                <a:spcPts val="0"/>
-              </a:spcAft>
-              <a:buNone/>
-            </a:pPr>
-            <a:r>
-              <a:t/>
-            </a:r>
-            <a:endParaRPr>
-              <a:solidFill>
-                <a:schemeClr val="dk2"/>
-              </a:solidFill>
-              <a:latin typeface="Roboto Mono"/>
-              <a:ea typeface="Roboto Mono"/>
-              <a:cs typeface="Roboto Mono"/>
-              <a:sym typeface="Roboto Mono"/>
-            </a:endParaRPr>
-          </a:p>
-        </p:txBody>
-      </p:sp>
-      <p:sp>
-        <p:nvSpPr>
-          <p:cNvPr id="419" name="Google Shape;419;p27"/>
-          <p:cNvSpPr txBox="1"/>
-          <p:nvPr>
-            <p:ph idx="4294967295" type="body"/>
-          </p:nvPr>
-        </p:nvSpPr>
-        <p:spPr>
-          <a:xfrm>
-            <a:off x="720650" y="1186950"/>
-            <a:ext cx="4139100" cy="3003300"/>
-          </a:xfrm>
-          <a:prstGeom prst="rect">
-            <a:avLst/>
-          </a:prstGeom>
-        </p:spPr>
-        <p:txBody>
-          <a:bodyPr anchorCtr="0" anchor="t" bIns="91425" lIns="91425" spcFirstLastPara="1" rIns="91425" wrap="square" tIns="91425">
-            <a:noAutofit/>
-          </a:bodyPr>
-          <a:lstStyle/>
-          <a:p>
-            <a:pPr indent="0" lvl="0" marL="0" rtl="0" algn="l">
-              <a:spcBef>
-                <a:spcPts val="0"/>
-              </a:spcBef>
-              <a:spcAft>
-                <a:spcPts val="0"/>
-              </a:spcAft>
-              <a:buNone/>
-            </a:pPr>
-            <a:r>
-              <a:rPr lang="en"/>
-              <a:t>Our segment tree needs a new method to perform the lazy propagation</a:t>
-            </a:r>
-            <a:endParaRPr/>
-          </a:p>
-          <a:p>
-            <a:pPr indent="0" lvl="0" marL="0" rtl="0" algn="l">
-              <a:spcBef>
-                <a:spcPts val="1600"/>
-              </a:spcBef>
-              <a:spcAft>
-                <a:spcPts val="0"/>
-              </a:spcAft>
-              <a:buNone/>
-            </a:pPr>
-            <a:r>
-              <a:rPr lang="en">
-                <a:solidFill>
-                  <a:schemeClr val="dk1"/>
-                </a:solidFill>
-              </a:rPr>
-              <a:t>When called on a node, push simply passes down the node’s lazy addition to its children</a:t>
-            </a:r>
-            <a:endParaRPr/>
-          </a:p>
-          <a:p>
-            <a:pPr indent="0" lvl="0" marL="0" rtl="0" algn="l">
-              <a:spcBef>
-                <a:spcPts val="1600"/>
-              </a:spcBef>
-              <a:spcAft>
-                <a:spcPts val="0"/>
-              </a:spcAft>
-              <a:buNone/>
-            </a:pPr>
-            <a:r>
-              <a:t/>
-            </a:r>
-            <a:endParaRPr/>
-          </a:p>
-          <a:p>
-            <a:pPr indent="0" lvl="0" marL="0" rtl="0" algn="l">
-              <a:spcBef>
-                <a:spcPts val="1600"/>
-              </a:spcBef>
-              <a:spcAft>
-                <a:spcPts val="1600"/>
-              </a:spcAft>
-              <a:buNone/>
-            </a:pPr>
-            <a:r>
-              <a:rPr b="1" lang="en">
-                <a:solidFill>
-                  <a:schemeClr val="dk1"/>
-                </a:solidFill>
-                <a:highlight>
-                  <a:srgbClr val="3C78D8"/>
-                </a:highlight>
-              </a:rPr>
-              <a:t>Note:</a:t>
-            </a:r>
-            <a:r>
-              <a:rPr b="1" lang="en"/>
-              <a:t> </a:t>
-            </a:r>
-            <a:r>
-              <a:rPr lang="en"/>
-              <a:t>Along with the children’s values, we also need to update </a:t>
-            </a:r>
-            <a:r>
-              <a:rPr i="1" lang="en"/>
-              <a:t>their own </a:t>
-            </a:r>
-            <a:r>
-              <a:rPr lang="en"/>
-              <a:t>lazy fields for future lazy propagation</a:t>
-            </a:r>
-            <a:endParaRPr/>
-          </a:p>
-        </p:txBody>
-      </p:sp>
-      <p:pic>
-        <p:nvPicPr>
-          <p:cNvPr id="420" name="Google Shape;420;p27" title="Screenshot 2025-04-21 at 1.53.18 AM.png"/>
-          <p:cNvPicPr preferRelativeResize="0"/>
-          <p:nvPr/>
-        </p:nvPicPr>
-        <p:blipFill>
-          <a:blip r:embed="rId3">
-            <a:alphaModFix/>
-          </a:blip>
-          <a:stretch>
-            <a:fillRect/>
-          </a:stretch>
-        </p:blipFill>
-        <p:spPr>
-          <a:xfrm>
-            <a:off x="4906250" y="372675"/>
-            <a:ext cx="3796174" cy="1499500"/>
-          </a:xfrm>
-          <a:prstGeom prst="rect">
-            <a:avLst/>
-          </a:prstGeom>
-          <a:noFill/>
-          <a:ln>
-            <a:noFill/>
-          </a:ln>
-        </p:spPr>
-      </p:pic>
-      <p:pic>
-        <p:nvPicPr>
-          <p:cNvPr id="421" name="Google Shape;421;p27" title="Screenshot 2025-04-21 at 1.52.56 AM.png"/>
-          <p:cNvPicPr preferRelativeResize="0"/>
-          <p:nvPr/>
-        </p:nvPicPr>
-        <p:blipFill>
-          <a:blip r:embed="rId4">
-            <a:alphaModFix/>
-          </a:blip>
-          <a:stretch>
-            <a:fillRect/>
-          </a:stretch>
-        </p:blipFill>
-        <p:spPr>
-          <a:xfrm>
-            <a:off x="5215525" y="3106600"/>
-            <a:ext cx="3253876" cy="1687875"/>
-          </a:xfrm>
-          <a:prstGeom prst="rect">
-            <a:avLst/>
-          </a:prstGeom>
-          <a:noFill/>
-          <a:ln>
-            <a:noFill/>
-          </a:ln>
-        </p:spPr>
-      </p:pic>
-    </p:spTree>
-  </p:cSld>
-  <p:clrMapOvr>
-    <a:masterClrMapping/>
-  </p:clrMapOvr>
-</p:sld>
-</file>
-
-<file path=ppt/slides/slide6.xml><?xml version="1.0" encoding="utf-8"?>
-<p:sld xmlns:a="http://schemas.openxmlformats.org/drawingml/2006/main" xmlns:r="http://schemas.openxmlformats.org/officeDocument/2006/relationships" xmlns:mc="http://schemas.openxmlformats.org/markup-compatibility/2006" xmlns:mv="urn:schemas-microsoft-com:mac:vml" xmlns:p="http://schemas.openxmlformats.org/presentationml/2006/main" xmlns:c="http://schemas.openxmlformats.org/drawingml/2006/chart" xmlns:dgm="http://schemas.openxmlformats.org/drawingml/2006/diagram" xmlns:o="urn:schemas-microsoft-com:office:office" xmlns:v="urn:schemas-microsoft-com:vml" xmlns:pvml="urn:schemas-microsoft-com:office:powerpoint" xmlns:com="http://schemas.openxmlformats.org/drawingml/2006/compatibility" xmlns:p14="http://schemas.microsoft.com/office/powerpoint/2010/main" xmlns:p15="http://schemas.microsoft.com/office/powerpoint/2012/main" xmlns:ahyp="http://schemas.microsoft.com/office/drawing/2018/hyperlinkcolor">
-  <p:cSld>
-    <p:spTree>
-      <p:nvGrpSpPr>
-        <p:cNvPr id="425" name="Shape 425"/>
-        <p:cNvGrpSpPr/>
-        <p:nvPr/>
-      </p:nvGrpSpPr>
-      <p:grpSpPr>
-        <a:xfrm>
-          <a:off x="0" y="0"/>
-          <a:ext cx="0" cy="0"/>
-          <a:chOff x="0" y="0"/>
-          <a:chExt cx="0" cy="0"/>
-        </a:xfrm>
-      </p:grpSpPr>
-      <p:sp>
-        <p:nvSpPr>
-          <p:cNvPr id="426" name="Google Shape;426;p28"/>
-          <p:cNvSpPr txBox="1"/>
-          <p:nvPr>
-            <p:ph idx="4294967295" type="title"/>
-          </p:nvPr>
-        </p:nvSpPr>
-        <p:spPr>
-          <a:xfrm>
-            <a:off x="559725" y="472650"/>
-            <a:ext cx="5808300" cy="518700"/>
-          </a:xfrm>
-          <a:prstGeom prst="rect">
-            <a:avLst/>
-          </a:prstGeom>
-        </p:spPr>
-        <p:txBody>
-          <a:bodyPr anchorCtr="0" anchor="t" bIns="91425" lIns="91425" spcFirstLastPara="1" rIns="91425" wrap="square" tIns="91425">
-            <a:noAutofit/>
-          </a:bodyPr>
-          <a:lstStyle/>
-          <a:p>
-            <a:pPr indent="0" lvl="0" marL="0" rtl="0" algn="l">
-              <a:spcBef>
-                <a:spcPts val="0"/>
-              </a:spcBef>
-              <a:spcAft>
-                <a:spcPts val="0"/>
-              </a:spcAft>
-              <a:buNone/>
-            </a:pPr>
-            <a:r>
-              <a:rPr lang="en" sz="2500"/>
-              <a:t>Update</a:t>
-            </a:r>
-            <a:endParaRPr sz="2500">
-              <a:highlight>
-                <a:srgbClr val="3C78D8"/>
-              </a:highlight>
-            </a:endParaRPr>
-          </a:p>
-        </p:txBody>
-      </p:sp>
-      <p:sp>
-        <p:nvSpPr>
-          <p:cNvPr id="427" name="Google Shape;427;p28"/>
-          <p:cNvSpPr txBox="1"/>
-          <p:nvPr/>
-        </p:nvSpPr>
-        <p:spPr>
-          <a:xfrm>
-            <a:off x="2184775" y="1471975"/>
-            <a:ext cx="2429400" cy="400200"/>
-          </a:xfrm>
-          <a:prstGeom prst="rect">
-            <a:avLst/>
-          </a:prstGeom>
-          <a:noFill/>
-          <a:ln>
-            <a:noFill/>
-          </a:ln>
-        </p:spPr>
-        <p:txBody>
-          <a:bodyPr anchorCtr="0" anchor="t" bIns="91425" lIns="91425" spcFirstLastPara="1" rIns="91425" wrap="square" tIns="91425">
-            <a:spAutoFit/>
-          </a:bodyPr>
-          <a:lstStyle/>
-          <a:p>
-            <a:pPr indent="0" lvl="0" marL="0" rtl="0" algn="l">
-              <a:spcBef>
-                <a:spcPts val="0"/>
-              </a:spcBef>
-              <a:spcAft>
-                <a:spcPts val="0"/>
-              </a:spcAft>
-              <a:buNone/>
-            </a:pPr>
-            <a:r>
-              <a:t/>
-            </a:r>
-            <a:endParaRPr>
-              <a:solidFill>
-                <a:schemeClr val="dk2"/>
-              </a:solidFill>
-              <a:latin typeface="Roboto Mono"/>
-              <a:ea typeface="Roboto Mono"/>
-              <a:cs typeface="Roboto Mono"/>
-              <a:sym typeface="Roboto Mono"/>
-            </a:endParaRPr>
-          </a:p>
-        </p:txBody>
-      </p:sp>
-      <p:sp>
-        <p:nvSpPr>
-          <p:cNvPr id="428" name="Google Shape;428;p28"/>
-          <p:cNvSpPr txBox="1"/>
-          <p:nvPr>
-            <p:ph idx="4294967295" type="body"/>
-          </p:nvPr>
-        </p:nvSpPr>
-        <p:spPr>
-          <a:xfrm>
-            <a:off x="720650" y="1186950"/>
-            <a:ext cx="3732300" cy="1817100"/>
-          </a:xfrm>
-          <a:prstGeom prst="rect">
-            <a:avLst/>
-          </a:prstGeom>
-        </p:spPr>
-        <p:txBody>
-          <a:bodyPr anchorCtr="0" anchor="t" bIns="91425" lIns="91425" spcFirstLastPara="1" rIns="91425" wrap="square" tIns="91425">
-            <a:noAutofit/>
-          </a:bodyPr>
-          <a:lstStyle/>
-          <a:p>
-            <a:pPr indent="0" lvl="0" marL="0" rtl="0" algn="l">
-              <a:spcBef>
-                <a:spcPts val="0"/>
-              </a:spcBef>
-              <a:spcAft>
-                <a:spcPts val="0"/>
-              </a:spcAft>
-              <a:buNone/>
-            </a:pPr>
-            <a:r>
-              <a:rPr lang="en"/>
-              <a:t>With the new push method, our update method is relatively standard</a:t>
-            </a:r>
-            <a:endParaRPr/>
-          </a:p>
-          <a:p>
-            <a:pPr indent="0" lvl="0" marL="0" rtl="0" algn="l">
-              <a:spcBef>
-                <a:spcPts val="1600"/>
-              </a:spcBef>
-              <a:spcAft>
-                <a:spcPts val="0"/>
-              </a:spcAft>
-              <a:buNone/>
-            </a:pPr>
-            <a:r>
-              <a:rPr lang="en"/>
-              <a:t>If the query range matches the node’s, add </a:t>
-            </a:r>
-            <a:r>
-              <a:rPr lang="en">
-                <a:solidFill>
-                  <a:schemeClr val="dk1"/>
-                </a:solidFill>
-              </a:rPr>
-              <a:t>δ to its value </a:t>
-            </a:r>
-            <a:r>
-              <a:rPr b="1" lang="en">
-                <a:solidFill>
-                  <a:schemeClr val="dk1"/>
-                </a:solidFill>
-              </a:rPr>
-              <a:t>as well as its lazy value</a:t>
-            </a:r>
-            <a:endParaRPr>
-              <a:solidFill>
-                <a:schemeClr val="dk1"/>
-              </a:solidFill>
-            </a:endParaRPr>
-          </a:p>
-          <a:p>
-            <a:pPr indent="0" lvl="0" marL="0" rtl="0" algn="l">
-              <a:spcBef>
-                <a:spcPts val="1600"/>
-              </a:spcBef>
-              <a:spcAft>
-                <a:spcPts val="0"/>
-              </a:spcAft>
-              <a:buNone/>
-            </a:pPr>
-            <a:r>
-              <a:t/>
-            </a:r>
-            <a:endParaRPr>
-              <a:solidFill>
-                <a:schemeClr val="dk1"/>
-              </a:solidFill>
-            </a:endParaRPr>
-          </a:p>
-          <a:p>
-            <a:pPr indent="0" lvl="0" marL="0" rtl="0" algn="l">
-              <a:lnSpc>
-                <a:spcPct val="100000"/>
-              </a:lnSpc>
-              <a:spcBef>
-                <a:spcPts val="1600"/>
-              </a:spcBef>
-              <a:spcAft>
-                <a:spcPts val="0"/>
-              </a:spcAft>
-              <a:buNone/>
-            </a:pPr>
-            <a:r>
-              <a:t/>
-            </a:r>
-            <a:endParaRPr>
-              <a:solidFill>
-                <a:schemeClr val="dk1"/>
-              </a:solidFill>
-              <a:latin typeface="Arial"/>
-              <a:ea typeface="Arial"/>
-              <a:cs typeface="Arial"/>
-              <a:sym typeface="Arial"/>
-            </a:endParaRPr>
-          </a:p>
-          <a:p>
-            <a:pPr indent="0" lvl="0" marL="457200" rtl="0" algn="l">
-              <a:lnSpc>
-                <a:spcPct val="100000"/>
-              </a:lnSpc>
-              <a:spcBef>
-                <a:spcPts val="0"/>
-              </a:spcBef>
-              <a:spcAft>
-                <a:spcPts val="0"/>
-              </a:spcAft>
-              <a:buNone/>
-            </a:pPr>
-            <a:r>
-              <a:t/>
-            </a:r>
-            <a:endParaRPr>
-              <a:solidFill>
-                <a:srgbClr val="000000"/>
-              </a:solidFill>
-              <a:latin typeface="Arial"/>
-              <a:ea typeface="Arial"/>
-              <a:cs typeface="Arial"/>
-              <a:sym typeface="Arial"/>
-            </a:endParaRPr>
-          </a:p>
-          <a:p>
-            <a:pPr indent="0" lvl="0" marL="457200" rtl="0" algn="l">
-              <a:spcBef>
-                <a:spcPts val="0"/>
-              </a:spcBef>
-              <a:spcAft>
-                <a:spcPts val="1600"/>
-              </a:spcAft>
-              <a:buNone/>
-            </a:pPr>
-            <a:r>
-              <a:t/>
-            </a:r>
-            <a:endParaRPr/>
-          </a:p>
-        </p:txBody>
-      </p:sp>
-      <p:pic>
-        <p:nvPicPr>
-          <p:cNvPr id="429" name="Google Shape;429;p28" title="Screenshot 2025-04-21 at 1.53.25 AM.png"/>
-          <p:cNvPicPr preferRelativeResize="0"/>
-          <p:nvPr/>
-        </p:nvPicPr>
-        <p:blipFill>
-          <a:blip r:embed="rId3">
-            <a:alphaModFix/>
-          </a:blip>
-          <a:stretch>
-            <a:fillRect/>
-          </a:stretch>
-        </p:blipFill>
-        <p:spPr>
-          <a:xfrm>
-            <a:off x="4483026" y="584695"/>
-            <a:ext cx="4278600" cy="2224301"/>
-          </a:xfrm>
-          <a:prstGeom prst="rect">
-            <a:avLst/>
-          </a:prstGeom>
-          <a:noFill/>
-          <a:ln>
-            <a:noFill/>
-          </a:ln>
-        </p:spPr>
-      </p:pic>
-      <p:sp>
-        <p:nvSpPr>
-          <p:cNvPr id="430" name="Google Shape;430;p28"/>
-          <p:cNvSpPr txBox="1"/>
-          <p:nvPr>
-            <p:ph idx="4294967295" type="body"/>
-          </p:nvPr>
-        </p:nvSpPr>
-        <p:spPr>
-          <a:xfrm>
-            <a:off x="720650" y="3105725"/>
-            <a:ext cx="7545000" cy="1423200"/>
-          </a:xfrm>
-          <a:prstGeom prst="rect">
-            <a:avLst/>
-          </a:prstGeom>
-        </p:spPr>
-        <p:txBody>
-          <a:bodyPr anchorCtr="0" anchor="t" bIns="91425" lIns="91425" spcFirstLastPara="1" rIns="91425" wrap="square" tIns="91425">
-            <a:noAutofit/>
-          </a:bodyPr>
-          <a:lstStyle/>
-          <a:p>
-            <a:pPr indent="0" lvl="0" marL="0" rtl="0" algn="l">
-              <a:spcBef>
-                <a:spcPts val="0"/>
-              </a:spcBef>
-              <a:spcAft>
-                <a:spcPts val="0"/>
-              </a:spcAft>
-              <a:buNone/>
-            </a:pPr>
-            <a:r>
-              <a:rPr lang="en"/>
-              <a:t>Otherwise, call push on the current node to </a:t>
-            </a:r>
-            <a:r>
-              <a:rPr lang="en"/>
-              <a:t>propagate</a:t>
-            </a:r>
-            <a:r>
-              <a:rPr lang="en"/>
-              <a:t> any updates, recursively update our children, then </a:t>
-            </a:r>
-            <a:r>
-              <a:rPr lang="en"/>
-              <a:t>update</a:t>
-            </a:r>
-            <a:r>
-              <a:rPr lang="en"/>
-              <a:t> our own value by merging our children’s </a:t>
-            </a:r>
-            <a:endParaRPr/>
-          </a:p>
-          <a:p>
-            <a:pPr indent="0" lvl="0" marL="0" rtl="0" algn="l">
-              <a:spcBef>
-                <a:spcPts val="1600"/>
-              </a:spcBef>
-              <a:spcAft>
-                <a:spcPts val="0"/>
-              </a:spcAft>
-              <a:buNone/>
-            </a:pPr>
-            <a:r>
-              <a:t/>
-            </a:r>
-            <a:endParaRPr/>
-          </a:p>
-          <a:p>
-            <a:pPr indent="0" lvl="0" marL="0" rtl="0" algn="l">
-              <a:lnSpc>
-                <a:spcPct val="100000"/>
-              </a:lnSpc>
-              <a:spcBef>
-                <a:spcPts val="1600"/>
-              </a:spcBef>
-              <a:spcAft>
-                <a:spcPts val="0"/>
-              </a:spcAft>
-              <a:buNone/>
-            </a:pPr>
-            <a:r>
-              <a:t/>
-            </a:r>
-            <a:endParaRPr>
-              <a:solidFill>
-                <a:schemeClr val="dk1"/>
-              </a:solidFill>
-              <a:latin typeface="Arial"/>
-              <a:ea typeface="Arial"/>
-              <a:cs typeface="Arial"/>
-              <a:sym typeface="Arial"/>
-            </a:endParaRPr>
-          </a:p>
-          <a:p>
-            <a:pPr indent="0" lvl="0" marL="457200" rtl="0" algn="l">
-              <a:lnSpc>
-                <a:spcPct val="100000"/>
-              </a:lnSpc>
-              <a:spcBef>
-                <a:spcPts val="0"/>
-              </a:spcBef>
-              <a:spcAft>
-                <a:spcPts val="0"/>
-              </a:spcAft>
-              <a:buNone/>
-            </a:pPr>
-            <a:r>
-              <a:t/>
-            </a:r>
-            <a:endParaRPr>
-              <a:solidFill>
-                <a:srgbClr val="000000"/>
-              </a:solidFill>
-              <a:latin typeface="Arial"/>
-              <a:ea typeface="Arial"/>
-              <a:cs typeface="Arial"/>
-              <a:sym typeface="Arial"/>
-            </a:endParaRPr>
-          </a:p>
-          <a:p>
-            <a:pPr indent="0" lvl="0" marL="457200" rtl="0" algn="l">
-              <a:spcBef>
-                <a:spcPts val="0"/>
-              </a:spcBef>
-              <a:spcAft>
-                <a:spcPts val="1600"/>
-              </a:spcAft>
-              <a:buNone/>
-            </a:pPr>
-            <a:r>
-              <a:t/>
-            </a:r>
-            <a:endParaRPr/>
-          </a:p>
-        </p:txBody>
-      </p:sp>
-    </p:spTree>
-  </p:cSld>
-  <p:clrMapOvr>
-    <a:masterClrMapping/>
-  </p:clrMapOvr>
-</p:sld>
-</file>
-
-<file path=ppt/slides/slide7.xml><?xml version="1.0" encoding="utf-8"?>
-<p:sld xmlns:a="http://schemas.openxmlformats.org/drawingml/2006/main" xmlns:r="http://schemas.openxmlformats.org/officeDocument/2006/relationships" xmlns:mc="http://schemas.openxmlformats.org/markup-compatibility/2006" xmlns:mv="urn:schemas-microsoft-com:mac:vml" xmlns:p="http://schemas.openxmlformats.org/presentationml/2006/main" xmlns:c="http://schemas.openxmlformats.org/drawingml/2006/chart" xmlns:dgm="http://schemas.openxmlformats.org/drawingml/2006/diagram" xmlns:o="urn:schemas-microsoft-com:office:office" xmlns:v="urn:schemas-microsoft-com:vml" xmlns:pvml="urn:schemas-microsoft-com:office:powerpoint" xmlns:com="http://schemas.openxmlformats.org/drawingml/2006/compatibility" xmlns:p14="http://schemas.microsoft.com/office/powerpoint/2010/main" xmlns:p15="http://schemas.microsoft.com/office/powerpoint/2012/main" xmlns:ahyp="http://schemas.microsoft.com/office/drawing/2018/hyperlinkcolor">
-  <p:cSld>
-    <p:spTree>
-      <p:nvGrpSpPr>
-        <p:cNvPr id="434" name="Shape 434"/>
-        <p:cNvGrpSpPr/>
-        <p:nvPr/>
-      </p:nvGrpSpPr>
-      <p:grpSpPr>
-        <a:xfrm>
-          <a:off x="0" y="0"/>
-          <a:ext cx="0" cy="0"/>
-          <a:chOff x="0" y="0"/>
-          <a:chExt cx="0" cy="0"/>
-        </a:xfrm>
-      </p:grpSpPr>
-      <p:sp>
-        <p:nvSpPr>
-          <p:cNvPr id="435" name="Google Shape;435;p29"/>
-          <p:cNvSpPr txBox="1"/>
-          <p:nvPr>
-            <p:ph idx="4294967295" type="title"/>
-          </p:nvPr>
-        </p:nvSpPr>
-        <p:spPr>
-          <a:xfrm>
-            <a:off x="559725" y="472650"/>
-            <a:ext cx="5808300" cy="518700"/>
-          </a:xfrm>
-          <a:prstGeom prst="rect">
-            <a:avLst/>
-          </a:prstGeom>
-        </p:spPr>
-        <p:txBody>
-          <a:bodyPr anchorCtr="0" anchor="t" bIns="91425" lIns="91425" spcFirstLastPara="1" rIns="91425" wrap="square" tIns="91425">
-            <a:noAutofit/>
-          </a:bodyPr>
-          <a:lstStyle/>
-          <a:p>
-            <a:pPr indent="0" lvl="0" marL="0" rtl="0" algn="l">
-              <a:spcBef>
-                <a:spcPts val="0"/>
-              </a:spcBef>
-              <a:spcAft>
-                <a:spcPts val="0"/>
-              </a:spcAft>
-              <a:buNone/>
-            </a:pPr>
-            <a:r>
-              <a:rPr lang="en" sz="2500"/>
-              <a:t>Query</a:t>
-            </a:r>
-            <a:endParaRPr sz="2500">
-              <a:highlight>
-                <a:srgbClr val="3C78D8"/>
-              </a:highlight>
-            </a:endParaRPr>
-          </a:p>
-        </p:txBody>
-      </p:sp>
-      <p:sp>
-        <p:nvSpPr>
-          <p:cNvPr id="436" name="Google Shape;436;p29"/>
-          <p:cNvSpPr txBox="1"/>
-          <p:nvPr/>
-        </p:nvSpPr>
-        <p:spPr>
-          <a:xfrm>
-            <a:off x="2184775" y="1471975"/>
-            <a:ext cx="2429400" cy="400200"/>
-          </a:xfrm>
-          <a:prstGeom prst="rect">
-            <a:avLst/>
-          </a:prstGeom>
-          <a:noFill/>
-          <a:ln>
-            <a:noFill/>
-          </a:ln>
-        </p:spPr>
-        <p:txBody>
-          <a:bodyPr anchorCtr="0" anchor="t" bIns="91425" lIns="91425" spcFirstLastPara="1" rIns="91425" wrap="square" tIns="91425">
-            <a:spAutoFit/>
-          </a:bodyPr>
-          <a:lstStyle/>
-          <a:p>
-            <a:pPr indent="0" lvl="0" marL="0" rtl="0" algn="l">
-              <a:spcBef>
-                <a:spcPts val="0"/>
-              </a:spcBef>
-              <a:spcAft>
-                <a:spcPts val="0"/>
-              </a:spcAft>
-              <a:buNone/>
-            </a:pPr>
-            <a:r>
-              <a:t/>
-            </a:r>
-            <a:endParaRPr>
-              <a:solidFill>
-                <a:schemeClr val="dk2"/>
-              </a:solidFill>
-              <a:latin typeface="Roboto Mono"/>
-              <a:ea typeface="Roboto Mono"/>
-              <a:cs typeface="Roboto Mono"/>
-              <a:sym typeface="Roboto Mono"/>
-            </a:endParaRPr>
-          </a:p>
-        </p:txBody>
-      </p:sp>
-      <p:sp>
-        <p:nvSpPr>
-          <p:cNvPr id="437" name="Google Shape;437;p29"/>
-          <p:cNvSpPr txBox="1"/>
-          <p:nvPr>
-            <p:ph idx="4294967295" type="body"/>
-          </p:nvPr>
-        </p:nvSpPr>
-        <p:spPr>
-          <a:xfrm>
-            <a:off x="720650" y="1186950"/>
-            <a:ext cx="3893400" cy="1846800"/>
-          </a:xfrm>
-          <a:prstGeom prst="rect">
-            <a:avLst/>
-          </a:prstGeom>
-        </p:spPr>
-        <p:txBody>
-          <a:bodyPr anchorCtr="0" anchor="t" bIns="91425" lIns="91425" spcFirstLastPara="1" rIns="91425" wrap="square" tIns="91425">
-            <a:noAutofit/>
-          </a:bodyPr>
-          <a:lstStyle/>
-          <a:p>
-            <a:pPr indent="0" lvl="0" marL="0" rtl="0" algn="l">
-              <a:spcBef>
-                <a:spcPts val="0"/>
-              </a:spcBef>
-              <a:spcAft>
-                <a:spcPts val="0"/>
-              </a:spcAft>
-              <a:buNone/>
-            </a:pPr>
-            <a:r>
-              <a:rPr lang="en"/>
-              <a:t>Get the max of the highest-level segments that fall within a range</a:t>
-            </a:r>
-            <a:endParaRPr/>
-          </a:p>
-          <a:p>
-            <a:pPr indent="-317500" lvl="0" marL="457200" rtl="0" algn="l">
-              <a:spcBef>
-                <a:spcPts val="1600"/>
-              </a:spcBef>
-              <a:spcAft>
-                <a:spcPts val="0"/>
-              </a:spcAft>
-              <a:buSzPts val="1400"/>
-              <a:buChar char="-"/>
-            </a:pPr>
-            <a:r>
-              <a:rPr lang="en"/>
-              <a:t>When reaching a segment that falls within a range, return the stored max value</a:t>
-            </a:r>
-            <a:endParaRPr/>
-          </a:p>
-          <a:p>
-            <a:pPr indent="0" lvl="0" marL="0" rtl="0" algn="l">
-              <a:spcBef>
-                <a:spcPts val="1600"/>
-              </a:spcBef>
-              <a:spcAft>
-                <a:spcPts val="1600"/>
-              </a:spcAft>
-              <a:buNone/>
-            </a:pPr>
-            <a:r>
-              <a:t/>
-            </a:r>
-            <a:endParaRPr/>
-          </a:p>
-        </p:txBody>
-      </p:sp>
-      <p:pic>
-        <p:nvPicPr>
-          <p:cNvPr id="438" name="Google Shape;438;p29" title="Screenshot 2025-04-21 at 1.53.31 AM.png"/>
-          <p:cNvPicPr preferRelativeResize="0"/>
-          <p:nvPr/>
-        </p:nvPicPr>
-        <p:blipFill>
-          <a:blip r:embed="rId3">
-            <a:alphaModFix/>
-          </a:blip>
-          <a:stretch>
-            <a:fillRect/>
-          </a:stretch>
-        </p:blipFill>
-        <p:spPr>
-          <a:xfrm>
-            <a:off x="4787925" y="272375"/>
-            <a:ext cx="4215700" cy="2155325"/>
-          </a:xfrm>
-          <a:prstGeom prst="rect">
-            <a:avLst/>
-          </a:prstGeom>
-          <a:noFill/>
-          <a:ln>
-            <a:noFill/>
-          </a:ln>
-        </p:spPr>
-      </p:pic>
-      <p:sp>
-        <p:nvSpPr>
-          <p:cNvPr id="439" name="Google Shape;439;p29"/>
-          <p:cNvSpPr txBox="1"/>
-          <p:nvPr/>
-        </p:nvSpPr>
-        <p:spPr>
-          <a:xfrm>
-            <a:off x="720650" y="3033750"/>
-            <a:ext cx="7386900" cy="648000"/>
-          </a:xfrm>
-          <a:prstGeom prst="rect">
-            <a:avLst/>
-          </a:prstGeom>
-          <a:noFill/>
-          <a:ln>
-            <a:noFill/>
-          </a:ln>
-        </p:spPr>
-        <p:txBody>
-          <a:bodyPr anchorCtr="0" anchor="t" bIns="91425" lIns="91425" spcFirstLastPara="1" rIns="91425" wrap="square" tIns="91425">
-            <a:spAutoFit/>
-          </a:bodyPr>
-          <a:lstStyle/>
-          <a:p>
-            <a:pPr indent="0" lvl="0" marL="0" rtl="0" algn="l">
-              <a:lnSpc>
-                <a:spcPct val="115000"/>
-              </a:lnSpc>
-              <a:spcBef>
-                <a:spcPts val="0"/>
-              </a:spcBef>
-              <a:spcAft>
-                <a:spcPts val="1600"/>
-              </a:spcAft>
-              <a:buNone/>
-            </a:pPr>
-            <a:r>
-              <a:rPr lang="en">
-                <a:solidFill>
-                  <a:schemeClr val="dk1"/>
-                </a:solidFill>
-                <a:latin typeface="Roboto Mono"/>
-                <a:ea typeface="Roboto Mono"/>
-                <a:cs typeface="Roboto Mono"/>
-                <a:sym typeface="Roboto Mono"/>
-              </a:rPr>
-              <a:t>Otherwise, push the pending changes down to the two children and continue to traverse the tree</a:t>
-            </a:r>
-            <a:endParaRPr/>
-          </a:p>
-        </p:txBody>
-      </p:sp>
-    </p:spTree>
-  </p:cSld>
-  <p:clrMapOvr>
-    <a:masterClrMapping/>
-  </p:clrMapOvr>
-</p:sld>
-</file>
-
-<file path=ppt/slides/slide8.xml><?xml version="1.0" encoding="utf-8"?>
-<p:sld xmlns:a="http://schemas.openxmlformats.org/drawingml/2006/main" xmlns:r="http://schemas.openxmlformats.org/officeDocument/2006/relationships" xmlns:mc="http://schemas.openxmlformats.org/markup-compatibility/2006" xmlns:mv="urn:schemas-microsoft-com:mac:vml" xmlns:p="http://schemas.openxmlformats.org/presentationml/2006/main" xmlns:c="http://schemas.openxmlformats.org/drawingml/2006/chart" xmlns:dgm="http://schemas.openxmlformats.org/drawingml/2006/diagram" xmlns:o="urn:schemas-microsoft-com:office:office" xmlns:v="urn:schemas-microsoft-com:vml" xmlns:pvml="urn:schemas-microsoft-com:office:powerpoint" xmlns:com="http://schemas.openxmlformats.org/drawingml/2006/compatibility" xmlns:p14="http://schemas.microsoft.com/office/powerpoint/2010/main" xmlns:p15="http://schemas.microsoft.com/office/powerpoint/2012/main" xmlns:ahyp="http://schemas.microsoft.com/office/drawing/2018/hyperlinkcolor">
-  <p:cSld>
-    <p:spTree>
-      <p:nvGrpSpPr>
-        <p:cNvPr id="443" name="Shape 443"/>
-        <p:cNvGrpSpPr/>
-        <p:nvPr/>
-      </p:nvGrpSpPr>
-      <p:grpSpPr>
-        <a:xfrm>
-          <a:off x="0" y="0"/>
-          <a:ext cx="0" cy="0"/>
-          <a:chOff x="0" y="0"/>
-          <a:chExt cx="0" cy="0"/>
-        </a:xfrm>
-      </p:grpSpPr>
-      <p:sp>
-        <p:nvSpPr>
-          <p:cNvPr id="444" name="Google Shape;444;p30"/>
-          <p:cNvSpPr txBox="1"/>
-          <p:nvPr>
-            <p:ph idx="4294967295" type="title"/>
-          </p:nvPr>
-        </p:nvSpPr>
-        <p:spPr>
-          <a:xfrm>
-            <a:off x="559725" y="472650"/>
-            <a:ext cx="5808300" cy="518700"/>
-          </a:xfrm>
-          <a:prstGeom prst="rect">
-            <a:avLst/>
-          </a:prstGeom>
-        </p:spPr>
-        <p:txBody>
-          <a:bodyPr anchorCtr="0" anchor="t" bIns="91425" lIns="91425" spcFirstLastPara="1" rIns="91425" wrap="square" tIns="91425">
-            <a:noAutofit/>
-          </a:bodyPr>
-          <a:lstStyle/>
-          <a:p>
-            <a:pPr indent="0" lvl="0" marL="0" rtl="0" algn="l">
-              <a:spcBef>
-                <a:spcPts val="0"/>
-              </a:spcBef>
-              <a:spcAft>
-                <a:spcPts val="0"/>
-              </a:spcAft>
-              <a:buNone/>
-            </a:pPr>
-            <a:r>
-              <a:rPr lang="en" sz="2500"/>
-              <a:t>Briefly: Adding to a range, getting a specific index </a:t>
-            </a:r>
-            <a:endParaRPr sz="2500"/>
-          </a:p>
-        </p:txBody>
-      </p:sp>
-      <p:sp>
-        <p:nvSpPr>
-          <p:cNvPr id="445" name="Google Shape;445;p30"/>
-          <p:cNvSpPr txBox="1"/>
-          <p:nvPr/>
-        </p:nvSpPr>
-        <p:spPr>
-          <a:xfrm>
-            <a:off x="2184775" y="1471975"/>
-            <a:ext cx="2429400" cy="400200"/>
-          </a:xfrm>
-          <a:prstGeom prst="rect">
-            <a:avLst/>
-          </a:prstGeom>
-          <a:noFill/>
-          <a:ln>
-            <a:noFill/>
-          </a:ln>
-        </p:spPr>
-        <p:txBody>
-          <a:bodyPr anchorCtr="0" anchor="t" bIns="91425" lIns="91425" spcFirstLastPara="1" rIns="91425" wrap="square" tIns="91425">
-            <a:spAutoFit/>
-          </a:bodyPr>
-          <a:lstStyle/>
-          <a:p>
-            <a:pPr indent="0" lvl="0" marL="0" rtl="0" algn="l">
-              <a:spcBef>
-                <a:spcPts val="0"/>
-              </a:spcBef>
-              <a:spcAft>
-                <a:spcPts val="0"/>
-              </a:spcAft>
-              <a:buNone/>
-            </a:pPr>
-            <a:r>
-              <a:t/>
-            </a:r>
-            <a:endParaRPr>
-              <a:solidFill>
-                <a:schemeClr val="dk2"/>
-              </a:solidFill>
-              <a:latin typeface="Roboto Mono"/>
-              <a:ea typeface="Roboto Mono"/>
-              <a:cs typeface="Roboto Mono"/>
-              <a:sym typeface="Roboto Mono"/>
-            </a:endParaRPr>
-          </a:p>
-        </p:txBody>
-      </p:sp>
-      <p:sp>
-        <p:nvSpPr>
-          <p:cNvPr id="446" name="Google Shape;446;p30"/>
+          <p:cNvPr id="422" name="Google Shape;422;p27"/>
           <p:cNvSpPr txBox="1"/>
           <p:nvPr>
             <p:ph idx="4294967295" type="body"/>
@@ -37218,7 +38784,7 @@
       </p:sp>
       <p:pic>
         <p:nvPicPr>
-          <p:cNvPr id="447" name="Google Shape;447;p30"/>
+          <p:cNvPr id="423" name="Google Shape;423;p27"/>
           <p:cNvPicPr preferRelativeResize="0"/>
           <p:nvPr/>
         </p:nvPicPr>
@@ -37244,6 +38810,34 @@
           </a:ln>
         </p:spPr>
       </p:pic>
+      <p:pic>
+        <p:nvPicPr>
+          <p:cNvPr id="424" name="Google Shape;424;p27" title="Screenshot 2025-04-21 at 3.47.19 AM.png"/>
+          <p:cNvPicPr preferRelativeResize="0"/>
+          <p:nvPr/>
+        </p:nvPicPr>
+        <p:blipFill>
+          <a:blip r:embed="rId4">
+            <a:alphaModFix/>
+          </a:blip>
+          <a:stretch>
+            <a:fillRect/>
+          </a:stretch>
+        </p:blipFill>
+        <p:spPr>
+          <a:xfrm>
+            <a:off x="5312975" y="2503950"/>
+            <a:ext cx="3630626" cy="2175675"/>
+          </a:xfrm>
+          <a:prstGeom prst="rect">
+            <a:avLst/>
+          </a:prstGeom>
+          <a:noFill/>
+          <a:ln>
+            <a:noFill/>
+          </a:ln>
+        </p:spPr>
+      </p:pic>
     </p:spTree>
   </p:cSld>
   <p:clrMapOvr>
@@ -37252,12 +38846,12 @@
 </p:sld>
 </file>
 
-<file path=ppt/slides/slide9.xml><?xml version="1.0" encoding="utf-8"?>
+<file path=ppt/slides/slide6.xml><?xml version="1.0" encoding="utf-8"?>
 <p:sld xmlns:a="http://schemas.openxmlformats.org/drawingml/2006/main" xmlns:r="http://schemas.openxmlformats.org/officeDocument/2006/relationships" xmlns:mc="http://schemas.openxmlformats.org/markup-compatibility/2006" xmlns:mv="urn:schemas-microsoft-com:mac:vml" xmlns:p="http://schemas.openxmlformats.org/presentationml/2006/main" xmlns:c="http://schemas.openxmlformats.org/drawingml/2006/chart" xmlns:dgm="http://schemas.openxmlformats.org/drawingml/2006/diagram" xmlns:o="urn:schemas-microsoft-com:office:office" xmlns:v="urn:schemas-microsoft-com:vml" xmlns:pvml="urn:schemas-microsoft-com:office:powerpoint" xmlns:com="http://schemas.openxmlformats.org/drawingml/2006/compatibility" xmlns:p14="http://schemas.microsoft.com/office/powerpoint/2010/main" xmlns:p15="http://schemas.microsoft.com/office/powerpoint/2012/main" xmlns:ahyp="http://schemas.microsoft.com/office/drawing/2018/hyperlinkcolor">
   <p:cSld>
     <p:spTree>
       <p:nvGrpSpPr>
-        <p:cNvPr id="451" name="Shape 451"/>
+        <p:cNvPr id="428" name="Shape 428"/>
         <p:cNvGrpSpPr/>
         <p:nvPr/>
       </p:nvGrpSpPr>
@@ -37271,7 +38865,7 @@
       </p:grpSpPr>
       <p:sp>
         <p:nvSpPr>
-          <p:cNvPr id="452" name="Google Shape;452;p31"/>
+          <p:cNvPr id="429" name="Google Shape;429;p28"/>
           <p:cNvSpPr txBox="1"/>
           <p:nvPr>
             <p:ph idx="4294967295" type="title"/>
@@ -37280,7 +38874,7 @@
         <p:spPr>
           <a:xfrm>
             <a:off x="559725" y="472650"/>
-            <a:ext cx="5808300" cy="518700"/>
+            <a:ext cx="6388500" cy="518700"/>
           </a:xfrm>
           <a:prstGeom prst="rect">
             <a:avLst/>
@@ -37303,7 +38897,7 @@
             </a:pPr>
             <a:r>
               <a:rPr lang="en" sz="2500"/>
-              <a:t>Briefly: Assigning to a range, getting a specific index </a:t>
+              <a:t>Variant 1: Update</a:t>
             </a:r>
             <a:endParaRPr sz="2500"/>
           </a:p>
@@ -37311,7 +38905,7 @@
       </p:sp>
       <p:sp>
         <p:nvSpPr>
-          <p:cNvPr id="453" name="Google Shape;453;p31"/>
+          <p:cNvPr id="430" name="Google Shape;430;p28"/>
           <p:cNvSpPr txBox="1"/>
           <p:nvPr/>
         </p:nvSpPr>
@@ -37358,9 +38952,649 @@
           </a:p>
         </p:txBody>
       </p:sp>
+      <p:pic>
+        <p:nvPicPr>
+          <p:cNvPr id="431" name="Google Shape;431;p28"/>
+          <p:cNvPicPr preferRelativeResize="0"/>
+          <p:nvPr/>
+        </p:nvPicPr>
+        <p:blipFill>
+          <a:blip r:embed="rId3">
+            <a:alphaModFix/>
+          </a:blip>
+          <a:stretch>
+            <a:fillRect/>
+          </a:stretch>
+        </p:blipFill>
+        <p:spPr>
+          <a:xfrm>
+            <a:off x="559725" y="1039475"/>
+            <a:ext cx="5377100" cy="2386975"/>
+          </a:xfrm>
+          <a:prstGeom prst="rect">
+            <a:avLst/>
+          </a:prstGeom>
+          <a:noFill/>
+          <a:ln>
+            <a:noFill/>
+          </a:ln>
+        </p:spPr>
+      </p:pic>
       <p:sp>
         <p:nvSpPr>
-          <p:cNvPr id="454" name="Google Shape;454;p31"/>
+          <p:cNvPr id="432" name="Google Shape;432;p28"/>
+          <p:cNvSpPr txBox="1"/>
+          <p:nvPr/>
+        </p:nvSpPr>
+        <p:spPr>
+          <a:xfrm>
+            <a:off x="6085025" y="1551750"/>
+            <a:ext cx="2763600" cy="831300"/>
+          </a:xfrm>
+          <a:prstGeom prst="rect">
+            <a:avLst/>
+          </a:prstGeom>
+          <a:noFill/>
+          <a:ln>
+            <a:noFill/>
+          </a:ln>
+        </p:spPr>
+        <p:txBody>
+          <a:bodyPr anchorCtr="0" anchor="t" bIns="91425" lIns="91425" spcFirstLastPara="1" rIns="91425" wrap="square" tIns="91425">
+            <a:spAutoFit/>
+          </a:bodyPr>
+          <a:lstStyle/>
+          <a:p>
+            <a:pPr indent="0" lvl="0" marL="0" rtl="0" algn="l">
+              <a:spcBef>
+                <a:spcPts val="0"/>
+              </a:spcBef>
+              <a:spcAft>
+                <a:spcPts val="0"/>
+              </a:spcAft>
+              <a:buNone/>
+            </a:pPr>
+            <a:r>
+              <a:rPr lang="en">
+                <a:solidFill>
+                  <a:schemeClr val="dk2"/>
+                </a:solidFill>
+                <a:latin typeface="Roboto Mono"/>
+                <a:ea typeface="Roboto Mono"/>
+                <a:cs typeface="Roboto Mono"/>
+                <a:sym typeface="Roboto Mono"/>
+              </a:rPr>
+              <a:t>Store value to be added to highest segments in the range to be updated </a:t>
+            </a:r>
+            <a:endParaRPr>
+              <a:solidFill>
+                <a:schemeClr val="dk2"/>
+              </a:solidFill>
+              <a:latin typeface="Roboto Mono"/>
+              <a:ea typeface="Roboto Mono"/>
+              <a:cs typeface="Roboto Mono"/>
+              <a:sym typeface="Roboto Mono"/>
+            </a:endParaRPr>
+          </a:p>
+        </p:txBody>
+      </p:sp>
+      <p:cxnSp>
+        <p:nvCxnSpPr>
+          <p:cNvPr id="433" name="Google Shape;433;p28"/>
+          <p:cNvCxnSpPr>
+            <a:stCxn id="432" idx="1"/>
+          </p:cNvCxnSpPr>
+          <p:nvPr/>
+        </p:nvCxnSpPr>
+        <p:spPr>
+          <a:xfrm flipH="1">
+            <a:off x="3260525" y="1967400"/>
+            <a:ext cx="2824500" cy="46500"/>
+          </a:xfrm>
+          <a:prstGeom prst="straightConnector1">
+            <a:avLst/>
+          </a:prstGeom>
+          <a:noFill/>
+          <a:ln cap="flat" cmpd="sng" w="38100">
+            <a:solidFill>
+              <a:srgbClr val="FF0000"/>
+            </a:solidFill>
+            <a:prstDash val="solid"/>
+            <a:round/>
+            <a:headEnd len="med" w="med" type="none"/>
+            <a:tailEnd len="med" w="med" type="triangle"/>
+          </a:ln>
+        </p:spPr>
+      </p:cxnSp>
+      <p:sp>
+        <p:nvSpPr>
+          <p:cNvPr id="434" name="Google Shape;434;p28"/>
+          <p:cNvSpPr/>
+          <p:nvPr/>
+        </p:nvSpPr>
+        <p:spPr>
+          <a:xfrm>
+            <a:off x="863050" y="1848175"/>
+            <a:ext cx="2345100" cy="479400"/>
+          </a:xfrm>
+          <a:prstGeom prst="rect">
+            <a:avLst/>
+          </a:prstGeom>
+          <a:noFill/>
+          <a:ln cap="flat" cmpd="sng" w="38100">
+            <a:solidFill>
+              <a:srgbClr val="FF0000"/>
+            </a:solidFill>
+            <a:prstDash val="solid"/>
+            <a:round/>
+            <a:headEnd len="sm" w="sm" type="none"/>
+            <a:tailEnd len="sm" w="sm" type="none"/>
+          </a:ln>
+        </p:spPr>
+        <p:txBody>
+          <a:bodyPr anchorCtr="0" anchor="ctr" bIns="91425" lIns="91425" spcFirstLastPara="1" rIns="91425" wrap="square" tIns="91425">
+            <a:noAutofit/>
+          </a:bodyPr>
+          <a:lstStyle/>
+          <a:p>
+            <a:pPr indent="0" lvl="0" marL="0" rtl="0" algn="ctr">
+              <a:spcBef>
+                <a:spcPts val="0"/>
+              </a:spcBef>
+              <a:spcAft>
+                <a:spcPts val="0"/>
+              </a:spcAft>
+              <a:buNone/>
+            </a:pPr>
+            <a:r>
+              <a:t/>
+            </a:r>
+            <a:endParaRPr>
+              <a:latin typeface="Roboto Mono"/>
+              <a:ea typeface="Roboto Mono"/>
+              <a:cs typeface="Roboto Mono"/>
+              <a:sym typeface="Roboto Mono"/>
+            </a:endParaRPr>
+          </a:p>
+        </p:txBody>
+      </p:sp>
+    </p:spTree>
+  </p:cSld>
+  <p:clrMapOvr>
+    <a:masterClrMapping/>
+  </p:clrMapOvr>
+</p:sld>
+</file>
+
+<file path=ppt/slides/slide7.xml><?xml version="1.0" encoding="utf-8"?>
+<p:sld xmlns:a="http://schemas.openxmlformats.org/drawingml/2006/main" xmlns:r="http://schemas.openxmlformats.org/officeDocument/2006/relationships" xmlns:mc="http://schemas.openxmlformats.org/markup-compatibility/2006" xmlns:mv="urn:schemas-microsoft-com:mac:vml" xmlns:p="http://schemas.openxmlformats.org/presentationml/2006/main" xmlns:c="http://schemas.openxmlformats.org/drawingml/2006/chart" xmlns:dgm="http://schemas.openxmlformats.org/drawingml/2006/diagram" xmlns:o="urn:schemas-microsoft-com:office:office" xmlns:v="urn:schemas-microsoft-com:vml" xmlns:pvml="urn:schemas-microsoft-com:office:powerpoint" xmlns:com="http://schemas.openxmlformats.org/drawingml/2006/compatibility" xmlns:p14="http://schemas.microsoft.com/office/powerpoint/2010/main" xmlns:p15="http://schemas.microsoft.com/office/powerpoint/2012/main" xmlns:ahyp="http://schemas.microsoft.com/office/drawing/2018/hyperlinkcolor">
+  <p:cSld>
+    <p:spTree>
+      <p:nvGrpSpPr>
+        <p:cNvPr id="438" name="Shape 438"/>
+        <p:cNvGrpSpPr/>
+        <p:nvPr/>
+      </p:nvGrpSpPr>
+      <p:grpSpPr>
+        <a:xfrm>
+          <a:off x="0" y="0"/>
+          <a:ext cx="0" cy="0"/>
+          <a:chOff x="0" y="0"/>
+          <a:chExt cx="0" cy="0"/>
+        </a:xfrm>
+      </p:grpSpPr>
+      <p:sp>
+        <p:nvSpPr>
+          <p:cNvPr id="439" name="Google Shape;439;p29"/>
+          <p:cNvSpPr txBox="1"/>
+          <p:nvPr>
+            <p:ph idx="4294967295" type="title"/>
+          </p:nvPr>
+        </p:nvSpPr>
+        <p:spPr>
+          <a:xfrm>
+            <a:off x="559725" y="472650"/>
+            <a:ext cx="6388500" cy="518700"/>
+          </a:xfrm>
+          <a:prstGeom prst="rect">
+            <a:avLst/>
+          </a:prstGeom>
+        </p:spPr>
+        <p:txBody>
+          <a:bodyPr anchorCtr="0" anchor="t" bIns="91425" lIns="91425" spcFirstLastPara="1" rIns="91425" wrap="square" tIns="91425">
+            <a:noAutofit/>
+          </a:bodyPr>
+          <a:lstStyle/>
+          <a:p>
+            <a:pPr indent="0" lvl="0" marL="0" rtl="0" algn="l">
+              <a:spcBef>
+                <a:spcPts val="0"/>
+              </a:spcBef>
+              <a:spcAft>
+                <a:spcPts val="0"/>
+              </a:spcAft>
+              <a:buNone/>
+            </a:pPr>
+            <a:r>
+              <a:rPr lang="en" sz="2500"/>
+              <a:t>Variant 1: Get</a:t>
+            </a:r>
+            <a:endParaRPr sz="2500"/>
+          </a:p>
+        </p:txBody>
+      </p:sp>
+      <p:sp>
+        <p:nvSpPr>
+          <p:cNvPr id="440" name="Google Shape;440;p29"/>
+          <p:cNvSpPr txBox="1"/>
+          <p:nvPr/>
+        </p:nvSpPr>
+        <p:spPr>
+          <a:xfrm>
+            <a:off x="2184775" y="1471975"/>
+            <a:ext cx="2429400" cy="400200"/>
+          </a:xfrm>
+          <a:prstGeom prst="rect">
+            <a:avLst/>
+          </a:prstGeom>
+          <a:noFill/>
+          <a:ln>
+            <a:noFill/>
+          </a:ln>
+        </p:spPr>
+        <p:txBody>
+          <a:bodyPr anchorCtr="0" anchor="t" bIns="91425" lIns="91425" spcFirstLastPara="1" rIns="91425" wrap="square" tIns="91425">
+            <a:spAutoFit/>
+          </a:bodyPr>
+          <a:lstStyle/>
+          <a:p>
+            <a:pPr indent="0" lvl="0" marL="0" rtl="0" algn="l">
+              <a:spcBef>
+                <a:spcPts val="0"/>
+              </a:spcBef>
+              <a:spcAft>
+                <a:spcPts val="0"/>
+              </a:spcAft>
+              <a:buNone/>
+            </a:pPr>
+            <a:r>
+              <a:t/>
+            </a:r>
+            <a:endParaRPr>
+              <a:solidFill>
+                <a:schemeClr val="dk2"/>
+              </a:solidFill>
+              <a:latin typeface="Roboto Mono"/>
+              <a:ea typeface="Roboto Mono"/>
+              <a:cs typeface="Roboto Mono"/>
+              <a:sym typeface="Roboto Mono"/>
+            </a:endParaRPr>
+          </a:p>
+        </p:txBody>
+      </p:sp>
+      <p:pic>
+        <p:nvPicPr>
+          <p:cNvPr id="441" name="Google Shape;441;p29"/>
+          <p:cNvPicPr preferRelativeResize="0"/>
+          <p:nvPr/>
+        </p:nvPicPr>
+        <p:blipFill>
+          <a:blip r:embed="rId3">
+            <a:alphaModFix/>
+          </a:blip>
+          <a:stretch>
+            <a:fillRect/>
+          </a:stretch>
+        </p:blipFill>
+        <p:spPr>
+          <a:xfrm>
+            <a:off x="466250" y="991350"/>
+            <a:ext cx="5409549" cy="2111750"/>
+          </a:xfrm>
+          <a:prstGeom prst="rect">
+            <a:avLst/>
+          </a:prstGeom>
+          <a:noFill/>
+          <a:ln>
+            <a:noFill/>
+          </a:ln>
+        </p:spPr>
+      </p:pic>
+      <p:cxnSp>
+        <p:nvCxnSpPr>
+          <p:cNvPr id="442" name="Google Shape;442;p29"/>
+          <p:cNvCxnSpPr/>
+          <p:nvPr/>
+        </p:nvCxnSpPr>
+        <p:spPr>
+          <a:xfrm flipH="1">
+            <a:off x="5666150" y="2284075"/>
+            <a:ext cx="1264500" cy="44700"/>
+          </a:xfrm>
+          <a:prstGeom prst="straightConnector1">
+            <a:avLst/>
+          </a:prstGeom>
+          <a:noFill/>
+          <a:ln cap="flat" cmpd="sng" w="38100">
+            <a:solidFill>
+              <a:srgbClr val="FF0000"/>
+            </a:solidFill>
+            <a:prstDash val="solid"/>
+            <a:round/>
+            <a:headEnd len="med" w="med" type="none"/>
+            <a:tailEnd len="med" w="med" type="triangle"/>
+          </a:ln>
+        </p:spPr>
+      </p:cxnSp>
+      <p:sp>
+        <p:nvSpPr>
+          <p:cNvPr id="443" name="Google Shape;443;p29"/>
+          <p:cNvSpPr/>
+          <p:nvPr/>
+        </p:nvSpPr>
+        <p:spPr>
+          <a:xfrm>
+            <a:off x="1132825" y="2105350"/>
+            <a:ext cx="4533300" cy="400200"/>
+          </a:xfrm>
+          <a:prstGeom prst="rect">
+            <a:avLst/>
+          </a:prstGeom>
+          <a:noFill/>
+          <a:ln cap="flat" cmpd="sng" w="38100">
+            <a:solidFill>
+              <a:srgbClr val="FF0000"/>
+            </a:solidFill>
+            <a:prstDash val="solid"/>
+            <a:round/>
+            <a:headEnd len="sm" w="sm" type="none"/>
+            <a:tailEnd len="sm" w="sm" type="none"/>
+          </a:ln>
+        </p:spPr>
+        <p:txBody>
+          <a:bodyPr anchorCtr="0" anchor="ctr" bIns="91425" lIns="91425" spcFirstLastPara="1" rIns="91425" wrap="square" tIns="91425">
+            <a:noAutofit/>
+          </a:bodyPr>
+          <a:lstStyle/>
+          <a:p>
+            <a:pPr indent="0" lvl="0" marL="0" rtl="0" algn="ctr">
+              <a:spcBef>
+                <a:spcPts val="0"/>
+              </a:spcBef>
+              <a:spcAft>
+                <a:spcPts val="0"/>
+              </a:spcAft>
+              <a:buNone/>
+            </a:pPr>
+            <a:r>
+              <a:t/>
+            </a:r>
+            <a:endParaRPr>
+              <a:latin typeface="Roboto Mono"/>
+              <a:ea typeface="Roboto Mono"/>
+              <a:cs typeface="Roboto Mono"/>
+              <a:sym typeface="Roboto Mono"/>
+            </a:endParaRPr>
+          </a:p>
+        </p:txBody>
+      </p:sp>
+      <p:sp>
+        <p:nvSpPr>
+          <p:cNvPr id="444" name="Google Shape;444;p29"/>
+          <p:cNvSpPr/>
+          <p:nvPr/>
+        </p:nvSpPr>
+        <p:spPr>
+          <a:xfrm>
+            <a:off x="1132825" y="2650050"/>
+            <a:ext cx="4533300" cy="400200"/>
+          </a:xfrm>
+          <a:prstGeom prst="rect">
+            <a:avLst/>
+          </a:prstGeom>
+          <a:noFill/>
+          <a:ln cap="flat" cmpd="sng" w="38100">
+            <a:solidFill>
+              <a:srgbClr val="FF0000"/>
+            </a:solidFill>
+            <a:prstDash val="solid"/>
+            <a:round/>
+            <a:headEnd len="sm" w="sm" type="none"/>
+            <a:tailEnd len="sm" w="sm" type="none"/>
+          </a:ln>
+        </p:spPr>
+        <p:txBody>
+          <a:bodyPr anchorCtr="0" anchor="ctr" bIns="91425" lIns="91425" spcFirstLastPara="1" rIns="91425" wrap="square" tIns="91425">
+            <a:noAutofit/>
+          </a:bodyPr>
+          <a:lstStyle/>
+          <a:p>
+            <a:pPr indent="0" lvl="0" marL="0" rtl="0" algn="ctr">
+              <a:spcBef>
+                <a:spcPts val="0"/>
+              </a:spcBef>
+              <a:spcAft>
+                <a:spcPts val="0"/>
+              </a:spcAft>
+              <a:buNone/>
+            </a:pPr>
+            <a:r>
+              <a:t/>
+            </a:r>
+            <a:endParaRPr>
+              <a:latin typeface="Roboto Mono"/>
+              <a:ea typeface="Roboto Mono"/>
+              <a:cs typeface="Roboto Mono"/>
+              <a:sym typeface="Roboto Mono"/>
+            </a:endParaRPr>
+          </a:p>
+        </p:txBody>
+      </p:sp>
+      <p:cxnSp>
+        <p:nvCxnSpPr>
+          <p:cNvPr id="445" name="Google Shape;445;p29"/>
+          <p:cNvCxnSpPr/>
+          <p:nvPr/>
+        </p:nvCxnSpPr>
+        <p:spPr>
+          <a:xfrm flipH="1">
+            <a:off x="5666200" y="2284075"/>
+            <a:ext cx="1290600" cy="588300"/>
+          </a:xfrm>
+          <a:prstGeom prst="straightConnector1">
+            <a:avLst/>
+          </a:prstGeom>
+          <a:noFill/>
+          <a:ln cap="flat" cmpd="sng" w="38100">
+            <a:solidFill>
+              <a:srgbClr val="FF0000"/>
+            </a:solidFill>
+            <a:prstDash val="solid"/>
+            <a:round/>
+            <a:headEnd len="med" w="med" type="none"/>
+            <a:tailEnd len="med" w="med" type="triangle"/>
+          </a:ln>
+        </p:spPr>
+      </p:cxnSp>
+      <p:sp>
+        <p:nvSpPr>
+          <p:cNvPr id="446" name="Google Shape;446;p29"/>
+          <p:cNvSpPr txBox="1"/>
+          <p:nvPr/>
+        </p:nvSpPr>
+        <p:spPr>
+          <a:xfrm>
+            <a:off x="6956875" y="1782100"/>
+            <a:ext cx="1987800" cy="1046700"/>
+          </a:xfrm>
+          <a:prstGeom prst="rect">
+            <a:avLst/>
+          </a:prstGeom>
+          <a:noFill/>
+          <a:ln>
+            <a:noFill/>
+          </a:ln>
+        </p:spPr>
+        <p:txBody>
+          <a:bodyPr anchorCtr="0" anchor="t" bIns="91425" lIns="91425" spcFirstLastPara="1" rIns="91425" wrap="square" tIns="91425">
+            <a:spAutoFit/>
+          </a:bodyPr>
+          <a:lstStyle/>
+          <a:p>
+            <a:pPr indent="0" lvl="0" marL="0" rtl="0" algn="l">
+              <a:spcBef>
+                <a:spcPts val="0"/>
+              </a:spcBef>
+              <a:spcAft>
+                <a:spcPts val="0"/>
+              </a:spcAft>
+              <a:buNone/>
+            </a:pPr>
+            <a:r>
+              <a:rPr lang="en">
+                <a:solidFill>
+                  <a:schemeClr val="dk2"/>
+                </a:solidFill>
+                <a:latin typeface="Roboto Mono"/>
+                <a:ea typeface="Roboto Mono"/>
+                <a:cs typeface="Roboto Mono"/>
+                <a:sym typeface="Roboto Mono"/>
+              </a:rPr>
+              <a:t>Stored values are added when returning up the tree</a:t>
+            </a:r>
+            <a:endParaRPr>
+              <a:solidFill>
+                <a:schemeClr val="dk2"/>
+              </a:solidFill>
+              <a:latin typeface="Roboto Mono"/>
+              <a:ea typeface="Roboto Mono"/>
+              <a:cs typeface="Roboto Mono"/>
+              <a:sym typeface="Roboto Mono"/>
+            </a:endParaRPr>
+          </a:p>
+        </p:txBody>
+      </p:sp>
+    </p:spTree>
+  </p:cSld>
+  <p:clrMapOvr>
+    <a:masterClrMapping/>
+  </p:clrMapOvr>
+</p:sld>
+</file>
+
+<file path=ppt/slides/slide8.xml><?xml version="1.0" encoding="utf-8"?>
+<p:sld xmlns:a="http://schemas.openxmlformats.org/drawingml/2006/main" xmlns:r="http://schemas.openxmlformats.org/officeDocument/2006/relationships" xmlns:mc="http://schemas.openxmlformats.org/markup-compatibility/2006" xmlns:mv="urn:schemas-microsoft-com:mac:vml" xmlns:p="http://schemas.openxmlformats.org/presentationml/2006/main" xmlns:c="http://schemas.openxmlformats.org/drawingml/2006/chart" xmlns:dgm="http://schemas.openxmlformats.org/drawingml/2006/diagram" xmlns:o="urn:schemas-microsoft-com:office:office" xmlns:v="urn:schemas-microsoft-com:vml" xmlns:pvml="urn:schemas-microsoft-com:office:powerpoint" xmlns:com="http://schemas.openxmlformats.org/drawingml/2006/compatibility" xmlns:p14="http://schemas.microsoft.com/office/powerpoint/2010/main" xmlns:p15="http://schemas.microsoft.com/office/powerpoint/2012/main" xmlns:ahyp="http://schemas.microsoft.com/office/drawing/2018/hyperlinkcolor">
+  <p:cSld>
+    <p:spTree>
+      <p:nvGrpSpPr>
+        <p:cNvPr id="450" name="Shape 450"/>
+        <p:cNvGrpSpPr/>
+        <p:nvPr/>
+      </p:nvGrpSpPr>
+      <p:grpSpPr>
+        <a:xfrm>
+          <a:off x="0" y="0"/>
+          <a:ext cx="0" cy="0"/>
+          <a:chOff x="0" y="0"/>
+          <a:chExt cx="0" cy="0"/>
+        </a:xfrm>
+      </p:grpSpPr>
+      <p:sp>
+        <p:nvSpPr>
+          <p:cNvPr id="451" name="Google Shape;451;p30"/>
+          <p:cNvSpPr txBox="1"/>
+          <p:nvPr>
+            <p:ph idx="4294967295" type="title"/>
+          </p:nvPr>
+        </p:nvSpPr>
+        <p:spPr>
+          <a:xfrm>
+            <a:off x="559725" y="472650"/>
+            <a:ext cx="5808300" cy="518700"/>
+          </a:xfrm>
+          <a:prstGeom prst="rect">
+            <a:avLst/>
+          </a:prstGeom>
+        </p:spPr>
+        <p:txBody>
+          <a:bodyPr anchorCtr="0" anchor="t" bIns="91425" lIns="91425" spcFirstLastPara="1" rIns="91425" wrap="square" tIns="91425">
+            <a:noAutofit/>
+          </a:bodyPr>
+          <a:lstStyle/>
+          <a:p>
+            <a:pPr indent="0" lvl="0" marL="0" rtl="0" algn="l">
+              <a:spcBef>
+                <a:spcPts val="0"/>
+              </a:spcBef>
+              <a:spcAft>
+                <a:spcPts val="0"/>
+              </a:spcAft>
+              <a:buNone/>
+            </a:pPr>
+            <a:r>
+              <a:rPr lang="en" sz="2500"/>
+              <a:t>Variant 2.</a:t>
+            </a:r>
+            <a:r>
+              <a:rPr lang="en" sz="2500"/>
+              <a:t> Assigning to a range, getting a specific index </a:t>
+            </a:r>
+            <a:endParaRPr sz="2500"/>
+          </a:p>
+        </p:txBody>
+      </p:sp>
+      <p:sp>
+        <p:nvSpPr>
+          <p:cNvPr id="452" name="Google Shape;452;p30"/>
+          <p:cNvSpPr txBox="1"/>
+          <p:nvPr/>
+        </p:nvSpPr>
+        <p:spPr>
+          <a:xfrm>
+            <a:off x="2184775" y="1471975"/>
+            <a:ext cx="2429400" cy="400200"/>
+          </a:xfrm>
+          <a:prstGeom prst="rect">
+            <a:avLst/>
+          </a:prstGeom>
+          <a:noFill/>
+          <a:ln>
+            <a:noFill/>
+          </a:ln>
+        </p:spPr>
+        <p:txBody>
+          <a:bodyPr anchorCtr="0" anchor="t" bIns="91425" lIns="91425" spcFirstLastPara="1" rIns="91425" wrap="square" tIns="91425">
+            <a:spAutoFit/>
+          </a:bodyPr>
+          <a:lstStyle/>
+          <a:p>
+            <a:pPr indent="0" lvl="0" marL="0" rtl="0" algn="l">
+              <a:spcBef>
+                <a:spcPts val="0"/>
+              </a:spcBef>
+              <a:spcAft>
+                <a:spcPts val="0"/>
+              </a:spcAft>
+              <a:buNone/>
+            </a:pPr>
+            <a:r>
+              <a:t/>
+            </a:r>
+            <a:endParaRPr>
+              <a:solidFill>
+                <a:schemeClr val="dk2"/>
+              </a:solidFill>
+              <a:latin typeface="Roboto Mono"/>
+              <a:ea typeface="Roboto Mono"/>
+              <a:cs typeface="Roboto Mono"/>
+              <a:sym typeface="Roboto Mono"/>
+            </a:endParaRPr>
+          </a:p>
+        </p:txBody>
+      </p:sp>
+      <p:sp>
+        <p:nvSpPr>
+          <p:cNvPr id="453" name="Google Shape;453;p30"/>
           <p:cNvSpPr txBox="1"/>
           <p:nvPr>
             <p:ph idx="4294967295" type="body"/>
@@ -37498,6 +39732,600 @@
               <a:t>when traversing down the tree, when encountering a marked vertex, push</a:t>
             </a:r>
             <a:endParaRPr b="1"/>
+          </a:p>
+        </p:txBody>
+      </p:sp>
+    </p:spTree>
+  </p:cSld>
+  <p:clrMapOvr>
+    <a:masterClrMapping/>
+  </p:clrMapOvr>
+</p:sld>
+</file>
+
+<file path=ppt/slides/slide9.xml><?xml version="1.0" encoding="utf-8"?>
+<p:sld xmlns:a="http://schemas.openxmlformats.org/drawingml/2006/main" xmlns:r="http://schemas.openxmlformats.org/officeDocument/2006/relationships" xmlns:mc="http://schemas.openxmlformats.org/markup-compatibility/2006" xmlns:mv="urn:schemas-microsoft-com:mac:vml" xmlns:p="http://schemas.openxmlformats.org/presentationml/2006/main" xmlns:c="http://schemas.openxmlformats.org/drawingml/2006/chart" xmlns:dgm="http://schemas.openxmlformats.org/drawingml/2006/diagram" xmlns:o="urn:schemas-microsoft-com:office:office" xmlns:v="urn:schemas-microsoft-com:vml" xmlns:pvml="urn:schemas-microsoft-com:office:powerpoint" xmlns:com="http://schemas.openxmlformats.org/drawingml/2006/compatibility" xmlns:p14="http://schemas.microsoft.com/office/powerpoint/2010/main" xmlns:p15="http://schemas.microsoft.com/office/powerpoint/2012/main" xmlns:ahyp="http://schemas.microsoft.com/office/drawing/2018/hyperlinkcolor">
+  <p:cSld>
+    <p:spTree>
+      <p:nvGrpSpPr>
+        <p:cNvPr id="457" name="Shape 457"/>
+        <p:cNvGrpSpPr/>
+        <p:nvPr/>
+      </p:nvGrpSpPr>
+      <p:grpSpPr>
+        <a:xfrm>
+          <a:off x="0" y="0"/>
+          <a:ext cx="0" cy="0"/>
+          <a:chOff x="0" y="0"/>
+          <a:chExt cx="0" cy="0"/>
+        </a:xfrm>
+      </p:grpSpPr>
+      <p:sp>
+        <p:nvSpPr>
+          <p:cNvPr id="458" name="Google Shape;458;p31"/>
+          <p:cNvSpPr txBox="1"/>
+          <p:nvPr>
+            <p:ph idx="4294967295" type="title"/>
+          </p:nvPr>
+        </p:nvSpPr>
+        <p:spPr>
+          <a:xfrm>
+            <a:off x="559725" y="472650"/>
+            <a:ext cx="5808300" cy="518700"/>
+          </a:xfrm>
+          <a:prstGeom prst="rect">
+            <a:avLst/>
+          </a:prstGeom>
+        </p:spPr>
+        <p:txBody>
+          <a:bodyPr anchorCtr="0" anchor="t" bIns="91425" lIns="91425" spcFirstLastPara="1" rIns="91425" wrap="square" tIns="91425">
+            <a:noAutofit/>
+          </a:bodyPr>
+          <a:lstStyle/>
+          <a:p>
+            <a:pPr indent="0" lvl="0" marL="0" rtl="0" algn="l">
+              <a:spcBef>
+                <a:spcPts val="0"/>
+              </a:spcBef>
+              <a:spcAft>
+                <a:spcPts val="0"/>
+              </a:spcAft>
+              <a:buNone/>
+            </a:pPr>
+            <a:r>
+              <a:rPr lang="en" sz="2500"/>
+              <a:t>New method: p</a:t>
+            </a:r>
+            <a:r>
+              <a:rPr lang="en" sz="2500"/>
+              <a:t>ush</a:t>
+            </a:r>
+            <a:endParaRPr sz="2500">
+              <a:highlight>
+                <a:srgbClr val="3C78D8"/>
+              </a:highlight>
+            </a:endParaRPr>
+          </a:p>
+        </p:txBody>
+      </p:sp>
+      <p:sp>
+        <p:nvSpPr>
+          <p:cNvPr id="459" name="Google Shape;459;p31"/>
+          <p:cNvSpPr txBox="1"/>
+          <p:nvPr/>
+        </p:nvSpPr>
+        <p:spPr>
+          <a:xfrm>
+            <a:off x="1696575" y="1466000"/>
+            <a:ext cx="2429400" cy="400200"/>
+          </a:xfrm>
+          <a:prstGeom prst="rect">
+            <a:avLst/>
+          </a:prstGeom>
+          <a:noFill/>
+          <a:ln>
+            <a:noFill/>
+          </a:ln>
+        </p:spPr>
+        <p:txBody>
+          <a:bodyPr anchorCtr="0" anchor="t" bIns="91425" lIns="91425" spcFirstLastPara="1" rIns="91425" wrap="square" tIns="91425">
+            <a:spAutoFit/>
+          </a:bodyPr>
+          <a:lstStyle/>
+          <a:p>
+            <a:pPr indent="0" lvl="0" marL="0" rtl="0" algn="l">
+              <a:spcBef>
+                <a:spcPts val="0"/>
+              </a:spcBef>
+              <a:spcAft>
+                <a:spcPts val="0"/>
+              </a:spcAft>
+              <a:buNone/>
+            </a:pPr>
+            <a:r>
+              <a:t/>
+            </a:r>
+            <a:endParaRPr>
+              <a:solidFill>
+                <a:schemeClr val="dk2"/>
+              </a:solidFill>
+              <a:latin typeface="Roboto Mono"/>
+              <a:ea typeface="Roboto Mono"/>
+              <a:cs typeface="Roboto Mono"/>
+              <a:sym typeface="Roboto Mono"/>
+            </a:endParaRPr>
+          </a:p>
+        </p:txBody>
+      </p:sp>
+      <p:sp>
+        <p:nvSpPr>
+          <p:cNvPr id="460" name="Google Shape;460;p31"/>
+          <p:cNvSpPr txBox="1"/>
+          <p:nvPr>
+            <p:ph idx="4294967295" type="body"/>
+          </p:nvPr>
+        </p:nvSpPr>
+        <p:spPr>
+          <a:xfrm>
+            <a:off x="249875" y="1154825"/>
+            <a:ext cx="4139100" cy="1922700"/>
+          </a:xfrm>
+          <a:prstGeom prst="rect">
+            <a:avLst/>
+          </a:prstGeom>
+        </p:spPr>
+        <p:txBody>
+          <a:bodyPr anchorCtr="0" anchor="t" bIns="91425" lIns="91425" spcFirstLastPara="1" rIns="91425" wrap="square" tIns="91425">
+            <a:noAutofit/>
+          </a:bodyPr>
+          <a:lstStyle/>
+          <a:p>
+            <a:pPr indent="0" lvl="0" marL="0" rtl="0" algn="l">
+              <a:spcBef>
+                <a:spcPts val="0"/>
+              </a:spcBef>
+              <a:spcAft>
+                <a:spcPts val="0"/>
+              </a:spcAft>
+              <a:buNone/>
+            </a:pPr>
+            <a:r>
+              <a:rPr lang="en"/>
+              <a:t>Push propagates the pending changes to the two immediate children</a:t>
+            </a:r>
+            <a:endParaRPr/>
+          </a:p>
+          <a:p>
+            <a:pPr indent="-317500" lvl="0" marL="457200" rtl="0" algn="l">
+              <a:spcBef>
+                <a:spcPts val="1600"/>
+              </a:spcBef>
+              <a:spcAft>
+                <a:spcPts val="0"/>
+              </a:spcAft>
+              <a:buSzPts val="1400"/>
+              <a:buChar char="-"/>
+            </a:pPr>
+            <a:r>
+              <a:rPr lang="en"/>
+              <a:t>In variant 2, a marked node has pending changes</a:t>
+            </a:r>
+            <a:endParaRPr/>
+          </a:p>
+          <a:p>
+            <a:pPr indent="-317500" lvl="1" marL="914400" rtl="0" algn="l">
+              <a:spcBef>
+                <a:spcPts val="0"/>
+              </a:spcBef>
+              <a:spcAft>
+                <a:spcPts val="0"/>
+              </a:spcAft>
+              <a:buSzPts val="1400"/>
+              <a:buChar char="-"/>
+            </a:pPr>
+            <a:r>
+              <a:rPr lang="en"/>
+              <a:t>All children of the marked node share its value</a:t>
+            </a:r>
+            <a:endParaRPr/>
+          </a:p>
+          <a:p>
+            <a:pPr indent="0" lvl="0" marL="0" rtl="0" algn="l">
+              <a:spcBef>
+                <a:spcPts val="1600"/>
+              </a:spcBef>
+              <a:spcAft>
+                <a:spcPts val="1600"/>
+              </a:spcAft>
+              <a:buNone/>
+            </a:pPr>
+            <a:r>
+              <a:t/>
+            </a:r>
+            <a:endParaRPr/>
+          </a:p>
+        </p:txBody>
+      </p:sp>
+      <p:pic>
+        <p:nvPicPr>
+          <p:cNvPr id="461" name="Google Shape;461;p31"/>
+          <p:cNvPicPr preferRelativeResize="0"/>
+          <p:nvPr/>
+        </p:nvPicPr>
+        <p:blipFill>
+          <a:blip r:embed="rId3">
+            <a:alphaModFix/>
+          </a:blip>
+          <a:stretch>
+            <a:fillRect/>
+          </a:stretch>
+        </p:blipFill>
+        <p:spPr>
+          <a:xfrm>
+            <a:off x="4816425" y="985375"/>
+            <a:ext cx="3914200" cy="2269100"/>
+          </a:xfrm>
+          <a:prstGeom prst="rect">
+            <a:avLst/>
+          </a:prstGeom>
+          <a:noFill/>
+          <a:ln>
+            <a:noFill/>
+          </a:ln>
+        </p:spPr>
+      </p:pic>
+      <p:cxnSp>
+        <p:nvCxnSpPr>
+          <p:cNvPr id="462" name="Google Shape;462;p31"/>
+          <p:cNvCxnSpPr>
+            <a:endCxn id="463" idx="1"/>
+          </p:cNvCxnSpPr>
+          <p:nvPr/>
+        </p:nvCxnSpPr>
+        <p:spPr>
+          <a:xfrm flipH="1" rot="10800000">
+            <a:off x="4175875" y="1516150"/>
+            <a:ext cx="912900" cy="687600"/>
+          </a:xfrm>
+          <a:prstGeom prst="straightConnector1">
+            <a:avLst/>
+          </a:prstGeom>
+          <a:noFill/>
+          <a:ln cap="flat" cmpd="sng" w="38100">
+            <a:solidFill>
+              <a:srgbClr val="FF0000"/>
+            </a:solidFill>
+            <a:prstDash val="solid"/>
+            <a:round/>
+            <a:headEnd len="med" w="med" type="none"/>
+            <a:tailEnd len="med" w="med" type="triangle"/>
+          </a:ln>
+        </p:spPr>
+      </p:cxnSp>
+      <p:sp>
+        <p:nvSpPr>
+          <p:cNvPr id="463" name="Google Shape;463;p31"/>
+          <p:cNvSpPr/>
+          <p:nvPr/>
+        </p:nvSpPr>
+        <p:spPr>
+          <a:xfrm>
+            <a:off x="5088775" y="1210150"/>
+            <a:ext cx="2007600" cy="612000"/>
+          </a:xfrm>
+          <a:prstGeom prst="rect">
+            <a:avLst/>
+          </a:prstGeom>
+          <a:noFill/>
+          <a:ln cap="flat" cmpd="sng" w="38100">
+            <a:solidFill>
+              <a:srgbClr val="FF0000"/>
+            </a:solidFill>
+            <a:prstDash val="solid"/>
+            <a:round/>
+            <a:headEnd len="sm" w="sm" type="none"/>
+            <a:tailEnd len="sm" w="sm" type="none"/>
+          </a:ln>
+        </p:spPr>
+        <p:txBody>
+          <a:bodyPr anchorCtr="0" anchor="ctr" bIns="91425" lIns="91425" spcFirstLastPara="1" rIns="91425" wrap="square" tIns="91425">
+            <a:noAutofit/>
+          </a:bodyPr>
+          <a:lstStyle/>
+          <a:p>
+            <a:pPr indent="0" lvl="0" marL="0" rtl="0" algn="ctr">
+              <a:spcBef>
+                <a:spcPts val="0"/>
+              </a:spcBef>
+              <a:spcAft>
+                <a:spcPts val="0"/>
+              </a:spcAft>
+              <a:buNone/>
+            </a:pPr>
+            <a:r>
+              <a:t/>
+            </a:r>
+            <a:endParaRPr>
+              <a:latin typeface="Roboto Mono"/>
+              <a:ea typeface="Roboto Mono"/>
+              <a:cs typeface="Roboto Mono"/>
+              <a:sym typeface="Roboto Mono"/>
+            </a:endParaRPr>
+          </a:p>
+        </p:txBody>
+      </p:sp>
+      <p:sp>
+        <p:nvSpPr>
+          <p:cNvPr id="464" name="Google Shape;464;p31"/>
+          <p:cNvSpPr txBox="1"/>
+          <p:nvPr/>
+        </p:nvSpPr>
+        <p:spPr>
+          <a:xfrm>
+            <a:off x="249875" y="3759950"/>
+            <a:ext cx="5021400" cy="615600"/>
+          </a:xfrm>
+          <a:prstGeom prst="rect">
+            <a:avLst/>
+          </a:prstGeom>
+          <a:noFill/>
+          <a:ln>
+            <a:noFill/>
+          </a:ln>
+        </p:spPr>
+        <p:txBody>
+          <a:bodyPr anchorCtr="0" anchor="t" bIns="91425" lIns="91425" spcFirstLastPara="1" rIns="91425" wrap="square" tIns="91425">
+            <a:spAutoFit/>
+          </a:bodyPr>
+          <a:lstStyle/>
+          <a:p>
+            <a:pPr indent="0" lvl="0" marL="0" rtl="0" algn="l">
+              <a:spcBef>
+                <a:spcPts val="0"/>
+              </a:spcBef>
+              <a:spcAft>
+                <a:spcPts val="0"/>
+              </a:spcAft>
+              <a:buNone/>
+            </a:pPr>
+            <a:r>
+              <a:rPr lang="en">
+                <a:solidFill>
+                  <a:schemeClr val="dk2"/>
+                </a:solidFill>
+                <a:latin typeface="Roboto Mono"/>
+                <a:ea typeface="Roboto Mono"/>
+                <a:cs typeface="Roboto Mono"/>
+                <a:sym typeface="Roboto Mono"/>
+              </a:rPr>
+              <a:t>“Push” new value from parent to children nodes</a:t>
+            </a:r>
+            <a:endParaRPr>
+              <a:solidFill>
+                <a:schemeClr val="dk2"/>
+              </a:solidFill>
+              <a:latin typeface="Roboto Mono"/>
+              <a:ea typeface="Roboto Mono"/>
+              <a:cs typeface="Roboto Mono"/>
+              <a:sym typeface="Roboto Mono"/>
+            </a:endParaRPr>
+          </a:p>
+        </p:txBody>
+      </p:sp>
+      <p:cxnSp>
+        <p:nvCxnSpPr>
+          <p:cNvPr id="465" name="Google Shape;465;p31"/>
+          <p:cNvCxnSpPr>
+            <a:stCxn id="464" idx="0"/>
+            <a:endCxn id="466" idx="1"/>
+          </p:cNvCxnSpPr>
+          <p:nvPr/>
+        </p:nvCxnSpPr>
+        <p:spPr>
+          <a:xfrm flipH="1" rot="10800000">
+            <a:off x="2760575" y="2375750"/>
+            <a:ext cx="2328300" cy="1384200"/>
+          </a:xfrm>
+          <a:prstGeom prst="straightConnector1">
+            <a:avLst/>
+          </a:prstGeom>
+          <a:noFill/>
+          <a:ln cap="flat" cmpd="sng" w="38100">
+            <a:solidFill>
+              <a:srgbClr val="FF0000"/>
+            </a:solidFill>
+            <a:prstDash val="solid"/>
+            <a:round/>
+            <a:headEnd len="med" w="med" type="none"/>
+            <a:tailEnd len="med" w="med" type="triangle"/>
+          </a:ln>
+        </p:spPr>
+      </p:cxnSp>
+      <p:sp>
+        <p:nvSpPr>
+          <p:cNvPr id="466" name="Google Shape;466;p31"/>
+          <p:cNvSpPr/>
+          <p:nvPr/>
+        </p:nvSpPr>
+        <p:spPr>
+          <a:xfrm>
+            <a:off x="5088775" y="1822150"/>
+            <a:ext cx="3541800" cy="1107000"/>
+          </a:xfrm>
+          <a:prstGeom prst="rect">
+            <a:avLst/>
+          </a:prstGeom>
+          <a:noFill/>
+          <a:ln cap="flat" cmpd="sng" w="38100">
+            <a:solidFill>
+              <a:srgbClr val="FF0000"/>
+            </a:solidFill>
+            <a:prstDash val="solid"/>
+            <a:round/>
+            <a:headEnd len="sm" w="sm" type="none"/>
+            <a:tailEnd len="sm" w="sm" type="none"/>
+          </a:ln>
+        </p:spPr>
+        <p:txBody>
+          <a:bodyPr anchorCtr="0" anchor="ctr" bIns="91425" lIns="91425" spcFirstLastPara="1" rIns="91425" wrap="square" tIns="91425">
+            <a:noAutofit/>
+          </a:bodyPr>
+          <a:lstStyle/>
+          <a:p>
+            <a:pPr indent="0" lvl="0" marL="0" rtl="0" algn="ctr">
+              <a:spcBef>
+                <a:spcPts val="0"/>
+              </a:spcBef>
+              <a:spcAft>
+                <a:spcPts val="0"/>
+              </a:spcAft>
+              <a:buNone/>
+            </a:pPr>
+            <a:r>
+              <a:t/>
+            </a:r>
+            <a:endParaRPr>
+              <a:latin typeface="Roboto Mono"/>
+              <a:ea typeface="Roboto Mono"/>
+              <a:cs typeface="Roboto Mono"/>
+              <a:sym typeface="Roboto Mono"/>
+            </a:endParaRPr>
+          </a:p>
+        </p:txBody>
+      </p:sp>
+      <p:cxnSp>
+        <p:nvCxnSpPr>
+          <p:cNvPr id="467" name="Google Shape;467;p31"/>
+          <p:cNvCxnSpPr/>
+          <p:nvPr/>
+        </p:nvCxnSpPr>
+        <p:spPr>
+          <a:xfrm flipH="1" rot="10800000">
+            <a:off x="6773725" y="3254575"/>
+            <a:ext cx="6000" cy="947400"/>
+          </a:xfrm>
+          <a:prstGeom prst="straightConnector1">
+            <a:avLst/>
+          </a:prstGeom>
+          <a:noFill/>
+          <a:ln cap="flat" cmpd="sng" w="38100">
+            <a:solidFill>
+              <a:srgbClr val="FF0000"/>
+            </a:solidFill>
+            <a:prstDash val="solid"/>
+            <a:round/>
+            <a:headEnd len="med" w="med" type="none"/>
+            <a:tailEnd len="med" w="med" type="triangle"/>
+          </a:ln>
+        </p:spPr>
+      </p:cxnSp>
+      <p:sp>
+        <p:nvSpPr>
+          <p:cNvPr id="468" name="Google Shape;468;p31"/>
+          <p:cNvSpPr txBox="1"/>
+          <p:nvPr/>
+        </p:nvSpPr>
+        <p:spPr>
+          <a:xfrm>
+            <a:off x="5241425" y="4252500"/>
+            <a:ext cx="3064200" cy="400200"/>
+          </a:xfrm>
+          <a:prstGeom prst="rect">
+            <a:avLst/>
+          </a:prstGeom>
+          <a:noFill/>
+          <a:ln>
+            <a:noFill/>
+          </a:ln>
+        </p:spPr>
+        <p:txBody>
+          <a:bodyPr anchorCtr="0" anchor="t" bIns="91425" lIns="91425" spcFirstLastPara="1" rIns="91425" wrap="square" tIns="91425">
+            <a:spAutoFit/>
+          </a:bodyPr>
+          <a:lstStyle/>
+          <a:p>
+            <a:pPr indent="0" lvl="0" marL="0" rtl="0" algn="l">
+              <a:spcBef>
+                <a:spcPts val="0"/>
+              </a:spcBef>
+              <a:spcAft>
+                <a:spcPts val="0"/>
+              </a:spcAft>
+              <a:buNone/>
+            </a:pPr>
+            <a:r>
+              <a:rPr lang="en">
+                <a:solidFill>
+                  <a:schemeClr val="dk2"/>
+                </a:solidFill>
+                <a:latin typeface="Roboto Mono"/>
+                <a:ea typeface="Roboto Mono"/>
+                <a:cs typeface="Roboto Mono"/>
+                <a:sym typeface="Roboto Mono"/>
+              </a:rPr>
+              <a:t>Changes no longer pending</a:t>
+            </a:r>
+            <a:endParaRPr>
+              <a:solidFill>
+                <a:schemeClr val="dk2"/>
+              </a:solidFill>
+              <a:latin typeface="Roboto Mono"/>
+              <a:ea typeface="Roboto Mono"/>
+              <a:cs typeface="Roboto Mono"/>
+              <a:sym typeface="Roboto Mono"/>
+            </a:endParaRPr>
+          </a:p>
+        </p:txBody>
+      </p:sp>
+      <p:sp>
+        <p:nvSpPr>
+          <p:cNvPr id="469" name="Google Shape;469;p31"/>
+          <p:cNvSpPr/>
+          <p:nvPr/>
+        </p:nvSpPr>
+        <p:spPr>
+          <a:xfrm>
+            <a:off x="5088875" y="2929150"/>
+            <a:ext cx="2486700" cy="325200"/>
+          </a:xfrm>
+          <a:prstGeom prst="rect">
+            <a:avLst/>
+          </a:prstGeom>
+          <a:noFill/>
+          <a:ln cap="flat" cmpd="sng" w="38100">
+            <a:solidFill>
+              <a:srgbClr val="FF0000"/>
+            </a:solidFill>
+            <a:prstDash val="solid"/>
+            <a:round/>
+            <a:headEnd len="sm" w="sm" type="none"/>
+            <a:tailEnd len="sm" w="sm" type="none"/>
+          </a:ln>
+        </p:spPr>
+        <p:txBody>
+          <a:bodyPr anchorCtr="0" anchor="ctr" bIns="91425" lIns="91425" spcFirstLastPara="1" rIns="91425" wrap="square" tIns="91425">
+            <a:noAutofit/>
+          </a:bodyPr>
+          <a:lstStyle/>
+          <a:p>
+            <a:pPr indent="0" lvl="0" marL="0" rtl="0" algn="ctr">
+              <a:spcBef>
+                <a:spcPts val="0"/>
+              </a:spcBef>
+              <a:spcAft>
+                <a:spcPts val="0"/>
+              </a:spcAft>
+              <a:buNone/>
+            </a:pPr>
+            <a:r>
+              <a:t/>
+            </a:r>
+            <a:endParaRPr>
+              <a:latin typeface="Roboto Mono"/>
+              <a:ea typeface="Roboto Mono"/>
+              <a:cs typeface="Roboto Mono"/>
+              <a:sym typeface="Roboto Mono"/>
+            </a:endParaRPr>
           </a:p>
         </p:txBody>
       </p:sp>

--- a/projects/05-segmentTreeRangeUpdates/slides/presentation_segTreeRangeUpdates.pptx
+++ b/projects/05-segmentTreeRangeUpdates/slides/presentation_segTreeRangeUpdates.pptx
@@ -18,55 +18,49 @@
     <p:sldId id="263" r:id="rId13"/>
     <p:sldId id="264" r:id="rId14"/>
     <p:sldId id="265" r:id="rId15"/>
-    <p:sldId id="266" r:id="rId16"/>
-    <p:sldId id="267" r:id="rId17"/>
-    <p:sldId id="268" r:id="rId18"/>
-    <p:sldId id="269" r:id="rId19"/>
-    <p:sldId id="270" r:id="rId20"/>
-    <p:sldId id="271" r:id="rId21"/>
   </p:sldIdLst>
   <p:sldSz cy="5143500" cx="9144000"/>
   <p:notesSz cx="6858000" cy="9144000"/>
   <p:embeddedFontLst>
     <p:embeddedFont>
       <p:font typeface="Roboto Mono SemiBold"/>
-      <p:regular r:id="rId22"/>
-      <p:bold r:id="rId23"/>
-      <p:italic r:id="rId24"/>
-      <p:boldItalic r:id="rId25"/>
+      <p:regular r:id="rId16"/>
+      <p:bold r:id="rId17"/>
+      <p:italic r:id="rId18"/>
+      <p:boldItalic r:id="rId19"/>
     </p:embeddedFont>
     <p:embeddedFont>
       <p:font typeface="Roboto"/>
+      <p:regular r:id="rId20"/>
+      <p:bold r:id="rId21"/>
+      <p:italic r:id="rId22"/>
+      <p:boldItalic r:id="rId23"/>
+    </p:embeddedFont>
+    <p:embeddedFont>
+      <p:font typeface="Abril Fatface"/>
+      <p:regular r:id="rId24"/>
+    </p:embeddedFont>
+    <p:embeddedFont>
+      <p:font typeface="Griffy"/>
+      <p:regular r:id="rId25"/>
+    </p:embeddedFont>
+    <p:embeddedFont>
+      <p:font typeface="Poppins"/>
       <p:regular r:id="rId26"/>
       <p:bold r:id="rId27"/>
       <p:italic r:id="rId28"/>
       <p:boldItalic r:id="rId29"/>
     </p:embeddedFont>
     <p:embeddedFont>
-      <p:font typeface="Abril Fatface"/>
+      <p:font typeface="Roboto Mono"/>
       <p:regular r:id="rId30"/>
-    </p:embeddedFont>
-    <p:embeddedFont>
-      <p:font typeface="Griffy"/>
-      <p:regular r:id="rId31"/>
-    </p:embeddedFont>
-    <p:embeddedFont>
-      <p:font typeface="Poppins"/>
-      <p:regular r:id="rId32"/>
-      <p:bold r:id="rId33"/>
-      <p:italic r:id="rId34"/>
-      <p:boldItalic r:id="rId35"/>
-    </p:embeddedFont>
-    <p:embeddedFont>
-      <p:font typeface="Roboto Mono"/>
-      <p:regular r:id="rId36"/>
-      <p:bold r:id="rId37"/>
-      <p:italic r:id="rId38"/>
-      <p:boldItalic r:id="rId39"/>
+      <p:bold r:id="rId31"/>
+      <p:italic r:id="rId32"/>
+      <p:boldItalic r:id="rId33"/>
     </p:embeddedFont>
     <p:embeddedFont>
       <p:font typeface="Homemade Apple"/>
-      <p:regular r:id="rId40"/>
+      <p:regular r:id="rId34"/>
     </p:embeddedFont>
   </p:embeddedFontLst>
   <p:defaultTextStyle>
@@ -847,7 +841,7 @@
   <p:cSld>
     <p:spTree>
       <p:nvGrpSpPr>
-        <p:cNvPr id="470" name="Shape 470"/>
+        <p:cNvPr id="456" name="Shape 456"/>
         <p:cNvGrpSpPr/>
         <p:nvPr/>
       </p:nvGrpSpPr>
@@ -861,7 +855,7 @@
       </p:grpSpPr>
       <p:sp>
         <p:nvSpPr>
-          <p:cNvPr id="471" name="Google Shape;471;g34dc205fa63_0_47:notes"/>
+          <p:cNvPr id="457" name="Google Shape;457;g34db9fc036a_10_128:notes"/>
           <p:cNvSpPr/>
           <p:nvPr>
             <p:ph idx="2" type="sldImg"/>
@@ -896,601 +890,7 @@
       </p:sp>
       <p:sp>
         <p:nvSpPr>
-          <p:cNvPr id="472" name="Google Shape;472;g34dc205fa63_0_47:notes"/>
-          <p:cNvSpPr txBox="1"/>
-          <p:nvPr>
-            <p:ph idx="1" type="body"/>
-          </p:nvPr>
-        </p:nvSpPr>
-        <p:spPr>
-          <a:xfrm>
-            <a:off x="685800" y="4343400"/>
-            <a:ext cx="5486400" cy="4114800"/>
-          </a:xfrm>
-          <a:prstGeom prst="rect">
-            <a:avLst/>
-          </a:prstGeom>
-        </p:spPr>
-        <p:txBody>
-          <a:bodyPr anchorCtr="0" anchor="t" bIns="91425" lIns="91425" spcFirstLastPara="1" rIns="91425" wrap="square" tIns="91425">
-            <a:noAutofit/>
-          </a:bodyPr>
-          <a:lstStyle/>
-          <a:p>
-            <a:pPr indent="0" lvl="0" marL="0" rtl="0" algn="l">
-              <a:spcBef>
-                <a:spcPts val="0"/>
-              </a:spcBef>
-              <a:spcAft>
-                <a:spcPts val="0"/>
-              </a:spcAft>
-              <a:buNone/>
-            </a:pPr>
-            <a:r>
-              <a:t/>
-            </a:r>
-            <a:endParaRPr/>
-          </a:p>
-        </p:txBody>
-      </p:sp>
-    </p:spTree>
-  </p:cSld>
-  <p:clrMapOvr>
-    <a:masterClrMapping/>
-  </p:clrMapOvr>
-</p:notes>
-</file>
-
-<file path=ppt/notesSlides/notesSlide11.xml><?xml version="1.0" encoding="utf-8"?>
-<p:notes xmlns:a="http://schemas.openxmlformats.org/drawingml/2006/main" xmlns:r="http://schemas.openxmlformats.org/officeDocument/2006/relationships" xmlns:mc="http://schemas.openxmlformats.org/markup-compatibility/2006" xmlns:mv="urn:schemas-microsoft-com:mac:vml" xmlns:p="http://schemas.openxmlformats.org/presentationml/2006/main" xmlns:c="http://schemas.openxmlformats.org/drawingml/2006/chart" xmlns:dgm="http://schemas.openxmlformats.org/drawingml/2006/diagram" xmlns:o="urn:schemas-microsoft-com:office:office" xmlns:v="urn:schemas-microsoft-com:vml" xmlns:pvml="urn:schemas-microsoft-com:office:powerpoint" xmlns:com="http://schemas.openxmlformats.org/drawingml/2006/compatibility" xmlns:p14="http://schemas.microsoft.com/office/powerpoint/2010/main" xmlns:p15="http://schemas.microsoft.com/office/powerpoint/2012/main" xmlns:ahyp="http://schemas.microsoft.com/office/drawing/2018/hyperlinkcolor" showMasterPhAnim="0" showMasterSp="0">
-  <p:cSld>
-    <p:spTree>
-      <p:nvGrpSpPr>
-        <p:cNvPr id="483" name="Shape 483"/>
-        <p:cNvGrpSpPr/>
-        <p:nvPr/>
-      </p:nvGrpSpPr>
-      <p:grpSpPr>
-        <a:xfrm>
-          <a:off x="0" y="0"/>
-          <a:ext cx="0" cy="0"/>
-          <a:chOff x="0" y="0"/>
-          <a:chExt cx="0" cy="0"/>
-        </a:xfrm>
-      </p:grpSpPr>
-      <p:sp>
-        <p:nvSpPr>
-          <p:cNvPr id="484" name="Google Shape;484;g34dc205fa63_0_56:notes"/>
-          <p:cNvSpPr/>
-          <p:nvPr>
-            <p:ph idx="2" type="sldImg"/>
-          </p:nvPr>
-        </p:nvSpPr>
-        <p:spPr>
-          <a:xfrm>
-            <a:off x="381300" y="685800"/>
-            <a:ext cx="6096000" cy="3429000"/>
-          </a:xfrm>
-          <a:custGeom>
-            <a:rect b="b" l="l" r="r" t="t"/>
-            <a:pathLst>
-              <a:path extrusionOk="0" h="120000" w="120000">
-                <a:moveTo>
-                  <a:pt x="0" y="0"/>
-                </a:moveTo>
-                <a:lnTo>
-                  <a:pt x="120000" y="0"/>
-                </a:lnTo>
-                <a:lnTo>
-                  <a:pt x="120000" y="120000"/>
-                </a:lnTo>
-                <a:lnTo>
-                  <a:pt x="0" y="120000"/>
-                </a:lnTo>
-                <a:close/>
-              </a:path>
-            </a:pathLst>
-          </a:custGeom>
-        </p:spPr>
-      </p:sp>
-      <p:sp>
-        <p:nvSpPr>
-          <p:cNvPr id="485" name="Google Shape;485;g34dc205fa63_0_56:notes"/>
-          <p:cNvSpPr txBox="1"/>
-          <p:nvPr>
-            <p:ph idx="1" type="body"/>
-          </p:nvPr>
-        </p:nvSpPr>
-        <p:spPr>
-          <a:xfrm>
-            <a:off x="685800" y="4343400"/>
-            <a:ext cx="5486400" cy="4114800"/>
-          </a:xfrm>
-          <a:prstGeom prst="rect">
-            <a:avLst/>
-          </a:prstGeom>
-        </p:spPr>
-        <p:txBody>
-          <a:bodyPr anchorCtr="0" anchor="t" bIns="91425" lIns="91425" spcFirstLastPara="1" rIns="91425" wrap="square" tIns="91425">
-            <a:noAutofit/>
-          </a:bodyPr>
-          <a:lstStyle/>
-          <a:p>
-            <a:pPr indent="0" lvl="0" marL="0" rtl="0" algn="l">
-              <a:spcBef>
-                <a:spcPts val="0"/>
-              </a:spcBef>
-              <a:spcAft>
-                <a:spcPts val="0"/>
-              </a:spcAft>
-              <a:buNone/>
-            </a:pPr>
-            <a:r>
-              <a:t/>
-            </a:r>
-            <a:endParaRPr/>
-          </a:p>
-        </p:txBody>
-      </p:sp>
-    </p:spTree>
-  </p:cSld>
-  <p:clrMapOvr>
-    <a:masterClrMapping/>
-  </p:clrMapOvr>
-</p:notes>
-</file>
-
-<file path=ppt/notesSlides/notesSlide12.xml><?xml version="1.0" encoding="utf-8"?>
-<p:notes xmlns:a="http://schemas.openxmlformats.org/drawingml/2006/main" xmlns:r="http://schemas.openxmlformats.org/officeDocument/2006/relationships" xmlns:mc="http://schemas.openxmlformats.org/markup-compatibility/2006" xmlns:mv="urn:schemas-microsoft-com:mac:vml" xmlns:p="http://schemas.openxmlformats.org/presentationml/2006/main" xmlns:c="http://schemas.openxmlformats.org/drawingml/2006/chart" xmlns:dgm="http://schemas.openxmlformats.org/drawingml/2006/diagram" xmlns:o="urn:schemas-microsoft-com:office:office" xmlns:v="urn:schemas-microsoft-com:vml" xmlns:pvml="urn:schemas-microsoft-com:office:powerpoint" xmlns:com="http://schemas.openxmlformats.org/drawingml/2006/compatibility" xmlns:p14="http://schemas.microsoft.com/office/powerpoint/2010/main" xmlns:p15="http://schemas.microsoft.com/office/powerpoint/2012/main" xmlns:ahyp="http://schemas.microsoft.com/office/drawing/2018/hyperlinkcolor" showMasterPhAnim="0" showMasterSp="0">
-  <p:cSld>
-    <p:spTree>
-      <p:nvGrpSpPr>
-        <p:cNvPr id="493" name="Shape 493"/>
-        <p:cNvGrpSpPr/>
-        <p:nvPr/>
-      </p:nvGrpSpPr>
-      <p:grpSpPr>
-        <a:xfrm>
-          <a:off x="0" y="0"/>
-          <a:ext cx="0" cy="0"/>
-          <a:chOff x="0" y="0"/>
-          <a:chExt cx="0" cy="0"/>
-        </a:xfrm>
-      </p:grpSpPr>
-      <p:sp>
-        <p:nvSpPr>
-          <p:cNvPr id="494" name="Google Shape;494;g34db9fc036a_10_56:notes"/>
-          <p:cNvSpPr/>
-          <p:nvPr>
-            <p:ph idx="2" type="sldImg"/>
-          </p:nvPr>
-        </p:nvSpPr>
-        <p:spPr>
-          <a:xfrm>
-            <a:off x="381300" y="685800"/>
-            <a:ext cx="6096000" cy="3429000"/>
-          </a:xfrm>
-          <a:custGeom>
-            <a:rect b="b" l="l" r="r" t="t"/>
-            <a:pathLst>
-              <a:path extrusionOk="0" h="120000" w="120000">
-                <a:moveTo>
-                  <a:pt x="0" y="0"/>
-                </a:moveTo>
-                <a:lnTo>
-                  <a:pt x="120000" y="0"/>
-                </a:lnTo>
-                <a:lnTo>
-                  <a:pt x="120000" y="120000"/>
-                </a:lnTo>
-                <a:lnTo>
-                  <a:pt x="0" y="120000"/>
-                </a:lnTo>
-                <a:close/>
-              </a:path>
-            </a:pathLst>
-          </a:custGeom>
-        </p:spPr>
-      </p:sp>
-      <p:sp>
-        <p:nvSpPr>
-          <p:cNvPr id="495" name="Google Shape;495;g34db9fc036a_10_56:notes"/>
-          <p:cNvSpPr txBox="1"/>
-          <p:nvPr>
-            <p:ph idx="1" type="body"/>
-          </p:nvPr>
-        </p:nvSpPr>
-        <p:spPr>
-          <a:xfrm>
-            <a:off x="685800" y="4343400"/>
-            <a:ext cx="5486400" cy="4114800"/>
-          </a:xfrm>
-          <a:prstGeom prst="rect">
-            <a:avLst/>
-          </a:prstGeom>
-        </p:spPr>
-        <p:txBody>
-          <a:bodyPr anchorCtr="0" anchor="t" bIns="91425" lIns="91425" spcFirstLastPara="1" rIns="91425" wrap="square" tIns="91425">
-            <a:noAutofit/>
-          </a:bodyPr>
-          <a:lstStyle/>
-          <a:p>
-            <a:pPr indent="0" lvl="0" marL="0" rtl="0" algn="l">
-              <a:spcBef>
-                <a:spcPts val="0"/>
-              </a:spcBef>
-              <a:spcAft>
-                <a:spcPts val="0"/>
-              </a:spcAft>
-              <a:buNone/>
-            </a:pPr>
-            <a:r>
-              <a:t/>
-            </a:r>
-            <a:endParaRPr/>
-          </a:p>
-        </p:txBody>
-      </p:sp>
-    </p:spTree>
-  </p:cSld>
-  <p:clrMapOvr>
-    <a:masterClrMapping/>
-  </p:clrMapOvr>
-</p:notes>
-</file>
-
-<file path=ppt/notesSlides/notesSlide13.xml><?xml version="1.0" encoding="utf-8"?>
-<p:notes xmlns:a="http://schemas.openxmlformats.org/drawingml/2006/main" xmlns:r="http://schemas.openxmlformats.org/officeDocument/2006/relationships" xmlns:mc="http://schemas.openxmlformats.org/markup-compatibility/2006" xmlns:mv="urn:schemas-microsoft-com:mac:vml" xmlns:p="http://schemas.openxmlformats.org/presentationml/2006/main" xmlns:c="http://schemas.openxmlformats.org/drawingml/2006/chart" xmlns:dgm="http://schemas.openxmlformats.org/drawingml/2006/diagram" xmlns:o="urn:schemas-microsoft-com:office:office" xmlns:v="urn:schemas-microsoft-com:vml" xmlns:pvml="urn:schemas-microsoft-com:office:powerpoint" xmlns:com="http://schemas.openxmlformats.org/drawingml/2006/compatibility" xmlns:p14="http://schemas.microsoft.com/office/powerpoint/2010/main" xmlns:p15="http://schemas.microsoft.com/office/powerpoint/2012/main" xmlns:ahyp="http://schemas.microsoft.com/office/drawing/2018/hyperlinkcolor" showMasterPhAnim="0" showMasterSp="0">
-  <p:cSld>
-    <p:spTree>
-      <p:nvGrpSpPr>
-        <p:cNvPr id="501" name="Shape 501"/>
-        <p:cNvGrpSpPr/>
-        <p:nvPr/>
-      </p:nvGrpSpPr>
-      <p:grpSpPr>
-        <a:xfrm>
-          <a:off x="0" y="0"/>
-          <a:ext cx="0" cy="0"/>
-          <a:chOff x="0" y="0"/>
-          <a:chExt cx="0" cy="0"/>
-        </a:xfrm>
-      </p:grpSpPr>
-      <p:sp>
-        <p:nvSpPr>
-          <p:cNvPr id="502" name="Google Shape;502;g34db9fc036a_10_68:notes"/>
-          <p:cNvSpPr/>
-          <p:nvPr>
-            <p:ph idx="2" type="sldImg"/>
-          </p:nvPr>
-        </p:nvSpPr>
-        <p:spPr>
-          <a:xfrm>
-            <a:off x="381300" y="685800"/>
-            <a:ext cx="6096000" cy="3429000"/>
-          </a:xfrm>
-          <a:custGeom>
-            <a:rect b="b" l="l" r="r" t="t"/>
-            <a:pathLst>
-              <a:path extrusionOk="0" h="120000" w="120000">
-                <a:moveTo>
-                  <a:pt x="0" y="0"/>
-                </a:moveTo>
-                <a:lnTo>
-                  <a:pt x="120000" y="0"/>
-                </a:lnTo>
-                <a:lnTo>
-                  <a:pt x="120000" y="120000"/>
-                </a:lnTo>
-                <a:lnTo>
-                  <a:pt x="0" y="120000"/>
-                </a:lnTo>
-                <a:close/>
-              </a:path>
-            </a:pathLst>
-          </a:custGeom>
-        </p:spPr>
-      </p:sp>
-      <p:sp>
-        <p:nvSpPr>
-          <p:cNvPr id="503" name="Google Shape;503;g34db9fc036a_10_68:notes"/>
-          <p:cNvSpPr txBox="1"/>
-          <p:nvPr>
-            <p:ph idx="1" type="body"/>
-          </p:nvPr>
-        </p:nvSpPr>
-        <p:spPr>
-          <a:xfrm>
-            <a:off x="685800" y="4343400"/>
-            <a:ext cx="5486400" cy="4114800"/>
-          </a:xfrm>
-          <a:prstGeom prst="rect">
-            <a:avLst/>
-          </a:prstGeom>
-        </p:spPr>
-        <p:txBody>
-          <a:bodyPr anchorCtr="0" anchor="t" bIns="91425" lIns="91425" spcFirstLastPara="1" rIns="91425" wrap="square" tIns="91425">
-            <a:noAutofit/>
-          </a:bodyPr>
-          <a:lstStyle/>
-          <a:p>
-            <a:pPr indent="0" lvl="0" marL="0" rtl="0" algn="l">
-              <a:spcBef>
-                <a:spcPts val="0"/>
-              </a:spcBef>
-              <a:spcAft>
-                <a:spcPts val="0"/>
-              </a:spcAft>
-              <a:buNone/>
-            </a:pPr>
-            <a:r>
-              <a:t/>
-            </a:r>
-            <a:endParaRPr/>
-          </a:p>
-        </p:txBody>
-      </p:sp>
-    </p:spTree>
-  </p:cSld>
-  <p:clrMapOvr>
-    <a:masterClrMapping/>
-  </p:clrMapOvr>
-</p:notes>
-</file>
-
-<file path=ppt/notesSlides/notesSlide14.xml><?xml version="1.0" encoding="utf-8"?>
-<p:notes xmlns:a="http://schemas.openxmlformats.org/drawingml/2006/main" xmlns:r="http://schemas.openxmlformats.org/officeDocument/2006/relationships" xmlns:mc="http://schemas.openxmlformats.org/markup-compatibility/2006" xmlns:mv="urn:schemas-microsoft-com:mac:vml" xmlns:p="http://schemas.openxmlformats.org/presentationml/2006/main" xmlns:c="http://schemas.openxmlformats.org/drawingml/2006/chart" xmlns:dgm="http://schemas.openxmlformats.org/drawingml/2006/diagram" xmlns:o="urn:schemas-microsoft-com:office:office" xmlns:v="urn:schemas-microsoft-com:vml" xmlns:pvml="urn:schemas-microsoft-com:office:powerpoint" xmlns:com="http://schemas.openxmlformats.org/drawingml/2006/compatibility" xmlns:p14="http://schemas.microsoft.com/office/powerpoint/2010/main" xmlns:p15="http://schemas.microsoft.com/office/powerpoint/2012/main" xmlns:ahyp="http://schemas.microsoft.com/office/drawing/2018/hyperlinkcolor" showMasterPhAnim="0" showMasterSp="0">
-  <p:cSld>
-    <p:spTree>
-      <p:nvGrpSpPr>
-        <p:cNvPr id="510" name="Shape 510"/>
-        <p:cNvGrpSpPr/>
-        <p:nvPr/>
-      </p:nvGrpSpPr>
-      <p:grpSpPr>
-        <a:xfrm>
-          <a:off x="0" y="0"/>
-          <a:ext cx="0" cy="0"/>
-          <a:chOff x="0" y="0"/>
-          <a:chExt cx="0" cy="0"/>
-        </a:xfrm>
-      </p:grpSpPr>
-      <p:sp>
-        <p:nvSpPr>
-          <p:cNvPr id="511" name="Google Shape;511;g34db9fc036a_10_74:notes"/>
-          <p:cNvSpPr/>
-          <p:nvPr>
-            <p:ph idx="2" type="sldImg"/>
-          </p:nvPr>
-        </p:nvSpPr>
-        <p:spPr>
-          <a:xfrm>
-            <a:off x="381300" y="685800"/>
-            <a:ext cx="6096000" cy="3429000"/>
-          </a:xfrm>
-          <a:custGeom>
-            <a:rect b="b" l="l" r="r" t="t"/>
-            <a:pathLst>
-              <a:path extrusionOk="0" h="120000" w="120000">
-                <a:moveTo>
-                  <a:pt x="0" y="0"/>
-                </a:moveTo>
-                <a:lnTo>
-                  <a:pt x="120000" y="0"/>
-                </a:lnTo>
-                <a:lnTo>
-                  <a:pt x="120000" y="120000"/>
-                </a:lnTo>
-                <a:lnTo>
-                  <a:pt x="0" y="120000"/>
-                </a:lnTo>
-                <a:close/>
-              </a:path>
-            </a:pathLst>
-          </a:custGeom>
-        </p:spPr>
-      </p:sp>
-      <p:sp>
-        <p:nvSpPr>
-          <p:cNvPr id="512" name="Google Shape;512;g34db9fc036a_10_74:notes"/>
-          <p:cNvSpPr txBox="1"/>
-          <p:nvPr>
-            <p:ph idx="1" type="body"/>
-          </p:nvPr>
-        </p:nvSpPr>
-        <p:spPr>
-          <a:xfrm>
-            <a:off x="685800" y="4343400"/>
-            <a:ext cx="5486400" cy="4114800"/>
-          </a:xfrm>
-          <a:prstGeom prst="rect">
-            <a:avLst/>
-          </a:prstGeom>
-        </p:spPr>
-        <p:txBody>
-          <a:bodyPr anchorCtr="0" anchor="t" bIns="91425" lIns="91425" spcFirstLastPara="1" rIns="91425" wrap="square" tIns="91425">
-            <a:noAutofit/>
-          </a:bodyPr>
-          <a:lstStyle/>
-          <a:p>
-            <a:pPr indent="0" lvl="0" marL="0" rtl="0" algn="l">
-              <a:spcBef>
-                <a:spcPts val="0"/>
-              </a:spcBef>
-              <a:spcAft>
-                <a:spcPts val="0"/>
-              </a:spcAft>
-              <a:buNone/>
-            </a:pPr>
-            <a:r>
-              <a:t/>
-            </a:r>
-            <a:endParaRPr/>
-          </a:p>
-        </p:txBody>
-      </p:sp>
-    </p:spTree>
-  </p:cSld>
-  <p:clrMapOvr>
-    <a:masterClrMapping/>
-  </p:clrMapOvr>
-</p:notes>
-</file>
-
-<file path=ppt/notesSlides/notesSlide15.xml><?xml version="1.0" encoding="utf-8"?>
-<p:notes xmlns:a="http://schemas.openxmlformats.org/drawingml/2006/main" xmlns:r="http://schemas.openxmlformats.org/officeDocument/2006/relationships" xmlns:mc="http://schemas.openxmlformats.org/markup-compatibility/2006" xmlns:mv="urn:schemas-microsoft-com:mac:vml" xmlns:p="http://schemas.openxmlformats.org/presentationml/2006/main" xmlns:c="http://schemas.openxmlformats.org/drawingml/2006/chart" xmlns:dgm="http://schemas.openxmlformats.org/drawingml/2006/diagram" xmlns:o="urn:schemas-microsoft-com:office:office" xmlns:v="urn:schemas-microsoft-com:vml" xmlns:pvml="urn:schemas-microsoft-com:office:powerpoint" xmlns:com="http://schemas.openxmlformats.org/drawingml/2006/compatibility" xmlns:p14="http://schemas.microsoft.com/office/powerpoint/2010/main" xmlns:p15="http://schemas.microsoft.com/office/powerpoint/2012/main" xmlns:ahyp="http://schemas.microsoft.com/office/drawing/2018/hyperlinkcolor" showMasterPhAnim="0" showMasterSp="0">
-  <p:cSld>
-    <p:spTree>
-      <p:nvGrpSpPr>
-        <p:cNvPr id="519" name="Shape 519"/>
-        <p:cNvGrpSpPr/>
-        <p:nvPr/>
-      </p:nvGrpSpPr>
-      <p:grpSpPr>
-        <a:xfrm>
-          <a:off x="0" y="0"/>
-          <a:ext cx="0" cy="0"/>
-          <a:chOff x="0" y="0"/>
-          <a:chExt cx="0" cy="0"/>
-        </a:xfrm>
-      </p:grpSpPr>
-      <p:sp>
-        <p:nvSpPr>
-          <p:cNvPr id="520" name="Google Shape;520;g34db9fc036a_10_80:notes"/>
-          <p:cNvSpPr/>
-          <p:nvPr>
-            <p:ph idx="2" type="sldImg"/>
-          </p:nvPr>
-        </p:nvSpPr>
-        <p:spPr>
-          <a:xfrm>
-            <a:off x="381300" y="685800"/>
-            <a:ext cx="6096000" cy="3429000"/>
-          </a:xfrm>
-          <a:custGeom>
-            <a:rect b="b" l="l" r="r" t="t"/>
-            <a:pathLst>
-              <a:path extrusionOk="0" h="120000" w="120000">
-                <a:moveTo>
-                  <a:pt x="0" y="0"/>
-                </a:moveTo>
-                <a:lnTo>
-                  <a:pt x="120000" y="0"/>
-                </a:lnTo>
-                <a:lnTo>
-                  <a:pt x="120000" y="120000"/>
-                </a:lnTo>
-                <a:lnTo>
-                  <a:pt x="0" y="120000"/>
-                </a:lnTo>
-                <a:close/>
-              </a:path>
-            </a:pathLst>
-          </a:custGeom>
-        </p:spPr>
-      </p:sp>
-      <p:sp>
-        <p:nvSpPr>
-          <p:cNvPr id="521" name="Google Shape;521;g34db9fc036a_10_80:notes"/>
-          <p:cNvSpPr txBox="1"/>
-          <p:nvPr>
-            <p:ph idx="1" type="body"/>
-          </p:nvPr>
-        </p:nvSpPr>
-        <p:spPr>
-          <a:xfrm>
-            <a:off x="685800" y="4343400"/>
-            <a:ext cx="5486400" cy="4114800"/>
-          </a:xfrm>
-          <a:prstGeom prst="rect">
-            <a:avLst/>
-          </a:prstGeom>
-        </p:spPr>
-        <p:txBody>
-          <a:bodyPr anchorCtr="0" anchor="t" bIns="91425" lIns="91425" spcFirstLastPara="1" rIns="91425" wrap="square" tIns="91425">
-            <a:noAutofit/>
-          </a:bodyPr>
-          <a:lstStyle/>
-          <a:p>
-            <a:pPr indent="0" lvl="0" marL="0" rtl="0" algn="l">
-              <a:spcBef>
-                <a:spcPts val="0"/>
-              </a:spcBef>
-              <a:spcAft>
-                <a:spcPts val="0"/>
-              </a:spcAft>
-              <a:buNone/>
-            </a:pPr>
-            <a:r>
-              <a:t/>
-            </a:r>
-            <a:endParaRPr/>
-          </a:p>
-        </p:txBody>
-      </p:sp>
-    </p:spTree>
-  </p:cSld>
-  <p:clrMapOvr>
-    <a:masterClrMapping/>
-  </p:clrMapOvr>
-</p:notes>
-</file>
-
-<file path=ppt/notesSlides/notesSlide16.xml><?xml version="1.0" encoding="utf-8"?>
-<p:notes xmlns:a="http://schemas.openxmlformats.org/drawingml/2006/main" xmlns:r="http://schemas.openxmlformats.org/officeDocument/2006/relationships" xmlns:mc="http://schemas.openxmlformats.org/markup-compatibility/2006" xmlns:mv="urn:schemas-microsoft-com:mac:vml" xmlns:p="http://schemas.openxmlformats.org/presentationml/2006/main" xmlns:c="http://schemas.openxmlformats.org/drawingml/2006/chart" xmlns:dgm="http://schemas.openxmlformats.org/drawingml/2006/diagram" xmlns:o="urn:schemas-microsoft-com:office:office" xmlns:v="urn:schemas-microsoft-com:vml" xmlns:pvml="urn:schemas-microsoft-com:office:powerpoint" xmlns:com="http://schemas.openxmlformats.org/drawingml/2006/compatibility" xmlns:p14="http://schemas.microsoft.com/office/powerpoint/2010/main" xmlns:p15="http://schemas.microsoft.com/office/powerpoint/2012/main" xmlns:ahyp="http://schemas.microsoft.com/office/drawing/2018/hyperlinkcolor" showMasterPhAnim="0" showMasterSp="0">
-  <p:cSld>
-    <p:spTree>
-      <p:nvGrpSpPr>
-        <p:cNvPr id="528" name="Shape 528"/>
-        <p:cNvGrpSpPr/>
-        <p:nvPr/>
-      </p:nvGrpSpPr>
-      <p:grpSpPr>
-        <a:xfrm>
-          <a:off x="0" y="0"/>
-          <a:ext cx="0" cy="0"/>
-          <a:chOff x="0" y="0"/>
-          <a:chExt cx="0" cy="0"/>
-        </a:xfrm>
-      </p:grpSpPr>
-      <p:sp>
-        <p:nvSpPr>
-          <p:cNvPr id="529" name="Google Shape;529;g34db9fc036a_10_128:notes"/>
-          <p:cNvSpPr/>
-          <p:nvPr>
-            <p:ph idx="2" type="sldImg"/>
-          </p:nvPr>
-        </p:nvSpPr>
-        <p:spPr>
-          <a:xfrm>
-            <a:off x="381300" y="685800"/>
-            <a:ext cx="6096000" cy="3429000"/>
-          </a:xfrm>
-          <a:custGeom>
-            <a:rect b="b" l="l" r="r" t="t"/>
-            <a:pathLst>
-              <a:path extrusionOk="0" h="120000" w="120000">
-                <a:moveTo>
-                  <a:pt x="0" y="0"/>
-                </a:moveTo>
-                <a:lnTo>
-                  <a:pt x="120000" y="0"/>
-                </a:lnTo>
-                <a:lnTo>
-                  <a:pt x="120000" y="120000"/>
-                </a:lnTo>
-                <a:lnTo>
-                  <a:pt x="0" y="120000"/>
-                </a:lnTo>
-                <a:close/>
-              </a:path>
-            </a:pathLst>
-          </a:custGeom>
-        </p:spPr>
-      </p:sp>
-      <p:sp>
-        <p:nvSpPr>
-          <p:cNvPr id="530" name="Google Shape;530;g34db9fc036a_10_128:notes"/>
+          <p:cNvPr id="458" name="Google Shape;458;g34db9fc036a_10_128:notes"/>
           <p:cNvSpPr txBox="1"/>
           <p:nvPr>
             <p:ph idx="1" type="body"/>
@@ -1620,7 +1020,368 @@
               <a:buNone/>
             </a:pPr>
             <a:r>
+              <a:rPr lang="en">
+                <a:solidFill>
+                  <a:schemeClr val="dk1"/>
+                </a:solidFill>
+              </a:rPr>
+              <a:t>let’s quickly recall what a segment tree is and why we use it.</a:t>
+            </a:r>
+            <a:endParaRPr>
+              <a:solidFill>
+                <a:schemeClr val="dk1"/>
+              </a:solidFill>
+            </a:endParaRPr>
+          </a:p>
+          <a:p>
+            <a:pPr indent="0" lvl="0" marL="0" rtl="0" algn="l">
+              <a:spcBef>
+                <a:spcPts val="0"/>
+              </a:spcBef>
+              <a:spcAft>
+                <a:spcPts val="0"/>
+              </a:spcAft>
+              <a:buClr>
+                <a:schemeClr val="dk1"/>
+              </a:buClr>
+              <a:buSzPts val="1100"/>
+              <a:buFont typeface="Arial"/>
+              <a:buNone/>
+            </a:pPr>
+            <a:r>
               <a:t/>
+            </a:r>
+            <a:endParaRPr>
+              <a:solidFill>
+                <a:schemeClr val="dk1"/>
+              </a:solidFill>
+            </a:endParaRPr>
+          </a:p>
+          <a:p>
+            <a:pPr indent="0" lvl="0" marL="0" rtl="0" algn="l">
+              <a:spcBef>
+                <a:spcPts val="0"/>
+              </a:spcBef>
+              <a:spcAft>
+                <a:spcPts val="0"/>
+              </a:spcAft>
+              <a:buClr>
+                <a:schemeClr val="dk1"/>
+              </a:buClr>
+              <a:buSzPts val="1100"/>
+              <a:buFont typeface="Arial"/>
+              <a:buNone/>
+            </a:pPr>
+            <a:r>
+              <a:rPr lang="en">
+                <a:solidFill>
+                  <a:schemeClr val="dk1"/>
+                </a:solidFill>
+              </a:rPr>
+              <a:t>The main goal is to perform </a:t>
+            </a:r>
+            <a:r>
+              <a:rPr b="1" lang="en">
+                <a:solidFill>
+                  <a:schemeClr val="dk1"/>
+                </a:solidFill>
+              </a:rPr>
+              <a:t>efficient queries and updates</a:t>
+            </a:r>
+            <a:r>
+              <a:rPr lang="en">
+                <a:solidFill>
+                  <a:schemeClr val="dk1"/>
+                </a:solidFill>
+              </a:rPr>
+              <a:t> on an array, especially for ranges.</a:t>
+            </a:r>
+            <a:br>
+              <a:rPr lang="en">
+                <a:solidFill>
+                  <a:schemeClr val="dk1"/>
+                </a:solidFill>
+              </a:rPr>
+            </a:br>
+            <a:endParaRPr>
+              <a:solidFill>
+                <a:schemeClr val="dk1"/>
+              </a:solidFill>
+            </a:endParaRPr>
+          </a:p>
+          <a:p>
+            <a:pPr indent="0" lvl="0" marL="0" rtl="0" algn="l">
+              <a:spcBef>
+                <a:spcPts val="0"/>
+              </a:spcBef>
+              <a:spcAft>
+                <a:spcPts val="0"/>
+              </a:spcAft>
+              <a:buClr>
+                <a:schemeClr val="dk1"/>
+              </a:buClr>
+              <a:buSzPts val="1100"/>
+              <a:buFont typeface="Arial"/>
+              <a:buNone/>
+            </a:pPr>
+            <a:r>
+              <a:rPr lang="en">
+                <a:solidFill>
+                  <a:schemeClr val="dk1"/>
+                </a:solidFill>
+              </a:rPr>
+              <a:t>In a traditional segment tree setup:"</a:t>
+            </a:r>
+            <a:endParaRPr>
+              <a:solidFill>
+                <a:schemeClr val="dk1"/>
+              </a:solidFill>
+            </a:endParaRPr>
+          </a:p>
+          <a:p>
+            <a:pPr indent="-298450" lvl="0" marL="457200" rtl="0" algn="l">
+              <a:lnSpc>
+                <a:spcPct val="115000"/>
+              </a:lnSpc>
+              <a:spcBef>
+                <a:spcPts val="1200"/>
+              </a:spcBef>
+              <a:spcAft>
+                <a:spcPts val="0"/>
+              </a:spcAft>
+              <a:buClr>
+                <a:schemeClr val="dk1"/>
+              </a:buClr>
+              <a:buSzPts val="1100"/>
+              <a:buChar char="●"/>
+            </a:pPr>
+            <a:r>
+              <a:rPr b="1" lang="en">
+                <a:solidFill>
+                  <a:schemeClr val="dk1"/>
+                </a:solidFill>
+              </a:rPr>
+              <a:t>Range queries</a:t>
+            </a:r>
+            <a:r>
+              <a:rPr lang="en">
+                <a:solidFill>
+                  <a:schemeClr val="dk1"/>
+                </a:solidFill>
+              </a:rPr>
+              <a:t> like sum, min, or max can be done in O(log n) time.</a:t>
+            </a:r>
+            <a:endParaRPr>
+              <a:solidFill>
+                <a:schemeClr val="dk1"/>
+              </a:solidFill>
+            </a:endParaRPr>
+          </a:p>
+          <a:p>
+            <a:pPr indent="-298450" lvl="0" marL="457200" rtl="0" algn="l">
+              <a:lnSpc>
+                <a:spcPct val="115000"/>
+              </a:lnSpc>
+              <a:spcBef>
+                <a:spcPts val="0"/>
+              </a:spcBef>
+              <a:spcAft>
+                <a:spcPts val="0"/>
+              </a:spcAft>
+              <a:buClr>
+                <a:schemeClr val="dk1"/>
+              </a:buClr>
+              <a:buSzPts val="1100"/>
+              <a:buChar char="●"/>
+            </a:pPr>
+            <a:r>
+              <a:rPr b="1" lang="en">
+                <a:solidFill>
+                  <a:schemeClr val="dk1"/>
+                </a:solidFill>
+              </a:rPr>
+              <a:t>Point updates</a:t>
+            </a:r>
+            <a:r>
+              <a:rPr lang="en">
+                <a:solidFill>
+                  <a:schemeClr val="dk1"/>
+                </a:solidFill>
+              </a:rPr>
+              <a:t>—changing a single value—can also be done in O(log n).</a:t>
+            </a:r>
+            <a:endParaRPr>
+              <a:solidFill>
+                <a:schemeClr val="dk1"/>
+              </a:solidFill>
+            </a:endParaRPr>
+          </a:p>
+          <a:p>
+            <a:pPr indent="-298450" lvl="0" marL="457200" rtl="0" algn="l">
+              <a:lnSpc>
+                <a:spcPct val="115000"/>
+              </a:lnSpc>
+              <a:spcBef>
+                <a:spcPts val="0"/>
+              </a:spcBef>
+              <a:spcAft>
+                <a:spcPts val="0"/>
+              </a:spcAft>
+              <a:buClr>
+                <a:schemeClr val="dk1"/>
+              </a:buClr>
+              <a:buSzPts val="1100"/>
+              <a:buChar char="●"/>
+            </a:pPr>
+            <a:r>
+              <a:rPr lang="en">
+                <a:solidFill>
+                  <a:schemeClr val="dk1"/>
+                </a:solidFill>
+              </a:rPr>
+              <a:t>But </a:t>
+            </a:r>
+            <a:r>
+              <a:rPr b="1" lang="en">
+                <a:solidFill>
+                  <a:schemeClr val="dk1"/>
+                </a:solidFill>
+              </a:rPr>
+              <a:t>range updates</a:t>
+            </a:r>
+            <a:r>
+              <a:rPr lang="en">
+                <a:solidFill>
+                  <a:schemeClr val="dk1"/>
+                </a:solidFill>
+              </a:rPr>
+              <a:t>, like adding 5 to every element from index </a:t>
+            </a:r>
+            <a:r>
+              <a:rPr lang="en">
+                <a:solidFill>
+                  <a:srgbClr val="188038"/>
+                </a:solidFill>
+                <a:latin typeface="Roboto Mono"/>
+                <a:ea typeface="Roboto Mono"/>
+                <a:cs typeface="Roboto Mono"/>
+                <a:sym typeface="Roboto Mono"/>
+              </a:rPr>
+              <a:t>l</a:t>
+            </a:r>
+            <a:r>
+              <a:rPr lang="en">
+                <a:solidFill>
+                  <a:schemeClr val="dk1"/>
+                </a:solidFill>
+              </a:rPr>
+              <a:t> to </a:t>
+            </a:r>
+            <a:r>
+              <a:rPr lang="en">
+                <a:solidFill>
+                  <a:srgbClr val="188038"/>
+                </a:solidFill>
+                <a:latin typeface="Roboto Mono"/>
+                <a:ea typeface="Roboto Mono"/>
+                <a:cs typeface="Roboto Mono"/>
+                <a:sym typeface="Roboto Mono"/>
+              </a:rPr>
+              <a:t>r</a:t>
+            </a:r>
+            <a:r>
+              <a:rPr lang="en">
+                <a:solidFill>
+                  <a:schemeClr val="dk1"/>
+                </a:solidFill>
+              </a:rPr>
+              <a:t>, don’t work efficiently by default.</a:t>
+            </a:r>
+            <a:br>
+              <a:rPr lang="en">
+                <a:solidFill>
+                  <a:schemeClr val="dk1"/>
+                </a:solidFill>
+              </a:rPr>
+            </a:br>
+            <a:endParaRPr>
+              <a:solidFill>
+                <a:schemeClr val="dk1"/>
+              </a:solidFill>
+            </a:endParaRPr>
+          </a:p>
+          <a:p>
+            <a:pPr indent="0" lvl="0" marL="0" rtl="0" algn="l">
+              <a:lnSpc>
+                <a:spcPct val="115000"/>
+              </a:lnSpc>
+              <a:spcBef>
+                <a:spcPts val="1200"/>
+              </a:spcBef>
+              <a:spcAft>
+                <a:spcPts val="0"/>
+              </a:spcAft>
+              <a:buClr>
+                <a:schemeClr val="dk1"/>
+              </a:buClr>
+              <a:buSzPts val="1100"/>
+              <a:buFont typeface="Arial"/>
+              <a:buNone/>
+            </a:pPr>
+            <a:r>
+              <a:rPr lang="en">
+                <a:solidFill>
+                  <a:schemeClr val="dk1"/>
+                </a:solidFill>
+              </a:rPr>
+              <a:t>Without any optimization, we’d have to do a point update for every element in that range, which turns into O(n) in the worst case.</a:t>
+            </a:r>
+            <a:br>
+              <a:rPr lang="en">
+                <a:solidFill>
+                  <a:schemeClr val="dk1"/>
+                </a:solidFill>
+              </a:rPr>
+            </a:br>
+            <a:endParaRPr>
+              <a:solidFill>
+                <a:schemeClr val="dk1"/>
+              </a:solidFill>
+            </a:endParaRPr>
+          </a:p>
+          <a:p>
+            <a:pPr indent="0" lvl="0" marL="0" rtl="0" algn="l">
+              <a:spcBef>
+                <a:spcPts val="0"/>
+              </a:spcBef>
+              <a:spcAft>
+                <a:spcPts val="0"/>
+              </a:spcAft>
+              <a:buNone/>
+            </a:pPr>
+            <a:r>
+              <a:rPr lang="en">
+                <a:solidFill>
+                  <a:schemeClr val="dk1"/>
+                </a:solidFill>
+              </a:rPr>
+              <a:t>So the natural question is: </a:t>
+            </a:r>
+            <a:r>
+              <a:rPr b="1" lang="en">
+                <a:solidFill>
+                  <a:schemeClr val="dk1"/>
+                </a:solidFill>
+              </a:rPr>
+              <a:t>Can we somehow support range updates in O(log n) time</a:t>
+            </a:r>
+            <a:r>
+              <a:rPr lang="en">
+                <a:solidFill>
+                  <a:schemeClr val="dk1"/>
+                </a:solidFill>
+              </a:rPr>
+              <a:t>, just like we do for point updates and range queries?</a:t>
             </a:r>
             <a:endParaRPr/>
           </a:p>
@@ -1653,7 +1414,7 @@
       </p:grpSpPr>
       <p:sp>
         <p:nvSpPr>
-          <p:cNvPr id="399" name="Google Shape;399;g34db9fc036a_10_62:notes"/>
+          <p:cNvPr id="399" name="Google Shape;399;g34db9fc036a_10_56:notes"/>
           <p:cNvSpPr/>
           <p:nvPr>
             <p:ph idx="2" type="sldImg"/>
@@ -1688,7 +1449,7 @@
       </p:sp>
       <p:sp>
         <p:nvSpPr>
-          <p:cNvPr id="400" name="Google Shape;400;g34db9fc036a_10_62:notes"/>
+          <p:cNvPr id="400" name="Google Shape;400;g34db9fc036a_10_56:notes"/>
           <p:cNvSpPr txBox="1"/>
           <p:nvPr>
             <p:ph idx="1" type="body"/>
@@ -1752,7 +1513,7 @@
       </p:grpSpPr>
       <p:sp>
         <p:nvSpPr>
-          <p:cNvPr id="406" name="Google Shape;406;g34db9fc036a_0_375:notes"/>
+          <p:cNvPr id="406" name="Google Shape;406;g34db9fc036a_10_62:notes"/>
           <p:cNvSpPr/>
           <p:nvPr>
             <p:ph idx="2" type="sldImg"/>
@@ -1787,7 +1548,7 @@
       </p:sp>
       <p:sp>
         <p:nvSpPr>
-          <p:cNvPr id="407" name="Google Shape;407;g34db9fc036a_0_375:notes"/>
+          <p:cNvPr id="407" name="Google Shape;407;g34db9fc036a_10_62:notes"/>
           <p:cNvSpPr txBox="1"/>
           <p:nvPr>
             <p:ph idx="1" type="body"/>
@@ -1837,7 +1598,7 @@
   <p:cSld>
     <p:spTree>
       <p:nvGrpSpPr>
-        <p:cNvPr id="416" name="Shape 416"/>
+        <p:cNvPr id="413" name="Shape 413"/>
         <p:cNvGrpSpPr/>
         <p:nvPr/>
       </p:nvGrpSpPr>
@@ -1851,7 +1612,7 @@
       </p:grpSpPr>
       <p:sp>
         <p:nvSpPr>
-          <p:cNvPr id="417" name="Google Shape;417;g34db9fc036a_12_15:notes"/>
+          <p:cNvPr id="414" name="Google Shape;414;g34db9fc036a_10_68:notes"/>
           <p:cNvSpPr/>
           <p:nvPr>
             <p:ph idx="2" type="sldImg"/>
@@ -1886,7 +1647,7 @@
       </p:sp>
       <p:sp>
         <p:nvSpPr>
-          <p:cNvPr id="418" name="Google Shape;418;g34db9fc036a_12_15:notes"/>
+          <p:cNvPr id="415" name="Google Shape;415;g34db9fc036a_10_68:notes"/>
           <p:cNvSpPr txBox="1"/>
           <p:nvPr>
             <p:ph idx="1" type="body"/>
@@ -1914,6 +1675,179 @@
               <a:spcAft>
                 <a:spcPts val="0"/>
               </a:spcAft>
+              <a:buClr>
+                <a:schemeClr val="dk1"/>
+              </a:buClr>
+              <a:buSzPts val="1100"/>
+              <a:buFont typeface="Arial"/>
+              <a:buNone/>
+            </a:pPr>
+            <a:r>
+              <a:rPr lang="en">
+                <a:solidFill>
+                  <a:schemeClr val="dk1"/>
+                </a:solidFill>
+              </a:rPr>
+              <a:t>Lazy propagation helps us defer updates to segments until absolutely necessary, improving performance. But to make that work, we need a way to apply those delayed updates at the right time.</a:t>
+            </a:r>
+            <a:br>
+              <a:rPr lang="en">
+                <a:solidFill>
+                  <a:schemeClr val="dk1"/>
+                </a:solidFill>
+              </a:rPr>
+            </a:br>
+            <a:endParaRPr>
+              <a:solidFill>
+                <a:schemeClr val="dk1"/>
+              </a:solidFill>
+            </a:endParaRPr>
+          </a:p>
+          <a:p>
+            <a:pPr indent="0" lvl="0" marL="0" rtl="0" algn="l">
+              <a:spcBef>
+                <a:spcPts val="0"/>
+              </a:spcBef>
+              <a:spcAft>
+                <a:spcPts val="0"/>
+              </a:spcAft>
+              <a:buClr>
+                <a:schemeClr val="dk1"/>
+              </a:buClr>
+              <a:buSzPts val="1100"/>
+              <a:buFont typeface="Arial"/>
+              <a:buNone/>
+            </a:pPr>
+            <a:r>
+              <a:rPr lang="en">
+                <a:solidFill>
+                  <a:schemeClr val="dk1"/>
+                </a:solidFill>
+              </a:rPr>
+              <a:t>That’s where `push` comes in. Whenever we access a node that might have pending updates, we call `push` to 'push' the update down to its children.</a:t>
+            </a:r>
+            <a:br>
+              <a:rPr lang="en">
+                <a:solidFill>
+                  <a:schemeClr val="dk1"/>
+                </a:solidFill>
+              </a:rPr>
+            </a:br>
+            <a:endParaRPr>
+              <a:solidFill>
+                <a:schemeClr val="dk1"/>
+              </a:solidFill>
+            </a:endParaRPr>
+          </a:p>
+          <a:p>
+            <a:pPr indent="0" lvl="0" marL="0" rtl="0" algn="l">
+              <a:spcBef>
+                <a:spcPts val="0"/>
+              </a:spcBef>
+              <a:spcAft>
+                <a:spcPts val="0"/>
+              </a:spcAft>
+              <a:buClr>
+                <a:schemeClr val="dk1"/>
+              </a:buClr>
+              <a:buSzPts val="1100"/>
+              <a:buFont typeface="Arial"/>
+              <a:buNone/>
+            </a:pPr>
+            <a:r>
+              <a:rPr lang="en">
+                <a:solidFill>
+                  <a:schemeClr val="dk1"/>
+                </a:solidFill>
+              </a:rPr>
+              <a:t>This does two things: first, it updates the children's values based on the parent’s lazy value; second, it transfers that lazy value to the children’s own lazy fields. That way, the propagation continues correctly as we go deeper into the tree.</a:t>
+            </a:r>
+            <a:br>
+              <a:rPr lang="en">
+                <a:solidFill>
+                  <a:schemeClr val="dk1"/>
+                </a:solidFill>
+              </a:rPr>
+            </a:br>
+            <a:endParaRPr>
+              <a:solidFill>
+                <a:schemeClr val="dk1"/>
+              </a:solidFill>
+            </a:endParaRPr>
+          </a:p>
+          <a:p>
+            <a:pPr indent="0" lvl="0" marL="0" rtl="0" algn="l">
+              <a:spcBef>
+                <a:spcPts val="0"/>
+              </a:spcBef>
+              <a:spcAft>
+                <a:spcPts val="0"/>
+              </a:spcAft>
+              <a:buClr>
+                <a:schemeClr val="dk1"/>
+              </a:buClr>
+              <a:buSzPts val="1100"/>
+              <a:buFont typeface="Arial"/>
+              <a:buNone/>
+            </a:pPr>
+            <a:r>
+              <a:rPr lang="en">
+                <a:solidFill>
+                  <a:schemeClr val="dk1"/>
+                </a:solidFill>
+              </a:rPr>
+              <a:t>It’s important to remember: we’re not just updating the children’s values, we’re also updating their lazy tags so they can later push the update further if needed.</a:t>
+            </a:r>
+            <a:br>
+              <a:rPr lang="en">
+                <a:solidFill>
+                  <a:schemeClr val="dk1"/>
+                </a:solidFill>
+              </a:rPr>
+            </a:br>
+            <a:endParaRPr>
+              <a:solidFill>
+                <a:schemeClr val="dk1"/>
+              </a:solidFill>
+            </a:endParaRPr>
+          </a:p>
+          <a:p>
+            <a:pPr indent="0" lvl="0" marL="0" rtl="0" algn="l">
+              <a:spcBef>
+                <a:spcPts val="0"/>
+              </a:spcBef>
+              <a:spcAft>
+                <a:spcPts val="0"/>
+              </a:spcAft>
+              <a:buClr>
+                <a:schemeClr val="dk1"/>
+              </a:buClr>
+              <a:buSzPts val="1100"/>
+              <a:buFont typeface="Arial"/>
+              <a:buNone/>
+            </a:pPr>
+            <a:r>
+              <a:rPr lang="en">
+                <a:solidFill>
+                  <a:schemeClr val="dk1"/>
+                </a:solidFill>
+              </a:rPr>
+              <a:t>This is the key mechanic that allows us to efficiently handle range updates without needing to traverse every individual index.</a:t>
+            </a:r>
+            <a:endParaRPr>
+              <a:solidFill>
+                <a:schemeClr val="dk1"/>
+              </a:solidFill>
+            </a:endParaRPr>
+          </a:p>
+          <a:p>
+            <a:pPr indent="0" lvl="0" marL="0" rtl="0" algn="l">
+              <a:spcBef>
+                <a:spcPts val="0"/>
+              </a:spcBef>
+              <a:spcAft>
+                <a:spcPts val="0"/>
+              </a:spcAft>
               <a:buNone/>
             </a:pPr>
             <a:r>
@@ -1936,7 +1870,7 @@
   <p:cSld>
     <p:spTree>
       <p:nvGrpSpPr>
-        <p:cNvPr id="425" name="Shape 425"/>
+        <p:cNvPr id="422" name="Shape 422"/>
         <p:cNvGrpSpPr/>
         <p:nvPr/>
       </p:nvGrpSpPr>
@@ -1950,7 +1884,7 @@
       </p:grpSpPr>
       <p:sp>
         <p:nvSpPr>
-          <p:cNvPr id="426" name="Google Shape;426;g34dc205fa63_0_6:notes"/>
+          <p:cNvPr id="423" name="Google Shape;423;g34db9fc036a_10_74:notes"/>
           <p:cNvSpPr/>
           <p:nvPr>
             <p:ph idx="2" type="sldImg"/>
@@ -1985,7 +1919,7 @@
       </p:sp>
       <p:sp>
         <p:nvSpPr>
-          <p:cNvPr id="427" name="Google Shape;427;g34dc205fa63_0_6:notes"/>
+          <p:cNvPr id="424" name="Google Shape;424;g34db9fc036a_10_74:notes"/>
           <p:cNvSpPr txBox="1"/>
           <p:nvPr>
             <p:ph idx="1" type="body"/>
@@ -2035,7 +1969,7 @@
   <p:cSld>
     <p:spTree>
       <p:nvGrpSpPr>
-        <p:cNvPr id="435" name="Shape 435"/>
+        <p:cNvPr id="431" name="Shape 431"/>
         <p:cNvGrpSpPr/>
         <p:nvPr/>
       </p:nvGrpSpPr>
@@ -2049,7 +1983,7 @@
       </p:grpSpPr>
       <p:sp>
         <p:nvSpPr>
-          <p:cNvPr id="436" name="Google Shape;436;g34dc205fa63_0_25:notes"/>
+          <p:cNvPr id="432" name="Google Shape;432;g34db9fc036a_10_80:notes"/>
           <p:cNvSpPr/>
           <p:nvPr>
             <p:ph idx="2" type="sldImg"/>
@@ -2084,7 +2018,7 @@
       </p:sp>
       <p:sp>
         <p:nvSpPr>
-          <p:cNvPr id="437" name="Google Shape;437;g34dc205fa63_0_25:notes"/>
+          <p:cNvPr id="433" name="Google Shape;433;g34db9fc036a_10_80:notes"/>
           <p:cNvSpPr txBox="1"/>
           <p:nvPr>
             <p:ph idx="1" type="body"/>
@@ -2134,7 +2068,7 @@
   <p:cSld>
     <p:spTree>
       <p:nvGrpSpPr>
-        <p:cNvPr id="447" name="Shape 447"/>
+        <p:cNvPr id="440" name="Shape 440"/>
         <p:cNvGrpSpPr/>
         <p:nvPr/>
       </p:nvGrpSpPr>
@@ -2148,7 +2082,7 @@
       </p:grpSpPr>
       <p:sp>
         <p:nvSpPr>
-          <p:cNvPr id="448" name="Google Shape;448;g34db9fc036a_12_33:notes"/>
+          <p:cNvPr id="441" name="Google Shape;441;g34db9fc036a_12_15:notes"/>
           <p:cNvSpPr/>
           <p:nvPr>
             <p:ph idx="2" type="sldImg"/>
@@ -2183,7 +2117,7 @@
       </p:sp>
       <p:sp>
         <p:nvSpPr>
-          <p:cNvPr id="449" name="Google Shape;449;g34db9fc036a_12_33:notes"/>
+          <p:cNvPr id="442" name="Google Shape;442;g34db9fc036a_12_15:notes"/>
           <p:cNvSpPr txBox="1"/>
           <p:nvPr>
             <p:ph idx="1" type="body"/>
@@ -2214,7 +2148,87 @@
               <a:buNone/>
             </a:pPr>
             <a:r>
+              <a:rPr lang="en"/>
+              <a:t>When performing a range update, instead of updating each individual leaf node, which would be inefficient, we store the value to be added at the highest nodes that fully lie within the range.</a:t>
+            </a:r>
+            <a:endParaRPr/>
+          </a:p>
+          <a:p>
+            <a:pPr indent="0" lvl="0" marL="0" rtl="0" algn="l">
+              <a:spcBef>
+                <a:spcPts val="0"/>
+              </a:spcBef>
+              <a:spcAft>
+                <a:spcPts val="0"/>
+              </a:spcAft>
+              <a:buNone/>
+            </a:pPr>
+            <a:r>
               <a:t/>
+            </a:r>
+            <a:endParaRPr/>
+          </a:p>
+          <a:p>
+            <a:pPr indent="0" lvl="0" marL="0" rtl="0" algn="l">
+              <a:spcBef>
+                <a:spcPts val="0"/>
+              </a:spcBef>
+              <a:spcAft>
+                <a:spcPts val="0"/>
+              </a:spcAft>
+              <a:buClr>
+                <a:schemeClr val="dk1"/>
+              </a:buClr>
+              <a:buSzPts val="1100"/>
+              <a:buFont typeface="Arial"/>
+              <a:buNone/>
+            </a:pPr>
+            <a:r>
+              <a:rPr lang="en"/>
+              <a:t>This is what makes it 'lazy'—we’re deferring the actual update to the children until it’s needed.</a:t>
+            </a:r>
+            <a:br>
+              <a:rPr lang="en"/>
+            </a:br>
+            <a:endParaRPr/>
+          </a:p>
+          <a:p>
+            <a:pPr indent="0" lvl="0" marL="0" rtl="0" algn="l">
+              <a:spcBef>
+                <a:spcPts val="0"/>
+              </a:spcBef>
+              <a:spcAft>
+                <a:spcPts val="0"/>
+              </a:spcAft>
+              <a:buClr>
+                <a:schemeClr val="dk1"/>
+              </a:buClr>
+              <a:buSzPts val="1100"/>
+              <a:buFont typeface="Arial"/>
+              <a:buNone/>
+            </a:pPr>
+            <a:r>
+              <a:rPr lang="en"/>
+              <a:t>Later, when we want to get the value at a specific index, we go down to the corresponding leaf node. But then as we return up the tree, we accumulate all the values that were lazily stored at each segment along the path.</a:t>
+            </a:r>
+            <a:br>
+              <a:rPr lang="en"/>
+            </a:br>
+            <a:endParaRPr/>
+          </a:p>
+          <a:p>
+            <a:pPr indent="0" lvl="0" marL="0" rtl="0" algn="l">
+              <a:spcBef>
+                <a:spcPts val="0"/>
+              </a:spcBef>
+              <a:spcAft>
+                <a:spcPts val="0"/>
+              </a:spcAft>
+              <a:buNone/>
+            </a:pPr>
+            <a:r>
+              <a:rPr lang="en"/>
+              <a:t>That way, we reconstruct the final value for that index by summing all the contributions from ancestor nodes.</a:t>
             </a:r>
             <a:endParaRPr/>
           </a:p>
@@ -2233,7 +2247,7 @@
   <p:cSld>
     <p:spTree>
       <p:nvGrpSpPr>
-        <p:cNvPr id="454" name="Shape 454"/>
+        <p:cNvPr id="449" name="Shape 449"/>
         <p:cNvGrpSpPr/>
         <p:nvPr/>
       </p:nvGrpSpPr>
@@ -2247,7 +2261,7 @@
       </p:grpSpPr>
       <p:sp>
         <p:nvSpPr>
-          <p:cNvPr id="455" name="Google Shape;455;g34dc205fa63_3_2:notes"/>
+          <p:cNvPr id="450" name="Google Shape;450;g34db9fc036a_12_33:notes"/>
           <p:cNvSpPr/>
           <p:nvPr>
             <p:ph idx="2" type="sldImg"/>
@@ -2282,7 +2296,7 @@
       </p:sp>
       <p:sp>
         <p:nvSpPr>
-          <p:cNvPr id="456" name="Google Shape;456;g34dc205fa63_3_2:notes"/>
+          <p:cNvPr id="451" name="Google Shape;451;g34db9fc036a_12_33:notes"/>
           <p:cNvSpPr txBox="1"/>
           <p:nvPr>
             <p:ph idx="1" type="body"/>
@@ -35402,7 +35416,7 @@
   <p:cSld>
     <p:spTree>
       <p:nvGrpSpPr>
-        <p:cNvPr id="473" name="Shape 473"/>
+        <p:cNvPr id="459" name="Shape 459"/>
         <p:cNvGrpSpPr/>
         <p:nvPr/>
       </p:nvGrpSpPr>
@@ -35416,2024 +35430,7 @@
       </p:grpSpPr>
       <p:sp>
         <p:nvSpPr>
-          <p:cNvPr id="474" name="Google Shape;474;p32"/>
-          <p:cNvSpPr txBox="1"/>
-          <p:nvPr>
-            <p:ph idx="4294967295" type="title"/>
-          </p:nvPr>
-        </p:nvSpPr>
-        <p:spPr>
-          <a:xfrm>
-            <a:off x="559725" y="472650"/>
-            <a:ext cx="6388500" cy="518700"/>
-          </a:xfrm>
-          <a:prstGeom prst="rect">
-            <a:avLst/>
-          </a:prstGeom>
-        </p:spPr>
-        <p:txBody>
-          <a:bodyPr anchorCtr="0" anchor="t" bIns="91425" lIns="91425" spcFirstLastPara="1" rIns="91425" wrap="square" tIns="91425">
-            <a:noAutofit/>
-          </a:bodyPr>
-          <a:lstStyle/>
-          <a:p>
-            <a:pPr indent="0" lvl="0" marL="0" rtl="0" algn="l">
-              <a:spcBef>
-                <a:spcPts val="0"/>
-              </a:spcBef>
-              <a:spcAft>
-                <a:spcPts val="0"/>
-              </a:spcAft>
-              <a:buNone/>
-            </a:pPr>
-            <a:r>
-              <a:rPr lang="en" sz="2500"/>
-              <a:t>Variant 2: Update</a:t>
-            </a:r>
-            <a:endParaRPr sz="2500"/>
-          </a:p>
-        </p:txBody>
-      </p:sp>
-      <p:sp>
-        <p:nvSpPr>
-          <p:cNvPr id="475" name="Google Shape;475;p32"/>
-          <p:cNvSpPr txBox="1"/>
-          <p:nvPr/>
-        </p:nvSpPr>
-        <p:spPr>
-          <a:xfrm>
-            <a:off x="6085025" y="1551750"/>
-            <a:ext cx="2763600" cy="1477500"/>
-          </a:xfrm>
-          <a:prstGeom prst="rect">
-            <a:avLst/>
-          </a:prstGeom>
-          <a:noFill/>
-          <a:ln>
-            <a:noFill/>
-          </a:ln>
-        </p:spPr>
-        <p:txBody>
-          <a:bodyPr anchorCtr="0" anchor="t" bIns="91425" lIns="91425" spcFirstLastPara="1" rIns="91425" wrap="square" tIns="91425">
-            <a:spAutoFit/>
-          </a:bodyPr>
-          <a:lstStyle/>
-          <a:p>
-            <a:pPr indent="-317500" lvl="0" marL="457200" rtl="0" algn="l">
-              <a:spcBef>
-                <a:spcPts val="0"/>
-              </a:spcBef>
-              <a:spcAft>
-                <a:spcPts val="0"/>
-              </a:spcAft>
-              <a:buClr>
-                <a:schemeClr val="dk2"/>
-              </a:buClr>
-              <a:buSzPts val="1400"/>
-              <a:buFont typeface="Roboto Mono"/>
-              <a:buChar char="-"/>
-            </a:pPr>
-            <a:r>
-              <a:rPr lang="en">
-                <a:solidFill>
-                  <a:schemeClr val="dk2"/>
-                </a:solidFill>
-                <a:latin typeface="Roboto Mono"/>
-                <a:ea typeface="Roboto Mono"/>
-                <a:cs typeface="Roboto Mono"/>
-                <a:sym typeface="Roboto Mono"/>
-              </a:rPr>
-              <a:t>Store value to be inserted in highest segments within range</a:t>
-            </a:r>
-            <a:endParaRPr>
-              <a:solidFill>
-                <a:schemeClr val="dk2"/>
-              </a:solidFill>
-              <a:latin typeface="Roboto Mono"/>
-              <a:ea typeface="Roboto Mono"/>
-              <a:cs typeface="Roboto Mono"/>
-              <a:sym typeface="Roboto Mono"/>
-            </a:endParaRPr>
-          </a:p>
-          <a:p>
-            <a:pPr indent="-317500" lvl="0" marL="457200" rtl="0" algn="l">
-              <a:spcBef>
-                <a:spcPts val="0"/>
-              </a:spcBef>
-              <a:spcAft>
-                <a:spcPts val="0"/>
-              </a:spcAft>
-              <a:buClr>
-                <a:schemeClr val="dk2"/>
-              </a:buClr>
-              <a:buSzPts val="1400"/>
-              <a:buFont typeface="Roboto Mono"/>
-              <a:buChar char="-"/>
-            </a:pPr>
-            <a:r>
-              <a:rPr lang="en">
-                <a:solidFill>
-                  <a:schemeClr val="dk2"/>
-                </a:solidFill>
-                <a:latin typeface="Roboto Mono"/>
-                <a:ea typeface="Roboto Mono"/>
-                <a:cs typeface="Roboto Mono"/>
-                <a:sym typeface="Roboto Mono"/>
-              </a:rPr>
-              <a:t>Mark that children share its value</a:t>
-            </a:r>
-            <a:endParaRPr>
-              <a:solidFill>
-                <a:schemeClr val="dk2"/>
-              </a:solidFill>
-              <a:latin typeface="Roboto Mono"/>
-              <a:ea typeface="Roboto Mono"/>
-              <a:cs typeface="Roboto Mono"/>
-              <a:sym typeface="Roboto Mono"/>
-            </a:endParaRPr>
-          </a:p>
-        </p:txBody>
-      </p:sp>
-      <p:pic>
-        <p:nvPicPr>
-          <p:cNvPr id="476" name="Google Shape;476;p32"/>
-          <p:cNvPicPr preferRelativeResize="0"/>
-          <p:nvPr/>
-        </p:nvPicPr>
-        <p:blipFill>
-          <a:blip r:embed="rId3">
-            <a:alphaModFix/>
-          </a:blip>
-          <a:stretch>
-            <a:fillRect/>
-          </a:stretch>
-        </p:blipFill>
-        <p:spPr>
-          <a:xfrm>
-            <a:off x="230875" y="1298778"/>
-            <a:ext cx="5778925" cy="3121150"/>
-          </a:xfrm>
-          <a:prstGeom prst="rect">
-            <a:avLst/>
-          </a:prstGeom>
-          <a:noFill/>
-          <a:ln>
-            <a:noFill/>
-          </a:ln>
-        </p:spPr>
-      </p:pic>
-      <p:sp>
-        <p:nvSpPr>
-          <p:cNvPr id="477" name="Google Shape;477;p32"/>
-          <p:cNvSpPr txBox="1"/>
-          <p:nvPr/>
-        </p:nvSpPr>
-        <p:spPr>
-          <a:xfrm>
-            <a:off x="2184775" y="1471975"/>
-            <a:ext cx="2429400" cy="400200"/>
-          </a:xfrm>
-          <a:prstGeom prst="rect">
-            <a:avLst/>
-          </a:prstGeom>
-          <a:noFill/>
-          <a:ln>
-            <a:noFill/>
-          </a:ln>
-        </p:spPr>
-        <p:txBody>
-          <a:bodyPr anchorCtr="0" anchor="t" bIns="91425" lIns="91425" spcFirstLastPara="1" rIns="91425" wrap="square" tIns="91425">
-            <a:spAutoFit/>
-          </a:bodyPr>
-          <a:lstStyle/>
-          <a:p>
-            <a:pPr indent="0" lvl="0" marL="0" rtl="0" algn="l">
-              <a:spcBef>
-                <a:spcPts val="0"/>
-              </a:spcBef>
-              <a:spcAft>
-                <a:spcPts val="0"/>
-              </a:spcAft>
-              <a:buNone/>
-            </a:pPr>
-            <a:r>
-              <a:t/>
-            </a:r>
-            <a:endParaRPr>
-              <a:solidFill>
-                <a:schemeClr val="dk2"/>
-              </a:solidFill>
-              <a:latin typeface="Roboto Mono"/>
-              <a:ea typeface="Roboto Mono"/>
-              <a:cs typeface="Roboto Mono"/>
-              <a:sym typeface="Roboto Mono"/>
-            </a:endParaRPr>
-          </a:p>
-        </p:txBody>
-      </p:sp>
-      <p:cxnSp>
-        <p:nvCxnSpPr>
-          <p:cNvPr id="478" name="Google Shape;478;p32"/>
-          <p:cNvCxnSpPr>
-            <a:endCxn id="479" idx="3"/>
-          </p:cNvCxnSpPr>
-          <p:nvPr/>
-        </p:nvCxnSpPr>
-        <p:spPr>
-          <a:xfrm flipH="1">
-            <a:off x="3277850" y="2268000"/>
-            <a:ext cx="2807100" cy="241800"/>
-          </a:xfrm>
-          <a:prstGeom prst="straightConnector1">
-            <a:avLst/>
-          </a:prstGeom>
-          <a:noFill/>
-          <a:ln cap="flat" cmpd="sng" w="38100">
-            <a:solidFill>
-              <a:srgbClr val="FF0000"/>
-            </a:solidFill>
-            <a:prstDash val="solid"/>
-            <a:round/>
-            <a:headEnd len="med" w="med" type="none"/>
-            <a:tailEnd len="med" w="med" type="triangle"/>
-          </a:ln>
-        </p:spPr>
-      </p:cxnSp>
-      <p:sp>
-        <p:nvSpPr>
-          <p:cNvPr id="479" name="Google Shape;479;p32"/>
-          <p:cNvSpPr/>
-          <p:nvPr/>
-        </p:nvSpPr>
-        <p:spPr>
-          <a:xfrm>
-            <a:off x="417950" y="2090400"/>
-            <a:ext cx="2859900" cy="838800"/>
-          </a:xfrm>
-          <a:prstGeom prst="rect">
-            <a:avLst/>
-          </a:prstGeom>
-          <a:noFill/>
-          <a:ln cap="flat" cmpd="sng" w="38100">
-            <a:solidFill>
-              <a:srgbClr val="FF0000"/>
-            </a:solidFill>
-            <a:prstDash val="solid"/>
-            <a:round/>
-            <a:headEnd len="sm" w="sm" type="none"/>
-            <a:tailEnd len="sm" w="sm" type="none"/>
-          </a:ln>
-        </p:spPr>
-        <p:txBody>
-          <a:bodyPr anchorCtr="0" anchor="ctr" bIns="91425" lIns="91425" spcFirstLastPara="1" rIns="91425" wrap="square" tIns="91425">
-            <a:noAutofit/>
-          </a:bodyPr>
-          <a:lstStyle/>
-          <a:p>
-            <a:pPr indent="0" lvl="0" marL="0" rtl="0" algn="ctr">
-              <a:spcBef>
-                <a:spcPts val="0"/>
-              </a:spcBef>
-              <a:spcAft>
-                <a:spcPts val="0"/>
-              </a:spcAft>
-              <a:buNone/>
-            </a:pPr>
-            <a:r>
-              <a:t/>
-            </a:r>
-            <a:endParaRPr>
-              <a:latin typeface="Roboto Mono"/>
-              <a:ea typeface="Roboto Mono"/>
-              <a:cs typeface="Roboto Mono"/>
-              <a:sym typeface="Roboto Mono"/>
-            </a:endParaRPr>
-          </a:p>
-        </p:txBody>
-      </p:sp>
-      <p:sp>
-        <p:nvSpPr>
-          <p:cNvPr id="480" name="Google Shape;480;p32"/>
-          <p:cNvSpPr/>
-          <p:nvPr/>
-        </p:nvSpPr>
-        <p:spPr>
-          <a:xfrm>
-            <a:off x="792825" y="3147425"/>
-            <a:ext cx="1392000" cy="348300"/>
-          </a:xfrm>
-          <a:prstGeom prst="rect">
-            <a:avLst/>
-          </a:prstGeom>
-          <a:noFill/>
-          <a:ln cap="flat" cmpd="sng" w="38100">
-            <a:solidFill>
-              <a:srgbClr val="FF0000"/>
-            </a:solidFill>
-            <a:prstDash val="solid"/>
-            <a:round/>
-            <a:headEnd len="sm" w="sm" type="none"/>
-            <a:tailEnd len="sm" w="sm" type="none"/>
-          </a:ln>
-        </p:spPr>
-        <p:txBody>
-          <a:bodyPr anchorCtr="0" anchor="ctr" bIns="91425" lIns="91425" spcFirstLastPara="1" rIns="91425" wrap="square" tIns="91425">
-            <a:noAutofit/>
-          </a:bodyPr>
-          <a:lstStyle/>
-          <a:p>
-            <a:pPr indent="0" lvl="0" marL="0" rtl="0" algn="ctr">
-              <a:spcBef>
-                <a:spcPts val="0"/>
-              </a:spcBef>
-              <a:spcAft>
-                <a:spcPts val="0"/>
-              </a:spcAft>
-              <a:buNone/>
-            </a:pPr>
-            <a:r>
-              <a:t/>
-            </a:r>
-            <a:endParaRPr>
-              <a:latin typeface="Roboto Mono"/>
-              <a:ea typeface="Roboto Mono"/>
-              <a:cs typeface="Roboto Mono"/>
-              <a:sym typeface="Roboto Mono"/>
-            </a:endParaRPr>
-          </a:p>
-        </p:txBody>
-      </p:sp>
-      <p:cxnSp>
-        <p:nvCxnSpPr>
-          <p:cNvPr id="481" name="Google Shape;481;p32"/>
-          <p:cNvCxnSpPr/>
-          <p:nvPr/>
-        </p:nvCxnSpPr>
-        <p:spPr>
-          <a:xfrm rot="10800000">
-            <a:off x="2141250" y="3094950"/>
-            <a:ext cx="4344900" cy="592800"/>
-          </a:xfrm>
-          <a:prstGeom prst="straightConnector1">
-            <a:avLst/>
-          </a:prstGeom>
-          <a:noFill/>
-          <a:ln cap="flat" cmpd="sng" w="38100">
-            <a:solidFill>
-              <a:srgbClr val="FF0000"/>
-            </a:solidFill>
-            <a:prstDash val="solid"/>
-            <a:round/>
-            <a:headEnd len="med" w="med" type="none"/>
-            <a:tailEnd len="med" w="med" type="triangle"/>
-          </a:ln>
-        </p:spPr>
-      </p:cxnSp>
-      <p:sp>
-        <p:nvSpPr>
-          <p:cNvPr id="482" name="Google Shape;482;p32"/>
-          <p:cNvSpPr txBox="1"/>
-          <p:nvPr/>
-        </p:nvSpPr>
-        <p:spPr>
-          <a:xfrm>
-            <a:off x="6486150" y="3399925"/>
-            <a:ext cx="2554200" cy="615600"/>
-          </a:xfrm>
-          <a:prstGeom prst="rect">
-            <a:avLst/>
-          </a:prstGeom>
-          <a:noFill/>
-          <a:ln>
-            <a:noFill/>
-          </a:ln>
-        </p:spPr>
-        <p:txBody>
-          <a:bodyPr anchorCtr="0" anchor="t" bIns="91425" lIns="91425" spcFirstLastPara="1" rIns="91425" wrap="square" tIns="91425">
-            <a:spAutoFit/>
-          </a:bodyPr>
-          <a:lstStyle/>
-          <a:p>
-            <a:pPr indent="0" lvl="0" marL="0" rtl="0" algn="l">
-              <a:spcBef>
-                <a:spcPts val="0"/>
-              </a:spcBef>
-              <a:spcAft>
-                <a:spcPts val="0"/>
-              </a:spcAft>
-              <a:buNone/>
-            </a:pPr>
-            <a:r>
-              <a:rPr lang="en">
-                <a:solidFill>
-                  <a:schemeClr val="dk2"/>
-                </a:solidFill>
-                <a:latin typeface="Roboto Mono"/>
-                <a:ea typeface="Roboto Mono"/>
-                <a:cs typeface="Roboto Mono"/>
-                <a:sym typeface="Roboto Mono"/>
-              </a:rPr>
-              <a:t>Propagate changes while traversing tree</a:t>
-            </a:r>
-            <a:endParaRPr>
-              <a:solidFill>
-                <a:schemeClr val="dk2"/>
-              </a:solidFill>
-              <a:latin typeface="Roboto Mono"/>
-              <a:ea typeface="Roboto Mono"/>
-              <a:cs typeface="Roboto Mono"/>
-              <a:sym typeface="Roboto Mono"/>
-            </a:endParaRPr>
-          </a:p>
-        </p:txBody>
-      </p:sp>
-    </p:spTree>
-  </p:cSld>
-  <p:clrMapOvr>
-    <a:masterClrMapping/>
-  </p:clrMapOvr>
-</p:sld>
-</file>
-
-<file path=ppt/slides/slide11.xml><?xml version="1.0" encoding="utf-8"?>
-<p:sld xmlns:a="http://schemas.openxmlformats.org/drawingml/2006/main" xmlns:r="http://schemas.openxmlformats.org/officeDocument/2006/relationships" xmlns:mc="http://schemas.openxmlformats.org/markup-compatibility/2006" xmlns:mv="urn:schemas-microsoft-com:mac:vml" xmlns:p="http://schemas.openxmlformats.org/presentationml/2006/main" xmlns:c="http://schemas.openxmlformats.org/drawingml/2006/chart" xmlns:dgm="http://schemas.openxmlformats.org/drawingml/2006/diagram" xmlns:o="urn:schemas-microsoft-com:office:office" xmlns:v="urn:schemas-microsoft-com:vml" xmlns:pvml="urn:schemas-microsoft-com:office:powerpoint" xmlns:com="http://schemas.openxmlformats.org/drawingml/2006/compatibility" xmlns:p14="http://schemas.microsoft.com/office/powerpoint/2010/main" xmlns:p15="http://schemas.microsoft.com/office/powerpoint/2012/main" xmlns:ahyp="http://schemas.microsoft.com/office/drawing/2018/hyperlinkcolor">
-  <p:cSld>
-    <p:spTree>
-      <p:nvGrpSpPr>
-        <p:cNvPr id="486" name="Shape 486"/>
-        <p:cNvGrpSpPr/>
-        <p:nvPr/>
-      </p:nvGrpSpPr>
-      <p:grpSpPr>
-        <a:xfrm>
-          <a:off x="0" y="0"/>
-          <a:ext cx="0" cy="0"/>
-          <a:chOff x="0" y="0"/>
-          <a:chExt cx="0" cy="0"/>
-        </a:xfrm>
-      </p:grpSpPr>
-      <p:sp>
-        <p:nvSpPr>
-          <p:cNvPr id="487" name="Google Shape;487;p33"/>
-          <p:cNvSpPr txBox="1"/>
-          <p:nvPr>
-            <p:ph idx="4294967295" type="title"/>
-          </p:nvPr>
-        </p:nvSpPr>
-        <p:spPr>
-          <a:xfrm>
-            <a:off x="559725" y="472650"/>
-            <a:ext cx="6388500" cy="518700"/>
-          </a:xfrm>
-          <a:prstGeom prst="rect">
-            <a:avLst/>
-          </a:prstGeom>
-        </p:spPr>
-        <p:txBody>
-          <a:bodyPr anchorCtr="0" anchor="t" bIns="91425" lIns="91425" spcFirstLastPara="1" rIns="91425" wrap="square" tIns="91425">
-            <a:noAutofit/>
-          </a:bodyPr>
-          <a:lstStyle/>
-          <a:p>
-            <a:pPr indent="0" lvl="0" marL="0" rtl="0" algn="l">
-              <a:spcBef>
-                <a:spcPts val="0"/>
-              </a:spcBef>
-              <a:spcAft>
-                <a:spcPts val="0"/>
-              </a:spcAft>
-              <a:buNone/>
-            </a:pPr>
-            <a:r>
-              <a:rPr lang="en" sz="2500"/>
-              <a:t>Variant 2: Get</a:t>
-            </a:r>
-            <a:endParaRPr sz="2500"/>
-          </a:p>
-        </p:txBody>
-      </p:sp>
-      <p:sp>
-        <p:nvSpPr>
-          <p:cNvPr id="488" name="Google Shape;488;p33"/>
-          <p:cNvSpPr txBox="1"/>
-          <p:nvPr/>
-        </p:nvSpPr>
-        <p:spPr>
-          <a:xfrm>
-            <a:off x="2184775" y="1471975"/>
-            <a:ext cx="2429400" cy="400200"/>
-          </a:xfrm>
-          <a:prstGeom prst="rect">
-            <a:avLst/>
-          </a:prstGeom>
-          <a:noFill/>
-          <a:ln>
-            <a:noFill/>
-          </a:ln>
-        </p:spPr>
-        <p:txBody>
-          <a:bodyPr anchorCtr="0" anchor="t" bIns="91425" lIns="91425" spcFirstLastPara="1" rIns="91425" wrap="square" tIns="91425">
-            <a:spAutoFit/>
-          </a:bodyPr>
-          <a:lstStyle/>
-          <a:p>
-            <a:pPr indent="0" lvl="0" marL="0" rtl="0" algn="l">
-              <a:spcBef>
-                <a:spcPts val="0"/>
-              </a:spcBef>
-              <a:spcAft>
-                <a:spcPts val="0"/>
-              </a:spcAft>
-              <a:buNone/>
-            </a:pPr>
-            <a:r>
-              <a:t/>
-            </a:r>
-            <a:endParaRPr>
-              <a:solidFill>
-                <a:schemeClr val="dk2"/>
-              </a:solidFill>
-              <a:latin typeface="Roboto Mono"/>
-              <a:ea typeface="Roboto Mono"/>
-              <a:cs typeface="Roboto Mono"/>
-              <a:sym typeface="Roboto Mono"/>
-            </a:endParaRPr>
-          </a:p>
-        </p:txBody>
-      </p:sp>
-      <p:pic>
-        <p:nvPicPr>
-          <p:cNvPr id="489" name="Google Shape;489;p33"/>
-          <p:cNvPicPr preferRelativeResize="0"/>
-          <p:nvPr/>
-        </p:nvPicPr>
-        <p:blipFill>
-          <a:blip r:embed="rId3">
-            <a:alphaModFix/>
-          </a:blip>
-          <a:stretch>
-            <a:fillRect/>
-          </a:stretch>
-        </p:blipFill>
-        <p:spPr>
-          <a:xfrm>
-            <a:off x="379075" y="1107175"/>
-            <a:ext cx="5387550" cy="3073175"/>
-          </a:xfrm>
-          <a:prstGeom prst="rect">
-            <a:avLst/>
-          </a:prstGeom>
-          <a:noFill/>
-          <a:ln>
-            <a:noFill/>
-          </a:ln>
-        </p:spPr>
-      </p:pic>
-      <p:cxnSp>
-        <p:nvCxnSpPr>
-          <p:cNvPr id="490" name="Google Shape;490;p33"/>
-          <p:cNvCxnSpPr/>
-          <p:nvPr/>
-        </p:nvCxnSpPr>
-        <p:spPr>
-          <a:xfrm rot="10800000">
-            <a:off x="2601550" y="2481250"/>
-            <a:ext cx="3840900" cy="142800"/>
-          </a:xfrm>
-          <a:prstGeom prst="straightConnector1">
-            <a:avLst/>
-          </a:prstGeom>
-          <a:noFill/>
-          <a:ln cap="flat" cmpd="sng" w="38100">
-            <a:solidFill>
-              <a:srgbClr val="FF0000"/>
-            </a:solidFill>
-            <a:prstDash val="solid"/>
-            <a:round/>
-            <a:headEnd len="med" w="med" type="none"/>
-            <a:tailEnd len="med" w="med" type="triangle"/>
-          </a:ln>
-        </p:spPr>
-      </p:cxnSp>
-      <p:sp>
-        <p:nvSpPr>
-          <p:cNvPr id="491" name="Google Shape;491;p33"/>
-          <p:cNvSpPr/>
-          <p:nvPr/>
-        </p:nvSpPr>
-        <p:spPr>
-          <a:xfrm>
-            <a:off x="901625" y="2258725"/>
-            <a:ext cx="1774800" cy="400200"/>
-          </a:xfrm>
-          <a:prstGeom prst="rect">
-            <a:avLst/>
-          </a:prstGeom>
-          <a:noFill/>
-          <a:ln cap="flat" cmpd="sng" w="38100">
-            <a:solidFill>
-              <a:srgbClr val="FF0000"/>
-            </a:solidFill>
-            <a:prstDash val="solid"/>
-            <a:round/>
-            <a:headEnd len="sm" w="sm" type="none"/>
-            <a:tailEnd len="sm" w="sm" type="none"/>
-          </a:ln>
-        </p:spPr>
-        <p:txBody>
-          <a:bodyPr anchorCtr="0" anchor="ctr" bIns="91425" lIns="91425" spcFirstLastPara="1" rIns="91425" wrap="square" tIns="91425">
-            <a:noAutofit/>
-          </a:bodyPr>
-          <a:lstStyle/>
-          <a:p>
-            <a:pPr indent="0" lvl="0" marL="0" rtl="0" algn="ctr">
-              <a:spcBef>
-                <a:spcPts val="0"/>
-              </a:spcBef>
-              <a:spcAft>
-                <a:spcPts val="0"/>
-              </a:spcAft>
-              <a:buNone/>
-            </a:pPr>
-            <a:r>
-              <a:t/>
-            </a:r>
-            <a:endParaRPr>
-              <a:latin typeface="Roboto Mono"/>
-              <a:ea typeface="Roboto Mono"/>
-              <a:cs typeface="Roboto Mono"/>
-              <a:sym typeface="Roboto Mono"/>
-            </a:endParaRPr>
-          </a:p>
-        </p:txBody>
-      </p:sp>
-      <p:sp>
-        <p:nvSpPr>
-          <p:cNvPr id="492" name="Google Shape;492;p33"/>
-          <p:cNvSpPr txBox="1"/>
-          <p:nvPr/>
-        </p:nvSpPr>
-        <p:spPr>
-          <a:xfrm>
-            <a:off x="6442450" y="2062500"/>
-            <a:ext cx="2092200" cy="1046700"/>
-          </a:xfrm>
-          <a:prstGeom prst="rect">
-            <a:avLst/>
-          </a:prstGeom>
-          <a:noFill/>
-          <a:ln>
-            <a:noFill/>
-          </a:ln>
-        </p:spPr>
-        <p:txBody>
-          <a:bodyPr anchorCtr="0" anchor="t" bIns="91425" lIns="91425" spcFirstLastPara="1" rIns="91425" wrap="square" tIns="91425">
-            <a:spAutoFit/>
-          </a:bodyPr>
-          <a:lstStyle/>
-          <a:p>
-            <a:pPr indent="0" lvl="0" marL="0" rtl="0" algn="l">
-              <a:spcBef>
-                <a:spcPts val="0"/>
-              </a:spcBef>
-              <a:spcAft>
-                <a:spcPts val="0"/>
-              </a:spcAft>
-              <a:buNone/>
-            </a:pPr>
-            <a:r>
-              <a:rPr lang="en">
-                <a:solidFill>
-                  <a:schemeClr val="dk2"/>
-                </a:solidFill>
-                <a:latin typeface="Roboto Mono"/>
-                <a:ea typeface="Roboto Mono"/>
-                <a:cs typeface="Roboto Mono"/>
-                <a:sym typeface="Roboto Mono"/>
-              </a:rPr>
-              <a:t>Propagate changes while traversing tree down to leaf node</a:t>
-            </a:r>
-            <a:endParaRPr>
-              <a:solidFill>
-                <a:schemeClr val="dk2"/>
-              </a:solidFill>
-              <a:latin typeface="Roboto Mono"/>
-              <a:ea typeface="Roboto Mono"/>
-              <a:cs typeface="Roboto Mono"/>
-              <a:sym typeface="Roboto Mono"/>
-            </a:endParaRPr>
-          </a:p>
-        </p:txBody>
-      </p:sp>
-    </p:spTree>
-  </p:cSld>
-  <p:clrMapOvr>
-    <a:masterClrMapping/>
-  </p:clrMapOvr>
-</p:sld>
-</file>
-
-<file path=ppt/slides/slide12.xml><?xml version="1.0" encoding="utf-8"?>
-<p:sld xmlns:a="http://schemas.openxmlformats.org/drawingml/2006/main" xmlns:r="http://schemas.openxmlformats.org/officeDocument/2006/relationships" xmlns:mc="http://schemas.openxmlformats.org/markup-compatibility/2006" xmlns:mv="urn:schemas-microsoft-com:mac:vml" xmlns:p="http://schemas.openxmlformats.org/presentationml/2006/main" xmlns:c="http://schemas.openxmlformats.org/drawingml/2006/chart" xmlns:dgm="http://schemas.openxmlformats.org/drawingml/2006/diagram" xmlns:o="urn:schemas-microsoft-com:office:office" xmlns:v="urn:schemas-microsoft-com:vml" xmlns:pvml="urn:schemas-microsoft-com:office:powerpoint" xmlns:com="http://schemas.openxmlformats.org/drawingml/2006/compatibility" xmlns:p14="http://schemas.microsoft.com/office/powerpoint/2010/main" xmlns:p15="http://schemas.microsoft.com/office/powerpoint/2012/main" xmlns:ahyp="http://schemas.microsoft.com/office/drawing/2018/hyperlinkcolor">
-  <p:cSld>
-    <p:spTree>
-      <p:nvGrpSpPr>
-        <p:cNvPr id="496" name="Shape 496"/>
-        <p:cNvGrpSpPr/>
-        <p:nvPr/>
-      </p:nvGrpSpPr>
-      <p:grpSpPr>
-        <a:xfrm>
-          <a:off x="0" y="0"/>
-          <a:ext cx="0" cy="0"/>
-          <a:chOff x="0" y="0"/>
-          <a:chExt cx="0" cy="0"/>
-        </a:xfrm>
-      </p:grpSpPr>
-      <p:sp>
-        <p:nvSpPr>
-          <p:cNvPr id="497" name="Google Shape;497;p34"/>
-          <p:cNvSpPr txBox="1"/>
-          <p:nvPr>
-            <p:ph idx="4294967295" type="title"/>
-          </p:nvPr>
-        </p:nvSpPr>
-        <p:spPr>
-          <a:xfrm>
-            <a:off x="559725" y="472650"/>
-            <a:ext cx="3885600" cy="518700"/>
-          </a:xfrm>
-          <a:prstGeom prst="rect">
-            <a:avLst/>
-          </a:prstGeom>
-        </p:spPr>
-        <p:txBody>
-          <a:bodyPr anchorCtr="0" anchor="t" bIns="91425" lIns="91425" spcFirstLastPara="1" rIns="91425" wrap="square" tIns="91425">
-            <a:noAutofit/>
-          </a:bodyPr>
-          <a:lstStyle/>
-          <a:p>
-            <a:pPr indent="0" lvl="0" marL="0" rtl="0" algn="l">
-              <a:spcBef>
-                <a:spcPts val="0"/>
-              </a:spcBef>
-              <a:spcAft>
-                <a:spcPts val="0"/>
-              </a:spcAft>
-              <a:buNone/>
-            </a:pPr>
-            <a:r>
-              <a:rPr lang="en" sz="2500"/>
-              <a:t>Variant 3:</a:t>
-            </a:r>
-            <a:endParaRPr sz="2500">
-              <a:highlight>
-                <a:srgbClr val="3C78D8"/>
-              </a:highlight>
-            </a:endParaRPr>
-          </a:p>
-        </p:txBody>
-      </p:sp>
-      <p:sp>
-        <p:nvSpPr>
-          <p:cNvPr id="498" name="Google Shape;498;p34"/>
-          <p:cNvSpPr txBox="1"/>
-          <p:nvPr/>
-        </p:nvSpPr>
-        <p:spPr>
-          <a:xfrm>
-            <a:off x="2184775" y="1471975"/>
-            <a:ext cx="2429400" cy="400200"/>
-          </a:xfrm>
-          <a:prstGeom prst="rect">
-            <a:avLst/>
-          </a:prstGeom>
-          <a:noFill/>
-          <a:ln>
-            <a:noFill/>
-          </a:ln>
-        </p:spPr>
-        <p:txBody>
-          <a:bodyPr anchorCtr="0" anchor="t" bIns="91425" lIns="91425" spcFirstLastPara="1" rIns="91425" wrap="square" tIns="91425">
-            <a:spAutoFit/>
-          </a:bodyPr>
-          <a:lstStyle/>
-          <a:p>
-            <a:pPr indent="0" lvl="0" marL="0" rtl="0" algn="l">
-              <a:spcBef>
-                <a:spcPts val="0"/>
-              </a:spcBef>
-              <a:spcAft>
-                <a:spcPts val="0"/>
-              </a:spcAft>
-              <a:buNone/>
-            </a:pPr>
-            <a:r>
-              <a:t/>
-            </a:r>
-            <a:endParaRPr>
-              <a:solidFill>
-                <a:schemeClr val="dk2"/>
-              </a:solidFill>
-              <a:latin typeface="Roboto Mono"/>
-              <a:ea typeface="Roboto Mono"/>
-              <a:cs typeface="Roboto Mono"/>
-              <a:sym typeface="Roboto Mono"/>
-            </a:endParaRPr>
-          </a:p>
-        </p:txBody>
-      </p:sp>
-      <p:sp>
-        <p:nvSpPr>
-          <p:cNvPr id="499" name="Google Shape;499;p34"/>
-          <p:cNvSpPr txBox="1"/>
-          <p:nvPr>
-            <p:ph idx="4294967295" type="body"/>
-          </p:nvPr>
-        </p:nvSpPr>
-        <p:spPr>
-          <a:xfrm>
-            <a:off x="720650" y="1186950"/>
-            <a:ext cx="7020000" cy="3376200"/>
-          </a:xfrm>
-          <a:prstGeom prst="rect">
-            <a:avLst/>
-          </a:prstGeom>
-        </p:spPr>
-        <p:txBody>
-          <a:bodyPr anchorCtr="0" anchor="t" bIns="91425" lIns="91425" spcFirstLastPara="1" rIns="91425" wrap="square" tIns="91425">
-            <a:noAutofit/>
-          </a:bodyPr>
-          <a:lstStyle/>
-          <a:p>
-            <a:pPr indent="0" lvl="0" marL="0" rtl="0" algn="l">
-              <a:spcBef>
-                <a:spcPts val="0"/>
-              </a:spcBef>
-              <a:spcAft>
-                <a:spcPts val="0"/>
-              </a:spcAft>
-              <a:buNone/>
-            </a:pPr>
-            <a:r>
-              <a:rPr lang="en"/>
-              <a:t>Supports the following queries:</a:t>
-            </a:r>
-            <a:endParaRPr/>
-          </a:p>
-          <a:p>
-            <a:pPr indent="-317500" lvl="0" marL="457200" rtl="0" algn="l">
-              <a:spcBef>
-                <a:spcPts val="1600"/>
-              </a:spcBef>
-              <a:spcAft>
-                <a:spcPts val="0"/>
-              </a:spcAft>
-              <a:buSzPts val="1400"/>
-              <a:buChar char="●"/>
-            </a:pPr>
-            <a:r>
-              <a:rPr i="1" lang="en"/>
-              <a:t>update(l,r,δ)</a:t>
-            </a:r>
-            <a:r>
-              <a:rPr lang="en"/>
-              <a:t> – add δ to each value in the range A[l...r]</a:t>
-            </a:r>
-            <a:endParaRPr/>
-          </a:p>
-          <a:p>
-            <a:pPr indent="-317500" lvl="0" marL="457200" rtl="0" algn="l">
-              <a:spcBef>
-                <a:spcPts val="0"/>
-              </a:spcBef>
-              <a:spcAft>
-                <a:spcPts val="0"/>
-              </a:spcAft>
-              <a:buSzPts val="1400"/>
-              <a:buChar char="●"/>
-            </a:pPr>
-            <a:r>
-              <a:rPr i="1" lang="en"/>
-              <a:t>max(l,r)</a:t>
-            </a:r>
-            <a:r>
-              <a:rPr lang="en"/>
-              <a:t> – return the maximum value in the range A[l...r]</a:t>
-            </a:r>
-            <a:endParaRPr/>
-          </a:p>
-          <a:p>
-            <a:pPr indent="0" lvl="0" marL="0" rtl="0" algn="l">
-              <a:spcBef>
-                <a:spcPts val="1600"/>
-              </a:spcBef>
-              <a:spcAft>
-                <a:spcPts val="0"/>
-              </a:spcAft>
-              <a:buNone/>
-            </a:pPr>
-            <a:r>
-              <a:rPr lang="en"/>
-              <a:t>While keeping the original O(log n) runtime.</a:t>
-            </a:r>
-            <a:endParaRPr/>
-          </a:p>
-          <a:p>
-            <a:pPr indent="0" lvl="0" marL="0" rtl="0" algn="l">
-              <a:spcBef>
-                <a:spcPts val="1600"/>
-              </a:spcBef>
-              <a:spcAft>
-                <a:spcPts val="1600"/>
-              </a:spcAft>
-              <a:buNone/>
-            </a:pPr>
-            <a:r>
-              <a:rPr lang="en"/>
-              <a:t>Each node will store the maximum over its range as its value, but will have a new field, </a:t>
-            </a:r>
-            <a:r>
-              <a:rPr b="1" lang="en"/>
-              <a:t>lazy</a:t>
-            </a:r>
-            <a:r>
-              <a:rPr lang="en"/>
-              <a:t>, that stores the additions that need to be </a:t>
-            </a:r>
-            <a:r>
-              <a:rPr lang="en"/>
-              <a:t>propagated</a:t>
-            </a:r>
-            <a:r>
-              <a:rPr lang="en"/>
-              <a:t>.</a:t>
-            </a:r>
-            <a:endParaRPr/>
-          </a:p>
-        </p:txBody>
-      </p:sp>
-      <p:pic>
-        <p:nvPicPr>
-          <p:cNvPr id="500" name="Google Shape;500;p34" title="Screenshot 2025-04-21 at 3.44.09 AM.png"/>
-          <p:cNvPicPr preferRelativeResize="0"/>
-          <p:nvPr/>
-        </p:nvPicPr>
-        <p:blipFill>
-          <a:blip r:embed="rId3">
-            <a:alphaModFix/>
-          </a:blip>
-          <a:stretch>
-            <a:fillRect/>
-          </a:stretch>
-        </p:blipFill>
-        <p:spPr>
-          <a:xfrm>
-            <a:off x="5515025" y="3432875"/>
-            <a:ext cx="1674350" cy="1511000"/>
-          </a:xfrm>
-          <a:prstGeom prst="rect">
-            <a:avLst/>
-          </a:prstGeom>
-          <a:noFill/>
-          <a:ln>
-            <a:noFill/>
-          </a:ln>
-        </p:spPr>
-      </p:pic>
-    </p:spTree>
-  </p:cSld>
-  <p:clrMapOvr>
-    <a:masterClrMapping/>
-  </p:clrMapOvr>
-</p:sld>
-</file>
-
-<file path=ppt/slides/slide13.xml><?xml version="1.0" encoding="utf-8"?>
-<p:sld xmlns:a="http://schemas.openxmlformats.org/drawingml/2006/main" xmlns:r="http://schemas.openxmlformats.org/officeDocument/2006/relationships" xmlns:mc="http://schemas.openxmlformats.org/markup-compatibility/2006" xmlns:mv="urn:schemas-microsoft-com:mac:vml" xmlns:p="http://schemas.openxmlformats.org/presentationml/2006/main" xmlns:c="http://schemas.openxmlformats.org/drawingml/2006/chart" xmlns:dgm="http://schemas.openxmlformats.org/drawingml/2006/diagram" xmlns:o="urn:schemas-microsoft-com:office:office" xmlns:v="urn:schemas-microsoft-com:vml" xmlns:pvml="urn:schemas-microsoft-com:office:powerpoint" xmlns:com="http://schemas.openxmlformats.org/drawingml/2006/compatibility" xmlns:p14="http://schemas.microsoft.com/office/powerpoint/2010/main" xmlns:p15="http://schemas.microsoft.com/office/powerpoint/2012/main" xmlns:ahyp="http://schemas.microsoft.com/office/drawing/2018/hyperlinkcolor">
-  <p:cSld>
-    <p:spTree>
-      <p:nvGrpSpPr>
-        <p:cNvPr id="504" name="Shape 504"/>
-        <p:cNvGrpSpPr/>
-        <p:nvPr/>
-      </p:nvGrpSpPr>
-      <p:grpSpPr>
-        <a:xfrm>
-          <a:off x="0" y="0"/>
-          <a:ext cx="0" cy="0"/>
-          <a:chOff x="0" y="0"/>
-          <a:chExt cx="0" cy="0"/>
-        </a:xfrm>
-      </p:grpSpPr>
-      <p:sp>
-        <p:nvSpPr>
-          <p:cNvPr id="505" name="Google Shape;505;p35"/>
-          <p:cNvSpPr txBox="1"/>
-          <p:nvPr>
-            <p:ph idx="4294967295" type="title"/>
-          </p:nvPr>
-        </p:nvSpPr>
-        <p:spPr>
-          <a:xfrm>
-            <a:off x="559725" y="472650"/>
-            <a:ext cx="5808300" cy="518700"/>
-          </a:xfrm>
-          <a:prstGeom prst="rect">
-            <a:avLst/>
-          </a:prstGeom>
-        </p:spPr>
-        <p:txBody>
-          <a:bodyPr anchorCtr="0" anchor="t" bIns="91425" lIns="91425" spcFirstLastPara="1" rIns="91425" wrap="square" tIns="91425">
-            <a:noAutofit/>
-          </a:bodyPr>
-          <a:lstStyle/>
-          <a:p>
-            <a:pPr indent="0" lvl="0" marL="0" rtl="0" algn="l">
-              <a:spcBef>
-                <a:spcPts val="0"/>
-              </a:spcBef>
-              <a:spcAft>
-                <a:spcPts val="0"/>
-              </a:spcAft>
-              <a:buNone/>
-            </a:pPr>
-            <a:r>
-              <a:rPr lang="en" sz="2500"/>
-              <a:t>Push for variant 3</a:t>
-            </a:r>
-            <a:endParaRPr sz="2500">
-              <a:highlight>
-                <a:srgbClr val="3C78D8"/>
-              </a:highlight>
-            </a:endParaRPr>
-          </a:p>
-        </p:txBody>
-      </p:sp>
-      <p:sp>
-        <p:nvSpPr>
-          <p:cNvPr id="506" name="Google Shape;506;p35"/>
-          <p:cNvSpPr txBox="1"/>
-          <p:nvPr/>
-        </p:nvSpPr>
-        <p:spPr>
-          <a:xfrm>
-            <a:off x="2184775" y="1471975"/>
-            <a:ext cx="2429400" cy="400200"/>
-          </a:xfrm>
-          <a:prstGeom prst="rect">
-            <a:avLst/>
-          </a:prstGeom>
-          <a:noFill/>
-          <a:ln>
-            <a:noFill/>
-          </a:ln>
-        </p:spPr>
-        <p:txBody>
-          <a:bodyPr anchorCtr="0" anchor="t" bIns="91425" lIns="91425" spcFirstLastPara="1" rIns="91425" wrap="square" tIns="91425">
-            <a:spAutoFit/>
-          </a:bodyPr>
-          <a:lstStyle/>
-          <a:p>
-            <a:pPr indent="0" lvl="0" marL="0" rtl="0" algn="l">
-              <a:spcBef>
-                <a:spcPts val="0"/>
-              </a:spcBef>
-              <a:spcAft>
-                <a:spcPts val="0"/>
-              </a:spcAft>
-              <a:buNone/>
-            </a:pPr>
-            <a:r>
-              <a:t/>
-            </a:r>
-            <a:endParaRPr>
-              <a:solidFill>
-                <a:schemeClr val="dk2"/>
-              </a:solidFill>
-              <a:latin typeface="Roboto Mono"/>
-              <a:ea typeface="Roboto Mono"/>
-              <a:cs typeface="Roboto Mono"/>
-              <a:sym typeface="Roboto Mono"/>
-            </a:endParaRPr>
-          </a:p>
-        </p:txBody>
-      </p:sp>
-      <p:sp>
-        <p:nvSpPr>
-          <p:cNvPr id="507" name="Google Shape;507;p35"/>
-          <p:cNvSpPr txBox="1"/>
-          <p:nvPr>
-            <p:ph idx="4294967295" type="body"/>
-          </p:nvPr>
-        </p:nvSpPr>
-        <p:spPr>
-          <a:xfrm>
-            <a:off x="720650" y="1186950"/>
-            <a:ext cx="4139100" cy="3003300"/>
-          </a:xfrm>
-          <a:prstGeom prst="rect">
-            <a:avLst/>
-          </a:prstGeom>
-        </p:spPr>
-        <p:txBody>
-          <a:bodyPr anchorCtr="0" anchor="t" bIns="91425" lIns="91425" spcFirstLastPara="1" rIns="91425" wrap="square" tIns="91425">
-            <a:noAutofit/>
-          </a:bodyPr>
-          <a:lstStyle/>
-          <a:p>
-            <a:pPr indent="0" lvl="0" marL="0" rtl="0" algn="l">
-              <a:spcBef>
-                <a:spcPts val="0"/>
-              </a:spcBef>
-              <a:spcAft>
-                <a:spcPts val="0"/>
-              </a:spcAft>
-              <a:buNone/>
-            </a:pPr>
-            <a:r>
-              <a:rPr lang="en"/>
-              <a:t>The push method for this variant is similar to the previous</a:t>
-            </a:r>
-            <a:endParaRPr/>
-          </a:p>
-          <a:p>
-            <a:pPr indent="0" lvl="0" marL="0" rtl="0" algn="l">
-              <a:spcBef>
-                <a:spcPts val="1600"/>
-              </a:spcBef>
-              <a:spcAft>
-                <a:spcPts val="0"/>
-              </a:spcAft>
-              <a:buNone/>
-            </a:pPr>
-            <a:r>
-              <a:rPr lang="en">
-                <a:solidFill>
-                  <a:schemeClr val="dk1"/>
-                </a:solidFill>
-              </a:rPr>
-              <a:t>When called on a node, push simply passes down the node’s lazy addition to its children</a:t>
-            </a:r>
-            <a:endParaRPr/>
-          </a:p>
-          <a:p>
-            <a:pPr indent="0" lvl="0" marL="0" rtl="0" algn="l">
-              <a:spcBef>
-                <a:spcPts val="1600"/>
-              </a:spcBef>
-              <a:spcAft>
-                <a:spcPts val="0"/>
-              </a:spcAft>
-              <a:buNone/>
-            </a:pPr>
-            <a:r>
-              <a:t/>
-            </a:r>
-            <a:endParaRPr/>
-          </a:p>
-          <a:p>
-            <a:pPr indent="0" lvl="0" marL="0" rtl="0" algn="l">
-              <a:spcBef>
-                <a:spcPts val="1600"/>
-              </a:spcBef>
-              <a:spcAft>
-                <a:spcPts val="1600"/>
-              </a:spcAft>
-              <a:buNone/>
-            </a:pPr>
-            <a:r>
-              <a:rPr b="1" lang="en">
-                <a:solidFill>
-                  <a:schemeClr val="dk1"/>
-                </a:solidFill>
-                <a:highlight>
-                  <a:srgbClr val="3C78D8"/>
-                </a:highlight>
-              </a:rPr>
-              <a:t>Note:</a:t>
-            </a:r>
-            <a:r>
-              <a:rPr b="1" lang="en"/>
-              <a:t> </a:t>
-            </a:r>
-            <a:r>
-              <a:rPr lang="en"/>
-              <a:t>Along with the children’s values, we also need to update </a:t>
-            </a:r>
-            <a:r>
-              <a:rPr i="1" lang="en"/>
-              <a:t>their own </a:t>
-            </a:r>
-            <a:r>
-              <a:rPr lang="en"/>
-              <a:t>lazy fields for future lazy propagation</a:t>
-            </a:r>
-            <a:endParaRPr/>
-          </a:p>
-        </p:txBody>
-      </p:sp>
-      <p:pic>
-        <p:nvPicPr>
-          <p:cNvPr id="508" name="Google Shape;508;p35" title="Screenshot 2025-04-21 at 1.53.18 AM.png"/>
-          <p:cNvPicPr preferRelativeResize="0"/>
-          <p:nvPr/>
-        </p:nvPicPr>
-        <p:blipFill>
-          <a:blip r:embed="rId3">
-            <a:alphaModFix/>
-          </a:blip>
-          <a:stretch>
-            <a:fillRect/>
-          </a:stretch>
-        </p:blipFill>
-        <p:spPr>
-          <a:xfrm>
-            <a:off x="4906250" y="372675"/>
-            <a:ext cx="3796174" cy="1499500"/>
-          </a:xfrm>
-          <a:prstGeom prst="rect">
-            <a:avLst/>
-          </a:prstGeom>
-          <a:noFill/>
-          <a:ln>
-            <a:noFill/>
-          </a:ln>
-        </p:spPr>
-      </p:pic>
-      <p:pic>
-        <p:nvPicPr>
-          <p:cNvPr id="509" name="Google Shape;509;p35" title="Screenshot 2025-04-21 at 1.52.56 AM.png"/>
-          <p:cNvPicPr preferRelativeResize="0"/>
-          <p:nvPr/>
-        </p:nvPicPr>
-        <p:blipFill>
-          <a:blip r:embed="rId4">
-            <a:alphaModFix/>
-          </a:blip>
-          <a:stretch>
-            <a:fillRect/>
-          </a:stretch>
-        </p:blipFill>
-        <p:spPr>
-          <a:xfrm>
-            <a:off x="5215525" y="3106600"/>
-            <a:ext cx="3253876" cy="1687875"/>
-          </a:xfrm>
-          <a:prstGeom prst="rect">
-            <a:avLst/>
-          </a:prstGeom>
-          <a:noFill/>
-          <a:ln>
-            <a:noFill/>
-          </a:ln>
-        </p:spPr>
-      </p:pic>
-    </p:spTree>
-  </p:cSld>
-  <p:clrMapOvr>
-    <a:masterClrMapping/>
-  </p:clrMapOvr>
-</p:sld>
-</file>
-
-<file path=ppt/slides/slide14.xml><?xml version="1.0" encoding="utf-8"?>
-<p:sld xmlns:a="http://schemas.openxmlformats.org/drawingml/2006/main" xmlns:r="http://schemas.openxmlformats.org/officeDocument/2006/relationships" xmlns:mc="http://schemas.openxmlformats.org/markup-compatibility/2006" xmlns:mv="urn:schemas-microsoft-com:mac:vml" xmlns:p="http://schemas.openxmlformats.org/presentationml/2006/main" xmlns:c="http://schemas.openxmlformats.org/drawingml/2006/chart" xmlns:dgm="http://schemas.openxmlformats.org/drawingml/2006/diagram" xmlns:o="urn:schemas-microsoft-com:office:office" xmlns:v="urn:schemas-microsoft-com:vml" xmlns:pvml="urn:schemas-microsoft-com:office:powerpoint" xmlns:com="http://schemas.openxmlformats.org/drawingml/2006/compatibility" xmlns:p14="http://schemas.microsoft.com/office/powerpoint/2010/main" xmlns:p15="http://schemas.microsoft.com/office/powerpoint/2012/main" xmlns:ahyp="http://schemas.microsoft.com/office/drawing/2018/hyperlinkcolor">
-  <p:cSld>
-    <p:spTree>
-      <p:nvGrpSpPr>
-        <p:cNvPr id="513" name="Shape 513"/>
-        <p:cNvGrpSpPr/>
-        <p:nvPr/>
-      </p:nvGrpSpPr>
-      <p:grpSpPr>
-        <a:xfrm>
-          <a:off x="0" y="0"/>
-          <a:ext cx="0" cy="0"/>
-          <a:chOff x="0" y="0"/>
-          <a:chExt cx="0" cy="0"/>
-        </a:xfrm>
-      </p:grpSpPr>
-      <p:sp>
-        <p:nvSpPr>
-          <p:cNvPr id="514" name="Google Shape;514;p36"/>
-          <p:cNvSpPr txBox="1"/>
-          <p:nvPr>
-            <p:ph idx="4294967295" type="title"/>
-          </p:nvPr>
-        </p:nvSpPr>
-        <p:spPr>
-          <a:xfrm>
-            <a:off x="559725" y="472650"/>
-            <a:ext cx="5808300" cy="518700"/>
-          </a:xfrm>
-          <a:prstGeom prst="rect">
-            <a:avLst/>
-          </a:prstGeom>
-        </p:spPr>
-        <p:txBody>
-          <a:bodyPr anchorCtr="0" anchor="t" bIns="91425" lIns="91425" spcFirstLastPara="1" rIns="91425" wrap="square" tIns="91425">
-            <a:noAutofit/>
-          </a:bodyPr>
-          <a:lstStyle/>
-          <a:p>
-            <a:pPr indent="0" lvl="0" marL="0" rtl="0" algn="l">
-              <a:spcBef>
-                <a:spcPts val="0"/>
-              </a:spcBef>
-              <a:spcAft>
-                <a:spcPts val="0"/>
-              </a:spcAft>
-              <a:buNone/>
-            </a:pPr>
-            <a:r>
-              <a:rPr lang="en" sz="2500"/>
-              <a:t>Update</a:t>
-            </a:r>
-            <a:endParaRPr sz="2500">
-              <a:highlight>
-                <a:srgbClr val="3C78D8"/>
-              </a:highlight>
-            </a:endParaRPr>
-          </a:p>
-        </p:txBody>
-      </p:sp>
-      <p:sp>
-        <p:nvSpPr>
-          <p:cNvPr id="515" name="Google Shape;515;p36"/>
-          <p:cNvSpPr txBox="1"/>
-          <p:nvPr/>
-        </p:nvSpPr>
-        <p:spPr>
-          <a:xfrm>
-            <a:off x="2184775" y="1471975"/>
-            <a:ext cx="2429400" cy="400200"/>
-          </a:xfrm>
-          <a:prstGeom prst="rect">
-            <a:avLst/>
-          </a:prstGeom>
-          <a:noFill/>
-          <a:ln>
-            <a:noFill/>
-          </a:ln>
-        </p:spPr>
-        <p:txBody>
-          <a:bodyPr anchorCtr="0" anchor="t" bIns="91425" lIns="91425" spcFirstLastPara="1" rIns="91425" wrap="square" tIns="91425">
-            <a:spAutoFit/>
-          </a:bodyPr>
-          <a:lstStyle/>
-          <a:p>
-            <a:pPr indent="0" lvl="0" marL="0" rtl="0" algn="l">
-              <a:spcBef>
-                <a:spcPts val="0"/>
-              </a:spcBef>
-              <a:spcAft>
-                <a:spcPts val="0"/>
-              </a:spcAft>
-              <a:buNone/>
-            </a:pPr>
-            <a:r>
-              <a:t/>
-            </a:r>
-            <a:endParaRPr>
-              <a:solidFill>
-                <a:schemeClr val="dk2"/>
-              </a:solidFill>
-              <a:latin typeface="Roboto Mono"/>
-              <a:ea typeface="Roboto Mono"/>
-              <a:cs typeface="Roboto Mono"/>
-              <a:sym typeface="Roboto Mono"/>
-            </a:endParaRPr>
-          </a:p>
-        </p:txBody>
-      </p:sp>
-      <p:sp>
-        <p:nvSpPr>
-          <p:cNvPr id="516" name="Google Shape;516;p36"/>
-          <p:cNvSpPr txBox="1"/>
-          <p:nvPr>
-            <p:ph idx="4294967295" type="body"/>
-          </p:nvPr>
-        </p:nvSpPr>
-        <p:spPr>
-          <a:xfrm>
-            <a:off x="720650" y="1186950"/>
-            <a:ext cx="3732300" cy="1817100"/>
-          </a:xfrm>
-          <a:prstGeom prst="rect">
-            <a:avLst/>
-          </a:prstGeom>
-        </p:spPr>
-        <p:txBody>
-          <a:bodyPr anchorCtr="0" anchor="t" bIns="91425" lIns="91425" spcFirstLastPara="1" rIns="91425" wrap="square" tIns="91425">
-            <a:noAutofit/>
-          </a:bodyPr>
-          <a:lstStyle/>
-          <a:p>
-            <a:pPr indent="0" lvl="0" marL="0" rtl="0" algn="l">
-              <a:spcBef>
-                <a:spcPts val="0"/>
-              </a:spcBef>
-              <a:spcAft>
-                <a:spcPts val="0"/>
-              </a:spcAft>
-              <a:buNone/>
-            </a:pPr>
-            <a:r>
-              <a:rPr lang="en"/>
-              <a:t>With the new push method, our update method is relatively standard</a:t>
-            </a:r>
-            <a:endParaRPr/>
-          </a:p>
-          <a:p>
-            <a:pPr indent="0" lvl="0" marL="0" rtl="0" algn="l">
-              <a:spcBef>
-                <a:spcPts val="1600"/>
-              </a:spcBef>
-              <a:spcAft>
-                <a:spcPts val="0"/>
-              </a:spcAft>
-              <a:buNone/>
-            </a:pPr>
-            <a:r>
-              <a:rPr lang="en"/>
-              <a:t>If the query range matches the node’s, add </a:t>
-            </a:r>
-            <a:r>
-              <a:rPr lang="en">
-                <a:solidFill>
-                  <a:schemeClr val="dk1"/>
-                </a:solidFill>
-              </a:rPr>
-              <a:t>δ to its value </a:t>
-            </a:r>
-            <a:r>
-              <a:rPr b="1" lang="en">
-                <a:solidFill>
-                  <a:schemeClr val="dk1"/>
-                </a:solidFill>
-              </a:rPr>
-              <a:t>as well as its lazy value</a:t>
-            </a:r>
-            <a:endParaRPr>
-              <a:solidFill>
-                <a:schemeClr val="dk1"/>
-              </a:solidFill>
-            </a:endParaRPr>
-          </a:p>
-          <a:p>
-            <a:pPr indent="0" lvl="0" marL="0" rtl="0" algn="l">
-              <a:spcBef>
-                <a:spcPts val="1600"/>
-              </a:spcBef>
-              <a:spcAft>
-                <a:spcPts val="0"/>
-              </a:spcAft>
-              <a:buNone/>
-            </a:pPr>
-            <a:r>
-              <a:t/>
-            </a:r>
-            <a:endParaRPr>
-              <a:solidFill>
-                <a:schemeClr val="dk1"/>
-              </a:solidFill>
-            </a:endParaRPr>
-          </a:p>
-          <a:p>
-            <a:pPr indent="0" lvl="0" marL="0" rtl="0" algn="l">
-              <a:lnSpc>
-                <a:spcPct val="100000"/>
-              </a:lnSpc>
-              <a:spcBef>
-                <a:spcPts val="1600"/>
-              </a:spcBef>
-              <a:spcAft>
-                <a:spcPts val="0"/>
-              </a:spcAft>
-              <a:buNone/>
-            </a:pPr>
-            <a:r>
-              <a:t/>
-            </a:r>
-            <a:endParaRPr>
-              <a:solidFill>
-                <a:schemeClr val="dk1"/>
-              </a:solidFill>
-              <a:latin typeface="Arial"/>
-              <a:ea typeface="Arial"/>
-              <a:cs typeface="Arial"/>
-              <a:sym typeface="Arial"/>
-            </a:endParaRPr>
-          </a:p>
-          <a:p>
-            <a:pPr indent="0" lvl="0" marL="457200" rtl="0" algn="l">
-              <a:lnSpc>
-                <a:spcPct val="100000"/>
-              </a:lnSpc>
-              <a:spcBef>
-                <a:spcPts val="0"/>
-              </a:spcBef>
-              <a:spcAft>
-                <a:spcPts val="0"/>
-              </a:spcAft>
-              <a:buNone/>
-            </a:pPr>
-            <a:r>
-              <a:t/>
-            </a:r>
-            <a:endParaRPr>
-              <a:solidFill>
-                <a:srgbClr val="000000"/>
-              </a:solidFill>
-              <a:latin typeface="Arial"/>
-              <a:ea typeface="Arial"/>
-              <a:cs typeface="Arial"/>
-              <a:sym typeface="Arial"/>
-            </a:endParaRPr>
-          </a:p>
-          <a:p>
-            <a:pPr indent="0" lvl="0" marL="457200" rtl="0" algn="l">
-              <a:spcBef>
-                <a:spcPts val="0"/>
-              </a:spcBef>
-              <a:spcAft>
-                <a:spcPts val="1600"/>
-              </a:spcAft>
-              <a:buNone/>
-            </a:pPr>
-            <a:r>
-              <a:t/>
-            </a:r>
-            <a:endParaRPr/>
-          </a:p>
-        </p:txBody>
-      </p:sp>
-      <p:pic>
-        <p:nvPicPr>
-          <p:cNvPr id="517" name="Google Shape;517;p36" title="Screenshot 2025-04-21 at 1.53.25 AM.png"/>
-          <p:cNvPicPr preferRelativeResize="0"/>
-          <p:nvPr/>
-        </p:nvPicPr>
-        <p:blipFill>
-          <a:blip r:embed="rId3">
-            <a:alphaModFix/>
-          </a:blip>
-          <a:stretch>
-            <a:fillRect/>
-          </a:stretch>
-        </p:blipFill>
-        <p:spPr>
-          <a:xfrm>
-            <a:off x="4483026" y="584695"/>
-            <a:ext cx="4278600" cy="2224301"/>
-          </a:xfrm>
-          <a:prstGeom prst="rect">
-            <a:avLst/>
-          </a:prstGeom>
-          <a:noFill/>
-          <a:ln>
-            <a:noFill/>
-          </a:ln>
-        </p:spPr>
-      </p:pic>
-      <p:sp>
-        <p:nvSpPr>
-          <p:cNvPr id="518" name="Google Shape;518;p36"/>
-          <p:cNvSpPr txBox="1"/>
-          <p:nvPr>
-            <p:ph idx="4294967295" type="body"/>
-          </p:nvPr>
-        </p:nvSpPr>
-        <p:spPr>
-          <a:xfrm>
-            <a:off x="720650" y="3105725"/>
-            <a:ext cx="7545000" cy="1423200"/>
-          </a:xfrm>
-          <a:prstGeom prst="rect">
-            <a:avLst/>
-          </a:prstGeom>
-        </p:spPr>
-        <p:txBody>
-          <a:bodyPr anchorCtr="0" anchor="t" bIns="91425" lIns="91425" spcFirstLastPara="1" rIns="91425" wrap="square" tIns="91425">
-            <a:noAutofit/>
-          </a:bodyPr>
-          <a:lstStyle/>
-          <a:p>
-            <a:pPr indent="0" lvl="0" marL="0" rtl="0" algn="l">
-              <a:spcBef>
-                <a:spcPts val="0"/>
-              </a:spcBef>
-              <a:spcAft>
-                <a:spcPts val="0"/>
-              </a:spcAft>
-              <a:buNone/>
-            </a:pPr>
-            <a:r>
-              <a:rPr lang="en"/>
-              <a:t>Otherwise, call push on the current node to </a:t>
-            </a:r>
-            <a:r>
-              <a:rPr lang="en"/>
-              <a:t>propagate</a:t>
-            </a:r>
-            <a:r>
-              <a:rPr lang="en"/>
-              <a:t> any updates, recursively update our children, then </a:t>
-            </a:r>
-            <a:r>
-              <a:rPr lang="en"/>
-              <a:t>update</a:t>
-            </a:r>
-            <a:r>
-              <a:rPr lang="en"/>
-              <a:t> our own value by merging our children’s </a:t>
-            </a:r>
-            <a:endParaRPr/>
-          </a:p>
-          <a:p>
-            <a:pPr indent="0" lvl="0" marL="0" rtl="0" algn="l">
-              <a:spcBef>
-                <a:spcPts val="1600"/>
-              </a:spcBef>
-              <a:spcAft>
-                <a:spcPts val="0"/>
-              </a:spcAft>
-              <a:buNone/>
-            </a:pPr>
-            <a:r>
-              <a:t/>
-            </a:r>
-            <a:endParaRPr/>
-          </a:p>
-          <a:p>
-            <a:pPr indent="0" lvl="0" marL="0" rtl="0" algn="l">
-              <a:lnSpc>
-                <a:spcPct val="100000"/>
-              </a:lnSpc>
-              <a:spcBef>
-                <a:spcPts val="1600"/>
-              </a:spcBef>
-              <a:spcAft>
-                <a:spcPts val="0"/>
-              </a:spcAft>
-              <a:buNone/>
-            </a:pPr>
-            <a:r>
-              <a:t/>
-            </a:r>
-            <a:endParaRPr>
-              <a:solidFill>
-                <a:schemeClr val="dk1"/>
-              </a:solidFill>
-              <a:latin typeface="Arial"/>
-              <a:ea typeface="Arial"/>
-              <a:cs typeface="Arial"/>
-              <a:sym typeface="Arial"/>
-            </a:endParaRPr>
-          </a:p>
-          <a:p>
-            <a:pPr indent="0" lvl="0" marL="457200" rtl="0" algn="l">
-              <a:lnSpc>
-                <a:spcPct val="100000"/>
-              </a:lnSpc>
-              <a:spcBef>
-                <a:spcPts val="0"/>
-              </a:spcBef>
-              <a:spcAft>
-                <a:spcPts val="0"/>
-              </a:spcAft>
-              <a:buNone/>
-            </a:pPr>
-            <a:r>
-              <a:t/>
-            </a:r>
-            <a:endParaRPr>
-              <a:solidFill>
-                <a:srgbClr val="000000"/>
-              </a:solidFill>
-              <a:latin typeface="Arial"/>
-              <a:ea typeface="Arial"/>
-              <a:cs typeface="Arial"/>
-              <a:sym typeface="Arial"/>
-            </a:endParaRPr>
-          </a:p>
-          <a:p>
-            <a:pPr indent="0" lvl="0" marL="457200" rtl="0" algn="l">
-              <a:spcBef>
-                <a:spcPts val="0"/>
-              </a:spcBef>
-              <a:spcAft>
-                <a:spcPts val="1600"/>
-              </a:spcAft>
-              <a:buNone/>
-            </a:pPr>
-            <a:r>
-              <a:t/>
-            </a:r>
-            <a:endParaRPr/>
-          </a:p>
-        </p:txBody>
-      </p:sp>
-    </p:spTree>
-  </p:cSld>
-  <p:clrMapOvr>
-    <a:masterClrMapping/>
-  </p:clrMapOvr>
-</p:sld>
-</file>
-
-<file path=ppt/slides/slide15.xml><?xml version="1.0" encoding="utf-8"?>
-<p:sld xmlns:a="http://schemas.openxmlformats.org/drawingml/2006/main" xmlns:r="http://schemas.openxmlformats.org/officeDocument/2006/relationships" xmlns:mc="http://schemas.openxmlformats.org/markup-compatibility/2006" xmlns:mv="urn:schemas-microsoft-com:mac:vml" xmlns:p="http://schemas.openxmlformats.org/presentationml/2006/main" xmlns:c="http://schemas.openxmlformats.org/drawingml/2006/chart" xmlns:dgm="http://schemas.openxmlformats.org/drawingml/2006/diagram" xmlns:o="urn:schemas-microsoft-com:office:office" xmlns:v="urn:schemas-microsoft-com:vml" xmlns:pvml="urn:schemas-microsoft-com:office:powerpoint" xmlns:com="http://schemas.openxmlformats.org/drawingml/2006/compatibility" xmlns:p14="http://schemas.microsoft.com/office/powerpoint/2010/main" xmlns:p15="http://schemas.microsoft.com/office/powerpoint/2012/main" xmlns:ahyp="http://schemas.microsoft.com/office/drawing/2018/hyperlinkcolor">
-  <p:cSld>
-    <p:spTree>
-      <p:nvGrpSpPr>
-        <p:cNvPr id="522" name="Shape 522"/>
-        <p:cNvGrpSpPr/>
-        <p:nvPr/>
-      </p:nvGrpSpPr>
-      <p:grpSpPr>
-        <a:xfrm>
-          <a:off x="0" y="0"/>
-          <a:ext cx="0" cy="0"/>
-          <a:chOff x="0" y="0"/>
-          <a:chExt cx="0" cy="0"/>
-        </a:xfrm>
-      </p:grpSpPr>
-      <p:sp>
-        <p:nvSpPr>
-          <p:cNvPr id="523" name="Google Shape;523;p37"/>
-          <p:cNvSpPr txBox="1"/>
-          <p:nvPr>
-            <p:ph idx="4294967295" type="title"/>
-          </p:nvPr>
-        </p:nvSpPr>
-        <p:spPr>
-          <a:xfrm>
-            <a:off x="559725" y="472650"/>
-            <a:ext cx="5808300" cy="518700"/>
-          </a:xfrm>
-          <a:prstGeom prst="rect">
-            <a:avLst/>
-          </a:prstGeom>
-        </p:spPr>
-        <p:txBody>
-          <a:bodyPr anchorCtr="0" anchor="t" bIns="91425" lIns="91425" spcFirstLastPara="1" rIns="91425" wrap="square" tIns="91425">
-            <a:noAutofit/>
-          </a:bodyPr>
-          <a:lstStyle/>
-          <a:p>
-            <a:pPr indent="0" lvl="0" marL="0" rtl="0" algn="l">
-              <a:spcBef>
-                <a:spcPts val="0"/>
-              </a:spcBef>
-              <a:spcAft>
-                <a:spcPts val="0"/>
-              </a:spcAft>
-              <a:buNone/>
-            </a:pPr>
-            <a:r>
-              <a:rPr lang="en" sz="2500"/>
-              <a:t>Query</a:t>
-            </a:r>
-            <a:endParaRPr sz="2500">
-              <a:highlight>
-                <a:srgbClr val="3C78D8"/>
-              </a:highlight>
-            </a:endParaRPr>
-          </a:p>
-        </p:txBody>
-      </p:sp>
-      <p:sp>
-        <p:nvSpPr>
-          <p:cNvPr id="524" name="Google Shape;524;p37"/>
-          <p:cNvSpPr txBox="1"/>
-          <p:nvPr/>
-        </p:nvSpPr>
-        <p:spPr>
-          <a:xfrm>
-            <a:off x="2184775" y="1471975"/>
-            <a:ext cx="2429400" cy="400200"/>
-          </a:xfrm>
-          <a:prstGeom prst="rect">
-            <a:avLst/>
-          </a:prstGeom>
-          <a:noFill/>
-          <a:ln>
-            <a:noFill/>
-          </a:ln>
-        </p:spPr>
-        <p:txBody>
-          <a:bodyPr anchorCtr="0" anchor="t" bIns="91425" lIns="91425" spcFirstLastPara="1" rIns="91425" wrap="square" tIns="91425">
-            <a:spAutoFit/>
-          </a:bodyPr>
-          <a:lstStyle/>
-          <a:p>
-            <a:pPr indent="0" lvl="0" marL="0" rtl="0" algn="l">
-              <a:spcBef>
-                <a:spcPts val="0"/>
-              </a:spcBef>
-              <a:spcAft>
-                <a:spcPts val="0"/>
-              </a:spcAft>
-              <a:buNone/>
-            </a:pPr>
-            <a:r>
-              <a:t/>
-            </a:r>
-            <a:endParaRPr>
-              <a:solidFill>
-                <a:schemeClr val="dk2"/>
-              </a:solidFill>
-              <a:latin typeface="Roboto Mono"/>
-              <a:ea typeface="Roboto Mono"/>
-              <a:cs typeface="Roboto Mono"/>
-              <a:sym typeface="Roboto Mono"/>
-            </a:endParaRPr>
-          </a:p>
-        </p:txBody>
-      </p:sp>
-      <p:sp>
-        <p:nvSpPr>
-          <p:cNvPr id="525" name="Google Shape;525;p37"/>
-          <p:cNvSpPr txBox="1"/>
-          <p:nvPr>
-            <p:ph idx="4294967295" type="body"/>
-          </p:nvPr>
-        </p:nvSpPr>
-        <p:spPr>
-          <a:xfrm>
-            <a:off x="720650" y="1186950"/>
-            <a:ext cx="3893400" cy="1846800"/>
-          </a:xfrm>
-          <a:prstGeom prst="rect">
-            <a:avLst/>
-          </a:prstGeom>
-        </p:spPr>
-        <p:txBody>
-          <a:bodyPr anchorCtr="0" anchor="t" bIns="91425" lIns="91425" spcFirstLastPara="1" rIns="91425" wrap="square" tIns="91425">
-            <a:noAutofit/>
-          </a:bodyPr>
-          <a:lstStyle/>
-          <a:p>
-            <a:pPr indent="0" lvl="0" marL="0" rtl="0" algn="l">
-              <a:spcBef>
-                <a:spcPts val="0"/>
-              </a:spcBef>
-              <a:spcAft>
-                <a:spcPts val="0"/>
-              </a:spcAft>
-              <a:buNone/>
-            </a:pPr>
-            <a:r>
-              <a:rPr lang="en"/>
-              <a:t>Get the max of the highest-level segments that fall within a range</a:t>
-            </a:r>
-            <a:endParaRPr/>
-          </a:p>
-          <a:p>
-            <a:pPr indent="-317500" lvl="0" marL="457200" rtl="0" algn="l">
-              <a:spcBef>
-                <a:spcPts val="1600"/>
-              </a:spcBef>
-              <a:spcAft>
-                <a:spcPts val="0"/>
-              </a:spcAft>
-              <a:buSzPts val="1400"/>
-              <a:buChar char="-"/>
-            </a:pPr>
-            <a:r>
-              <a:rPr lang="en"/>
-              <a:t>When reaching a segment that falls within a range, return the stored max value</a:t>
-            </a:r>
-            <a:endParaRPr/>
-          </a:p>
-          <a:p>
-            <a:pPr indent="0" lvl="0" marL="0" rtl="0" algn="l">
-              <a:spcBef>
-                <a:spcPts val="1600"/>
-              </a:spcBef>
-              <a:spcAft>
-                <a:spcPts val="1600"/>
-              </a:spcAft>
-              <a:buNone/>
-            </a:pPr>
-            <a:r>
-              <a:t/>
-            </a:r>
-            <a:endParaRPr/>
-          </a:p>
-        </p:txBody>
-      </p:sp>
-      <p:pic>
-        <p:nvPicPr>
-          <p:cNvPr id="526" name="Google Shape;526;p37" title="Screenshot 2025-04-21 at 1.53.31 AM.png"/>
-          <p:cNvPicPr preferRelativeResize="0"/>
-          <p:nvPr/>
-        </p:nvPicPr>
-        <p:blipFill>
-          <a:blip r:embed="rId3">
-            <a:alphaModFix/>
-          </a:blip>
-          <a:stretch>
-            <a:fillRect/>
-          </a:stretch>
-        </p:blipFill>
-        <p:spPr>
-          <a:xfrm>
-            <a:off x="4787925" y="272375"/>
-            <a:ext cx="4215700" cy="2155325"/>
-          </a:xfrm>
-          <a:prstGeom prst="rect">
-            <a:avLst/>
-          </a:prstGeom>
-          <a:noFill/>
-          <a:ln>
-            <a:noFill/>
-          </a:ln>
-        </p:spPr>
-      </p:pic>
-      <p:sp>
-        <p:nvSpPr>
-          <p:cNvPr id="527" name="Google Shape;527;p37"/>
-          <p:cNvSpPr txBox="1"/>
-          <p:nvPr/>
-        </p:nvSpPr>
-        <p:spPr>
-          <a:xfrm>
-            <a:off x="720650" y="3033750"/>
-            <a:ext cx="7386900" cy="648000"/>
-          </a:xfrm>
-          <a:prstGeom prst="rect">
-            <a:avLst/>
-          </a:prstGeom>
-          <a:noFill/>
-          <a:ln>
-            <a:noFill/>
-          </a:ln>
-        </p:spPr>
-        <p:txBody>
-          <a:bodyPr anchorCtr="0" anchor="t" bIns="91425" lIns="91425" spcFirstLastPara="1" rIns="91425" wrap="square" tIns="91425">
-            <a:spAutoFit/>
-          </a:bodyPr>
-          <a:lstStyle/>
-          <a:p>
-            <a:pPr indent="0" lvl="0" marL="0" rtl="0" algn="l">
-              <a:lnSpc>
-                <a:spcPct val="115000"/>
-              </a:lnSpc>
-              <a:spcBef>
-                <a:spcPts val="0"/>
-              </a:spcBef>
-              <a:spcAft>
-                <a:spcPts val="1600"/>
-              </a:spcAft>
-              <a:buNone/>
-            </a:pPr>
-            <a:r>
-              <a:rPr lang="en">
-                <a:solidFill>
-                  <a:schemeClr val="dk1"/>
-                </a:solidFill>
-                <a:latin typeface="Roboto Mono"/>
-                <a:ea typeface="Roboto Mono"/>
-                <a:cs typeface="Roboto Mono"/>
-                <a:sym typeface="Roboto Mono"/>
-              </a:rPr>
-              <a:t>Otherwise, push the pending changes down to the two children and continue to traverse the tree</a:t>
-            </a:r>
-            <a:endParaRPr/>
-          </a:p>
-        </p:txBody>
-      </p:sp>
-    </p:spTree>
-  </p:cSld>
-  <p:clrMapOvr>
-    <a:masterClrMapping/>
-  </p:clrMapOvr>
-</p:sld>
-</file>
-
-<file path=ppt/slides/slide16.xml><?xml version="1.0" encoding="utf-8"?>
-<p:sld xmlns:a="http://schemas.openxmlformats.org/drawingml/2006/main" xmlns:r="http://schemas.openxmlformats.org/officeDocument/2006/relationships" xmlns:mc="http://schemas.openxmlformats.org/markup-compatibility/2006" xmlns:mv="urn:schemas-microsoft-com:mac:vml" xmlns:p="http://schemas.openxmlformats.org/presentationml/2006/main" xmlns:c="http://schemas.openxmlformats.org/drawingml/2006/chart" xmlns:dgm="http://schemas.openxmlformats.org/drawingml/2006/diagram" xmlns:o="urn:schemas-microsoft-com:office:office" xmlns:v="urn:schemas-microsoft-com:vml" xmlns:pvml="urn:schemas-microsoft-com:office:powerpoint" xmlns:com="http://schemas.openxmlformats.org/drawingml/2006/compatibility" xmlns:p14="http://schemas.microsoft.com/office/powerpoint/2010/main" xmlns:p15="http://schemas.microsoft.com/office/powerpoint/2012/main" xmlns:ahyp="http://schemas.microsoft.com/office/drawing/2018/hyperlinkcolor">
-  <p:cSld>
-    <p:spTree>
-      <p:nvGrpSpPr>
-        <p:cNvPr id="531" name="Shape 531"/>
-        <p:cNvGrpSpPr/>
-        <p:nvPr/>
-      </p:nvGrpSpPr>
-      <p:grpSpPr>
-        <a:xfrm>
-          <a:off x="0" y="0"/>
-          <a:ext cx="0" cy="0"/>
-          <a:chOff x="0" y="0"/>
-          <a:chExt cx="0" cy="0"/>
-        </a:xfrm>
-      </p:grpSpPr>
-      <p:sp>
-        <p:nvSpPr>
-          <p:cNvPr id="532" name="Google Shape;532;p38"/>
+          <p:cNvPr id="460" name="Google Shape;460;p32"/>
           <p:cNvSpPr txBox="1"/>
           <p:nvPr>
             <p:ph idx="4294967295" type="title"/>
@@ -37473,7 +35470,7 @@
       </p:sp>
       <p:sp>
         <p:nvSpPr>
-          <p:cNvPr id="533" name="Google Shape;533;p38"/>
+          <p:cNvPr id="461" name="Google Shape;461;p32"/>
           <p:cNvSpPr txBox="1"/>
           <p:nvPr/>
         </p:nvSpPr>
@@ -38022,7 +36019,7 @@
         <p:spPr>
           <a:xfrm>
             <a:off x="559725" y="472650"/>
-            <a:ext cx="5808300" cy="518700"/>
+            <a:ext cx="3885600" cy="518700"/>
           </a:xfrm>
           <a:prstGeom prst="rect">
             <a:avLst/>
@@ -38045,7 +36042,7 @@
             </a:pPr>
             <a:r>
               <a:rPr lang="en" sz="2500"/>
-              <a:t>Solution: “lazy propagation” </a:t>
+              <a:t>Range updates</a:t>
             </a:r>
             <a:endParaRPr sz="2500">
               <a:highlight>
@@ -38114,8 +36111,8 @@
         </p:nvSpPr>
         <p:spPr>
           <a:xfrm>
-            <a:off x="311725" y="991350"/>
-            <a:ext cx="5808300" cy="3376200"/>
+            <a:off x="720650" y="1186950"/>
+            <a:ext cx="7020000" cy="3376200"/>
           </a:xfrm>
           <a:prstGeom prst="rect">
             <a:avLst/>
@@ -38128,9 +36125,6 @@
           <a:lstStyle/>
           <a:p>
             <a:pPr indent="0" lvl="0" marL="0" rtl="0" algn="l">
-              <a:lnSpc>
-                <a:spcPct val="100000"/>
-              </a:lnSpc>
               <a:spcBef>
                 <a:spcPts val="0"/>
               </a:spcBef>
@@ -38148,7 +36142,116 @@
                   <a:srgbClr val="3C78D8"/>
                 </a:highlight>
               </a:rPr>
-              <a:t>Key Idea</a:t>
+              <a:t>New Goal:</a:t>
+            </a:r>
+            <a:r>
+              <a:rPr lang="en"/>
+              <a:t> Create a segment tree variant that supports the following queries:</a:t>
+            </a:r>
+            <a:endParaRPr/>
+          </a:p>
+          <a:p>
+            <a:pPr indent="-317500" lvl="0" marL="457200" rtl="0" algn="l">
+              <a:spcBef>
+                <a:spcPts val="1600"/>
+              </a:spcBef>
+              <a:spcAft>
+                <a:spcPts val="0"/>
+              </a:spcAft>
+              <a:buSzPts val="1400"/>
+              <a:buChar char="●"/>
+            </a:pPr>
+            <a:r>
+              <a:rPr i="1" lang="en"/>
+              <a:t>update(l,r,δ)</a:t>
+            </a:r>
+            <a:r>
+              <a:rPr lang="en"/>
+              <a:t> – add δ to each value in the range A[l...r]</a:t>
+            </a:r>
+            <a:endParaRPr/>
+          </a:p>
+          <a:p>
+            <a:pPr indent="-317500" lvl="0" marL="457200" rtl="0" algn="l">
+              <a:spcBef>
+                <a:spcPts val="0"/>
+              </a:spcBef>
+              <a:spcAft>
+                <a:spcPts val="0"/>
+              </a:spcAft>
+              <a:buSzPts val="1400"/>
+              <a:buChar char="●"/>
+            </a:pPr>
+            <a:r>
+              <a:rPr i="1" lang="en"/>
+              <a:t>max(l,r)</a:t>
+            </a:r>
+            <a:r>
+              <a:rPr lang="en"/>
+              <a:t> – return the maximum value in the range A[l...r]</a:t>
+            </a:r>
+            <a:endParaRPr/>
+          </a:p>
+          <a:p>
+            <a:pPr indent="0" lvl="0" marL="0" rtl="0" algn="l">
+              <a:spcBef>
+                <a:spcPts val="1600"/>
+              </a:spcBef>
+              <a:spcAft>
+                <a:spcPts val="0"/>
+              </a:spcAft>
+              <a:buNone/>
+            </a:pPr>
+            <a:r>
+              <a:rPr lang="en"/>
+              <a:t>While keeping the original O(log n) runtime.</a:t>
+            </a:r>
+            <a:endParaRPr/>
+          </a:p>
+          <a:p>
+            <a:pPr indent="0" lvl="0" marL="0" rtl="0" algn="l">
+              <a:spcBef>
+                <a:spcPts val="1600"/>
+              </a:spcBef>
+              <a:spcAft>
+                <a:spcPts val="0"/>
+              </a:spcAft>
+              <a:buNone/>
+            </a:pPr>
+            <a:r>
+              <a:rPr lang="en"/>
+              <a:t>Our overall </a:t>
+            </a:r>
+            <a:r>
+              <a:rPr lang="en"/>
+              <a:t>structure</a:t>
+            </a:r>
+            <a:r>
+              <a:rPr lang="en"/>
+              <a:t> is still the same – each node will store the maximum over its range, as usual</a:t>
+            </a:r>
+            <a:endParaRPr/>
+          </a:p>
+          <a:p>
+            <a:pPr indent="0" lvl="0" marL="0" rtl="0" algn="l">
+              <a:spcBef>
+                <a:spcPts val="1600"/>
+              </a:spcBef>
+              <a:spcAft>
+                <a:spcPts val="1600"/>
+              </a:spcAft>
+              <a:buNone/>
+            </a:pPr>
+            <a:r>
+              <a:rPr b="1" lang="en">
+                <a:solidFill>
+                  <a:schemeClr val="dk1"/>
+                </a:solidFill>
+                <a:highlight>
+                  <a:srgbClr val="3C78D8"/>
+                </a:highlight>
+              </a:rPr>
+              <a:t>Challenge</a:t>
             </a:r>
             <a:r>
               <a:rPr b="1" lang="en">
@@ -38165,114 +36268,9 @@
               <a:rPr b="1" lang="en"/>
               <a:t> </a:t>
             </a:r>
-            <a:endParaRPr b="1"/>
-          </a:p>
-          <a:p>
-            <a:pPr indent="-317500" lvl="0" marL="457200" rtl="0" algn="l">
-              <a:spcBef>
-                <a:spcPts val="1600"/>
-              </a:spcBef>
-              <a:spcAft>
-                <a:spcPts val="0"/>
-              </a:spcAft>
-              <a:buSzPts val="1400"/>
-              <a:buChar char="-"/>
-            </a:pPr>
             <a:r>
               <a:rPr lang="en"/>
-              <a:t>Don’t update every node, update only the topmost segments</a:t>
-            </a:r>
-            <a:endParaRPr/>
-          </a:p>
-          <a:p>
-            <a:pPr indent="-317500" lvl="0" marL="457200" rtl="0" algn="l">
-              <a:spcBef>
-                <a:spcPts val="0"/>
-              </a:spcBef>
-              <a:spcAft>
-                <a:spcPts val="0"/>
-              </a:spcAft>
-              <a:buSzPts val="1400"/>
-              <a:buChar char="-"/>
-            </a:pPr>
-            <a:r>
-              <a:rPr lang="en"/>
-              <a:t>Defer updates to their children until needed (lazily)</a:t>
-            </a:r>
-            <a:endParaRPr/>
-          </a:p>
-          <a:p>
-            <a:pPr indent="0" lvl="0" marL="457200" rtl="0" algn="l">
-              <a:spcBef>
-                <a:spcPts val="1600"/>
-              </a:spcBef>
-              <a:spcAft>
-                <a:spcPts val="0"/>
-              </a:spcAft>
-              <a:buNone/>
-            </a:pPr>
-            <a:r>
-              <a:t/>
-            </a:r>
-            <a:endParaRPr/>
-          </a:p>
-          <a:p>
-            <a:pPr indent="0" lvl="0" marL="0" rtl="0" algn="l">
-              <a:spcBef>
-                <a:spcPts val="1600"/>
-              </a:spcBef>
-              <a:spcAft>
-                <a:spcPts val="0"/>
-              </a:spcAft>
-              <a:buNone/>
-            </a:pPr>
-            <a:r>
-              <a:t/>
-            </a:r>
-            <a:endParaRPr/>
-          </a:p>
-          <a:p>
-            <a:pPr indent="0" lvl="0" marL="0" rtl="0" algn="l">
-              <a:spcBef>
-                <a:spcPts val="1600"/>
-              </a:spcBef>
-              <a:spcAft>
-                <a:spcPts val="0"/>
-              </a:spcAft>
-              <a:buNone/>
-            </a:pPr>
-            <a:r>
-              <a:t/>
-            </a:r>
-            <a:endParaRPr/>
-          </a:p>
-          <a:p>
-            <a:pPr indent="0" lvl="0" marL="0" rtl="0" algn="l">
-              <a:spcBef>
-                <a:spcPts val="1600"/>
-              </a:spcBef>
-              <a:spcAft>
-                <a:spcPts val="0"/>
-              </a:spcAft>
-              <a:buNone/>
-            </a:pPr>
-            <a:r>
-              <a:t/>
-            </a:r>
-            <a:endParaRPr/>
-          </a:p>
-          <a:p>
-            <a:pPr indent="0" lvl="0" marL="0" rtl="0" algn="l">
-              <a:spcBef>
-                <a:spcPts val="1600"/>
-              </a:spcBef>
-              <a:spcAft>
-                <a:spcPts val="1600"/>
-              </a:spcAft>
-              <a:buNone/>
-            </a:pPr>
-            <a:r>
-              <a:t/>
+              <a:t>manually updating each seg-tree node that falls within the query range takes O(n log n) time!</a:t>
             </a:r>
             <a:endParaRPr/>
           </a:p>
@@ -38308,330 +36306,13 @@
           <p:cNvPr id="409" name="Google Shape;409;p26"/>
           <p:cNvSpPr txBox="1"/>
           <p:nvPr>
-            <p:ph type="title"/>
-          </p:nvPr>
-        </p:nvSpPr>
-        <p:spPr>
-          <a:xfrm>
-            <a:off x="536269" y="2191763"/>
-            <a:ext cx="2211300" cy="891600"/>
-          </a:xfrm>
-          <a:prstGeom prst="rect">
-            <a:avLst/>
-          </a:prstGeom>
-        </p:spPr>
-        <p:txBody>
-          <a:bodyPr anchorCtr="0" anchor="b" bIns="91425" lIns="91425" spcFirstLastPara="1" rIns="91425" wrap="square" tIns="91425">
-            <a:noAutofit/>
-          </a:bodyPr>
-          <a:lstStyle/>
-          <a:p>
-            <a:pPr indent="0" lvl="0" marL="0" rtl="0" algn="ctr">
-              <a:spcBef>
-                <a:spcPts val="0"/>
-              </a:spcBef>
-              <a:spcAft>
-                <a:spcPts val="0"/>
-              </a:spcAft>
-              <a:buNone/>
-            </a:pPr>
-            <a:r>
-              <a:rPr lang="en" sz="2800"/>
-              <a:t>Addition</a:t>
-            </a:r>
-            <a:endParaRPr sz="2800"/>
-          </a:p>
-        </p:txBody>
-      </p:sp>
-      <p:sp>
-        <p:nvSpPr>
-          <p:cNvPr id="410" name="Google Shape;410;p26"/>
-          <p:cNvSpPr txBox="1"/>
-          <p:nvPr>
-            <p:ph idx="6" type="body"/>
-          </p:nvPr>
-        </p:nvSpPr>
-        <p:spPr>
-          <a:xfrm>
-            <a:off x="536269" y="3114581"/>
-            <a:ext cx="2211300" cy="693900"/>
-          </a:xfrm>
-          <a:prstGeom prst="rect">
-            <a:avLst/>
-          </a:prstGeom>
-        </p:spPr>
-        <p:txBody>
-          <a:bodyPr anchorCtr="0" anchor="t" bIns="91425" lIns="91425" spcFirstLastPara="1" rIns="91425" wrap="square" tIns="91425">
-            <a:noAutofit/>
-          </a:bodyPr>
-          <a:lstStyle/>
-          <a:p>
-            <a:pPr indent="0" lvl="0" marL="0" rtl="0" algn="ctr">
-              <a:spcBef>
-                <a:spcPts val="0"/>
-              </a:spcBef>
-              <a:spcAft>
-                <a:spcPts val="0"/>
-              </a:spcAft>
-              <a:buNone/>
-            </a:pPr>
-            <a:r>
-              <a:rPr lang="en"/>
-              <a:t>R</a:t>
-            </a:r>
-            <a:r>
-              <a:rPr lang="en"/>
-              <a:t>anged Addition Updates with Point Queries</a:t>
-            </a:r>
-            <a:endParaRPr/>
-          </a:p>
-        </p:txBody>
-      </p:sp>
-      <p:sp>
-        <p:nvSpPr>
-          <p:cNvPr id="411" name="Google Shape;411;p26"/>
-          <p:cNvSpPr txBox="1"/>
-          <p:nvPr>
-            <p:ph idx="2" type="title"/>
-          </p:nvPr>
-        </p:nvSpPr>
-        <p:spPr>
-          <a:xfrm>
-            <a:off x="536269" y="273581"/>
-            <a:ext cx="8036100" cy="572700"/>
-          </a:xfrm>
-          <a:prstGeom prst="rect">
-            <a:avLst/>
-          </a:prstGeom>
-        </p:spPr>
-        <p:txBody>
-          <a:bodyPr anchorCtr="0" anchor="t" bIns="91425" lIns="91425" spcFirstLastPara="1" rIns="91425" wrap="square" tIns="91425">
-            <a:noAutofit/>
-          </a:bodyPr>
-          <a:lstStyle/>
-          <a:p>
-            <a:pPr indent="0" lvl="0" marL="0" rtl="0" algn="ctr">
-              <a:spcBef>
-                <a:spcPts val="0"/>
-              </a:spcBef>
-              <a:spcAft>
-                <a:spcPts val="0"/>
-              </a:spcAft>
-              <a:buNone/>
-            </a:pPr>
-            <a:r>
-              <a:rPr lang="en"/>
-              <a:t>Three Variants</a:t>
-            </a:r>
-            <a:endParaRPr/>
-          </a:p>
-        </p:txBody>
-      </p:sp>
-      <p:sp>
-        <p:nvSpPr>
-          <p:cNvPr id="412" name="Google Shape;412;p26"/>
-          <p:cNvSpPr txBox="1"/>
-          <p:nvPr>
-            <p:ph idx="3" type="title"/>
-          </p:nvPr>
-        </p:nvSpPr>
-        <p:spPr>
-          <a:xfrm>
-            <a:off x="3392699" y="1880075"/>
-            <a:ext cx="2358600" cy="891600"/>
-          </a:xfrm>
-          <a:prstGeom prst="rect">
-            <a:avLst/>
-          </a:prstGeom>
-        </p:spPr>
-        <p:txBody>
-          <a:bodyPr anchorCtr="0" anchor="b" bIns="91425" lIns="91425" spcFirstLastPara="1" rIns="91425" wrap="square" tIns="91425">
-            <a:noAutofit/>
-          </a:bodyPr>
-          <a:lstStyle/>
-          <a:p>
-            <a:pPr indent="0" lvl="0" marL="0" rtl="0" algn="ctr">
-              <a:spcBef>
-                <a:spcPts val="0"/>
-              </a:spcBef>
-              <a:spcAft>
-                <a:spcPts val="0"/>
-              </a:spcAft>
-              <a:buNone/>
-            </a:pPr>
-            <a:r>
-              <a:rPr lang="en" sz="2800"/>
-              <a:t>Assignment</a:t>
-            </a:r>
-            <a:endParaRPr sz="2800"/>
-          </a:p>
-        </p:txBody>
-      </p:sp>
-      <p:sp>
-        <p:nvSpPr>
-          <p:cNvPr id="413" name="Google Shape;413;p26"/>
-          <p:cNvSpPr txBox="1"/>
-          <p:nvPr>
-            <p:ph idx="4" type="title"/>
-          </p:nvPr>
-        </p:nvSpPr>
-        <p:spPr>
-          <a:xfrm>
-            <a:off x="6361090" y="2191763"/>
-            <a:ext cx="2211300" cy="891600"/>
-          </a:xfrm>
-          <a:prstGeom prst="rect">
-            <a:avLst/>
-          </a:prstGeom>
-        </p:spPr>
-        <p:txBody>
-          <a:bodyPr anchorCtr="0" anchor="b" bIns="91425" lIns="91425" spcFirstLastPara="1" rIns="91425" wrap="square" tIns="91425">
-            <a:noAutofit/>
-          </a:bodyPr>
-          <a:lstStyle/>
-          <a:p>
-            <a:pPr indent="0" lvl="0" marL="0" rtl="0" algn="ctr">
-              <a:spcBef>
-                <a:spcPts val="0"/>
-              </a:spcBef>
-              <a:spcAft>
-                <a:spcPts val="0"/>
-              </a:spcAft>
-              <a:buNone/>
-            </a:pPr>
-            <a:r>
-              <a:rPr lang="en" sz="2800"/>
-              <a:t>Max</a:t>
-            </a:r>
-            <a:endParaRPr sz="2800"/>
-          </a:p>
-        </p:txBody>
-      </p:sp>
-      <p:sp>
-        <p:nvSpPr>
-          <p:cNvPr id="414" name="Google Shape;414;p26"/>
-          <p:cNvSpPr txBox="1"/>
-          <p:nvPr>
-            <p:ph idx="1" type="body"/>
-          </p:nvPr>
-        </p:nvSpPr>
-        <p:spPr>
-          <a:xfrm>
-            <a:off x="6361085" y="3122944"/>
-            <a:ext cx="2211300" cy="693900"/>
-          </a:xfrm>
-          <a:prstGeom prst="rect">
-            <a:avLst/>
-          </a:prstGeom>
-        </p:spPr>
-        <p:txBody>
-          <a:bodyPr anchorCtr="0" anchor="t" bIns="91425" lIns="91425" spcFirstLastPara="1" rIns="91425" wrap="square" tIns="91425">
-            <a:noAutofit/>
-          </a:bodyPr>
-          <a:lstStyle/>
-          <a:p>
-            <a:pPr indent="0" lvl="0" marL="0" rtl="0" algn="ctr">
-              <a:spcBef>
-                <a:spcPts val="0"/>
-              </a:spcBef>
-              <a:spcAft>
-                <a:spcPts val="0"/>
-              </a:spcAft>
-              <a:buNone/>
-            </a:pPr>
-            <a:r>
-              <a:rPr lang="en"/>
-              <a:t>R</a:t>
-            </a:r>
-            <a:r>
-              <a:rPr lang="en"/>
-              <a:t>anged Addition Updates with Ranged Max Queries</a:t>
-            </a:r>
-            <a:endParaRPr/>
-          </a:p>
-        </p:txBody>
-      </p:sp>
-      <p:sp>
-        <p:nvSpPr>
-          <p:cNvPr id="415" name="Google Shape;415;p26"/>
-          <p:cNvSpPr txBox="1"/>
-          <p:nvPr>
-            <p:ph idx="5" type="body"/>
-          </p:nvPr>
-        </p:nvSpPr>
-        <p:spPr>
-          <a:xfrm>
-            <a:off x="3448677" y="2771681"/>
-            <a:ext cx="2211300" cy="693900"/>
-          </a:xfrm>
-          <a:prstGeom prst="rect">
-            <a:avLst/>
-          </a:prstGeom>
-        </p:spPr>
-        <p:txBody>
-          <a:bodyPr anchorCtr="0" anchor="t" bIns="91425" lIns="91425" spcFirstLastPara="1" rIns="91425" wrap="square" tIns="91425">
-            <a:noAutofit/>
-          </a:bodyPr>
-          <a:lstStyle/>
-          <a:p>
-            <a:pPr indent="0" lvl="0" marL="0" rtl="0" algn="ctr">
-              <a:spcBef>
-                <a:spcPts val="0"/>
-              </a:spcBef>
-              <a:spcAft>
-                <a:spcPts val="0"/>
-              </a:spcAft>
-              <a:buNone/>
-            </a:pPr>
-            <a:r>
-              <a:rPr lang="en"/>
-              <a:t>R</a:t>
-            </a:r>
-            <a:r>
-              <a:rPr lang="en"/>
-              <a:t>anged Assignment Updates with Point Queries</a:t>
-            </a:r>
-            <a:endParaRPr/>
-          </a:p>
-        </p:txBody>
-      </p:sp>
-    </p:spTree>
-  </p:cSld>
-  <p:clrMapOvr>
-    <a:masterClrMapping/>
-  </p:clrMapOvr>
-</p:sld>
-</file>
-
-<file path=ppt/slides/slide5.xml><?xml version="1.0" encoding="utf-8"?>
-<p:sld xmlns:a="http://schemas.openxmlformats.org/drawingml/2006/main" xmlns:r="http://schemas.openxmlformats.org/officeDocument/2006/relationships" xmlns:mc="http://schemas.openxmlformats.org/markup-compatibility/2006" xmlns:mv="urn:schemas-microsoft-com:mac:vml" xmlns:p="http://schemas.openxmlformats.org/presentationml/2006/main" xmlns:c="http://schemas.openxmlformats.org/drawingml/2006/chart" xmlns:dgm="http://schemas.openxmlformats.org/drawingml/2006/diagram" xmlns:o="urn:schemas-microsoft-com:office:office" xmlns:v="urn:schemas-microsoft-com:vml" xmlns:pvml="urn:schemas-microsoft-com:office:powerpoint" xmlns:com="http://schemas.openxmlformats.org/drawingml/2006/compatibility" xmlns:p14="http://schemas.microsoft.com/office/powerpoint/2010/main" xmlns:p15="http://schemas.microsoft.com/office/powerpoint/2012/main" xmlns:ahyp="http://schemas.microsoft.com/office/drawing/2018/hyperlinkcolor">
-  <p:cSld>
-    <p:spTree>
-      <p:nvGrpSpPr>
-        <p:cNvPr id="419" name="Shape 419"/>
-        <p:cNvGrpSpPr/>
-        <p:nvPr/>
-      </p:nvGrpSpPr>
-      <p:grpSpPr>
-        <a:xfrm>
-          <a:off x="0" y="0"/>
-          <a:ext cx="0" cy="0"/>
-          <a:chOff x="0" y="0"/>
-          <a:chExt cx="0" cy="0"/>
-        </a:xfrm>
-      </p:grpSpPr>
-      <p:sp>
-        <p:nvSpPr>
-          <p:cNvPr id="420" name="Google Shape;420;p27"/>
-          <p:cNvSpPr txBox="1"/>
-          <p:nvPr>
             <p:ph idx="4294967295" type="title"/>
           </p:nvPr>
         </p:nvSpPr>
         <p:spPr>
           <a:xfrm>
             <a:off x="559725" y="472650"/>
-            <a:ext cx="7687200" cy="518700"/>
+            <a:ext cx="5808300" cy="518700"/>
           </a:xfrm>
           <a:prstGeom prst="rect">
             <a:avLst/>
@@ -38654,15 +36335,19 @@
             </a:pPr>
             <a:r>
               <a:rPr lang="en" sz="2500"/>
-              <a:t>Variant 1: Adding to a range, getting a specific index </a:t>
+              <a:t>Solution: “lazy propagation” </a:t>
             </a:r>
-            <a:endParaRPr sz="2500"/>
+            <a:endParaRPr sz="2500">
+              <a:highlight>
+                <a:srgbClr val="3C78D8"/>
+              </a:highlight>
+            </a:endParaRPr>
           </a:p>
         </p:txBody>
       </p:sp>
       <p:sp>
         <p:nvSpPr>
-          <p:cNvPr id="421" name="Google Shape;421;p27"/>
+          <p:cNvPr id="410" name="Google Shape;410;p26"/>
           <p:cNvSpPr txBox="1"/>
           <p:nvPr/>
         </p:nvSpPr>
@@ -38711,7 +36396,1370 @@
       </p:sp>
       <p:sp>
         <p:nvSpPr>
-          <p:cNvPr id="422" name="Google Shape;422;p27"/>
+          <p:cNvPr id="411" name="Google Shape;411;p26"/>
+          <p:cNvSpPr txBox="1"/>
+          <p:nvPr>
+            <p:ph idx="4294967295" type="body"/>
+          </p:nvPr>
+        </p:nvSpPr>
+        <p:spPr>
+          <a:xfrm>
+            <a:off x="311725" y="991350"/>
+            <a:ext cx="5808300" cy="3376200"/>
+          </a:xfrm>
+          <a:prstGeom prst="rect">
+            <a:avLst/>
+          </a:prstGeom>
+        </p:spPr>
+        <p:txBody>
+          <a:bodyPr anchorCtr="0" anchor="t" bIns="91425" lIns="91425" spcFirstLastPara="1" rIns="91425" wrap="square" tIns="91425">
+            <a:noAutofit/>
+          </a:bodyPr>
+          <a:lstStyle/>
+          <a:p>
+            <a:pPr indent="0" lvl="0" marL="0" rtl="0" algn="l">
+              <a:lnSpc>
+                <a:spcPct val="100000"/>
+              </a:lnSpc>
+              <a:spcBef>
+                <a:spcPts val="0"/>
+              </a:spcBef>
+              <a:spcAft>
+                <a:spcPts val="0"/>
+              </a:spcAft>
+              <a:buNone/>
+            </a:pPr>
+            <a:r>
+              <a:rPr b="1" lang="en">
+                <a:solidFill>
+                  <a:schemeClr val="dk1"/>
+                </a:solidFill>
+                <a:highlight>
+                  <a:srgbClr val="3C78D8"/>
+                </a:highlight>
+              </a:rPr>
+              <a:t>Key Idea</a:t>
+            </a:r>
+            <a:r>
+              <a:rPr b="1" lang="en">
+                <a:solidFill>
+                  <a:schemeClr val="dk1"/>
+                </a:solidFill>
+                <a:highlight>
+                  <a:srgbClr val="3C78D8"/>
+                </a:highlight>
+              </a:rPr>
+              <a:t>:</a:t>
+            </a:r>
+            <a:r>
+              <a:rPr b="1" lang="en"/>
+              <a:t> </a:t>
+            </a:r>
+            <a:endParaRPr b="1"/>
+          </a:p>
+          <a:p>
+            <a:pPr indent="-317500" lvl="0" marL="457200" rtl="0" algn="l">
+              <a:spcBef>
+                <a:spcPts val="1600"/>
+              </a:spcBef>
+              <a:spcAft>
+                <a:spcPts val="0"/>
+              </a:spcAft>
+              <a:buSzPts val="1400"/>
+              <a:buChar char="-"/>
+            </a:pPr>
+            <a:r>
+              <a:rPr lang="en"/>
+              <a:t>Don’t update every node, update only the topmost segments</a:t>
+            </a:r>
+            <a:endParaRPr/>
+          </a:p>
+          <a:p>
+            <a:pPr indent="-317500" lvl="0" marL="457200" rtl="0" algn="l">
+              <a:spcBef>
+                <a:spcPts val="0"/>
+              </a:spcBef>
+              <a:spcAft>
+                <a:spcPts val="0"/>
+              </a:spcAft>
+              <a:buSzPts val="1400"/>
+              <a:buChar char="-"/>
+            </a:pPr>
+            <a:r>
+              <a:rPr lang="en"/>
+              <a:t>Defer updates to their children until needed (lazily)</a:t>
+            </a:r>
+            <a:endParaRPr/>
+          </a:p>
+          <a:p>
+            <a:pPr indent="0" lvl="0" marL="0" rtl="0" algn="l">
+              <a:spcBef>
+                <a:spcPts val="1600"/>
+              </a:spcBef>
+              <a:spcAft>
+                <a:spcPts val="0"/>
+              </a:spcAft>
+              <a:buNone/>
+            </a:pPr>
+            <a:r>
+              <a:rPr lang="en"/>
+              <a:t>Add a new </a:t>
+            </a:r>
+            <a:r>
+              <a:rPr b="1" lang="en"/>
+              <a:t>lazy</a:t>
+            </a:r>
+            <a:r>
+              <a:rPr lang="en"/>
+              <a:t> field to our nodes that stores pending additions that need to be applied to the range</a:t>
+            </a:r>
+            <a:endParaRPr/>
+          </a:p>
+          <a:p>
+            <a:pPr indent="0" lvl="0" marL="0" rtl="0" algn="l">
+              <a:spcBef>
+                <a:spcPts val="1600"/>
+              </a:spcBef>
+              <a:spcAft>
+                <a:spcPts val="0"/>
+              </a:spcAft>
+              <a:buNone/>
+            </a:pPr>
+            <a:r>
+              <a:rPr lang="en"/>
+              <a:t>Updates occur when traversing down the tree and encountering pending changes</a:t>
+            </a:r>
+            <a:endParaRPr/>
+          </a:p>
+          <a:p>
+            <a:pPr indent="-317500" lvl="0" marL="457200" rtl="0" algn="l">
+              <a:spcBef>
+                <a:spcPts val="1600"/>
+              </a:spcBef>
+              <a:spcAft>
+                <a:spcPts val="0"/>
+              </a:spcAft>
+              <a:buSzPts val="1400"/>
+              <a:buChar char="-"/>
+            </a:pPr>
+            <a:r>
+              <a:rPr lang="en"/>
+              <a:t>Only immediate children are updated through “push mechanism”</a:t>
+            </a:r>
+            <a:endParaRPr/>
+          </a:p>
+          <a:p>
+            <a:pPr indent="0" lvl="0" marL="0" rtl="0" algn="l">
+              <a:spcBef>
+                <a:spcPts val="1600"/>
+              </a:spcBef>
+              <a:spcAft>
+                <a:spcPts val="0"/>
+              </a:spcAft>
+              <a:buNone/>
+            </a:pPr>
+            <a:r>
+              <a:t/>
+            </a:r>
+            <a:endParaRPr/>
+          </a:p>
+          <a:p>
+            <a:pPr indent="0" lvl="0" marL="0" rtl="0" algn="l">
+              <a:spcBef>
+                <a:spcPts val="1600"/>
+              </a:spcBef>
+              <a:spcAft>
+                <a:spcPts val="0"/>
+              </a:spcAft>
+              <a:buNone/>
+            </a:pPr>
+            <a:r>
+              <a:t/>
+            </a:r>
+            <a:endParaRPr/>
+          </a:p>
+          <a:p>
+            <a:pPr indent="0" lvl="0" marL="0" rtl="0" algn="l">
+              <a:spcBef>
+                <a:spcPts val="1600"/>
+              </a:spcBef>
+              <a:spcAft>
+                <a:spcPts val="0"/>
+              </a:spcAft>
+              <a:buNone/>
+            </a:pPr>
+            <a:r>
+              <a:t/>
+            </a:r>
+            <a:endParaRPr/>
+          </a:p>
+          <a:p>
+            <a:pPr indent="0" lvl="0" marL="0" rtl="0" algn="l">
+              <a:spcBef>
+                <a:spcPts val="1600"/>
+              </a:spcBef>
+              <a:spcAft>
+                <a:spcPts val="1600"/>
+              </a:spcAft>
+              <a:buNone/>
+            </a:pPr>
+            <a:r>
+              <a:t/>
+            </a:r>
+            <a:endParaRPr/>
+          </a:p>
+        </p:txBody>
+      </p:sp>
+      <p:pic>
+        <p:nvPicPr>
+          <p:cNvPr id="412" name="Google Shape;412;p26" title="Screenshot 2025-04-21 at 2.16.27 AM.png"/>
+          <p:cNvPicPr preferRelativeResize="0"/>
+          <p:nvPr/>
+        </p:nvPicPr>
+        <p:blipFill>
+          <a:blip r:embed="rId3">
+            <a:alphaModFix/>
+          </a:blip>
+          <a:stretch>
+            <a:fillRect/>
+          </a:stretch>
+        </p:blipFill>
+        <p:spPr>
+          <a:xfrm>
+            <a:off x="6245296" y="1421125"/>
+            <a:ext cx="2266751" cy="1858149"/>
+          </a:xfrm>
+          <a:prstGeom prst="rect">
+            <a:avLst/>
+          </a:prstGeom>
+          <a:noFill/>
+          <a:ln>
+            <a:noFill/>
+          </a:ln>
+        </p:spPr>
+      </p:pic>
+    </p:spTree>
+  </p:cSld>
+  <p:clrMapOvr>
+    <a:masterClrMapping/>
+  </p:clrMapOvr>
+</p:sld>
+</file>
+
+<file path=ppt/slides/slide5.xml><?xml version="1.0" encoding="utf-8"?>
+<p:sld xmlns:a="http://schemas.openxmlformats.org/drawingml/2006/main" xmlns:r="http://schemas.openxmlformats.org/officeDocument/2006/relationships" xmlns:mc="http://schemas.openxmlformats.org/markup-compatibility/2006" xmlns:mv="urn:schemas-microsoft-com:mac:vml" xmlns:p="http://schemas.openxmlformats.org/presentationml/2006/main" xmlns:c="http://schemas.openxmlformats.org/drawingml/2006/chart" xmlns:dgm="http://schemas.openxmlformats.org/drawingml/2006/diagram" xmlns:o="urn:schemas-microsoft-com:office:office" xmlns:v="urn:schemas-microsoft-com:vml" xmlns:pvml="urn:schemas-microsoft-com:office:powerpoint" xmlns:com="http://schemas.openxmlformats.org/drawingml/2006/compatibility" xmlns:p14="http://schemas.microsoft.com/office/powerpoint/2010/main" xmlns:p15="http://schemas.microsoft.com/office/powerpoint/2012/main" xmlns:ahyp="http://schemas.microsoft.com/office/drawing/2018/hyperlinkcolor">
+  <p:cSld>
+    <p:spTree>
+      <p:nvGrpSpPr>
+        <p:cNvPr id="416" name="Shape 416"/>
+        <p:cNvGrpSpPr/>
+        <p:nvPr/>
+      </p:nvGrpSpPr>
+      <p:grpSpPr>
+        <a:xfrm>
+          <a:off x="0" y="0"/>
+          <a:ext cx="0" cy="0"/>
+          <a:chOff x="0" y="0"/>
+          <a:chExt cx="0" cy="0"/>
+        </a:xfrm>
+      </p:grpSpPr>
+      <p:sp>
+        <p:nvSpPr>
+          <p:cNvPr id="417" name="Google Shape;417;p27"/>
+          <p:cNvSpPr txBox="1"/>
+          <p:nvPr>
+            <p:ph idx="4294967295" type="title"/>
+          </p:nvPr>
+        </p:nvSpPr>
+        <p:spPr>
+          <a:xfrm>
+            <a:off x="559725" y="472650"/>
+            <a:ext cx="5808300" cy="518700"/>
+          </a:xfrm>
+          <a:prstGeom prst="rect">
+            <a:avLst/>
+          </a:prstGeom>
+        </p:spPr>
+        <p:txBody>
+          <a:bodyPr anchorCtr="0" anchor="t" bIns="91425" lIns="91425" spcFirstLastPara="1" rIns="91425" wrap="square" tIns="91425">
+            <a:noAutofit/>
+          </a:bodyPr>
+          <a:lstStyle/>
+          <a:p>
+            <a:pPr indent="0" lvl="0" marL="0" rtl="0" algn="l">
+              <a:spcBef>
+                <a:spcPts val="0"/>
+              </a:spcBef>
+              <a:spcAft>
+                <a:spcPts val="0"/>
+              </a:spcAft>
+              <a:buNone/>
+            </a:pPr>
+            <a:r>
+              <a:rPr lang="en" sz="2500"/>
+              <a:t>Key new method: push</a:t>
+            </a:r>
+            <a:endParaRPr sz="2500">
+              <a:highlight>
+                <a:srgbClr val="3C78D8"/>
+              </a:highlight>
+            </a:endParaRPr>
+          </a:p>
+        </p:txBody>
+      </p:sp>
+      <p:sp>
+        <p:nvSpPr>
+          <p:cNvPr id="418" name="Google Shape;418;p27"/>
+          <p:cNvSpPr txBox="1"/>
+          <p:nvPr/>
+        </p:nvSpPr>
+        <p:spPr>
+          <a:xfrm>
+            <a:off x="2184775" y="1471975"/>
+            <a:ext cx="2429400" cy="400200"/>
+          </a:xfrm>
+          <a:prstGeom prst="rect">
+            <a:avLst/>
+          </a:prstGeom>
+          <a:noFill/>
+          <a:ln>
+            <a:noFill/>
+          </a:ln>
+        </p:spPr>
+        <p:txBody>
+          <a:bodyPr anchorCtr="0" anchor="t" bIns="91425" lIns="91425" spcFirstLastPara="1" rIns="91425" wrap="square" tIns="91425">
+            <a:spAutoFit/>
+          </a:bodyPr>
+          <a:lstStyle/>
+          <a:p>
+            <a:pPr indent="0" lvl="0" marL="0" rtl="0" algn="l">
+              <a:spcBef>
+                <a:spcPts val="0"/>
+              </a:spcBef>
+              <a:spcAft>
+                <a:spcPts val="0"/>
+              </a:spcAft>
+              <a:buNone/>
+            </a:pPr>
+            <a:r>
+              <a:t/>
+            </a:r>
+            <a:endParaRPr>
+              <a:solidFill>
+                <a:schemeClr val="dk2"/>
+              </a:solidFill>
+              <a:latin typeface="Roboto Mono"/>
+              <a:ea typeface="Roboto Mono"/>
+              <a:cs typeface="Roboto Mono"/>
+              <a:sym typeface="Roboto Mono"/>
+            </a:endParaRPr>
+          </a:p>
+        </p:txBody>
+      </p:sp>
+      <p:sp>
+        <p:nvSpPr>
+          <p:cNvPr id="419" name="Google Shape;419;p27"/>
+          <p:cNvSpPr txBox="1"/>
+          <p:nvPr>
+            <p:ph idx="4294967295" type="body"/>
+          </p:nvPr>
+        </p:nvSpPr>
+        <p:spPr>
+          <a:xfrm>
+            <a:off x="720650" y="1186950"/>
+            <a:ext cx="4139100" cy="3003300"/>
+          </a:xfrm>
+          <a:prstGeom prst="rect">
+            <a:avLst/>
+          </a:prstGeom>
+        </p:spPr>
+        <p:txBody>
+          <a:bodyPr anchorCtr="0" anchor="t" bIns="91425" lIns="91425" spcFirstLastPara="1" rIns="91425" wrap="square" tIns="91425">
+            <a:noAutofit/>
+          </a:bodyPr>
+          <a:lstStyle/>
+          <a:p>
+            <a:pPr indent="0" lvl="0" marL="0" rtl="0" algn="l">
+              <a:spcBef>
+                <a:spcPts val="0"/>
+              </a:spcBef>
+              <a:spcAft>
+                <a:spcPts val="0"/>
+              </a:spcAft>
+              <a:buNone/>
+            </a:pPr>
+            <a:r>
+              <a:rPr lang="en"/>
+              <a:t>Our segment tree needs a new method to perform the lazy propagation</a:t>
+            </a:r>
+            <a:endParaRPr/>
+          </a:p>
+          <a:p>
+            <a:pPr indent="0" lvl="0" marL="0" rtl="0" algn="l">
+              <a:spcBef>
+                <a:spcPts val="1600"/>
+              </a:spcBef>
+              <a:spcAft>
+                <a:spcPts val="0"/>
+              </a:spcAft>
+              <a:buNone/>
+            </a:pPr>
+            <a:r>
+              <a:rPr lang="en">
+                <a:solidFill>
+                  <a:schemeClr val="dk1"/>
+                </a:solidFill>
+              </a:rPr>
+              <a:t>When called on a node, push simply passes down the node’s lazy addition to its children</a:t>
+            </a:r>
+            <a:endParaRPr/>
+          </a:p>
+          <a:p>
+            <a:pPr indent="0" lvl="0" marL="0" rtl="0" algn="l">
+              <a:spcBef>
+                <a:spcPts val="1600"/>
+              </a:spcBef>
+              <a:spcAft>
+                <a:spcPts val="0"/>
+              </a:spcAft>
+              <a:buNone/>
+            </a:pPr>
+            <a:r>
+              <a:t/>
+            </a:r>
+            <a:endParaRPr/>
+          </a:p>
+          <a:p>
+            <a:pPr indent="0" lvl="0" marL="0" rtl="0" algn="l">
+              <a:spcBef>
+                <a:spcPts val="1600"/>
+              </a:spcBef>
+              <a:spcAft>
+                <a:spcPts val="1600"/>
+              </a:spcAft>
+              <a:buNone/>
+            </a:pPr>
+            <a:r>
+              <a:rPr b="1" lang="en">
+                <a:solidFill>
+                  <a:schemeClr val="dk1"/>
+                </a:solidFill>
+                <a:highlight>
+                  <a:srgbClr val="3C78D8"/>
+                </a:highlight>
+              </a:rPr>
+              <a:t>Note:</a:t>
+            </a:r>
+            <a:r>
+              <a:rPr b="1" lang="en"/>
+              <a:t> </a:t>
+            </a:r>
+            <a:r>
+              <a:rPr lang="en"/>
+              <a:t>Along with the children’s values, we also need to update </a:t>
+            </a:r>
+            <a:r>
+              <a:rPr i="1" lang="en"/>
+              <a:t>their own </a:t>
+            </a:r>
+            <a:r>
+              <a:rPr lang="en"/>
+              <a:t>lazy fields for future lazy propagation</a:t>
+            </a:r>
+            <a:endParaRPr/>
+          </a:p>
+        </p:txBody>
+      </p:sp>
+      <p:pic>
+        <p:nvPicPr>
+          <p:cNvPr id="420" name="Google Shape;420;p27" title="Screenshot 2025-04-21 at 1.53.18 AM.png"/>
+          <p:cNvPicPr preferRelativeResize="0"/>
+          <p:nvPr/>
+        </p:nvPicPr>
+        <p:blipFill>
+          <a:blip r:embed="rId3">
+            <a:alphaModFix/>
+          </a:blip>
+          <a:stretch>
+            <a:fillRect/>
+          </a:stretch>
+        </p:blipFill>
+        <p:spPr>
+          <a:xfrm>
+            <a:off x="4906250" y="372675"/>
+            <a:ext cx="3796174" cy="1499500"/>
+          </a:xfrm>
+          <a:prstGeom prst="rect">
+            <a:avLst/>
+          </a:prstGeom>
+          <a:noFill/>
+          <a:ln>
+            <a:noFill/>
+          </a:ln>
+        </p:spPr>
+      </p:pic>
+      <p:pic>
+        <p:nvPicPr>
+          <p:cNvPr id="421" name="Google Shape;421;p27" title="Screenshot 2025-04-21 at 1.52.56 AM.png"/>
+          <p:cNvPicPr preferRelativeResize="0"/>
+          <p:nvPr/>
+        </p:nvPicPr>
+        <p:blipFill>
+          <a:blip r:embed="rId4">
+            <a:alphaModFix/>
+          </a:blip>
+          <a:stretch>
+            <a:fillRect/>
+          </a:stretch>
+        </p:blipFill>
+        <p:spPr>
+          <a:xfrm>
+            <a:off x="5215525" y="3106600"/>
+            <a:ext cx="3253876" cy="1687875"/>
+          </a:xfrm>
+          <a:prstGeom prst="rect">
+            <a:avLst/>
+          </a:prstGeom>
+          <a:noFill/>
+          <a:ln>
+            <a:noFill/>
+          </a:ln>
+        </p:spPr>
+      </p:pic>
+    </p:spTree>
+  </p:cSld>
+  <p:clrMapOvr>
+    <a:masterClrMapping/>
+  </p:clrMapOvr>
+</p:sld>
+</file>
+
+<file path=ppt/slides/slide6.xml><?xml version="1.0" encoding="utf-8"?>
+<p:sld xmlns:a="http://schemas.openxmlformats.org/drawingml/2006/main" xmlns:r="http://schemas.openxmlformats.org/officeDocument/2006/relationships" xmlns:mc="http://schemas.openxmlformats.org/markup-compatibility/2006" xmlns:mv="urn:schemas-microsoft-com:mac:vml" xmlns:p="http://schemas.openxmlformats.org/presentationml/2006/main" xmlns:c="http://schemas.openxmlformats.org/drawingml/2006/chart" xmlns:dgm="http://schemas.openxmlformats.org/drawingml/2006/diagram" xmlns:o="urn:schemas-microsoft-com:office:office" xmlns:v="urn:schemas-microsoft-com:vml" xmlns:pvml="urn:schemas-microsoft-com:office:powerpoint" xmlns:com="http://schemas.openxmlformats.org/drawingml/2006/compatibility" xmlns:p14="http://schemas.microsoft.com/office/powerpoint/2010/main" xmlns:p15="http://schemas.microsoft.com/office/powerpoint/2012/main" xmlns:ahyp="http://schemas.microsoft.com/office/drawing/2018/hyperlinkcolor">
+  <p:cSld>
+    <p:spTree>
+      <p:nvGrpSpPr>
+        <p:cNvPr id="425" name="Shape 425"/>
+        <p:cNvGrpSpPr/>
+        <p:nvPr/>
+      </p:nvGrpSpPr>
+      <p:grpSpPr>
+        <a:xfrm>
+          <a:off x="0" y="0"/>
+          <a:ext cx="0" cy="0"/>
+          <a:chOff x="0" y="0"/>
+          <a:chExt cx="0" cy="0"/>
+        </a:xfrm>
+      </p:grpSpPr>
+      <p:sp>
+        <p:nvSpPr>
+          <p:cNvPr id="426" name="Google Shape;426;p28"/>
+          <p:cNvSpPr txBox="1"/>
+          <p:nvPr>
+            <p:ph idx="4294967295" type="title"/>
+          </p:nvPr>
+        </p:nvSpPr>
+        <p:spPr>
+          <a:xfrm>
+            <a:off x="559725" y="472650"/>
+            <a:ext cx="5808300" cy="518700"/>
+          </a:xfrm>
+          <a:prstGeom prst="rect">
+            <a:avLst/>
+          </a:prstGeom>
+        </p:spPr>
+        <p:txBody>
+          <a:bodyPr anchorCtr="0" anchor="t" bIns="91425" lIns="91425" spcFirstLastPara="1" rIns="91425" wrap="square" tIns="91425">
+            <a:noAutofit/>
+          </a:bodyPr>
+          <a:lstStyle/>
+          <a:p>
+            <a:pPr indent="0" lvl="0" marL="0" rtl="0" algn="l">
+              <a:spcBef>
+                <a:spcPts val="0"/>
+              </a:spcBef>
+              <a:spcAft>
+                <a:spcPts val="0"/>
+              </a:spcAft>
+              <a:buNone/>
+            </a:pPr>
+            <a:r>
+              <a:rPr lang="en" sz="2500"/>
+              <a:t>Update</a:t>
+            </a:r>
+            <a:endParaRPr sz="2500">
+              <a:highlight>
+                <a:srgbClr val="3C78D8"/>
+              </a:highlight>
+            </a:endParaRPr>
+          </a:p>
+        </p:txBody>
+      </p:sp>
+      <p:sp>
+        <p:nvSpPr>
+          <p:cNvPr id="427" name="Google Shape;427;p28"/>
+          <p:cNvSpPr txBox="1"/>
+          <p:nvPr/>
+        </p:nvSpPr>
+        <p:spPr>
+          <a:xfrm>
+            <a:off x="2184775" y="1471975"/>
+            <a:ext cx="2429400" cy="400200"/>
+          </a:xfrm>
+          <a:prstGeom prst="rect">
+            <a:avLst/>
+          </a:prstGeom>
+          <a:noFill/>
+          <a:ln>
+            <a:noFill/>
+          </a:ln>
+        </p:spPr>
+        <p:txBody>
+          <a:bodyPr anchorCtr="0" anchor="t" bIns="91425" lIns="91425" spcFirstLastPara="1" rIns="91425" wrap="square" tIns="91425">
+            <a:spAutoFit/>
+          </a:bodyPr>
+          <a:lstStyle/>
+          <a:p>
+            <a:pPr indent="0" lvl="0" marL="0" rtl="0" algn="l">
+              <a:spcBef>
+                <a:spcPts val="0"/>
+              </a:spcBef>
+              <a:spcAft>
+                <a:spcPts val="0"/>
+              </a:spcAft>
+              <a:buNone/>
+            </a:pPr>
+            <a:r>
+              <a:t/>
+            </a:r>
+            <a:endParaRPr>
+              <a:solidFill>
+                <a:schemeClr val="dk2"/>
+              </a:solidFill>
+              <a:latin typeface="Roboto Mono"/>
+              <a:ea typeface="Roboto Mono"/>
+              <a:cs typeface="Roboto Mono"/>
+              <a:sym typeface="Roboto Mono"/>
+            </a:endParaRPr>
+          </a:p>
+        </p:txBody>
+      </p:sp>
+      <p:sp>
+        <p:nvSpPr>
+          <p:cNvPr id="428" name="Google Shape;428;p28"/>
+          <p:cNvSpPr txBox="1"/>
+          <p:nvPr>
+            <p:ph idx="4294967295" type="body"/>
+          </p:nvPr>
+        </p:nvSpPr>
+        <p:spPr>
+          <a:xfrm>
+            <a:off x="720650" y="1186950"/>
+            <a:ext cx="3732300" cy="1817100"/>
+          </a:xfrm>
+          <a:prstGeom prst="rect">
+            <a:avLst/>
+          </a:prstGeom>
+        </p:spPr>
+        <p:txBody>
+          <a:bodyPr anchorCtr="0" anchor="t" bIns="91425" lIns="91425" spcFirstLastPara="1" rIns="91425" wrap="square" tIns="91425">
+            <a:noAutofit/>
+          </a:bodyPr>
+          <a:lstStyle/>
+          <a:p>
+            <a:pPr indent="0" lvl="0" marL="0" rtl="0" algn="l">
+              <a:spcBef>
+                <a:spcPts val="0"/>
+              </a:spcBef>
+              <a:spcAft>
+                <a:spcPts val="0"/>
+              </a:spcAft>
+              <a:buNone/>
+            </a:pPr>
+            <a:r>
+              <a:rPr lang="en"/>
+              <a:t>With the new push method, our update method is relatively standard</a:t>
+            </a:r>
+            <a:endParaRPr/>
+          </a:p>
+          <a:p>
+            <a:pPr indent="0" lvl="0" marL="0" rtl="0" algn="l">
+              <a:spcBef>
+                <a:spcPts val="1600"/>
+              </a:spcBef>
+              <a:spcAft>
+                <a:spcPts val="0"/>
+              </a:spcAft>
+              <a:buNone/>
+            </a:pPr>
+            <a:r>
+              <a:rPr lang="en"/>
+              <a:t>If the query range matches the node’s, add </a:t>
+            </a:r>
+            <a:r>
+              <a:rPr lang="en">
+                <a:solidFill>
+                  <a:schemeClr val="dk1"/>
+                </a:solidFill>
+              </a:rPr>
+              <a:t>δ to its value </a:t>
+            </a:r>
+            <a:r>
+              <a:rPr b="1" lang="en">
+                <a:solidFill>
+                  <a:schemeClr val="dk1"/>
+                </a:solidFill>
+              </a:rPr>
+              <a:t>as well as its lazy value</a:t>
+            </a:r>
+            <a:endParaRPr>
+              <a:solidFill>
+                <a:schemeClr val="dk1"/>
+              </a:solidFill>
+            </a:endParaRPr>
+          </a:p>
+          <a:p>
+            <a:pPr indent="0" lvl="0" marL="0" rtl="0" algn="l">
+              <a:spcBef>
+                <a:spcPts val="1600"/>
+              </a:spcBef>
+              <a:spcAft>
+                <a:spcPts val="0"/>
+              </a:spcAft>
+              <a:buNone/>
+            </a:pPr>
+            <a:r>
+              <a:t/>
+            </a:r>
+            <a:endParaRPr>
+              <a:solidFill>
+                <a:schemeClr val="dk1"/>
+              </a:solidFill>
+            </a:endParaRPr>
+          </a:p>
+          <a:p>
+            <a:pPr indent="0" lvl="0" marL="0" rtl="0" algn="l">
+              <a:lnSpc>
+                <a:spcPct val="100000"/>
+              </a:lnSpc>
+              <a:spcBef>
+                <a:spcPts val="1600"/>
+              </a:spcBef>
+              <a:spcAft>
+                <a:spcPts val="0"/>
+              </a:spcAft>
+              <a:buNone/>
+            </a:pPr>
+            <a:r>
+              <a:t/>
+            </a:r>
+            <a:endParaRPr>
+              <a:solidFill>
+                <a:schemeClr val="dk1"/>
+              </a:solidFill>
+              <a:latin typeface="Arial"/>
+              <a:ea typeface="Arial"/>
+              <a:cs typeface="Arial"/>
+              <a:sym typeface="Arial"/>
+            </a:endParaRPr>
+          </a:p>
+          <a:p>
+            <a:pPr indent="0" lvl="0" marL="457200" rtl="0" algn="l">
+              <a:lnSpc>
+                <a:spcPct val="100000"/>
+              </a:lnSpc>
+              <a:spcBef>
+                <a:spcPts val="0"/>
+              </a:spcBef>
+              <a:spcAft>
+                <a:spcPts val="0"/>
+              </a:spcAft>
+              <a:buNone/>
+            </a:pPr>
+            <a:r>
+              <a:t/>
+            </a:r>
+            <a:endParaRPr>
+              <a:solidFill>
+                <a:srgbClr val="000000"/>
+              </a:solidFill>
+              <a:latin typeface="Arial"/>
+              <a:ea typeface="Arial"/>
+              <a:cs typeface="Arial"/>
+              <a:sym typeface="Arial"/>
+            </a:endParaRPr>
+          </a:p>
+          <a:p>
+            <a:pPr indent="0" lvl="0" marL="457200" rtl="0" algn="l">
+              <a:spcBef>
+                <a:spcPts val="0"/>
+              </a:spcBef>
+              <a:spcAft>
+                <a:spcPts val="1600"/>
+              </a:spcAft>
+              <a:buNone/>
+            </a:pPr>
+            <a:r>
+              <a:t/>
+            </a:r>
+            <a:endParaRPr/>
+          </a:p>
+        </p:txBody>
+      </p:sp>
+      <p:pic>
+        <p:nvPicPr>
+          <p:cNvPr id="429" name="Google Shape;429;p28" title="Screenshot 2025-04-21 at 1.53.25 AM.png"/>
+          <p:cNvPicPr preferRelativeResize="0"/>
+          <p:nvPr/>
+        </p:nvPicPr>
+        <p:blipFill>
+          <a:blip r:embed="rId3">
+            <a:alphaModFix/>
+          </a:blip>
+          <a:stretch>
+            <a:fillRect/>
+          </a:stretch>
+        </p:blipFill>
+        <p:spPr>
+          <a:xfrm>
+            <a:off x="4483026" y="584695"/>
+            <a:ext cx="4278600" cy="2224301"/>
+          </a:xfrm>
+          <a:prstGeom prst="rect">
+            <a:avLst/>
+          </a:prstGeom>
+          <a:noFill/>
+          <a:ln>
+            <a:noFill/>
+          </a:ln>
+        </p:spPr>
+      </p:pic>
+      <p:sp>
+        <p:nvSpPr>
+          <p:cNvPr id="430" name="Google Shape;430;p28"/>
+          <p:cNvSpPr txBox="1"/>
+          <p:nvPr>
+            <p:ph idx="4294967295" type="body"/>
+          </p:nvPr>
+        </p:nvSpPr>
+        <p:spPr>
+          <a:xfrm>
+            <a:off x="720650" y="3105725"/>
+            <a:ext cx="7545000" cy="1423200"/>
+          </a:xfrm>
+          <a:prstGeom prst="rect">
+            <a:avLst/>
+          </a:prstGeom>
+        </p:spPr>
+        <p:txBody>
+          <a:bodyPr anchorCtr="0" anchor="t" bIns="91425" lIns="91425" spcFirstLastPara="1" rIns="91425" wrap="square" tIns="91425">
+            <a:noAutofit/>
+          </a:bodyPr>
+          <a:lstStyle/>
+          <a:p>
+            <a:pPr indent="0" lvl="0" marL="0" rtl="0" algn="l">
+              <a:spcBef>
+                <a:spcPts val="0"/>
+              </a:spcBef>
+              <a:spcAft>
+                <a:spcPts val="0"/>
+              </a:spcAft>
+              <a:buNone/>
+            </a:pPr>
+            <a:r>
+              <a:rPr lang="en"/>
+              <a:t>Otherwise, call push on the current node to </a:t>
+            </a:r>
+            <a:r>
+              <a:rPr lang="en"/>
+              <a:t>propagate</a:t>
+            </a:r>
+            <a:r>
+              <a:rPr lang="en"/>
+              <a:t> any updates, recursively update our children, then </a:t>
+            </a:r>
+            <a:r>
+              <a:rPr lang="en"/>
+              <a:t>update</a:t>
+            </a:r>
+            <a:r>
+              <a:rPr lang="en"/>
+              <a:t> our own value by merging our children’s </a:t>
+            </a:r>
+            <a:endParaRPr/>
+          </a:p>
+          <a:p>
+            <a:pPr indent="0" lvl="0" marL="0" rtl="0" algn="l">
+              <a:spcBef>
+                <a:spcPts val="1600"/>
+              </a:spcBef>
+              <a:spcAft>
+                <a:spcPts val="0"/>
+              </a:spcAft>
+              <a:buNone/>
+            </a:pPr>
+            <a:r>
+              <a:t/>
+            </a:r>
+            <a:endParaRPr/>
+          </a:p>
+          <a:p>
+            <a:pPr indent="0" lvl="0" marL="0" rtl="0" algn="l">
+              <a:lnSpc>
+                <a:spcPct val="100000"/>
+              </a:lnSpc>
+              <a:spcBef>
+                <a:spcPts val="1600"/>
+              </a:spcBef>
+              <a:spcAft>
+                <a:spcPts val="0"/>
+              </a:spcAft>
+              <a:buNone/>
+            </a:pPr>
+            <a:r>
+              <a:t/>
+            </a:r>
+            <a:endParaRPr>
+              <a:solidFill>
+                <a:schemeClr val="dk1"/>
+              </a:solidFill>
+              <a:latin typeface="Arial"/>
+              <a:ea typeface="Arial"/>
+              <a:cs typeface="Arial"/>
+              <a:sym typeface="Arial"/>
+            </a:endParaRPr>
+          </a:p>
+          <a:p>
+            <a:pPr indent="0" lvl="0" marL="457200" rtl="0" algn="l">
+              <a:lnSpc>
+                <a:spcPct val="100000"/>
+              </a:lnSpc>
+              <a:spcBef>
+                <a:spcPts val="0"/>
+              </a:spcBef>
+              <a:spcAft>
+                <a:spcPts val="0"/>
+              </a:spcAft>
+              <a:buNone/>
+            </a:pPr>
+            <a:r>
+              <a:t/>
+            </a:r>
+            <a:endParaRPr>
+              <a:solidFill>
+                <a:srgbClr val="000000"/>
+              </a:solidFill>
+              <a:latin typeface="Arial"/>
+              <a:ea typeface="Arial"/>
+              <a:cs typeface="Arial"/>
+              <a:sym typeface="Arial"/>
+            </a:endParaRPr>
+          </a:p>
+          <a:p>
+            <a:pPr indent="0" lvl="0" marL="457200" rtl="0" algn="l">
+              <a:spcBef>
+                <a:spcPts val="0"/>
+              </a:spcBef>
+              <a:spcAft>
+                <a:spcPts val="1600"/>
+              </a:spcAft>
+              <a:buNone/>
+            </a:pPr>
+            <a:r>
+              <a:t/>
+            </a:r>
+            <a:endParaRPr/>
+          </a:p>
+        </p:txBody>
+      </p:sp>
+    </p:spTree>
+  </p:cSld>
+  <p:clrMapOvr>
+    <a:masterClrMapping/>
+  </p:clrMapOvr>
+</p:sld>
+</file>
+
+<file path=ppt/slides/slide7.xml><?xml version="1.0" encoding="utf-8"?>
+<p:sld xmlns:a="http://schemas.openxmlformats.org/drawingml/2006/main" xmlns:r="http://schemas.openxmlformats.org/officeDocument/2006/relationships" xmlns:mc="http://schemas.openxmlformats.org/markup-compatibility/2006" xmlns:mv="urn:schemas-microsoft-com:mac:vml" xmlns:p="http://schemas.openxmlformats.org/presentationml/2006/main" xmlns:c="http://schemas.openxmlformats.org/drawingml/2006/chart" xmlns:dgm="http://schemas.openxmlformats.org/drawingml/2006/diagram" xmlns:o="urn:schemas-microsoft-com:office:office" xmlns:v="urn:schemas-microsoft-com:vml" xmlns:pvml="urn:schemas-microsoft-com:office:powerpoint" xmlns:com="http://schemas.openxmlformats.org/drawingml/2006/compatibility" xmlns:p14="http://schemas.microsoft.com/office/powerpoint/2010/main" xmlns:p15="http://schemas.microsoft.com/office/powerpoint/2012/main" xmlns:ahyp="http://schemas.microsoft.com/office/drawing/2018/hyperlinkcolor">
+  <p:cSld>
+    <p:spTree>
+      <p:nvGrpSpPr>
+        <p:cNvPr id="434" name="Shape 434"/>
+        <p:cNvGrpSpPr/>
+        <p:nvPr/>
+      </p:nvGrpSpPr>
+      <p:grpSpPr>
+        <a:xfrm>
+          <a:off x="0" y="0"/>
+          <a:ext cx="0" cy="0"/>
+          <a:chOff x="0" y="0"/>
+          <a:chExt cx="0" cy="0"/>
+        </a:xfrm>
+      </p:grpSpPr>
+      <p:sp>
+        <p:nvSpPr>
+          <p:cNvPr id="435" name="Google Shape;435;p29"/>
+          <p:cNvSpPr txBox="1"/>
+          <p:nvPr>
+            <p:ph idx="4294967295" type="title"/>
+          </p:nvPr>
+        </p:nvSpPr>
+        <p:spPr>
+          <a:xfrm>
+            <a:off x="559725" y="472650"/>
+            <a:ext cx="5808300" cy="518700"/>
+          </a:xfrm>
+          <a:prstGeom prst="rect">
+            <a:avLst/>
+          </a:prstGeom>
+        </p:spPr>
+        <p:txBody>
+          <a:bodyPr anchorCtr="0" anchor="t" bIns="91425" lIns="91425" spcFirstLastPara="1" rIns="91425" wrap="square" tIns="91425">
+            <a:noAutofit/>
+          </a:bodyPr>
+          <a:lstStyle/>
+          <a:p>
+            <a:pPr indent="0" lvl="0" marL="0" rtl="0" algn="l">
+              <a:spcBef>
+                <a:spcPts val="0"/>
+              </a:spcBef>
+              <a:spcAft>
+                <a:spcPts val="0"/>
+              </a:spcAft>
+              <a:buNone/>
+            </a:pPr>
+            <a:r>
+              <a:rPr lang="en" sz="2500"/>
+              <a:t>Query</a:t>
+            </a:r>
+            <a:endParaRPr sz="2500">
+              <a:highlight>
+                <a:srgbClr val="3C78D8"/>
+              </a:highlight>
+            </a:endParaRPr>
+          </a:p>
+        </p:txBody>
+      </p:sp>
+      <p:sp>
+        <p:nvSpPr>
+          <p:cNvPr id="436" name="Google Shape;436;p29"/>
+          <p:cNvSpPr txBox="1"/>
+          <p:nvPr/>
+        </p:nvSpPr>
+        <p:spPr>
+          <a:xfrm>
+            <a:off x="2184775" y="1471975"/>
+            <a:ext cx="2429400" cy="400200"/>
+          </a:xfrm>
+          <a:prstGeom prst="rect">
+            <a:avLst/>
+          </a:prstGeom>
+          <a:noFill/>
+          <a:ln>
+            <a:noFill/>
+          </a:ln>
+        </p:spPr>
+        <p:txBody>
+          <a:bodyPr anchorCtr="0" anchor="t" bIns="91425" lIns="91425" spcFirstLastPara="1" rIns="91425" wrap="square" tIns="91425">
+            <a:spAutoFit/>
+          </a:bodyPr>
+          <a:lstStyle/>
+          <a:p>
+            <a:pPr indent="0" lvl="0" marL="0" rtl="0" algn="l">
+              <a:spcBef>
+                <a:spcPts val="0"/>
+              </a:spcBef>
+              <a:spcAft>
+                <a:spcPts val="0"/>
+              </a:spcAft>
+              <a:buNone/>
+            </a:pPr>
+            <a:r>
+              <a:t/>
+            </a:r>
+            <a:endParaRPr>
+              <a:solidFill>
+                <a:schemeClr val="dk2"/>
+              </a:solidFill>
+              <a:latin typeface="Roboto Mono"/>
+              <a:ea typeface="Roboto Mono"/>
+              <a:cs typeface="Roboto Mono"/>
+              <a:sym typeface="Roboto Mono"/>
+            </a:endParaRPr>
+          </a:p>
+        </p:txBody>
+      </p:sp>
+      <p:sp>
+        <p:nvSpPr>
+          <p:cNvPr id="437" name="Google Shape;437;p29"/>
+          <p:cNvSpPr txBox="1"/>
+          <p:nvPr>
+            <p:ph idx="4294967295" type="body"/>
+          </p:nvPr>
+        </p:nvSpPr>
+        <p:spPr>
+          <a:xfrm>
+            <a:off x="720650" y="1186950"/>
+            <a:ext cx="3893400" cy="1846800"/>
+          </a:xfrm>
+          <a:prstGeom prst="rect">
+            <a:avLst/>
+          </a:prstGeom>
+        </p:spPr>
+        <p:txBody>
+          <a:bodyPr anchorCtr="0" anchor="t" bIns="91425" lIns="91425" spcFirstLastPara="1" rIns="91425" wrap="square" tIns="91425">
+            <a:noAutofit/>
+          </a:bodyPr>
+          <a:lstStyle/>
+          <a:p>
+            <a:pPr indent="0" lvl="0" marL="0" rtl="0" algn="l">
+              <a:spcBef>
+                <a:spcPts val="0"/>
+              </a:spcBef>
+              <a:spcAft>
+                <a:spcPts val="0"/>
+              </a:spcAft>
+              <a:buNone/>
+            </a:pPr>
+            <a:r>
+              <a:rPr lang="en"/>
+              <a:t>Get the max of the highest-level segments that fall within a range</a:t>
+            </a:r>
+            <a:endParaRPr/>
+          </a:p>
+          <a:p>
+            <a:pPr indent="-317500" lvl="0" marL="457200" rtl="0" algn="l">
+              <a:spcBef>
+                <a:spcPts val="1600"/>
+              </a:spcBef>
+              <a:spcAft>
+                <a:spcPts val="0"/>
+              </a:spcAft>
+              <a:buSzPts val="1400"/>
+              <a:buChar char="-"/>
+            </a:pPr>
+            <a:r>
+              <a:rPr lang="en"/>
+              <a:t>When reaching a segment that falls within a range, return the stored max value</a:t>
+            </a:r>
+            <a:endParaRPr/>
+          </a:p>
+          <a:p>
+            <a:pPr indent="0" lvl="0" marL="0" rtl="0" algn="l">
+              <a:spcBef>
+                <a:spcPts val="1600"/>
+              </a:spcBef>
+              <a:spcAft>
+                <a:spcPts val="1600"/>
+              </a:spcAft>
+              <a:buNone/>
+            </a:pPr>
+            <a:r>
+              <a:t/>
+            </a:r>
+            <a:endParaRPr/>
+          </a:p>
+        </p:txBody>
+      </p:sp>
+      <p:pic>
+        <p:nvPicPr>
+          <p:cNvPr id="438" name="Google Shape;438;p29" title="Screenshot 2025-04-21 at 1.53.31 AM.png"/>
+          <p:cNvPicPr preferRelativeResize="0"/>
+          <p:nvPr/>
+        </p:nvPicPr>
+        <p:blipFill>
+          <a:blip r:embed="rId3">
+            <a:alphaModFix/>
+          </a:blip>
+          <a:stretch>
+            <a:fillRect/>
+          </a:stretch>
+        </p:blipFill>
+        <p:spPr>
+          <a:xfrm>
+            <a:off x="4787925" y="272375"/>
+            <a:ext cx="4215700" cy="2155325"/>
+          </a:xfrm>
+          <a:prstGeom prst="rect">
+            <a:avLst/>
+          </a:prstGeom>
+          <a:noFill/>
+          <a:ln>
+            <a:noFill/>
+          </a:ln>
+        </p:spPr>
+      </p:pic>
+      <p:sp>
+        <p:nvSpPr>
+          <p:cNvPr id="439" name="Google Shape;439;p29"/>
+          <p:cNvSpPr txBox="1"/>
+          <p:nvPr/>
+        </p:nvSpPr>
+        <p:spPr>
+          <a:xfrm>
+            <a:off x="720650" y="3033750"/>
+            <a:ext cx="7386900" cy="648000"/>
+          </a:xfrm>
+          <a:prstGeom prst="rect">
+            <a:avLst/>
+          </a:prstGeom>
+          <a:noFill/>
+          <a:ln>
+            <a:noFill/>
+          </a:ln>
+        </p:spPr>
+        <p:txBody>
+          <a:bodyPr anchorCtr="0" anchor="t" bIns="91425" lIns="91425" spcFirstLastPara="1" rIns="91425" wrap="square" tIns="91425">
+            <a:spAutoFit/>
+          </a:bodyPr>
+          <a:lstStyle/>
+          <a:p>
+            <a:pPr indent="0" lvl="0" marL="0" rtl="0" algn="l">
+              <a:lnSpc>
+                <a:spcPct val="115000"/>
+              </a:lnSpc>
+              <a:spcBef>
+                <a:spcPts val="0"/>
+              </a:spcBef>
+              <a:spcAft>
+                <a:spcPts val="1600"/>
+              </a:spcAft>
+              <a:buNone/>
+            </a:pPr>
+            <a:r>
+              <a:rPr lang="en">
+                <a:solidFill>
+                  <a:schemeClr val="dk1"/>
+                </a:solidFill>
+                <a:latin typeface="Roboto Mono"/>
+                <a:ea typeface="Roboto Mono"/>
+                <a:cs typeface="Roboto Mono"/>
+                <a:sym typeface="Roboto Mono"/>
+              </a:rPr>
+              <a:t>Otherwise, push the pending changes down to the two children and continue to traverse the tree</a:t>
+            </a:r>
+            <a:endParaRPr/>
+          </a:p>
+        </p:txBody>
+      </p:sp>
+    </p:spTree>
+  </p:cSld>
+  <p:clrMapOvr>
+    <a:masterClrMapping/>
+  </p:clrMapOvr>
+</p:sld>
+</file>
+
+<file path=ppt/slides/slide8.xml><?xml version="1.0" encoding="utf-8"?>
+<p:sld xmlns:a="http://schemas.openxmlformats.org/drawingml/2006/main" xmlns:r="http://schemas.openxmlformats.org/officeDocument/2006/relationships" xmlns:mc="http://schemas.openxmlformats.org/markup-compatibility/2006" xmlns:mv="urn:schemas-microsoft-com:mac:vml" xmlns:p="http://schemas.openxmlformats.org/presentationml/2006/main" xmlns:c="http://schemas.openxmlformats.org/drawingml/2006/chart" xmlns:dgm="http://schemas.openxmlformats.org/drawingml/2006/diagram" xmlns:o="urn:schemas-microsoft-com:office:office" xmlns:v="urn:schemas-microsoft-com:vml" xmlns:pvml="urn:schemas-microsoft-com:office:powerpoint" xmlns:com="http://schemas.openxmlformats.org/drawingml/2006/compatibility" xmlns:p14="http://schemas.microsoft.com/office/powerpoint/2010/main" xmlns:p15="http://schemas.microsoft.com/office/powerpoint/2012/main" xmlns:ahyp="http://schemas.microsoft.com/office/drawing/2018/hyperlinkcolor">
+  <p:cSld>
+    <p:spTree>
+      <p:nvGrpSpPr>
+        <p:cNvPr id="443" name="Shape 443"/>
+        <p:cNvGrpSpPr/>
+        <p:nvPr/>
+      </p:nvGrpSpPr>
+      <p:grpSpPr>
+        <a:xfrm>
+          <a:off x="0" y="0"/>
+          <a:ext cx="0" cy="0"/>
+          <a:chOff x="0" y="0"/>
+          <a:chExt cx="0" cy="0"/>
+        </a:xfrm>
+      </p:grpSpPr>
+      <p:sp>
+        <p:nvSpPr>
+          <p:cNvPr id="444" name="Google Shape;444;p30"/>
+          <p:cNvSpPr txBox="1"/>
+          <p:nvPr>
+            <p:ph idx="4294967295" type="title"/>
+          </p:nvPr>
+        </p:nvSpPr>
+        <p:spPr>
+          <a:xfrm>
+            <a:off x="559725" y="472650"/>
+            <a:ext cx="5808300" cy="518700"/>
+          </a:xfrm>
+          <a:prstGeom prst="rect">
+            <a:avLst/>
+          </a:prstGeom>
+        </p:spPr>
+        <p:txBody>
+          <a:bodyPr anchorCtr="0" anchor="t" bIns="91425" lIns="91425" spcFirstLastPara="1" rIns="91425" wrap="square" tIns="91425">
+            <a:noAutofit/>
+          </a:bodyPr>
+          <a:lstStyle/>
+          <a:p>
+            <a:pPr indent="0" lvl="0" marL="0" rtl="0" algn="l">
+              <a:spcBef>
+                <a:spcPts val="0"/>
+              </a:spcBef>
+              <a:spcAft>
+                <a:spcPts val="0"/>
+              </a:spcAft>
+              <a:buNone/>
+            </a:pPr>
+            <a:r>
+              <a:rPr lang="en" sz="2500"/>
+              <a:t>Briefly: Adding to a range, getting a specific index </a:t>
+            </a:r>
+            <a:endParaRPr sz="2500"/>
+          </a:p>
+        </p:txBody>
+      </p:sp>
+      <p:sp>
+        <p:nvSpPr>
+          <p:cNvPr id="445" name="Google Shape;445;p30"/>
+          <p:cNvSpPr txBox="1"/>
+          <p:nvPr/>
+        </p:nvSpPr>
+        <p:spPr>
+          <a:xfrm>
+            <a:off x="2184775" y="1471975"/>
+            <a:ext cx="2429400" cy="400200"/>
+          </a:xfrm>
+          <a:prstGeom prst="rect">
+            <a:avLst/>
+          </a:prstGeom>
+          <a:noFill/>
+          <a:ln>
+            <a:noFill/>
+          </a:ln>
+        </p:spPr>
+        <p:txBody>
+          <a:bodyPr anchorCtr="0" anchor="t" bIns="91425" lIns="91425" spcFirstLastPara="1" rIns="91425" wrap="square" tIns="91425">
+            <a:spAutoFit/>
+          </a:bodyPr>
+          <a:lstStyle/>
+          <a:p>
+            <a:pPr indent="0" lvl="0" marL="0" rtl="0" algn="l">
+              <a:spcBef>
+                <a:spcPts val="0"/>
+              </a:spcBef>
+              <a:spcAft>
+                <a:spcPts val="0"/>
+              </a:spcAft>
+              <a:buNone/>
+            </a:pPr>
+            <a:r>
+              <a:t/>
+            </a:r>
+            <a:endParaRPr>
+              <a:solidFill>
+                <a:schemeClr val="dk2"/>
+              </a:solidFill>
+              <a:latin typeface="Roboto Mono"/>
+              <a:ea typeface="Roboto Mono"/>
+              <a:cs typeface="Roboto Mono"/>
+              <a:sym typeface="Roboto Mono"/>
+            </a:endParaRPr>
+          </a:p>
+        </p:txBody>
+      </p:sp>
+      <p:sp>
+        <p:nvSpPr>
+          <p:cNvPr id="446" name="Google Shape;446;p30"/>
           <p:cNvSpPr txBox="1"/>
           <p:nvPr>
             <p:ph idx="4294967295" type="body"/>
@@ -38784,7 +37832,7 @@
       </p:sp>
       <p:pic>
         <p:nvPicPr>
-          <p:cNvPr id="423" name="Google Shape;423;p27"/>
+          <p:cNvPr id="447" name="Google Shape;447;p30"/>
           <p:cNvPicPr preferRelativeResize="0"/>
           <p:nvPr/>
         </p:nvPicPr>
@@ -38812,7 +37860,7 @@
       </p:pic>
       <p:pic>
         <p:nvPicPr>
-          <p:cNvPr id="424" name="Google Shape;424;p27" title="Screenshot 2025-04-21 at 3.47.19 AM.png"/>
+          <p:cNvPr id="448" name="Google Shape;448;p30" title="Screenshot 2025-04-21 at 7.38.08 AM.png"/>
           <p:cNvPicPr preferRelativeResize="0"/>
           <p:nvPr/>
         </p:nvPicPr>
@@ -38826,8 +37874,8 @@
         </p:blipFill>
         <p:spPr>
           <a:xfrm>
-            <a:off x="5312975" y="2503950"/>
-            <a:ext cx="3630626" cy="2175675"/>
+            <a:off x="5205125" y="2499425"/>
+            <a:ext cx="3662701" cy="2242325"/>
           </a:xfrm>
           <a:prstGeom prst="rect">
             <a:avLst/>
@@ -38846,12 +37894,12 @@
 </p:sld>
 </file>
 
-<file path=ppt/slides/slide6.xml><?xml version="1.0" encoding="utf-8"?>
+<file path=ppt/slides/slide9.xml><?xml version="1.0" encoding="utf-8"?>
 <p:sld xmlns:a="http://schemas.openxmlformats.org/drawingml/2006/main" xmlns:r="http://schemas.openxmlformats.org/officeDocument/2006/relationships" xmlns:mc="http://schemas.openxmlformats.org/markup-compatibility/2006" xmlns:mv="urn:schemas-microsoft-com:mac:vml" xmlns:p="http://schemas.openxmlformats.org/presentationml/2006/main" xmlns:c="http://schemas.openxmlformats.org/drawingml/2006/chart" xmlns:dgm="http://schemas.openxmlformats.org/drawingml/2006/diagram" xmlns:o="urn:schemas-microsoft-com:office:office" xmlns:v="urn:schemas-microsoft-com:vml" xmlns:pvml="urn:schemas-microsoft-com:office:powerpoint" xmlns:com="http://schemas.openxmlformats.org/drawingml/2006/compatibility" xmlns:p14="http://schemas.microsoft.com/office/powerpoint/2010/main" xmlns:p15="http://schemas.microsoft.com/office/powerpoint/2012/main" xmlns:ahyp="http://schemas.microsoft.com/office/drawing/2018/hyperlinkcolor">
   <p:cSld>
     <p:spTree>
       <p:nvGrpSpPr>
-        <p:cNvPr id="428" name="Shape 428"/>
+        <p:cNvPr id="452" name="Shape 452"/>
         <p:cNvGrpSpPr/>
         <p:nvPr/>
       </p:nvGrpSpPr>
@@ -38865,7 +37913,7 @@
       </p:grpSpPr>
       <p:sp>
         <p:nvSpPr>
-          <p:cNvPr id="429" name="Google Shape;429;p28"/>
+          <p:cNvPr id="453" name="Google Shape;453;p31"/>
           <p:cNvSpPr txBox="1"/>
           <p:nvPr>
             <p:ph idx="4294967295" type="title"/>
@@ -38874,7 +37922,7 @@
         <p:spPr>
           <a:xfrm>
             <a:off x="559725" y="472650"/>
-            <a:ext cx="6388500" cy="518700"/>
+            <a:ext cx="5808300" cy="518700"/>
           </a:xfrm>
           <a:prstGeom prst="rect">
             <a:avLst/>
@@ -38897,7 +37945,7 @@
             </a:pPr>
             <a:r>
               <a:rPr lang="en" sz="2500"/>
-              <a:t>Variant 1: Update</a:t>
+              <a:t>Briefly: Assigning to a range, getting a specific index </a:t>
             </a:r>
             <a:endParaRPr sz="2500"/>
           </a:p>
@@ -38905,7 +37953,7 @@
       </p:sp>
       <p:sp>
         <p:nvSpPr>
-          <p:cNvPr id="430" name="Google Shape;430;p28"/>
+          <p:cNvPr id="454" name="Google Shape;454;p31"/>
           <p:cNvSpPr txBox="1"/>
           <p:nvPr/>
         </p:nvSpPr>
@@ -38952,649 +38000,9 @@
           </a:p>
         </p:txBody>
       </p:sp>
-      <p:pic>
-        <p:nvPicPr>
-          <p:cNvPr id="431" name="Google Shape;431;p28"/>
-          <p:cNvPicPr preferRelativeResize="0"/>
-          <p:nvPr/>
-        </p:nvPicPr>
-        <p:blipFill>
-          <a:blip r:embed="rId3">
-            <a:alphaModFix/>
-          </a:blip>
-          <a:stretch>
-            <a:fillRect/>
-          </a:stretch>
-        </p:blipFill>
-        <p:spPr>
-          <a:xfrm>
-            <a:off x="559725" y="1039475"/>
-            <a:ext cx="5377100" cy="2386975"/>
-          </a:xfrm>
-          <a:prstGeom prst="rect">
-            <a:avLst/>
-          </a:prstGeom>
-          <a:noFill/>
-          <a:ln>
-            <a:noFill/>
-          </a:ln>
-        </p:spPr>
-      </p:pic>
       <p:sp>
         <p:nvSpPr>
-          <p:cNvPr id="432" name="Google Shape;432;p28"/>
-          <p:cNvSpPr txBox="1"/>
-          <p:nvPr/>
-        </p:nvSpPr>
-        <p:spPr>
-          <a:xfrm>
-            <a:off x="6085025" y="1551750"/>
-            <a:ext cx="2763600" cy="831300"/>
-          </a:xfrm>
-          <a:prstGeom prst="rect">
-            <a:avLst/>
-          </a:prstGeom>
-          <a:noFill/>
-          <a:ln>
-            <a:noFill/>
-          </a:ln>
-        </p:spPr>
-        <p:txBody>
-          <a:bodyPr anchorCtr="0" anchor="t" bIns="91425" lIns="91425" spcFirstLastPara="1" rIns="91425" wrap="square" tIns="91425">
-            <a:spAutoFit/>
-          </a:bodyPr>
-          <a:lstStyle/>
-          <a:p>
-            <a:pPr indent="0" lvl="0" marL="0" rtl="0" algn="l">
-              <a:spcBef>
-                <a:spcPts val="0"/>
-              </a:spcBef>
-              <a:spcAft>
-                <a:spcPts val="0"/>
-              </a:spcAft>
-              <a:buNone/>
-            </a:pPr>
-            <a:r>
-              <a:rPr lang="en">
-                <a:solidFill>
-                  <a:schemeClr val="dk2"/>
-                </a:solidFill>
-                <a:latin typeface="Roboto Mono"/>
-                <a:ea typeface="Roboto Mono"/>
-                <a:cs typeface="Roboto Mono"/>
-                <a:sym typeface="Roboto Mono"/>
-              </a:rPr>
-              <a:t>Store value to be added to highest segments in the range to be updated </a:t>
-            </a:r>
-            <a:endParaRPr>
-              <a:solidFill>
-                <a:schemeClr val="dk2"/>
-              </a:solidFill>
-              <a:latin typeface="Roboto Mono"/>
-              <a:ea typeface="Roboto Mono"/>
-              <a:cs typeface="Roboto Mono"/>
-              <a:sym typeface="Roboto Mono"/>
-            </a:endParaRPr>
-          </a:p>
-        </p:txBody>
-      </p:sp>
-      <p:cxnSp>
-        <p:nvCxnSpPr>
-          <p:cNvPr id="433" name="Google Shape;433;p28"/>
-          <p:cNvCxnSpPr>
-            <a:stCxn id="432" idx="1"/>
-          </p:cNvCxnSpPr>
-          <p:nvPr/>
-        </p:nvCxnSpPr>
-        <p:spPr>
-          <a:xfrm flipH="1">
-            <a:off x="3260525" y="1967400"/>
-            <a:ext cx="2824500" cy="46500"/>
-          </a:xfrm>
-          <a:prstGeom prst="straightConnector1">
-            <a:avLst/>
-          </a:prstGeom>
-          <a:noFill/>
-          <a:ln cap="flat" cmpd="sng" w="38100">
-            <a:solidFill>
-              <a:srgbClr val="FF0000"/>
-            </a:solidFill>
-            <a:prstDash val="solid"/>
-            <a:round/>
-            <a:headEnd len="med" w="med" type="none"/>
-            <a:tailEnd len="med" w="med" type="triangle"/>
-          </a:ln>
-        </p:spPr>
-      </p:cxnSp>
-      <p:sp>
-        <p:nvSpPr>
-          <p:cNvPr id="434" name="Google Shape;434;p28"/>
-          <p:cNvSpPr/>
-          <p:nvPr/>
-        </p:nvSpPr>
-        <p:spPr>
-          <a:xfrm>
-            <a:off x="863050" y="1848175"/>
-            <a:ext cx="2345100" cy="479400"/>
-          </a:xfrm>
-          <a:prstGeom prst="rect">
-            <a:avLst/>
-          </a:prstGeom>
-          <a:noFill/>
-          <a:ln cap="flat" cmpd="sng" w="38100">
-            <a:solidFill>
-              <a:srgbClr val="FF0000"/>
-            </a:solidFill>
-            <a:prstDash val="solid"/>
-            <a:round/>
-            <a:headEnd len="sm" w="sm" type="none"/>
-            <a:tailEnd len="sm" w="sm" type="none"/>
-          </a:ln>
-        </p:spPr>
-        <p:txBody>
-          <a:bodyPr anchorCtr="0" anchor="ctr" bIns="91425" lIns="91425" spcFirstLastPara="1" rIns="91425" wrap="square" tIns="91425">
-            <a:noAutofit/>
-          </a:bodyPr>
-          <a:lstStyle/>
-          <a:p>
-            <a:pPr indent="0" lvl="0" marL="0" rtl="0" algn="ctr">
-              <a:spcBef>
-                <a:spcPts val="0"/>
-              </a:spcBef>
-              <a:spcAft>
-                <a:spcPts val="0"/>
-              </a:spcAft>
-              <a:buNone/>
-            </a:pPr>
-            <a:r>
-              <a:t/>
-            </a:r>
-            <a:endParaRPr>
-              <a:latin typeface="Roboto Mono"/>
-              <a:ea typeface="Roboto Mono"/>
-              <a:cs typeface="Roboto Mono"/>
-              <a:sym typeface="Roboto Mono"/>
-            </a:endParaRPr>
-          </a:p>
-        </p:txBody>
-      </p:sp>
-    </p:spTree>
-  </p:cSld>
-  <p:clrMapOvr>
-    <a:masterClrMapping/>
-  </p:clrMapOvr>
-</p:sld>
-</file>
-
-<file path=ppt/slides/slide7.xml><?xml version="1.0" encoding="utf-8"?>
-<p:sld xmlns:a="http://schemas.openxmlformats.org/drawingml/2006/main" xmlns:r="http://schemas.openxmlformats.org/officeDocument/2006/relationships" xmlns:mc="http://schemas.openxmlformats.org/markup-compatibility/2006" xmlns:mv="urn:schemas-microsoft-com:mac:vml" xmlns:p="http://schemas.openxmlformats.org/presentationml/2006/main" xmlns:c="http://schemas.openxmlformats.org/drawingml/2006/chart" xmlns:dgm="http://schemas.openxmlformats.org/drawingml/2006/diagram" xmlns:o="urn:schemas-microsoft-com:office:office" xmlns:v="urn:schemas-microsoft-com:vml" xmlns:pvml="urn:schemas-microsoft-com:office:powerpoint" xmlns:com="http://schemas.openxmlformats.org/drawingml/2006/compatibility" xmlns:p14="http://schemas.microsoft.com/office/powerpoint/2010/main" xmlns:p15="http://schemas.microsoft.com/office/powerpoint/2012/main" xmlns:ahyp="http://schemas.microsoft.com/office/drawing/2018/hyperlinkcolor">
-  <p:cSld>
-    <p:spTree>
-      <p:nvGrpSpPr>
-        <p:cNvPr id="438" name="Shape 438"/>
-        <p:cNvGrpSpPr/>
-        <p:nvPr/>
-      </p:nvGrpSpPr>
-      <p:grpSpPr>
-        <a:xfrm>
-          <a:off x="0" y="0"/>
-          <a:ext cx="0" cy="0"/>
-          <a:chOff x="0" y="0"/>
-          <a:chExt cx="0" cy="0"/>
-        </a:xfrm>
-      </p:grpSpPr>
-      <p:sp>
-        <p:nvSpPr>
-          <p:cNvPr id="439" name="Google Shape;439;p29"/>
-          <p:cNvSpPr txBox="1"/>
-          <p:nvPr>
-            <p:ph idx="4294967295" type="title"/>
-          </p:nvPr>
-        </p:nvSpPr>
-        <p:spPr>
-          <a:xfrm>
-            <a:off x="559725" y="472650"/>
-            <a:ext cx="6388500" cy="518700"/>
-          </a:xfrm>
-          <a:prstGeom prst="rect">
-            <a:avLst/>
-          </a:prstGeom>
-        </p:spPr>
-        <p:txBody>
-          <a:bodyPr anchorCtr="0" anchor="t" bIns="91425" lIns="91425" spcFirstLastPara="1" rIns="91425" wrap="square" tIns="91425">
-            <a:noAutofit/>
-          </a:bodyPr>
-          <a:lstStyle/>
-          <a:p>
-            <a:pPr indent="0" lvl="0" marL="0" rtl="0" algn="l">
-              <a:spcBef>
-                <a:spcPts val="0"/>
-              </a:spcBef>
-              <a:spcAft>
-                <a:spcPts val="0"/>
-              </a:spcAft>
-              <a:buNone/>
-            </a:pPr>
-            <a:r>
-              <a:rPr lang="en" sz="2500"/>
-              <a:t>Variant 1: Get</a:t>
-            </a:r>
-            <a:endParaRPr sz="2500"/>
-          </a:p>
-        </p:txBody>
-      </p:sp>
-      <p:sp>
-        <p:nvSpPr>
-          <p:cNvPr id="440" name="Google Shape;440;p29"/>
-          <p:cNvSpPr txBox="1"/>
-          <p:nvPr/>
-        </p:nvSpPr>
-        <p:spPr>
-          <a:xfrm>
-            <a:off x="2184775" y="1471975"/>
-            <a:ext cx="2429400" cy="400200"/>
-          </a:xfrm>
-          <a:prstGeom prst="rect">
-            <a:avLst/>
-          </a:prstGeom>
-          <a:noFill/>
-          <a:ln>
-            <a:noFill/>
-          </a:ln>
-        </p:spPr>
-        <p:txBody>
-          <a:bodyPr anchorCtr="0" anchor="t" bIns="91425" lIns="91425" spcFirstLastPara="1" rIns="91425" wrap="square" tIns="91425">
-            <a:spAutoFit/>
-          </a:bodyPr>
-          <a:lstStyle/>
-          <a:p>
-            <a:pPr indent="0" lvl="0" marL="0" rtl="0" algn="l">
-              <a:spcBef>
-                <a:spcPts val="0"/>
-              </a:spcBef>
-              <a:spcAft>
-                <a:spcPts val="0"/>
-              </a:spcAft>
-              <a:buNone/>
-            </a:pPr>
-            <a:r>
-              <a:t/>
-            </a:r>
-            <a:endParaRPr>
-              <a:solidFill>
-                <a:schemeClr val="dk2"/>
-              </a:solidFill>
-              <a:latin typeface="Roboto Mono"/>
-              <a:ea typeface="Roboto Mono"/>
-              <a:cs typeface="Roboto Mono"/>
-              <a:sym typeface="Roboto Mono"/>
-            </a:endParaRPr>
-          </a:p>
-        </p:txBody>
-      </p:sp>
-      <p:pic>
-        <p:nvPicPr>
-          <p:cNvPr id="441" name="Google Shape;441;p29"/>
-          <p:cNvPicPr preferRelativeResize="0"/>
-          <p:nvPr/>
-        </p:nvPicPr>
-        <p:blipFill>
-          <a:blip r:embed="rId3">
-            <a:alphaModFix/>
-          </a:blip>
-          <a:stretch>
-            <a:fillRect/>
-          </a:stretch>
-        </p:blipFill>
-        <p:spPr>
-          <a:xfrm>
-            <a:off x="466250" y="991350"/>
-            <a:ext cx="5409549" cy="2111750"/>
-          </a:xfrm>
-          <a:prstGeom prst="rect">
-            <a:avLst/>
-          </a:prstGeom>
-          <a:noFill/>
-          <a:ln>
-            <a:noFill/>
-          </a:ln>
-        </p:spPr>
-      </p:pic>
-      <p:cxnSp>
-        <p:nvCxnSpPr>
-          <p:cNvPr id="442" name="Google Shape;442;p29"/>
-          <p:cNvCxnSpPr/>
-          <p:nvPr/>
-        </p:nvCxnSpPr>
-        <p:spPr>
-          <a:xfrm flipH="1">
-            <a:off x="5666150" y="2284075"/>
-            <a:ext cx="1264500" cy="44700"/>
-          </a:xfrm>
-          <a:prstGeom prst="straightConnector1">
-            <a:avLst/>
-          </a:prstGeom>
-          <a:noFill/>
-          <a:ln cap="flat" cmpd="sng" w="38100">
-            <a:solidFill>
-              <a:srgbClr val="FF0000"/>
-            </a:solidFill>
-            <a:prstDash val="solid"/>
-            <a:round/>
-            <a:headEnd len="med" w="med" type="none"/>
-            <a:tailEnd len="med" w="med" type="triangle"/>
-          </a:ln>
-        </p:spPr>
-      </p:cxnSp>
-      <p:sp>
-        <p:nvSpPr>
-          <p:cNvPr id="443" name="Google Shape;443;p29"/>
-          <p:cNvSpPr/>
-          <p:nvPr/>
-        </p:nvSpPr>
-        <p:spPr>
-          <a:xfrm>
-            <a:off x="1132825" y="2105350"/>
-            <a:ext cx="4533300" cy="400200"/>
-          </a:xfrm>
-          <a:prstGeom prst="rect">
-            <a:avLst/>
-          </a:prstGeom>
-          <a:noFill/>
-          <a:ln cap="flat" cmpd="sng" w="38100">
-            <a:solidFill>
-              <a:srgbClr val="FF0000"/>
-            </a:solidFill>
-            <a:prstDash val="solid"/>
-            <a:round/>
-            <a:headEnd len="sm" w="sm" type="none"/>
-            <a:tailEnd len="sm" w="sm" type="none"/>
-          </a:ln>
-        </p:spPr>
-        <p:txBody>
-          <a:bodyPr anchorCtr="0" anchor="ctr" bIns="91425" lIns="91425" spcFirstLastPara="1" rIns="91425" wrap="square" tIns="91425">
-            <a:noAutofit/>
-          </a:bodyPr>
-          <a:lstStyle/>
-          <a:p>
-            <a:pPr indent="0" lvl="0" marL="0" rtl="0" algn="ctr">
-              <a:spcBef>
-                <a:spcPts val="0"/>
-              </a:spcBef>
-              <a:spcAft>
-                <a:spcPts val="0"/>
-              </a:spcAft>
-              <a:buNone/>
-            </a:pPr>
-            <a:r>
-              <a:t/>
-            </a:r>
-            <a:endParaRPr>
-              <a:latin typeface="Roboto Mono"/>
-              <a:ea typeface="Roboto Mono"/>
-              <a:cs typeface="Roboto Mono"/>
-              <a:sym typeface="Roboto Mono"/>
-            </a:endParaRPr>
-          </a:p>
-        </p:txBody>
-      </p:sp>
-      <p:sp>
-        <p:nvSpPr>
-          <p:cNvPr id="444" name="Google Shape;444;p29"/>
-          <p:cNvSpPr/>
-          <p:nvPr/>
-        </p:nvSpPr>
-        <p:spPr>
-          <a:xfrm>
-            <a:off x="1132825" y="2650050"/>
-            <a:ext cx="4533300" cy="400200"/>
-          </a:xfrm>
-          <a:prstGeom prst="rect">
-            <a:avLst/>
-          </a:prstGeom>
-          <a:noFill/>
-          <a:ln cap="flat" cmpd="sng" w="38100">
-            <a:solidFill>
-              <a:srgbClr val="FF0000"/>
-            </a:solidFill>
-            <a:prstDash val="solid"/>
-            <a:round/>
-            <a:headEnd len="sm" w="sm" type="none"/>
-            <a:tailEnd len="sm" w="sm" type="none"/>
-          </a:ln>
-        </p:spPr>
-        <p:txBody>
-          <a:bodyPr anchorCtr="0" anchor="ctr" bIns="91425" lIns="91425" spcFirstLastPara="1" rIns="91425" wrap="square" tIns="91425">
-            <a:noAutofit/>
-          </a:bodyPr>
-          <a:lstStyle/>
-          <a:p>
-            <a:pPr indent="0" lvl="0" marL="0" rtl="0" algn="ctr">
-              <a:spcBef>
-                <a:spcPts val="0"/>
-              </a:spcBef>
-              <a:spcAft>
-                <a:spcPts val="0"/>
-              </a:spcAft>
-              <a:buNone/>
-            </a:pPr>
-            <a:r>
-              <a:t/>
-            </a:r>
-            <a:endParaRPr>
-              <a:latin typeface="Roboto Mono"/>
-              <a:ea typeface="Roboto Mono"/>
-              <a:cs typeface="Roboto Mono"/>
-              <a:sym typeface="Roboto Mono"/>
-            </a:endParaRPr>
-          </a:p>
-        </p:txBody>
-      </p:sp>
-      <p:cxnSp>
-        <p:nvCxnSpPr>
-          <p:cNvPr id="445" name="Google Shape;445;p29"/>
-          <p:cNvCxnSpPr/>
-          <p:nvPr/>
-        </p:nvCxnSpPr>
-        <p:spPr>
-          <a:xfrm flipH="1">
-            <a:off x="5666200" y="2284075"/>
-            <a:ext cx="1290600" cy="588300"/>
-          </a:xfrm>
-          <a:prstGeom prst="straightConnector1">
-            <a:avLst/>
-          </a:prstGeom>
-          <a:noFill/>
-          <a:ln cap="flat" cmpd="sng" w="38100">
-            <a:solidFill>
-              <a:srgbClr val="FF0000"/>
-            </a:solidFill>
-            <a:prstDash val="solid"/>
-            <a:round/>
-            <a:headEnd len="med" w="med" type="none"/>
-            <a:tailEnd len="med" w="med" type="triangle"/>
-          </a:ln>
-        </p:spPr>
-      </p:cxnSp>
-      <p:sp>
-        <p:nvSpPr>
-          <p:cNvPr id="446" name="Google Shape;446;p29"/>
-          <p:cNvSpPr txBox="1"/>
-          <p:nvPr/>
-        </p:nvSpPr>
-        <p:spPr>
-          <a:xfrm>
-            <a:off x="6956875" y="1782100"/>
-            <a:ext cx="1987800" cy="1046700"/>
-          </a:xfrm>
-          <a:prstGeom prst="rect">
-            <a:avLst/>
-          </a:prstGeom>
-          <a:noFill/>
-          <a:ln>
-            <a:noFill/>
-          </a:ln>
-        </p:spPr>
-        <p:txBody>
-          <a:bodyPr anchorCtr="0" anchor="t" bIns="91425" lIns="91425" spcFirstLastPara="1" rIns="91425" wrap="square" tIns="91425">
-            <a:spAutoFit/>
-          </a:bodyPr>
-          <a:lstStyle/>
-          <a:p>
-            <a:pPr indent="0" lvl="0" marL="0" rtl="0" algn="l">
-              <a:spcBef>
-                <a:spcPts val="0"/>
-              </a:spcBef>
-              <a:spcAft>
-                <a:spcPts val="0"/>
-              </a:spcAft>
-              <a:buNone/>
-            </a:pPr>
-            <a:r>
-              <a:rPr lang="en">
-                <a:solidFill>
-                  <a:schemeClr val="dk2"/>
-                </a:solidFill>
-                <a:latin typeface="Roboto Mono"/>
-                <a:ea typeface="Roboto Mono"/>
-                <a:cs typeface="Roboto Mono"/>
-                <a:sym typeface="Roboto Mono"/>
-              </a:rPr>
-              <a:t>Stored values are added when returning up the tree</a:t>
-            </a:r>
-            <a:endParaRPr>
-              <a:solidFill>
-                <a:schemeClr val="dk2"/>
-              </a:solidFill>
-              <a:latin typeface="Roboto Mono"/>
-              <a:ea typeface="Roboto Mono"/>
-              <a:cs typeface="Roboto Mono"/>
-              <a:sym typeface="Roboto Mono"/>
-            </a:endParaRPr>
-          </a:p>
-        </p:txBody>
-      </p:sp>
-    </p:spTree>
-  </p:cSld>
-  <p:clrMapOvr>
-    <a:masterClrMapping/>
-  </p:clrMapOvr>
-</p:sld>
-</file>
-
-<file path=ppt/slides/slide8.xml><?xml version="1.0" encoding="utf-8"?>
-<p:sld xmlns:a="http://schemas.openxmlformats.org/drawingml/2006/main" xmlns:r="http://schemas.openxmlformats.org/officeDocument/2006/relationships" xmlns:mc="http://schemas.openxmlformats.org/markup-compatibility/2006" xmlns:mv="urn:schemas-microsoft-com:mac:vml" xmlns:p="http://schemas.openxmlformats.org/presentationml/2006/main" xmlns:c="http://schemas.openxmlformats.org/drawingml/2006/chart" xmlns:dgm="http://schemas.openxmlformats.org/drawingml/2006/diagram" xmlns:o="urn:schemas-microsoft-com:office:office" xmlns:v="urn:schemas-microsoft-com:vml" xmlns:pvml="urn:schemas-microsoft-com:office:powerpoint" xmlns:com="http://schemas.openxmlformats.org/drawingml/2006/compatibility" xmlns:p14="http://schemas.microsoft.com/office/powerpoint/2010/main" xmlns:p15="http://schemas.microsoft.com/office/powerpoint/2012/main" xmlns:ahyp="http://schemas.microsoft.com/office/drawing/2018/hyperlinkcolor">
-  <p:cSld>
-    <p:spTree>
-      <p:nvGrpSpPr>
-        <p:cNvPr id="450" name="Shape 450"/>
-        <p:cNvGrpSpPr/>
-        <p:nvPr/>
-      </p:nvGrpSpPr>
-      <p:grpSpPr>
-        <a:xfrm>
-          <a:off x="0" y="0"/>
-          <a:ext cx="0" cy="0"/>
-          <a:chOff x="0" y="0"/>
-          <a:chExt cx="0" cy="0"/>
-        </a:xfrm>
-      </p:grpSpPr>
-      <p:sp>
-        <p:nvSpPr>
-          <p:cNvPr id="451" name="Google Shape;451;p30"/>
-          <p:cNvSpPr txBox="1"/>
-          <p:nvPr>
-            <p:ph idx="4294967295" type="title"/>
-          </p:nvPr>
-        </p:nvSpPr>
-        <p:spPr>
-          <a:xfrm>
-            <a:off x="559725" y="472650"/>
-            <a:ext cx="5808300" cy="518700"/>
-          </a:xfrm>
-          <a:prstGeom prst="rect">
-            <a:avLst/>
-          </a:prstGeom>
-        </p:spPr>
-        <p:txBody>
-          <a:bodyPr anchorCtr="0" anchor="t" bIns="91425" lIns="91425" spcFirstLastPara="1" rIns="91425" wrap="square" tIns="91425">
-            <a:noAutofit/>
-          </a:bodyPr>
-          <a:lstStyle/>
-          <a:p>
-            <a:pPr indent="0" lvl="0" marL="0" rtl="0" algn="l">
-              <a:spcBef>
-                <a:spcPts val="0"/>
-              </a:spcBef>
-              <a:spcAft>
-                <a:spcPts val="0"/>
-              </a:spcAft>
-              <a:buNone/>
-            </a:pPr>
-            <a:r>
-              <a:rPr lang="en" sz="2500"/>
-              <a:t>Variant 2.</a:t>
-            </a:r>
-            <a:r>
-              <a:rPr lang="en" sz="2500"/>
-              <a:t> Assigning to a range, getting a specific index </a:t>
-            </a:r>
-            <a:endParaRPr sz="2500"/>
-          </a:p>
-        </p:txBody>
-      </p:sp>
-      <p:sp>
-        <p:nvSpPr>
-          <p:cNvPr id="452" name="Google Shape;452;p30"/>
-          <p:cNvSpPr txBox="1"/>
-          <p:nvPr/>
-        </p:nvSpPr>
-        <p:spPr>
-          <a:xfrm>
-            <a:off x="2184775" y="1471975"/>
-            <a:ext cx="2429400" cy="400200"/>
-          </a:xfrm>
-          <a:prstGeom prst="rect">
-            <a:avLst/>
-          </a:prstGeom>
-          <a:noFill/>
-          <a:ln>
-            <a:noFill/>
-          </a:ln>
-        </p:spPr>
-        <p:txBody>
-          <a:bodyPr anchorCtr="0" anchor="t" bIns="91425" lIns="91425" spcFirstLastPara="1" rIns="91425" wrap="square" tIns="91425">
-            <a:spAutoFit/>
-          </a:bodyPr>
-          <a:lstStyle/>
-          <a:p>
-            <a:pPr indent="0" lvl="0" marL="0" rtl="0" algn="l">
-              <a:spcBef>
-                <a:spcPts val="0"/>
-              </a:spcBef>
-              <a:spcAft>
-                <a:spcPts val="0"/>
-              </a:spcAft>
-              <a:buNone/>
-            </a:pPr>
-            <a:r>
-              <a:t/>
-            </a:r>
-            <a:endParaRPr>
-              <a:solidFill>
-                <a:schemeClr val="dk2"/>
-              </a:solidFill>
-              <a:latin typeface="Roboto Mono"/>
-              <a:ea typeface="Roboto Mono"/>
-              <a:cs typeface="Roboto Mono"/>
-              <a:sym typeface="Roboto Mono"/>
-            </a:endParaRPr>
-          </a:p>
-        </p:txBody>
-      </p:sp>
-      <p:sp>
-        <p:nvSpPr>
-          <p:cNvPr id="453" name="Google Shape;453;p30"/>
+          <p:cNvPr id="455" name="Google Shape;455;p31"/>
           <p:cNvSpPr txBox="1"/>
           <p:nvPr>
             <p:ph idx="4294967295" type="body"/>
@@ -39732,600 +38140,6 @@
               <a:t>when traversing down the tree, when encountering a marked vertex, push</a:t>
             </a:r>
             <a:endParaRPr b="1"/>
-          </a:p>
-        </p:txBody>
-      </p:sp>
-    </p:spTree>
-  </p:cSld>
-  <p:clrMapOvr>
-    <a:masterClrMapping/>
-  </p:clrMapOvr>
-</p:sld>
-</file>
-
-<file path=ppt/slides/slide9.xml><?xml version="1.0" encoding="utf-8"?>
-<p:sld xmlns:a="http://schemas.openxmlformats.org/drawingml/2006/main" xmlns:r="http://schemas.openxmlformats.org/officeDocument/2006/relationships" xmlns:mc="http://schemas.openxmlformats.org/markup-compatibility/2006" xmlns:mv="urn:schemas-microsoft-com:mac:vml" xmlns:p="http://schemas.openxmlformats.org/presentationml/2006/main" xmlns:c="http://schemas.openxmlformats.org/drawingml/2006/chart" xmlns:dgm="http://schemas.openxmlformats.org/drawingml/2006/diagram" xmlns:o="urn:schemas-microsoft-com:office:office" xmlns:v="urn:schemas-microsoft-com:vml" xmlns:pvml="urn:schemas-microsoft-com:office:powerpoint" xmlns:com="http://schemas.openxmlformats.org/drawingml/2006/compatibility" xmlns:p14="http://schemas.microsoft.com/office/powerpoint/2010/main" xmlns:p15="http://schemas.microsoft.com/office/powerpoint/2012/main" xmlns:ahyp="http://schemas.microsoft.com/office/drawing/2018/hyperlinkcolor">
-  <p:cSld>
-    <p:spTree>
-      <p:nvGrpSpPr>
-        <p:cNvPr id="457" name="Shape 457"/>
-        <p:cNvGrpSpPr/>
-        <p:nvPr/>
-      </p:nvGrpSpPr>
-      <p:grpSpPr>
-        <a:xfrm>
-          <a:off x="0" y="0"/>
-          <a:ext cx="0" cy="0"/>
-          <a:chOff x="0" y="0"/>
-          <a:chExt cx="0" cy="0"/>
-        </a:xfrm>
-      </p:grpSpPr>
-      <p:sp>
-        <p:nvSpPr>
-          <p:cNvPr id="458" name="Google Shape;458;p31"/>
-          <p:cNvSpPr txBox="1"/>
-          <p:nvPr>
-            <p:ph idx="4294967295" type="title"/>
-          </p:nvPr>
-        </p:nvSpPr>
-        <p:spPr>
-          <a:xfrm>
-            <a:off x="559725" y="472650"/>
-            <a:ext cx="5808300" cy="518700"/>
-          </a:xfrm>
-          <a:prstGeom prst="rect">
-            <a:avLst/>
-          </a:prstGeom>
-        </p:spPr>
-        <p:txBody>
-          <a:bodyPr anchorCtr="0" anchor="t" bIns="91425" lIns="91425" spcFirstLastPara="1" rIns="91425" wrap="square" tIns="91425">
-            <a:noAutofit/>
-          </a:bodyPr>
-          <a:lstStyle/>
-          <a:p>
-            <a:pPr indent="0" lvl="0" marL="0" rtl="0" algn="l">
-              <a:spcBef>
-                <a:spcPts val="0"/>
-              </a:spcBef>
-              <a:spcAft>
-                <a:spcPts val="0"/>
-              </a:spcAft>
-              <a:buNone/>
-            </a:pPr>
-            <a:r>
-              <a:rPr lang="en" sz="2500"/>
-              <a:t>New method: p</a:t>
-            </a:r>
-            <a:r>
-              <a:rPr lang="en" sz="2500"/>
-              <a:t>ush</a:t>
-            </a:r>
-            <a:endParaRPr sz="2500">
-              <a:highlight>
-                <a:srgbClr val="3C78D8"/>
-              </a:highlight>
-            </a:endParaRPr>
-          </a:p>
-        </p:txBody>
-      </p:sp>
-      <p:sp>
-        <p:nvSpPr>
-          <p:cNvPr id="459" name="Google Shape;459;p31"/>
-          <p:cNvSpPr txBox="1"/>
-          <p:nvPr/>
-        </p:nvSpPr>
-        <p:spPr>
-          <a:xfrm>
-            <a:off x="1696575" y="1466000"/>
-            <a:ext cx="2429400" cy="400200"/>
-          </a:xfrm>
-          <a:prstGeom prst="rect">
-            <a:avLst/>
-          </a:prstGeom>
-          <a:noFill/>
-          <a:ln>
-            <a:noFill/>
-          </a:ln>
-        </p:spPr>
-        <p:txBody>
-          <a:bodyPr anchorCtr="0" anchor="t" bIns="91425" lIns="91425" spcFirstLastPara="1" rIns="91425" wrap="square" tIns="91425">
-            <a:spAutoFit/>
-          </a:bodyPr>
-          <a:lstStyle/>
-          <a:p>
-            <a:pPr indent="0" lvl="0" marL="0" rtl="0" algn="l">
-              <a:spcBef>
-                <a:spcPts val="0"/>
-              </a:spcBef>
-              <a:spcAft>
-                <a:spcPts val="0"/>
-              </a:spcAft>
-              <a:buNone/>
-            </a:pPr>
-            <a:r>
-              <a:t/>
-            </a:r>
-            <a:endParaRPr>
-              <a:solidFill>
-                <a:schemeClr val="dk2"/>
-              </a:solidFill>
-              <a:latin typeface="Roboto Mono"/>
-              <a:ea typeface="Roboto Mono"/>
-              <a:cs typeface="Roboto Mono"/>
-              <a:sym typeface="Roboto Mono"/>
-            </a:endParaRPr>
-          </a:p>
-        </p:txBody>
-      </p:sp>
-      <p:sp>
-        <p:nvSpPr>
-          <p:cNvPr id="460" name="Google Shape;460;p31"/>
-          <p:cNvSpPr txBox="1"/>
-          <p:nvPr>
-            <p:ph idx="4294967295" type="body"/>
-          </p:nvPr>
-        </p:nvSpPr>
-        <p:spPr>
-          <a:xfrm>
-            <a:off x="249875" y="1154825"/>
-            <a:ext cx="4139100" cy="1922700"/>
-          </a:xfrm>
-          <a:prstGeom prst="rect">
-            <a:avLst/>
-          </a:prstGeom>
-        </p:spPr>
-        <p:txBody>
-          <a:bodyPr anchorCtr="0" anchor="t" bIns="91425" lIns="91425" spcFirstLastPara="1" rIns="91425" wrap="square" tIns="91425">
-            <a:noAutofit/>
-          </a:bodyPr>
-          <a:lstStyle/>
-          <a:p>
-            <a:pPr indent="0" lvl="0" marL="0" rtl="0" algn="l">
-              <a:spcBef>
-                <a:spcPts val="0"/>
-              </a:spcBef>
-              <a:spcAft>
-                <a:spcPts val="0"/>
-              </a:spcAft>
-              <a:buNone/>
-            </a:pPr>
-            <a:r>
-              <a:rPr lang="en"/>
-              <a:t>Push propagates the pending changes to the two immediate children</a:t>
-            </a:r>
-            <a:endParaRPr/>
-          </a:p>
-          <a:p>
-            <a:pPr indent="-317500" lvl="0" marL="457200" rtl="0" algn="l">
-              <a:spcBef>
-                <a:spcPts val="1600"/>
-              </a:spcBef>
-              <a:spcAft>
-                <a:spcPts val="0"/>
-              </a:spcAft>
-              <a:buSzPts val="1400"/>
-              <a:buChar char="-"/>
-            </a:pPr>
-            <a:r>
-              <a:rPr lang="en"/>
-              <a:t>In variant 2, a marked node has pending changes</a:t>
-            </a:r>
-            <a:endParaRPr/>
-          </a:p>
-          <a:p>
-            <a:pPr indent="-317500" lvl="1" marL="914400" rtl="0" algn="l">
-              <a:spcBef>
-                <a:spcPts val="0"/>
-              </a:spcBef>
-              <a:spcAft>
-                <a:spcPts val="0"/>
-              </a:spcAft>
-              <a:buSzPts val="1400"/>
-              <a:buChar char="-"/>
-            </a:pPr>
-            <a:r>
-              <a:rPr lang="en"/>
-              <a:t>All children of the marked node share its value</a:t>
-            </a:r>
-            <a:endParaRPr/>
-          </a:p>
-          <a:p>
-            <a:pPr indent="0" lvl="0" marL="0" rtl="0" algn="l">
-              <a:spcBef>
-                <a:spcPts val="1600"/>
-              </a:spcBef>
-              <a:spcAft>
-                <a:spcPts val="1600"/>
-              </a:spcAft>
-              <a:buNone/>
-            </a:pPr>
-            <a:r>
-              <a:t/>
-            </a:r>
-            <a:endParaRPr/>
-          </a:p>
-        </p:txBody>
-      </p:sp>
-      <p:pic>
-        <p:nvPicPr>
-          <p:cNvPr id="461" name="Google Shape;461;p31"/>
-          <p:cNvPicPr preferRelativeResize="0"/>
-          <p:nvPr/>
-        </p:nvPicPr>
-        <p:blipFill>
-          <a:blip r:embed="rId3">
-            <a:alphaModFix/>
-          </a:blip>
-          <a:stretch>
-            <a:fillRect/>
-          </a:stretch>
-        </p:blipFill>
-        <p:spPr>
-          <a:xfrm>
-            <a:off x="4816425" y="985375"/>
-            <a:ext cx="3914200" cy="2269100"/>
-          </a:xfrm>
-          <a:prstGeom prst="rect">
-            <a:avLst/>
-          </a:prstGeom>
-          <a:noFill/>
-          <a:ln>
-            <a:noFill/>
-          </a:ln>
-        </p:spPr>
-      </p:pic>
-      <p:cxnSp>
-        <p:nvCxnSpPr>
-          <p:cNvPr id="462" name="Google Shape;462;p31"/>
-          <p:cNvCxnSpPr>
-            <a:endCxn id="463" idx="1"/>
-          </p:cNvCxnSpPr>
-          <p:nvPr/>
-        </p:nvCxnSpPr>
-        <p:spPr>
-          <a:xfrm flipH="1" rot="10800000">
-            <a:off x="4175875" y="1516150"/>
-            <a:ext cx="912900" cy="687600"/>
-          </a:xfrm>
-          <a:prstGeom prst="straightConnector1">
-            <a:avLst/>
-          </a:prstGeom>
-          <a:noFill/>
-          <a:ln cap="flat" cmpd="sng" w="38100">
-            <a:solidFill>
-              <a:srgbClr val="FF0000"/>
-            </a:solidFill>
-            <a:prstDash val="solid"/>
-            <a:round/>
-            <a:headEnd len="med" w="med" type="none"/>
-            <a:tailEnd len="med" w="med" type="triangle"/>
-          </a:ln>
-        </p:spPr>
-      </p:cxnSp>
-      <p:sp>
-        <p:nvSpPr>
-          <p:cNvPr id="463" name="Google Shape;463;p31"/>
-          <p:cNvSpPr/>
-          <p:nvPr/>
-        </p:nvSpPr>
-        <p:spPr>
-          <a:xfrm>
-            <a:off x="5088775" y="1210150"/>
-            <a:ext cx="2007600" cy="612000"/>
-          </a:xfrm>
-          <a:prstGeom prst="rect">
-            <a:avLst/>
-          </a:prstGeom>
-          <a:noFill/>
-          <a:ln cap="flat" cmpd="sng" w="38100">
-            <a:solidFill>
-              <a:srgbClr val="FF0000"/>
-            </a:solidFill>
-            <a:prstDash val="solid"/>
-            <a:round/>
-            <a:headEnd len="sm" w="sm" type="none"/>
-            <a:tailEnd len="sm" w="sm" type="none"/>
-          </a:ln>
-        </p:spPr>
-        <p:txBody>
-          <a:bodyPr anchorCtr="0" anchor="ctr" bIns="91425" lIns="91425" spcFirstLastPara="1" rIns="91425" wrap="square" tIns="91425">
-            <a:noAutofit/>
-          </a:bodyPr>
-          <a:lstStyle/>
-          <a:p>
-            <a:pPr indent="0" lvl="0" marL="0" rtl="0" algn="ctr">
-              <a:spcBef>
-                <a:spcPts val="0"/>
-              </a:spcBef>
-              <a:spcAft>
-                <a:spcPts val="0"/>
-              </a:spcAft>
-              <a:buNone/>
-            </a:pPr>
-            <a:r>
-              <a:t/>
-            </a:r>
-            <a:endParaRPr>
-              <a:latin typeface="Roboto Mono"/>
-              <a:ea typeface="Roboto Mono"/>
-              <a:cs typeface="Roboto Mono"/>
-              <a:sym typeface="Roboto Mono"/>
-            </a:endParaRPr>
-          </a:p>
-        </p:txBody>
-      </p:sp>
-      <p:sp>
-        <p:nvSpPr>
-          <p:cNvPr id="464" name="Google Shape;464;p31"/>
-          <p:cNvSpPr txBox="1"/>
-          <p:nvPr/>
-        </p:nvSpPr>
-        <p:spPr>
-          <a:xfrm>
-            <a:off x="249875" y="3759950"/>
-            <a:ext cx="5021400" cy="615600"/>
-          </a:xfrm>
-          <a:prstGeom prst="rect">
-            <a:avLst/>
-          </a:prstGeom>
-          <a:noFill/>
-          <a:ln>
-            <a:noFill/>
-          </a:ln>
-        </p:spPr>
-        <p:txBody>
-          <a:bodyPr anchorCtr="0" anchor="t" bIns="91425" lIns="91425" spcFirstLastPara="1" rIns="91425" wrap="square" tIns="91425">
-            <a:spAutoFit/>
-          </a:bodyPr>
-          <a:lstStyle/>
-          <a:p>
-            <a:pPr indent="0" lvl="0" marL="0" rtl="0" algn="l">
-              <a:spcBef>
-                <a:spcPts val="0"/>
-              </a:spcBef>
-              <a:spcAft>
-                <a:spcPts val="0"/>
-              </a:spcAft>
-              <a:buNone/>
-            </a:pPr>
-            <a:r>
-              <a:rPr lang="en">
-                <a:solidFill>
-                  <a:schemeClr val="dk2"/>
-                </a:solidFill>
-                <a:latin typeface="Roboto Mono"/>
-                <a:ea typeface="Roboto Mono"/>
-                <a:cs typeface="Roboto Mono"/>
-                <a:sym typeface="Roboto Mono"/>
-              </a:rPr>
-              <a:t>“Push” new value from parent to children nodes</a:t>
-            </a:r>
-            <a:endParaRPr>
-              <a:solidFill>
-                <a:schemeClr val="dk2"/>
-              </a:solidFill>
-              <a:latin typeface="Roboto Mono"/>
-              <a:ea typeface="Roboto Mono"/>
-              <a:cs typeface="Roboto Mono"/>
-              <a:sym typeface="Roboto Mono"/>
-            </a:endParaRPr>
-          </a:p>
-        </p:txBody>
-      </p:sp>
-      <p:cxnSp>
-        <p:nvCxnSpPr>
-          <p:cNvPr id="465" name="Google Shape;465;p31"/>
-          <p:cNvCxnSpPr>
-            <a:stCxn id="464" idx="0"/>
-            <a:endCxn id="466" idx="1"/>
-          </p:cNvCxnSpPr>
-          <p:nvPr/>
-        </p:nvCxnSpPr>
-        <p:spPr>
-          <a:xfrm flipH="1" rot="10800000">
-            <a:off x="2760575" y="2375750"/>
-            <a:ext cx="2328300" cy="1384200"/>
-          </a:xfrm>
-          <a:prstGeom prst="straightConnector1">
-            <a:avLst/>
-          </a:prstGeom>
-          <a:noFill/>
-          <a:ln cap="flat" cmpd="sng" w="38100">
-            <a:solidFill>
-              <a:srgbClr val="FF0000"/>
-            </a:solidFill>
-            <a:prstDash val="solid"/>
-            <a:round/>
-            <a:headEnd len="med" w="med" type="none"/>
-            <a:tailEnd len="med" w="med" type="triangle"/>
-          </a:ln>
-        </p:spPr>
-      </p:cxnSp>
-      <p:sp>
-        <p:nvSpPr>
-          <p:cNvPr id="466" name="Google Shape;466;p31"/>
-          <p:cNvSpPr/>
-          <p:nvPr/>
-        </p:nvSpPr>
-        <p:spPr>
-          <a:xfrm>
-            <a:off x="5088775" y="1822150"/>
-            <a:ext cx="3541800" cy="1107000"/>
-          </a:xfrm>
-          <a:prstGeom prst="rect">
-            <a:avLst/>
-          </a:prstGeom>
-          <a:noFill/>
-          <a:ln cap="flat" cmpd="sng" w="38100">
-            <a:solidFill>
-              <a:srgbClr val="FF0000"/>
-            </a:solidFill>
-            <a:prstDash val="solid"/>
-            <a:round/>
-            <a:headEnd len="sm" w="sm" type="none"/>
-            <a:tailEnd len="sm" w="sm" type="none"/>
-          </a:ln>
-        </p:spPr>
-        <p:txBody>
-          <a:bodyPr anchorCtr="0" anchor="ctr" bIns="91425" lIns="91425" spcFirstLastPara="1" rIns="91425" wrap="square" tIns="91425">
-            <a:noAutofit/>
-          </a:bodyPr>
-          <a:lstStyle/>
-          <a:p>
-            <a:pPr indent="0" lvl="0" marL="0" rtl="0" algn="ctr">
-              <a:spcBef>
-                <a:spcPts val="0"/>
-              </a:spcBef>
-              <a:spcAft>
-                <a:spcPts val="0"/>
-              </a:spcAft>
-              <a:buNone/>
-            </a:pPr>
-            <a:r>
-              <a:t/>
-            </a:r>
-            <a:endParaRPr>
-              <a:latin typeface="Roboto Mono"/>
-              <a:ea typeface="Roboto Mono"/>
-              <a:cs typeface="Roboto Mono"/>
-              <a:sym typeface="Roboto Mono"/>
-            </a:endParaRPr>
-          </a:p>
-        </p:txBody>
-      </p:sp>
-      <p:cxnSp>
-        <p:nvCxnSpPr>
-          <p:cNvPr id="467" name="Google Shape;467;p31"/>
-          <p:cNvCxnSpPr/>
-          <p:nvPr/>
-        </p:nvCxnSpPr>
-        <p:spPr>
-          <a:xfrm flipH="1" rot="10800000">
-            <a:off x="6773725" y="3254575"/>
-            <a:ext cx="6000" cy="947400"/>
-          </a:xfrm>
-          <a:prstGeom prst="straightConnector1">
-            <a:avLst/>
-          </a:prstGeom>
-          <a:noFill/>
-          <a:ln cap="flat" cmpd="sng" w="38100">
-            <a:solidFill>
-              <a:srgbClr val="FF0000"/>
-            </a:solidFill>
-            <a:prstDash val="solid"/>
-            <a:round/>
-            <a:headEnd len="med" w="med" type="none"/>
-            <a:tailEnd len="med" w="med" type="triangle"/>
-          </a:ln>
-        </p:spPr>
-      </p:cxnSp>
-      <p:sp>
-        <p:nvSpPr>
-          <p:cNvPr id="468" name="Google Shape;468;p31"/>
-          <p:cNvSpPr txBox="1"/>
-          <p:nvPr/>
-        </p:nvSpPr>
-        <p:spPr>
-          <a:xfrm>
-            <a:off x="5241425" y="4252500"/>
-            <a:ext cx="3064200" cy="400200"/>
-          </a:xfrm>
-          <a:prstGeom prst="rect">
-            <a:avLst/>
-          </a:prstGeom>
-          <a:noFill/>
-          <a:ln>
-            <a:noFill/>
-          </a:ln>
-        </p:spPr>
-        <p:txBody>
-          <a:bodyPr anchorCtr="0" anchor="t" bIns="91425" lIns="91425" spcFirstLastPara="1" rIns="91425" wrap="square" tIns="91425">
-            <a:spAutoFit/>
-          </a:bodyPr>
-          <a:lstStyle/>
-          <a:p>
-            <a:pPr indent="0" lvl="0" marL="0" rtl="0" algn="l">
-              <a:spcBef>
-                <a:spcPts val="0"/>
-              </a:spcBef>
-              <a:spcAft>
-                <a:spcPts val="0"/>
-              </a:spcAft>
-              <a:buNone/>
-            </a:pPr>
-            <a:r>
-              <a:rPr lang="en">
-                <a:solidFill>
-                  <a:schemeClr val="dk2"/>
-                </a:solidFill>
-                <a:latin typeface="Roboto Mono"/>
-                <a:ea typeface="Roboto Mono"/>
-                <a:cs typeface="Roboto Mono"/>
-                <a:sym typeface="Roboto Mono"/>
-              </a:rPr>
-              <a:t>Changes no longer pending</a:t>
-            </a:r>
-            <a:endParaRPr>
-              <a:solidFill>
-                <a:schemeClr val="dk2"/>
-              </a:solidFill>
-              <a:latin typeface="Roboto Mono"/>
-              <a:ea typeface="Roboto Mono"/>
-              <a:cs typeface="Roboto Mono"/>
-              <a:sym typeface="Roboto Mono"/>
-            </a:endParaRPr>
-          </a:p>
-        </p:txBody>
-      </p:sp>
-      <p:sp>
-        <p:nvSpPr>
-          <p:cNvPr id="469" name="Google Shape;469;p31"/>
-          <p:cNvSpPr/>
-          <p:nvPr/>
-        </p:nvSpPr>
-        <p:spPr>
-          <a:xfrm>
-            <a:off x="5088875" y="2929150"/>
-            <a:ext cx="2486700" cy="325200"/>
-          </a:xfrm>
-          <a:prstGeom prst="rect">
-            <a:avLst/>
-          </a:prstGeom>
-          <a:noFill/>
-          <a:ln cap="flat" cmpd="sng" w="38100">
-            <a:solidFill>
-              <a:srgbClr val="FF0000"/>
-            </a:solidFill>
-            <a:prstDash val="solid"/>
-            <a:round/>
-            <a:headEnd len="sm" w="sm" type="none"/>
-            <a:tailEnd len="sm" w="sm" type="none"/>
-          </a:ln>
-        </p:spPr>
-        <p:txBody>
-          <a:bodyPr anchorCtr="0" anchor="ctr" bIns="91425" lIns="91425" spcFirstLastPara="1" rIns="91425" wrap="square" tIns="91425">
-            <a:noAutofit/>
-          </a:bodyPr>
-          <a:lstStyle/>
-          <a:p>
-            <a:pPr indent="0" lvl="0" marL="0" rtl="0" algn="ctr">
-              <a:spcBef>
-                <a:spcPts val="0"/>
-              </a:spcBef>
-              <a:spcAft>
-                <a:spcPts val="0"/>
-              </a:spcAft>
-              <a:buNone/>
-            </a:pPr>
-            <a:r>
-              <a:t/>
-            </a:r>
-            <a:endParaRPr>
-              <a:latin typeface="Roboto Mono"/>
-              <a:ea typeface="Roboto Mono"/>
-              <a:cs typeface="Roboto Mono"/>
-              <a:sym typeface="Roboto Mono"/>
-            </a:endParaRPr>
           </a:p>
         </p:txBody>
       </p:sp>
